--- a/assets/slides/su24/06-Lists_HOFs.pptx
+++ b/assets/slides/su24/06-Lists_HOFs.pptx
@@ -5,54 +5,55 @@
     <p:sldMasterId id="2147483703" r:id="rId1"/>
   </p:sldMasterIdLst>
   <p:notesMasterIdLst>
-    <p:notesMasterId r:id="rId47"/>
+    <p:notesMasterId r:id="rId48"/>
   </p:notesMasterIdLst>
   <p:sldIdLst>
     <p:sldId id="256" r:id="rId2"/>
-    <p:sldId id="386" r:id="rId3"/>
-    <p:sldId id="417" r:id="rId4"/>
-    <p:sldId id="418" r:id="rId5"/>
-    <p:sldId id="420" r:id="rId6"/>
-    <p:sldId id="422" r:id="rId7"/>
-    <p:sldId id="423" r:id="rId8"/>
-    <p:sldId id="429" r:id="rId9"/>
-    <p:sldId id="431" r:id="rId10"/>
-    <p:sldId id="421" r:id="rId11"/>
-    <p:sldId id="430" r:id="rId12"/>
-    <p:sldId id="389" r:id="rId13"/>
-    <p:sldId id="282" r:id="rId14"/>
-    <p:sldId id="290" r:id="rId15"/>
-    <p:sldId id="387" r:id="rId16"/>
-    <p:sldId id="390" r:id="rId17"/>
-    <p:sldId id="388" r:id="rId18"/>
-    <p:sldId id="273" r:id="rId19"/>
-    <p:sldId id="432" r:id="rId20"/>
-    <p:sldId id="285" r:id="rId21"/>
-    <p:sldId id="288" r:id="rId22"/>
-    <p:sldId id="274" r:id="rId23"/>
-    <p:sldId id="434" r:id="rId24"/>
-    <p:sldId id="433" r:id="rId25"/>
-    <p:sldId id="287" r:id="rId26"/>
-    <p:sldId id="289" r:id="rId27"/>
-    <p:sldId id="275" r:id="rId28"/>
-    <p:sldId id="394" r:id="rId29"/>
-    <p:sldId id="286" r:id="rId30"/>
-    <p:sldId id="283" r:id="rId31"/>
-    <p:sldId id="392" r:id="rId32"/>
-    <p:sldId id="393" r:id="rId33"/>
-    <p:sldId id="269" r:id="rId34"/>
-    <p:sldId id="291" r:id="rId35"/>
-    <p:sldId id="292" r:id="rId36"/>
-    <p:sldId id="293" r:id="rId37"/>
-    <p:sldId id="294" r:id="rId38"/>
-    <p:sldId id="295" r:id="rId39"/>
-    <p:sldId id="385" r:id="rId40"/>
-    <p:sldId id="395" r:id="rId41"/>
-    <p:sldId id="284" r:id="rId42"/>
-    <p:sldId id="279" r:id="rId43"/>
-    <p:sldId id="280" r:id="rId44"/>
-    <p:sldId id="267" r:id="rId45"/>
-    <p:sldId id="268" r:id="rId46"/>
+    <p:sldId id="439" r:id="rId3"/>
+    <p:sldId id="435" r:id="rId4"/>
+    <p:sldId id="417" r:id="rId5"/>
+    <p:sldId id="418" r:id="rId6"/>
+    <p:sldId id="420" r:id="rId7"/>
+    <p:sldId id="422" r:id="rId8"/>
+    <p:sldId id="423" r:id="rId9"/>
+    <p:sldId id="429" r:id="rId10"/>
+    <p:sldId id="389" r:id="rId11"/>
+    <p:sldId id="282" r:id="rId12"/>
+    <p:sldId id="290" r:id="rId13"/>
+    <p:sldId id="387" r:id="rId14"/>
+    <p:sldId id="390" r:id="rId15"/>
+    <p:sldId id="388" r:id="rId16"/>
+    <p:sldId id="273" r:id="rId17"/>
+    <p:sldId id="432" r:id="rId18"/>
+    <p:sldId id="285" r:id="rId19"/>
+    <p:sldId id="288" r:id="rId20"/>
+    <p:sldId id="274" r:id="rId21"/>
+    <p:sldId id="434" r:id="rId22"/>
+    <p:sldId id="433" r:id="rId23"/>
+    <p:sldId id="287" r:id="rId24"/>
+    <p:sldId id="289" r:id="rId25"/>
+    <p:sldId id="275" r:id="rId26"/>
+    <p:sldId id="394" r:id="rId27"/>
+    <p:sldId id="286" r:id="rId28"/>
+    <p:sldId id="283" r:id="rId29"/>
+    <p:sldId id="392" r:id="rId30"/>
+    <p:sldId id="436" r:id="rId31"/>
+    <p:sldId id="437" r:id="rId32"/>
+    <p:sldId id="438" r:id="rId33"/>
+    <p:sldId id="393" r:id="rId34"/>
+    <p:sldId id="269" r:id="rId35"/>
+    <p:sldId id="291" r:id="rId36"/>
+    <p:sldId id="292" r:id="rId37"/>
+    <p:sldId id="293" r:id="rId38"/>
+    <p:sldId id="294" r:id="rId39"/>
+    <p:sldId id="295" r:id="rId40"/>
+    <p:sldId id="385" r:id="rId41"/>
+    <p:sldId id="395" r:id="rId42"/>
+    <p:sldId id="284" r:id="rId43"/>
+    <p:sldId id="279" r:id="rId44"/>
+    <p:sldId id="280" r:id="rId45"/>
+    <p:sldId id="267" r:id="rId46"/>
+    <p:sldId id="268" r:id="rId47"/>
   </p:sldIdLst>
   <p:sldSz cx="12192000" cy="6858000"/>
   <p:notesSz cx="6997700" cy="9194800"/>
@@ -669,7 +670,7 @@
                 <a:latin typeface="Times New Roman"/>
                 <a:ea typeface="ＭＳ Ｐゴシック"/>
               </a:rPr>
-              <a:t>3</a:t>
+              <a:t>4</a:t>
             </a:fld>
             <a:endParaRPr lang="en-US" sz="2400" b="0" strike="noStrike" spc="-1">
               <a:solidFill>
@@ -793,7 +794,7 @@
                 <a:latin typeface="Times New Roman"/>
                 <a:ea typeface="ＭＳ Ｐゴシック"/>
               </a:rPr>
-              <a:t>12</a:t>
+              <a:t>10</a:t>
             </a:fld>
             <a:endParaRPr lang="en-US" sz="2400" b="0" strike="noStrike" spc="-1">
               <a:solidFill>
@@ -917,7 +918,7 @@
                 <a:latin typeface="Times New Roman"/>
                 <a:ea typeface="ＭＳ Ｐゴシック"/>
               </a:rPr>
-              <a:t>17</a:t>
+              <a:t>15</a:t>
             </a:fld>
             <a:endParaRPr lang="en-US" sz="2400" b="0" strike="noStrike" spc="-1">
               <a:solidFill>
@@ -1041,7 +1042,7 @@
                 <a:latin typeface="Times New Roman"/>
                 <a:ea typeface="ＭＳ Ｐゴシック"/>
               </a:rPr>
-              <a:t>20</a:t>
+              <a:t>18</a:t>
             </a:fld>
             <a:endParaRPr lang="en-US" sz="2400" b="0" strike="noStrike" spc="-1">
               <a:solidFill>
@@ -1165,7 +1166,7 @@
                 <a:latin typeface="Times New Roman"/>
                 <a:ea typeface="ＭＳ Ｐゴシック"/>
               </a:rPr>
-              <a:t>25</a:t>
+              <a:t>23</a:t>
             </a:fld>
             <a:endParaRPr lang="en-US" sz="2400" b="0" strike="noStrike" spc="-1">
               <a:solidFill>
@@ -1289,7 +1290,7 @@
                 <a:latin typeface="Times New Roman"/>
                 <a:ea typeface="ＭＳ Ｐゴシック"/>
               </a:rPr>
-              <a:t>29</a:t>
+              <a:t>27</a:t>
             </a:fld>
             <a:endParaRPr lang="en-US" sz="2400" b="0" strike="noStrike" spc="-1">
               <a:solidFill>
@@ -1413,7 +1414,7 @@
                 <a:latin typeface="Times New Roman"/>
                 <a:ea typeface="ＭＳ Ｐゴシック"/>
               </a:rPr>
-              <a:t>35</a:t>
+              <a:t>36</a:t>
             </a:fld>
             <a:endParaRPr lang="en-US" sz="2400" b="0" strike="noStrike" spc="-1">
               <a:solidFill>
@@ -1652,7 +1653,7 @@
           <a:p>
             <a:r>
               <a:rPr lang="en-US" dirty="0"/>
-              <a:t>Michael Ball | UC Berkeley | https://c88c.org | © CC BY-NC-SA</a:t>
+              <a:t>Eric Kim | UC Berkeley | https://c88c.org | © CC BY-NC-SA</a:t>
             </a:r>
           </a:p>
         </p:txBody>
@@ -1748,7 +1749,7 @@
           <a:p>
             <a:r>
               <a:rPr lang="en-US" dirty="0"/>
-              <a:t>Michael Ball | UC Berkeley | https://c88c.org | © CC BY-NC-SA</a:t>
+              <a:t>Eric Kim | UC Berkeley | https://c88c.org | © CC BY-NC-SA</a:t>
             </a:r>
           </a:p>
         </p:txBody>
@@ -1816,8 +1817,8 @@
           </a:lstStyle>
           <a:p>
             <a:r>
-              <a:rPr lang="en-US"/>
-              <a:t>Michael Ball | UC Berkeley | https://c88c.org | © CC BY-NC-SA</a:t>
+              <a:rPr lang="en-US" dirty="0"/>
+              <a:t>Eric Kim | UC Berkeley | https://c88c.org | © CC BY-NC-SA</a:t>
             </a:r>
           </a:p>
         </p:txBody>
@@ -2115,8 +2116,8 @@
           </a:lstStyle>
           <a:p>
             <a:r>
-              <a:rPr lang="en-US"/>
-              <a:t>Michael Ball | UC Berkeley | https://c88c.org | © CC BY-NC-SA</a:t>
+              <a:rPr lang="en-US" dirty="0"/>
+              <a:t>Eric Kim | UC Berkeley | https://c88c.org | © CC BY-NC-SA</a:t>
             </a:r>
           </a:p>
         </p:txBody>
@@ -2340,8 +2341,8 @@
           </a:lstStyle>
           <a:p>
             <a:r>
-              <a:rPr lang="en-US"/>
-              <a:t>Michael Ball | UC Berkeley | https://c88c.org | © CC BY-NC-SA</a:t>
+              <a:rPr lang="en-US" dirty="0"/>
+              <a:t>Eric Kim | UC Berkeley | https://c88c.org | © CC BY-NC-SA</a:t>
             </a:r>
           </a:p>
         </p:txBody>
@@ -2742,8 +2743,8 @@
           </a:lstStyle>
           <a:p>
             <a:r>
-              <a:rPr lang="en-US"/>
-              <a:t>Michael Ball | UC Berkeley | https://c88c.org | © CC BY-NC-SA</a:t>
+              <a:rPr lang="en-US" dirty="0"/>
+              <a:t>Eric Kim | UC Berkeley | https://c88c.org | © CC BY-NC-SA</a:t>
             </a:r>
           </a:p>
         </p:txBody>
@@ -2921,8 +2922,8 @@
           </a:lstStyle>
           <a:p>
             <a:r>
-              <a:rPr lang="en-US"/>
-              <a:t>Michael Ball | UC Berkeley | https://c88c.org | © CC BY-NC-SA</a:t>
+              <a:rPr lang="en-US" dirty="0"/>
+              <a:t>Eric Kim | UC Berkeley | https://c88c.org | © CC BY-NC-SA</a:t>
             </a:r>
           </a:p>
         </p:txBody>
@@ -3104,10 +3105,10 @@
           <a:lstStyle/>
           <a:p>
             <a:r>
-              <a:rPr lang="en-US">
+              <a:rPr lang="en-US" dirty="0">
                 <a:latin typeface="FreightMicro Pro Light" panose="02000603030000020004" pitchFamily="2" charset="0"/>
               </a:rPr>
-              <a:t>Michael Ball | UC Berkeley | https://c88c.org | © CC BY-NC-SA</a:t>
+              <a:t>Eric Kim | UC Berkeley | https://c88c.org | © CC BY-NC-SA</a:t>
             </a:r>
           </a:p>
         </p:txBody>
@@ -3367,10 +3368,10 @@
           <a:lstStyle/>
           <a:p>
             <a:r>
-              <a:rPr lang="en-US">
+              <a:rPr lang="en-US" dirty="0">
                 <a:latin typeface="FreightMicro Pro Light" panose="02000603030000020004" pitchFamily="2" charset="0"/>
               </a:rPr>
-              <a:t>Michael Ball | UC Berkeley | https://c88c.org | © CC BY-NC-SA</a:t>
+              <a:t>Eric Kim | UC Berkeley | https://c88c.org | © CC BY-NC-SA</a:t>
             </a:r>
           </a:p>
         </p:txBody>
@@ -3765,10 +3766,10 @@
           <a:lstStyle/>
           <a:p>
             <a:r>
-              <a:rPr lang="en-US">
+              <a:rPr lang="en-US" dirty="0">
                 <a:latin typeface="FreightMicro Pro Light" panose="02000603030000020004" pitchFamily="2" charset="0"/>
               </a:rPr>
-              <a:t>Michael Ball | UC Berkeley | https://c88c.org | © CC BY-NC-SA</a:t>
+              <a:t>Eric Kim | UC Berkeley | https://c88c.org | © CC BY-NC-SA</a:t>
             </a:r>
           </a:p>
         </p:txBody>
@@ -4163,10 +4164,10 @@
           <a:lstStyle/>
           <a:p>
             <a:r>
-              <a:rPr lang="en-US">
+              <a:rPr lang="en-US" dirty="0">
                 <a:latin typeface="FreightMicro Pro Light" panose="02000603030000020004" pitchFamily="2" charset="0"/>
               </a:rPr>
-              <a:t>Michael Ball | UC Berkeley | https://c88c.org | © CC BY-NC-SA</a:t>
+              <a:t>Eric Kim | UC Berkeley | https://c88c.org | © CC BY-NC-SA</a:t>
             </a:r>
           </a:p>
         </p:txBody>
@@ -4236,7 +4237,7 @@
           </a:ln>
           <a:extLst>
             <a:ext uri="{909E8E84-426E-40dd-AFC4-6F175D3DCCD1}">
-              <a14:hiddenFill xmlns="" xmlns:a14="http://schemas.microsoft.com/office/drawing/2010/main">
+              <a14:hiddenFill xmlns:a14="http://schemas.microsoft.com/office/drawing/2010/main" xmlns="">
                 <a:noFill/>
               </a14:hiddenFill>
             </a:ext>
@@ -4358,14 +4359,14 @@
           </a:ln>
           <a:extLst>
             <a:ext uri="{909E8E84-426E-40dd-AFC4-6F175D3DCCD1}">
-              <a14:hiddenFill xmlns="" xmlns:a14="http://schemas.microsoft.com/office/drawing/2010/main">
+              <a14:hiddenFill xmlns:a14="http://schemas.microsoft.com/office/drawing/2010/main" xmlns="">
                 <a:solidFill>
                   <a:srgbClr val="FFFFFF"/>
                 </a:solidFill>
               </a14:hiddenFill>
             </a:ext>
             <a:ext uri="{91240B29-F687-4f45-9708-019B960494DF}">
-              <a14:hiddenLine xmlns="" xmlns:a14="http://schemas.microsoft.com/office/drawing/2010/main" w="9525">
+              <a14:hiddenLine xmlns:a14="http://schemas.microsoft.com/office/drawing/2010/main" xmlns="" w="9525">
                 <a:solidFill>
                   <a:srgbClr val="000000"/>
                 </a:solidFill>
@@ -4375,7 +4376,7 @@
               </a14:hiddenLine>
             </a:ext>
             <a:ext uri="{FAA26D3D-D897-4be2-8F04-BA451C77F1D7}">
-              <ma14:placeholderFlag xmlns="" xmlns:ma14="http://schemas.microsoft.com/office/mac/drawingml/2011/main" val="1"/>
+              <ma14:placeholderFlag xmlns:ma14="http://schemas.microsoft.com/office/mac/drawingml/2011/main" xmlns="" val="1"/>
             </a:ext>
           </a:extLst>
         </p:spPr>
@@ -4871,7 +4872,7 @@
           <a:p>
             <a:r>
               <a:rPr lang="en-US" dirty="0"/>
-              <a:t>Michael Ball | UC Berkeley | https://c88c.org | © CC BY-NC-SA</a:t>
+              <a:t>Eric Kim | UC Berkeley | https://c88c.org | © CC BY-NC-SA</a:t>
             </a:r>
           </a:p>
         </p:txBody>
@@ -4933,7 +4934,7 @@
           </a:ln>
           <a:extLst>
             <a:ext uri="{909E8E84-426E-40dd-AFC4-6F175D3DCCD1}">
-              <a14:hiddenFill xmlns="" xmlns:a14="http://schemas.microsoft.com/office/drawing/2010/main">
+              <a14:hiddenFill xmlns:a14="http://schemas.microsoft.com/office/drawing/2010/main" xmlns="">
                 <a:noFill/>
               </a14:hiddenFill>
             </a:ext>
@@ -4978,14 +4979,14 @@
           </a:ln>
           <a:extLst>
             <a:ext uri="{909E8E84-426E-40dd-AFC4-6F175D3DCCD1}">
-              <a14:hiddenFill xmlns="" xmlns:a14="http://schemas.microsoft.com/office/drawing/2010/main">
+              <a14:hiddenFill xmlns:a14="http://schemas.microsoft.com/office/drawing/2010/main" xmlns="">
                 <a:solidFill>
                   <a:srgbClr val="FFFFFF"/>
                 </a:solidFill>
               </a14:hiddenFill>
             </a:ext>
             <a:ext uri="{91240B29-F687-4f45-9708-019B960494DF}">
-              <a14:hiddenLine xmlns="" xmlns:a14="http://schemas.microsoft.com/office/drawing/2010/main" w="9525">
+              <a14:hiddenLine xmlns:a14="http://schemas.microsoft.com/office/drawing/2010/main" xmlns="" w="9525">
                 <a:solidFill>
                   <a:srgbClr val="000000"/>
                 </a:solidFill>
@@ -5093,14 +5094,14 @@
           </a:ln>
           <a:extLst>
             <a:ext uri="{909E8E84-426E-40dd-AFC4-6F175D3DCCD1}">
-              <a14:hiddenFill xmlns="" xmlns:a14="http://schemas.microsoft.com/office/drawing/2010/main">
+              <a14:hiddenFill xmlns:a14="http://schemas.microsoft.com/office/drawing/2010/main" xmlns="">
                 <a:solidFill>
                   <a:srgbClr val="FFFFFF"/>
                 </a:solidFill>
               </a14:hiddenFill>
             </a:ext>
             <a:ext uri="{91240B29-F687-4f45-9708-019B960494DF}">
-              <a14:hiddenLine xmlns="" xmlns:a14="http://schemas.microsoft.com/office/drawing/2010/main" w="9525">
+              <a14:hiddenLine xmlns:a14="http://schemas.microsoft.com/office/drawing/2010/main" xmlns="" w="9525">
                 <a:solidFill>
                   <a:srgbClr val="000000"/>
                 </a:solidFill>
@@ -5110,7 +5111,7 @@
               </a14:hiddenLine>
             </a:ext>
             <a:ext uri="{FAA26D3D-D897-4be2-8F04-BA451C77F1D7}">
-              <ma14:placeholderFlag xmlns="" xmlns:ma14="http://schemas.microsoft.com/office/mac/drawingml/2011/main" val="1"/>
+              <ma14:placeholderFlag xmlns:ma14="http://schemas.microsoft.com/office/mac/drawingml/2011/main" xmlns="" val="1"/>
             </a:ext>
           </a:extLst>
         </p:spPr>
@@ -5372,7 +5373,7 @@
                 <a:ea typeface="Open Sans Light" panose="020B0606030504020204" pitchFamily="34" charset="0"/>
                 <a:cs typeface="Open Sans Light" panose="020B0606030504020204" pitchFamily="34" charset="0"/>
               </a:rPr>
-              <a:t>Michael Ball</a:t>
+              <a:t>Eric Kim</a:t>
             </a:r>
           </a:p>
         </p:txBody>
@@ -5458,14 +5459,14 @@
           </a:ln>
           <a:extLst>
             <a:ext uri="{909E8E84-426E-40dd-AFC4-6F175D3DCCD1}">
-              <a14:hiddenFill xmlns="" xmlns:a14="http://schemas.microsoft.com/office/drawing/2010/main">
+              <a14:hiddenFill xmlns:a14="http://schemas.microsoft.com/office/drawing/2010/main" xmlns="">
                 <a:solidFill>
                   <a:srgbClr val="FFFFFF"/>
                 </a:solidFill>
               </a14:hiddenFill>
             </a:ext>
             <a:ext uri="{91240B29-F687-4f45-9708-019B960494DF}">
-              <a14:hiddenLine xmlns="" xmlns:a14="http://schemas.microsoft.com/office/drawing/2010/main" w="9525">
+              <a14:hiddenLine xmlns:a14="http://schemas.microsoft.com/office/drawing/2010/main" xmlns="" w="9525">
                 <a:solidFill>
                   <a:srgbClr val="000000"/>
                 </a:solidFill>
@@ -5475,7 +5476,7 @@
               </a14:hiddenLine>
             </a:ext>
             <a:ext uri="{FAA26D3D-D897-4be2-8F04-BA451C77F1D7}">
-              <ma14:placeholderFlag xmlns="" xmlns:ma14="http://schemas.microsoft.com/office/mac/drawingml/2011/main" val="1"/>
+              <ma14:placeholderFlag xmlns:ma14="http://schemas.microsoft.com/office/mac/drawingml/2011/main" xmlns="" val="1"/>
             </a:ext>
           </a:extLst>
         </p:spPr>
@@ -5658,7 +5659,7 @@
               <a:rPr lang="en-US" sz="1200" b="0" i="0" baseline="0" dirty="0">
                 <a:latin typeface="FreightMicro Pro Light" panose="02000603030000020004" pitchFamily="2" charset="0"/>
               </a:rPr>
-              <a:t>UC Berkeley | Computer Science 88 | Michael Ball | http://cs88.org</a:t>
+              <a:t>UC Berkeley | Computer Science 88 | Eric Kim | http://cs88.org</a:t>
             </a:r>
           </a:p>
         </p:txBody>
@@ -6536,7 +6537,7 @@
           </a:ln>
           <a:extLst>
             <a:ext uri="{909E8E84-426E-40dd-AFC4-6F175D3DCCD1}">
-              <a14:hiddenFill xmlns:a14="http://schemas.microsoft.com/office/drawing/2010/main" xmlns="">
+              <a14:hiddenFill xmlns="" xmlns:a14="http://schemas.microsoft.com/office/drawing/2010/main">
                 <a:noFill/>
               </a14:hiddenFill>
             </a:ext>
@@ -6661,14 +6662,14 @@
           </a:ln>
           <a:extLst>
             <a:ext uri="{909E8E84-426E-40dd-AFC4-6F175D3DCCD1}">
-              <a14:hiddenFill xmlns:a14="http://schemas.microsoft.com/office/drawing/2010/main" xmlns="">
+              <a14:hiddenFill xmlns="" xmlns:a14="http://schemas.microsoft.com/office/drawing/2010/main">
                 <a:solidFill>
                   <a:srgbClr val="FFFFFF"/>
                 </a:solidFill>
               </a14:hiddenFill>
             </a:ext>
             <a:ext uri="{91240B29-F687-4f45-9708-019B960494DF}">
-              <a14:hiddenLine xmlns:a14="http://schemas.microsoft.com/office/drawing/2010/main" xmlns="" w="9525">
+              <a14:hiddenLine xmlns="" xmlns:a14="http://schemas.microsoft.com/office/drawing/2010/main" w="9525">
                 <a:solidFill>
                   <a:srgbClr val="000000"/>
                 </a:solidFill>
@@ -6678,7 +6679,7 @@
               </a14:hiddenLine>
             </a:ext>
             <a:ext uri="{FAA26D3D-D897-4be2-8F04-BA451C77F1D7}">
-              <ma14:placeholderFlag xmlns:ma14="http://schemas.microsoft.com/office/mac/drawingml/2011/main" xmlns="" val="1"/>
+              <ma14:placeholderFlag xmlns="" xmlns:ma14="http://schemas.microsoft.com/office/mac/drawingml/2011/main" val="1"/>
             </a:ext>
           </a:extLst>
         </p:spPr>
@@ -7189,7 +7190,7 @@
           <a:p>
             <a:r>
               <a:rPr lang="en-US" dirty="0"/>
-              <a:t>Michael Ball | UC Berkeley | https://c88c.org | © CC BY-NC-SA</a:t>
+              <a:t>Eric Kim | UC Berkeley | https://c88c.org | © CC BY-NC-SA</a:t>
             </a:r>
           </a:p>
         </p:txBody>
@@ -7377,8 +7378,8 @@
           </a:lstStyle>
           <a:p>
             <a:r>
-              <a:rPr lang="en-US"/>
-              <a:t>Michael Ball | UC Berkeley | https://c88c.org | © CC BY-NC-SA</a:t>
+              <a:rPr lang="en-US" dirty="0"/>
+              <a:t>Eric Kim | UC Berkeley | https://c88c.org | © CC BY-NC-SA</a:t>
             </a:r>
           </a:p>
         </p:txBody>
@@ -7548,8 +7549,8 @@
           </a:lstStyle>
           <a:p>
             <a:r>
-              <a:rPr lang="en-US"/>
-              <a:t>Michael Ball | UC Berkeley | https://c88c.org | © CC BY-NC-SA</a:t>
+              <a:rPr lang="en-US" dirty="0"/>
+              <a:t>Eric Kim | UC Berkeley | https://c88c.org | © CC BY-NC-SA</a:t>
             </a:r>
           </a:p>
         </p:txBody>
@@ -7818,8 +7819,8 @@
           </a:lstStyle>
           <a:p>
             <a:r>
-              <a:rPr lang="en-US"/>
-              <a:t>Michael Ball | UC Berkeley | https://c88c.org | © CC BY-NC-SA</a:t>
+              <a:rPr lang="en-US" dirty="0"/>
+              <a:t>Eric Kim | UC Berkeley | https://c88c.org | © CC BY-NC-SA</a:t>
             </a:r>
           </a:p>
         </p:txBody>
@@ -8088,8 +8089,8 @@
           </a:lstStyle>
           <a:p>
             <a:r>
-              <a:rPr lang="en-US"/>
-              <a:t>Michael Ball | UC Berkeley | https://c88c.org | © CC BY-NC-SA</a:t>
+              <a:rPr lang="en-US" dirty="0"/>
+              <a:t>Eric Kim | UC Berkeley | https://c88c.org | © CC BY-NC-SA</a:t>
             </a:r>
           </a:p>
         </p:txBody>
@@ -8350,7 +8351,7 @@
           <a:p>
             <a:r>
               <a:rPr lang="en-US" dirty="0"/>
-              <a:t>Michael Ball | UC Berkeley | https://c88c.org | © CC BY-NC-SA</a:t>
+              <a:t>Eric Kim | UC Berkeley | https://c88c.org | © CC BY-NC-SA</a:t>
             </a:r>
           </a:p>
         </p:txBody>
@@ -8751,8 +8752,8 @@
           </a:lstStyle>
           <a:p>
             <a:r>
-              <a:rPr lang="en-US"/>
-              <a:t>Michael Ball | UC Berkeley | https://c88c.org | © CC BY-NC-SA</a:t>
+              <a:rPr lang="en-US" dirty="0"/>
+              <a:t>Eric Kim | UC Berkeley | https://c88c.org | © CC BY-NC-SA</a:t>
             </a:r>
           </a:p>
         </p:txBody>
@@ -8821,14 +8822,14 @@
           </a:ln>
           <a:extLst>
             <a:ext uri="{909E8E84-426E-40dd-AFC4-6F175D3DCCD1}">
-              <a14:hiddenFill xmlns:a14="http://schemas.microsoft.com/office/drawing/2010/main" xmlns="">
+              <a14:hiddenFill xmlns="" xmlns:a14="http://schemas.microsoft.com/office/drawing/2010/main">
                 <a:solidFill>
                   <a:srgbClr val="FFFFFF"/>
                 </a:solidFill>
               </a14:hiddenFill>
             </a:ext>
             <a:ext uri="{91240B29-F687-4f45-9708-019B960494DF}">
-              <a14:hiddenLine xmlns:a14="http://schemas.microsoft.com/office/drawing/2010/main" xmlns="" w="9525">
+              <a14:hiddenLine xmlns="" xmlns:a14="http://schemas.microsoft.com/office/drawing/2010/main" w="9525">
                 <a:solidFill>
                   <a:srgbClr val="000000"/>
                 </a:solidFill>
@@ -8838,7 +8839,7 @@
               </a14:hiddenLine>
             </a:ext>
             <a:ext uri="{FAA26D3D-D897-4be2-8F04-BA451C77F1D7}">
-              <ma14:placeholderFlag xmlns:ma14="http://schemas.microsoft.com/office/mac/drawingml/2011/main" xmlns="" val="1"/>
+              <ma14:placeholderFlag xmlns="" xmlns:ma14="http://schemas.microsoft.com/office/mac/drawingml/2011/main" val="1"/>
             </a:ext>
           </a:extLst>
         </p:spPr>
@@ -8883,14 +8884,14 @@
           </a:ln>
           <a:extLst>
             <a:ext uri="{909E8E84-426E-40dd-AFC4-6F175D3DCCD1}">
-              <a14:hiddenFill xmlns:a14="http://schemas.microsoft.com/office/drawing/2010/main" xmlns="">
+              <a14:hiddenFill xmlns="" xmlns:a14="http://schemas.microsoft.com/office/drawing/2010/main">
                 <a:solidFill>
                   <a:srgbClr val="FFFFFF"/>
                 </a:solidFill>
               </a14:hiddenFill>
             </a:ext>
             <a:ext uri="{91240B29-F687-4f45-9708-019B960494DF}">
-              <a14:hiddenLine xmlns:a14="http://schemas.microsoft.com/office/drawing/2010/main" xmlns="" w="9525">
+              <a14:hiddenLine xmlns="" xmlns:a14="http://schemas.microsoft.com/office/drawing/2010/main" w="9525">
                 <a:solidFill>
                   <a:srgbClr val="000000"/>
                 </a:solidFill>
@@ -8900,7 +8901,7 @@
               </a14:hiddenLine>
             </a:ext>
             <a:ext uri="{FAA26D3D-D897-4be2-8F04-BA451C77F1D7}">
-              <ma14:placeholderFlag xmlns:ma14="http://schemas.microsoft.com/office/mac/drawingml/2011/main" xmlns="" val="1"/>
+              <ma14:placeholderFlag xmlns="" xmlns:ma14="http://schemas.microsoft.com/office/mac/drawingml/2011/main" val="1"/>
             </a:ext>
           </a:extLst>
         </p:spPr>
@@ -8990,7 +8991,7 @@
           <a:p>
             <a:r>
               <a:rPr lang="en-US" dirty="0"/>
-              <a:t>Michael Ball | UC Berkeley | https://c88c.org | © CC BY-NC-SA</a:t>
+              <a:t>Eric Kim | UC Berkeley | https://c88c.org | © CC BY-NC-SA</a:t>
             </a:r>
           </a:p>
         </p:txBody>
@@ -9520,12 +9521,243 @@
         </p:nvSpPr>
         <p:spPr/>
         <p:txBody>
-          <a:bodyPr/>
+          <a:bodyPr>
+            <a:normAutofit/>
+          </a:bodyPr>
           <a:lstStyle/>
           <a:p>
             <a:r>
               <a:rPr lang="en-US" dirty="0"/>
-              <a:t>Lists &amp; Higher Order Functions</a:t>
+              <a:t>Lecture 6: Lists &amp; Higher Order Functions</a:t>
+            </a:r>
+          </a:p>
+        </p:txBody>
+      </p:sp>
+      <p:sp>
+        <p:nvSpPr>
+          <p:cNvPr id="3" name="Title 1">
+            <a:extLst>
+              <a:ext uri="{FF2B5EF4-FFF2-40B4-BE49-F238E27FC236}">
+                <a16:creationId xmlns:a16="http://schemas.microsoft.com/office/drawing/2014/main" id="{61F6A82A-F13D-0F84-33ED-40084477E4AB}"/>
+              </a:ext>
+            </a:extLst>
+          </p:cNvPr>
+          <p:cNvSpPr txBox="1">
+            <a:spLocks/>
+          </p:cNvSpPr>
+          <p:nvPr/>
+        </p:nvSpPr>
+        <p:spPr bwMode="auto">
+          <a:xfrm>
+            <a:off x="1866900" y="3605124"/>
+            <a:ext cx="8458200" cy="1470025"/>
+          </a:xfrm>
+          <a:prstGeom prst="rect">
+            <a:avLst/>
+          </a:prstGeom>
+          <a:noFill/>
+          <a:ln w="25400">
+            <a:noFill/>
+          </a:ln>
+          <a:extLst>
+            <a:ext uri="{909E8E84-426E-40dd-AFC4-6F175D3DCCD1}">
+              <a14:hiddenFill xmlns="" xmlns:a14="http://schemas.microsoft.com/office/drawing/2010/main">
+                <a:solidFill>
+                  <a:srgbClr val="FFFFFF"/>
+                </a:solidFill>
+              </a14:hiddenFill>
+            </a:ext>
+            <a:ext uri="{91240B29-F687-4f45-9708-019B960494DF}">
+              <a14:hiddenLine xmlns="" xmlns:a14="http://schemas.microsoft.com/office/drawing/2010/main" w="9525">
+                <a:solidFill>
+                  <a:srgbClr val="000000"/>
+                </a:solidFill>
+                <a:miter lim="800000"/>
+                <a:headEnd/>
+                <a:tailEnd/>
+              </a14:hiddenLine>
+            </a:ext>
+            <a:ext uri="{FAA26D3D-D897-4be2-8F04-BA451C77F1D7}">
+              <ma14:placeholderFlag xmlns="" xmlns:ma14="http://schemas.microsoft.com/office/mac/drawingml/2011/main" val="1"/>
+            </a:ext>
+          </a:extLst>
+        </p:spPr>
+        <p:txBody>
+          <a:bodyPr vert="horz" wrap="square" lIns="457200" tIns="46038" rIns="457200" bIns="46038" numCol="1" anchor="ctr" anchorCtr="0" compatLnSpc="1">
+            <a:prstTxWarp prst="textNoShape">
+              <a:avLst/>
+            </a:prstTxWarp>
+            <a:normAutofit/>
+          </a:bodyPr>
+          <a:lstStyle>
+            <a:lvl1pPr algn="ctr" rtl="0" eaLnBrk="1" fontAlgn="base" hangingPunct="1">
+              <a:lnSpc>
+                <a:spcPct val="90000"/>
+              </a:lnSpc>
+              <a:spcBef>
+                <a:spcPct val="0"/>
+              </a:spcBef>
+              <a:spcAft>
+                <a:spcPct val="0"/>
+              </a:spcAft>
+              <a:defRPr sz="3733" b="0" i="0" baseline="0">
+                <a:solidFill>
+                  <a:schemeClr val="bg1"/>
+                </a:solidFill>
+                <a:latin typeface="FreightMicro Pro Book" panose="02000603020000020004" pitchFamily="2" charset="0"/>
+                <a:ea typeface="ＭＳ Ｐゴシック" charset="-128"/>
+                <a:cs typeface="FreightMicro Pro Book" panose="02000603020000020004" pitchFamily="2" charset="0"/>
+              </a:defRPr>
+            </a:lvl1pPr>
+            <a:lvl2pPr algn="l" rtl="0" eaLnBrk="1" fontAlgn="base" hangingPunct="1">
+              <a:lnSpc>
+                <a:spcPct val="90000"/>
+              </a:lnSpc>
+              <a:spcBef>
+                <a:spcPct val="0"/>
+              </a:spcBef>
+              <a:spcAft>
+                <a:spcPct val="0"/>
+              </a:spcAft>
+              <a:defRPr sz="1351" b="1">
+                <a:solidFill>
+                  <a:srgbClr val="0332B7"/>
+                </a:solidFill>
+                <a:latin typeface="Arial" charset="0"/>
+                <a:ea typeface="ＭＳ Ｐゴシック" charset="-128"/>
+                <a:cs typeface="ＭＳ Ｐゴシック" charset="-128"/>
+              </a:defRPr>
+            </a:lvl2pPr>
+            <a:lvl3pPr algn="l" rtl="0" eaLnBrk="1" fontAlgn="base" hangingPunct="1">
+              <a:lnSpc>
+                <a:spcPct val="90000"/>
+              </a:lnSpc>
+              <a:spcBef>
+                <a:spcPct val="0"/>
+              </a:spcBef>
+              <a:spcAft>
+                <a:spcPct val="0"/>
+              </a:spcAft>
+              <a:defRPr sz="1351" b="1">
+                <a:solidFill>
+                  <a:srgbClr val="0332B7"/>
+                </a:solidFill>
+                <a:latin typeface="Arial" charset="0"/>
+                <a:ea typeface="ＭＳ Ｐゴシック" charset="-128"/>
+                <a:cs typeface="ＭＳ Ｐゴシック" charset="-128"/>
+              </a:defRPr>
+            </a:lvl3pPr>
+            <a:lvl4pPr algn="l" rtl="0" eaLnBrk="1" fontAlgn="base" hangingPunct="1">
+              <a:lnSpc>
+                <a:spcPct val="90000"/>
+              </a:lnSpc>
+              <a:spcBef>
+                <a:spcPct val="0"/>
+              </a:spcBef>
+              <a:spcAft>
+                <a:spcPct val="0"/>
+              </a:spcAft>
+              <a:defRPr sz="1351" b="1">
+                <a:solidFill>
+                  <a:srgbClr val="0332B7"/>
+                </a:solidFill>
+                <a:latin typeface="Arial" charset="0"/>
+                <a:ea typeface="ＭＳ Ｐゴシック" charset="-128"/>
+                <a:cs typeface="ＭＳ Ｐゴシック" charset="-128"/>
+              </a:defRPr>
+            </a:lvl4pPr>
+            <a:lvl5pPr algn="l" rtl="0" eaLnBrk="1" fontAlgn="base" hangingPunct="1">
+              <a:lnSpc>
+                <a:spcPct val="90000"/>
+              </a:lnSpc>
+              <a:spcBef>
+                <a:spcPct val="0"/>
+              </a:spcBef>
+              <a:spcAft>
+                <a:spcPct val="0"/>
+              </a:spcAft>
+              <a:defRPr sz="1351" b="1">
+                <a:solidFill>
+                  <a:srgbClr val="0332B7"/>
+                </a:solidFill>
+                <a:latin typeface="Arial" charset="0"/>
+                <a:ea typeface="ＭＳ Ｐゴシック" charset="-128"/>
+                <a:cs typeface="ＭＳ Ｐゴシック" charset="-128"/>
+              </a:defRPr>
+            </a:lvl5pPr>
+            <a:lvl6pPr marL="192877" algn="l" rtl="0" eaLnBrk="1" fontAlgn="base" hangingPunct="1">
+              <a:lnSpc>
+                <a:spcPct val="90000"/>
+              </a:lnSpc>
+              <a:spcBef>
+                <a:spcPct val="0"/>
+              </a:spcBef>
+              <a:spcAft>
+                <a:spcPct val="0"/>
+              </a:spcAft>
+              <a:defRPr sz="1351" b="1">
+                <a:solidFill>
+                  <a:srgbClr val="0332B7"/>
+                </a:solidFill>
+                <a:latin typeface="Arial" charset="0"/>
+              </a:defRPr>
+            </a:lvl6pPr>
+            <a:lvl7pPr marL="385753" algn="l" rtl="0" eaLnBrk="1" fontAlgn="base" hangingPunct="1">
+              <a:lnSpc>
+                <a:spcPct val="90000"/>
+              </a:lnSpc>
+              <a:spcBef>
+                <a:spcPct val="0"/>
+              </a:spcBef>
+              <a:spcAft>
+                <a:spcPct val="0"/>
+              </a:spcAft>
+              <a:defRPr sz="1351" b="1">
+                <a:solidFill>
+                  <a:srgbClr val="0332B7"/>
+                </a:solidFill>
+                <a:latin typeface="Arial" charset="0"/>
+              </a:defRPr>
+            </a:lvl7pPr>
+            <a:lvl8pPr marL="578630" algn="l" rtl="0" eaLnBrk="1" fontAlgn="base" hangingPunct="1">
+              <a:lnSpc>
+                <a:spcPct val="90000"/>
+              </a:lnSpc>
+              <a:spcBef>
+                <a:spcPct val="0"/>
+              </a:spcBef>
+              <a:spcAft>
+                <a:spcPct val="0"/>
+              </a:spcAft>
+              <a:defRPr sz="1351" b="1">
+                <a:solidFill>
+                  <a:srgbClr val="0332B7"/>
+                </a:solidFill>
+                <a:latin typeface="Arial" charset="0"/>
+              </a:defRPr>
+            </a:lvl8pPr>
+            <a:lvl9pPr marL="771506" algn="l" rtl="0" eaLnBrk="1" fontAlgn="base" hangingPunct="1">
+              <a:lnSpc>
+                <a:spcPct val="90000"/>
+              </a:lnSpc>
+              <a:spcBef>
+                <a:spcPct val="0"/>
+              </a:spcBef>
+              <a:spcAft>
+                <a:spcPct val="0"/>
+              </a:spcAft>
+              <a:defRPr sz="1351" b="1">
+                <a:solidFill>
+                  <a:srgbClr val="0332B7"/>
+                </a:solidFill>
+                <a:latin typeface="Arial" charset="0"/>
+              </a:defRPr>
+            </a:lvl9pPr>
+          </a:lstStyle>
+          <a:p>
+            <a:r>
+              <a:rPr lang="en-US" sz="3200" kern="0" dirty="0"/>
+              <a:t>Week 2, Summer 2024. 6/26 (Wed)</a:t>
             </a:r>
           </a:p>
         </p:txBody>
@@ -9566,700 +9798,6 @@
 </file>
 
 <file path=ppt/slides/slide10.xml><?xml version="1.0" encoding="utf-8"?>
-<p:sld xmlns:a="http://schemas.openxmlformats.org/drawingml/2006/main" xmlns:r="http://schemas.openxmlformats.org/officeDocument/2006/relationships" xmlns:p="http://schemas.openxmlformats.org/presentationml/2006/main" show="0">
-  <p:cSld>
-    <p:spTree>
-      <p:nvGrpSpPr>
-        <p:cNvPr id="1" name=""/>
-        <p:cNvGrpSpPr/>
-        <p:nvPr/>
-      </p:nvGrpSpPr>
-      <p:grpSpPr>
-        <a:xfrm>
-          <a:off x="0" y="0"/>
-          <a:ext cx="0" cy="0"/>
-          <a:chOff x="0" y="0"/>
-          <a:chExt cx="0" cy="0"/>
-        </a:xfrm>
-      </p:grpSpPr>
-      <p:sp>
-        <p:nvSpPr>
-          <p:cNvPr id="2" name="Title 1">
-            <a:extLst>
-              <a:ext uri="{FF2B5EF4-FFF2-40B4-BE49-F238E27FC236}">
-                <a16:creationId xmlns:a16="http://schemas.microsoft.com/office/drawing/2014/main" id="{E91AACDA-C6A9-8D54-C97B-FB74DEA0844B}"/>
-              </a:ext>
-            </a:extLst>
-          </p:cNvPr>
-          <p:cNvSpPr>
-            <a:spLocks noGrp="1"/>
-          </p:cNvSpPr>
-          <p:nvPr>
-            <p:ph type="title"/>
-          </p:nvPr>
-        </p:nvSpPr>
-        <p:spPr/>
-        <p:txBody>
-          <a:bodyPr/>
-          <a:lstStyle/>
-          <a:p>
-            <a:r>
-              <a:rPr lang="en-US" dirty="0"/>
-              <a:t>Optional - Sorting Data</a:t>
-            </a:r>
-          </a:p>
-        </p:txBody>
-      </p:sp>
-      <p:sp>
-        <p:nvSpPr>
-          <p:cNvPr id="3" name="Content Placeholder 2">
-            <a:extLst>
-              <a:ext uri="{FF2B5EF4-FFF2-40B4-BE49-F238E27FC236}">
-                <a16:creationId xmlns:a16="http://schemas.microsoft.com/office/drawing/2014/main" id="{A449153C-F8AB-C71C-F24F-96026AAB15E4}"/>
-              </a:ext>
-            </a:extLst>
-          </p:cNvPr>
-          <p:cNvSpPr>
-            <a:spLocks noGrp="1"/>
-          </p:cNvSpPr>
-          <p:nvPr>
-            <p:ph idx="1"/>
-          </p:nvPr>
-        </p:nvSpPr>
-        <p:spPr/>
-        <p:txBody>
-          <a:bodyPr/>
-          <a:lstStyle/>
-          <a:p>
-            <a:r>
-              <a:rPr lang="en-US" dirty="0"/>
-              <a:t>It is often useful to sort data.</a:t>
-            </a:r>
-          </a:p>
-          <a:p>
-            <a:r>
-              <a:rPr lang="en-US" dirty="0"/>
-              <a:t>What property should we sort on?</a:t>
-            </a:r>
-          </a:p>
-          <a:p>
-            <a:pPr lvl="1"/>
-            <a:r>
-              <a:rPr lang="en-US" dirty="0"/>
-              <a:t> Numbers: We can clearly sort.</a:t>
-            </a:r>
-          </a:p>
-          <a:p>
-            <a:pPr lvl="1"/>
-            <a:r>
-              <a:rPr lang="en-US" dirty="0"/>
-              <a:t>What about the length of a word?</a:t>
-            </a:r>
-          </a:p>
-          <a:p>
-            <a:pPr lvl="1"/>
-            <a:r>
-              <a:rPr lang="en-US" dirty="0"/>
-              <a:t>Alphabetically?</a:t>
-            </a:r>
-          </a:p>
-          <a:p>
-            <a:pPr lvl="1"/>
-            <a:r>
-              <a:rPr lang="en-US" dirty="0"/>
-              <a:t>What about sorting a complex data set, but 1 attribute?</a:t>
-            </a:r>
-          </a:p>
-          <a:p>
-            <a:pPr lvl="2"/>
-            <a:r>
-              <a:rPr lang="en-US" dirty="0"/>
-              <a:t> Image I have a list of courses: I could sort be course name, number of units, start time, etc.</a:t>
-            </a:r>
-          </a:p>
-          <a:p>
-            <a:r>
-              <a:rPr lang="en-US" dirty="0"/>
-              <a:t>Python provides 1 function which allows us to provide a </a:t>
-            </a:r>
-            <a:r>
-              <a:rPr lang="en-US" i="1" dirty="0"/>
-              <a:t>lambda </a:t>
-            </a:r>
-            <a:r>
-              <a:rPr lang="en-US" dirty="0"/>
-              <a:t> to control its behavior</a:t>
-            </a:r>
-          </a:p>
-        </p:txBody>
-      </p:sp>
-    </p:spTree>
-    <p:extLst>
-      <p:ext uri="{BB962C8B-B14F-4D97-AF65-F5344CB8AC3E}">
-        <p14:creationId xmlns:p14="http://schemas.microsoft.com/office/powerpoint/2010/main" val="718302183"/>
-      </p:ext>
-    </p:extLst>
-  </p:cSld>
-  <p:clrMapOvr>
-    <a:masterClrMapping/>
-  </p:clrMapOvr>
-</p:sld>
-</file>
-
-<file path=ppt/slides/slide11.xml><?xml version="1.0" encoding="utf-8"?>
-<p:sld xmlns:a="http://schemas.openxmlformats.org/drawingml/2006/main" xmlns:r="http://schemas.openxmlformats.org/officeDocument/2006/relationships" xmlns:p="http://schemas.openxmlformats.org/presentationml/2006/main" show="0">
-  <p:cSld>
-    <p:spTree>
-      <p:nvGrpSpPr>
-        <p:cNvPr id="1" name=""/>
-        <p:cNvGrpSpPr/>
-        <p:nvPr/>
-      </p:nvGrpSpPr>
-      <p:grpSpPr>
-        <a:xfrm>
-          <a:off x="0" y="0"/>
-          <a:ext cx="0" cy="0"/>
-          <a:chOff x="0" y="0"/>
-          <a:chExt cx="0" cy="0"/>
-        </a:xfrm>
-      </p:grpSpPr>
-      <p:sp>
-        <p:nvSpPr>
-          <p:cNvPr id="2" name="Title 1">
-            <a:extLst>
-              <a:ext uri="{FF2B5EF4-FFF2-40B4-BE49-F238E27FC236}">
-                <a16:creationId xmlns:a16="http://schemas.microsoft.com/office/drawing/2014/main" id="{F396068F-CD4F-DF81-04E6-F7059BB67041}"/>
-              </a:ext>
-            </a:extLst>
-          </p:cNvPr>
-          <p:cNvSpPr>
-            <a:spLocks noGrp="1"/>
-          </p:cNvSpPr>
-          <p:nvPr>
-            <p:ph type="title"/>
-          </p:nvPr>
-        </p:nvSpPr>
-        <p:spPr/>
-        <p:txBody>
-          <a:bodyPr/>
-          <a:lstStyle/>
-          <a:p>
-            <a:r>
-              <a:rPr lang="en-US" dirty="0"/>
-              <a:t>Optional - Sorting with Lambdas</a:t>
-            </a:r>
-          </a:p>
-        </p:txBody>
-      </p:sp>
-      <p:sp>
-        <p:nvSpPr>
-          <p:cNvPr id="3" name="Content Placeholder 2">
-            <a:extLst>
-              <a:ext uri="{FF2B5EF4-FFF2-40B4-BE49-F238E27FC236}">
-                <a16:creationId xmlns:a16="http://schemas.microsoft.com/office/drawing/2014/main" id="{3C31FC95-828E-B85E-B645-6F5E39C638AB}"/>
-              </a:ext>
-            </a:extLst>
-          </p:cNvPr>
-          <p:cNvSpPr>
-            <a:spLocks noGrp="1"/>
-          </p:cNvSpPr>
-          <p:nvPr>
-            <p:ph idx="1"/>
-          </p:nvPr>
-        </p:nvSpPr>
-        <p:spPr>
-          <a:xfrm>
-            <a:off x="533400" y="1066800"/>
-            <a:ext cx="10417098" cy="5257800"/>
-          </a:xfrm>
-        </p:spPr>
-        <p:txBody>
-          <a:bodyPr/>
-          <a:lstStyle/>
-          <a:p>
-            <a:pPr marL="0" indent="0">
-              <a:buNone/>
-            </a:pPr>
-            <a:r>
-              <a:rPr lang="en-US" sz="1800" dirty="0">
-                <a:solidFill>
-                  <a:schemeClr val="dk1"/>
-                </a:solidFill>
-                <a:latin typeface="Source Code Pro" panose="020B0509030403020204" pitchFamily="49" charset="77"/>
-                <a:ea typeface="Courier"/>
-                <a:cs typeface="Courier"/>
-                <a:sym typeface="Courier"/>
-              </a:rPr>
-              <a:t>&gt;&gt;&gt; sorted([1,2,3,4,5], key = </a:t>
-            </a:r>
-            <a:r>
-              <a:rPr lang="en-US" sz="1800" b="1" dirty="0">
-                <a:solidFill>
-                  <a:schemeClr val="dk1"/>
-                </a:solidFill>
-                <a:latin typeface="Source Code Pro" panose="020B0509030403020204" pitchFamily="49" charset="77"/>
-                <a:ea typeface="Courier"/>
-                <a:cs typeface="Courier"/>
-                <a:sym typeface="Courier"/>
-              </a:rPr>
-              <a:t>lambda x: x</a:t>
-            </a:r>
-            <a:r>
-              <a:rPr lang="en-US" sz="1800" dirty="0">
-                <a:solidFill>
-                  <a:schemeClr val="dk1"/>
-                </a:solidFill>
-                <a:latin typeface="Source Code Pro" panose="020B0509030403020204" pitchFamily="49" charset="77"/>
-                <a:ea typeface="Courier"/>
-                <a:cs typeface="Courier"/>
-                <a:sym typeface="Courier"/>
-              </a:rPr>
-              <a:t>)                                                                  </a:t>
-            </a:r>
-            <a:endParaRPr lang="en-US" sz="1800" dirty="0">
-              <a:latin typeface="Source Code Pro" panose="020B0509030403020204" pitchFamily="49" charset="77"/>
-            </a:endParaRPr>
-          </a:p>
-          <a:p>
-            <a:pPr marL="0" indent="0">
-              <a:buNone/>
-            </a:pPr>
-            <a:r>
-              <a:rPr lang="en-US" sz="1800" dirty="0">
-                <a:solidFill>
-                  <a:schemeClr val="dk1"/>
-                </a:solidFill>
-                <a:latin typeface="Source Code Pro" panose="020B0509030403020204" pitchFamily="49" charset="77"/>
-                <a:ea typeface="Courier"/>
-                <a:cs typeface="Courier"/>
-                <a:sym typeface="Courier"/>
-              </a:rPr>
-              <a:t>    [1, 2, 3, 4, 5]                                                                          &gt;&gt;&gt; sorted([1,2,3,4,5], key = </a:t>
-            </a:r>
-            <a:r>
-              <a:rPr lang="en-US" sz="1800" b="1" dirty="0">
-                <a:solidFill>
-                  <a:schemeClr val="dk1"/>
-                </a:solidFill>
-                <a:latin typeface="Source Code Pro" panose="020B0509030403020204" pitchFamily="49" charset="77"/>
-                <a:ea typeface="Courier"/>
-                <a:cs typeface="Courier"/>
-                <a:sym typeface="Courier"/>
-              </a:rPr>
-              <a:t>lambda x: -x</a:t>
-            </a:r>
-            <a:r>
-              <a:rPr lang="en-US" sz="1800" dirty="0">
-                <a:solidFill>
-                  <a:schemeClr val="dk1"/>
-                </a:solidFill>
-                <a:latin typeface="Source Code Pro" panose="020B0509030403020204" pitchFamily="49" charset="77"/>
-                <a:ea typeface="Courier"/>
-                <a:cs typeface="Courier"/>
-                <a:sym typeface="Courier"/>
-              </a:rPr>
-              <a:t>)                                                                 </a:t>
-            </a:r>
-            <a:endParaRPr lang="en-US" sz="1800" dirty="0">
-              <a:latin typeface="Source Code Pro" panose="020B0509030403020204" pitchFamily="49" charset="77"/>
-            </a:endParaRPr>
-          </a:p>
-          <a:p>
-            <a:pPr marL="0" indent="0">
-              <a:buNone/>
-            </a:pPr>
-            <a:r>
-              <a:rPr lang="en-US" sz="1800" dirty="0">
-                <a:solidFill>
-                  <a:schemeClr val="dk1"/>
-                </a:solidFill>
-                <a:latin typeface="Source Code Pro" panose="020B0509030403020204" pitchFamily="49" charset="77"/>
-                <a:ea typeface="Courier"/>
-                <a:cs typeface="Courier"/>
-                <a:sym typeface="Courier"/>
-              </a:rPr>
-              <a:t>    [5, 4, 3, 2, 1]                                                                                      </a:t>
-            </a:r>
-          </a:p>
-          <a:p>
-            <a:pPr marL="0" indent="0">
-              <a:buNone/>
-            </a:pPr>
-            <a:r>
-              <a:rPr lang="en-US" sz="1800" dirty="0">
-                <a:solidFill>
-                  <a:schemeClr val="dk1"/>
-                </a:solidFill>
-                <a:latin typeface="Source Code Pro" panose="020B0509030403020204" pitchFamily="49" charset="77"/>
-                <a:ea typeface="Courier"/>
-                <a:cs typeface="Courier"/>
-                <a:sym typeface="Courier"/>
-              </a:rPr>
-              <a:t># Nonsensical pairing of numbers and words…</a:t>
-            </a:r>
-          </a:p>
-          <a:p>
-            <a:pPr marL="0" indent="0">
-              <a:buNone/>
-            </a:pPr>
-            <a:r>
-              <a:rPr lang="en-US" sz="1800" dirty="0">
-                <a:solidFill>
-                  <a:schemeClr val="dk1"/>
-                </a:solidFill>
-                <a:latin typeface="Source Code Pro" panose="020B0509030403020204" pitchFamily="49" charset="77"/>
-                <a:ea typeface="Courier"/>
-                <a:cs typeface="Courier"/>
-                <a:sym typeface="Courier"/>
-              </a:rPr>
-              <a:t>&gt;&gt;&gt; sorted([(2, "hi"), (1, "how"), (5, "goes"), (7, "it")], </a:t>
-            </a:r>
-            <a:endParaRPr lang="en-US" sz="1800" dirty="0">
-              <a:latin typeface="Source Code Pro" panose="020B0509030403020204" pitchFamily="49" charset="77"/>
-            </a:endParaRPr>
-          </a:p>
-          <a:p>
-            <a:pPr marL="0" indent="0">
-              <a:buNone/>
-            </a:pPr>
-            <a:r>
-              <a:rPr lang="en-US" sz="1800" dirty="0">
-                <a:solidFill>
-                  <a:schemeClr val="dk1"/>
-                </a:solidFill>
-                <a:latin typeface="Source Code Pro" panose="020B0509030403020204" pitchFamily="49" charset="77"/>
-                <a:ea typeface="Courier"/>
-                <a:cs typeface="Courier"/>
-                <a:sym typeface="Courier"/>
-              </a:rPr>
-              <a:t>           key = </a:t>
-            </a:r>
-            <a:r>
-              <a:rPr lang="en-US" sz="1800" b="1" dirty="0">
-                <a:solidFill>
-                  <a:schemeClr val="dk1"/>
-                </a:solidFill>
-                <a:latin typeface="Source Code Pro" panose="020B0509030403020204" pitchFamily="49" charset="77"/>
-                <a:ea typeface="Courier"/>
-                <a:cs typeface="Courier"/>
-                <a:sym typeface="Courier"/>
-              </a:rPr>
-              <a:t>lambda </a:t>
-            </a:r>
-            <a:r>
-              <a:rPr lang="en-US" sz="1800" b="1" dirty="0" err="1">
-                <a:solidFill>
-                  <a:schemeClr val="dk1"/>
-                </a:solidFill>
-                <a:latin typeface="Source Code Pro" panose="020B0509030403020204" pitchFamily="49" charset="77"/>
-                <a:ea typeface="Courier"/>
-                <a:cs typeface="Courier"/>
-                <a:sym typeface="Courier"/>
-              </a:rPr>
-              <a:t>x:x</a:t>
-            </a:r>
-            <a:r>
-              <a:rPr lang="en-US" sz="1800" b="1" dirty="0">
-                <a:solidFill>
-                  <a:schemeClr val="dk1"/>
-                </a:solidFill>
-                <a:latin typeface="Source Code Pro" panose="020B0509030403020204" pitchFamily="49" charset="77"/>
-                <a:ea typeface="Courier"/>
-                <a:cs typeface="Courier"/>
-                <a:sym typeface="Courier"/>
-              </a:rPr>
-              <a:t>[0]</a:t>
-            </a:r>
-            <a:r>
-              <a:rPr lang="en-US" sz="1800" dirty="0">
-                <a:solidFill>
-                  <a:schemeClr val="dk1"/>
-                </a:solidFill>
-                <a:latin typeface="Source Code Pro" panose="020B0509030403020204" pitchFamily="49" charset="77"/>
-                <a:ea typeface="Courier"/>
-                <a:cs typeface="Courier"/>
-                <a:sym typeface="Courier"/>
-              </a:rPr>
-              <a:t>)                             </a:t>
-            </a:r>
-            <a:endParaRPr lang="en-US" sz="1800" dirty="0">
-              <a:latin typeface="Source Code Pro" panose="020B0509030403020204" pitchFamily="49" charset="77"/>
-            </a:endParaRPr>
-          </a:p>
-          <a:p>
-            <a:pPr marL="0" indent="0">
-              <a:buNone/>
-            </a:pPr>
-            <a:r>
-              <a:rPr lang="en-US" sz="1800" dirty="0">
-                <a:solidFill>
-                  <a:schemeClr val="dk1"/>
-                </a:solidFill>
-                <a:latin typeface="Source Code Pro" panose="020B0509030403020204" pitchFamily="49" charset="77"/>
-                <a:ea typeface="Courier"/>
-                <a:cs typeface="Courier"/>
-                <a:sym typeface="Courier"/>
-              </a:rPr>
-              <a:t>[(1, 'how'), (2, 'hi'), (5, 'goes'), (7, 'it')] </a:t>
-            </a:r>
-            <a:endParaRPr lang="en-US" sz="1800" dirty="0">
-              <a:latin typeface="Source Code Pro" panose="020B0509030403020204" pitchFamily="49" charset="77"/>
-            </a:endParaRPr>
-          </a:p>
-          <a:p>
-            <a:pPr marL="0" indent="0">
-              <a:buNone/>
-            </a:pPr>
-            <a:r>
-              <a:rPr lang="en-US" sz="1800" dirty="0">
-                <a:solidFill>
-                  <a:schemeClr val="dk1"/>
-                </a:solidFill>
-                <a:latin typeface="Source Code Pro" panose="020B0509030403020204" pitchFamily="49" charset="77"/>
-                <a:ea typeface="Courier"/>
-                <a:cs typeface="Courier"/>
-                <a:sym typeface="Courier"/>
-              </a:rPr>
-              <a:t>&gt;&gt;&gt; sorted([(2, "hi"), (1, "how"), (5, "goes"), (7, "it")], </a:t>
-            </a:r>
-            <a:endParaRPr lang="en-US" sz="1800" dirty="0">
-              <a:latin typeface="Source Code Pro" panose="020B0509030403020204" pitchFamily="49" charset="77"/>
-            </a:endParaRPr>
-          </a:p>
-          <a:p>
-            <a:pPr marL="0" indent="0">
-              <a:buNone/>
-            </a:pPr>
-            <a:r>
-              <a:rPr lang="en-US" sz="1800" dirty="0">
-                <a:solidFill>
-                  <a:schemeClr val="dk1"/>
-                </a:solidFill>
-                <a:latin typeface="Source Code Pro" panose="020B0509030403020204" pitchFamily="49" charset="77"/>
-                <a:ea typeface="Courier"/>
-                <a:cs typeface="Courier"/>
-                <a:sym typeface="Courier"/>
-              </a:rPr>
-              <a:t>          key = </a:t>
-            </a:r>
-            <a:r>
-              <a:rPr lang="en-US" sz="1800" b="1" dirty="0">
-                <a:solidFill>
-                  <a:schemeClr val="dk1"/>
-                </a:solidFill>
-                <a:latin typeface="Source Code Pro" panose="020B0509030403020204" pitchFamily="49" charset="77"/>
-                <a:ea typeface="Courier"/>
-                <a:cs typeface="Courier"/>
-                <a:sym typeface="Courier"/>
-              </a:rPr>
-              <a:t>lambda </a:t>
-            </a:r>
-            <a:r>
-              <a:rPr lang="en-US" sz="1800" b="1" dirty="0" err="1">
-                <a:solidFill>
-                  <a:schemeClr val="dk1"/>
-                </a:solidFill>
-                <a:latin typeface="Source Code Pro" panose="020B0509030403020204" pitchFamily="49" charset="77"/>
-                <a:ea typeface="Courier"/>
-                <a:cs typeface="Courier"/>
-                <a:sym typeface="Courier"/>
-              </a:rPr>
-              <a:t>x:x</a:t>
-            </a:r>
-            <a:r>
-              <a:rPr lang="en-US" sz="1800" b="1" dirty="0">
-                <a:solidFill>
-                  <a:schemeClr val="dk1"/>
-                </a:solidFill>
-                <a:latin typeface="Source Code Pro" panose="020B0509030403020204" pitchFamily="49" charset="77"/>
-                <a:ea typeface="Courier"/>
-                <a:cs typeface="Courier"/>
-                <a:sym typeface="Courier"/>
-              </a:rPr>
-              <a:t>[1]</a:t>
-            </a:r>
-            <a:r>
-              <a:rPr lang="en-US" sz="1800" dirty="0">
-                <a:solidFill>
-                  <a:schemeClr val="dk1"/>
-                </a:solidFill>
-                <a:latin typeface="Source Code Pro" panose="020B0509030403020204" pitchFamily="49" charset="77"/>
-                <a:ea typeface="Courier"/>
-                <a:cs typeface="Courier"/>
-                <a:sym typeface="Courier"/>
-              </a:rPr>
-              <a:t>)                             </a:t>
-            </a:r>
-            <a:endParaRPr lang="en-US" sz="1800" dirty="0">
-              <a:latin typeface="Source Code Pro" panose="020B0509030403020204" pitchFamily="49" charset="77"/>
-            </a:endParaRPr>
-          </a:p>
-          <a:p>
-            <a:pPr marL="0" indent="0">
-              <a:buNone/>
-            </a:pPr>
-            <a:r>
-              <a:rPr lang="en-US" sz="1800" dirty="0">
-                <a:solidFill>
-                  <a:schemeClr val="dk1"/>
-                </a:solidFill>
-                <a:latin typeface="Source Code Pro" panose="020B0509030403020204" pitchFamily="49" charset="77"/>
-                <a:ea typeface="Courier"/>
-                <a:cs typeface="Courier"/>
-                <a:sym typeface="Courier"/>
-              </a:rPr>
-              <a:t>    [(7, 'it'), (5, 'goes'), (2, 'hi'), (1, 'how')]  </a:t>
-            </a:r>
-            <a:endParaRPr lang="en-US" sz="1800" dirty="0">
-              <a:latin typeface="Source Code Pro" panose="020B0509030403020204" pitchFamily="49" charset="77"/>
-            </a:endParaRPr>
-          </a:p>
-          <a:p>
-            <a:pPr marL="0" indent="0">
-              <a:buNone/>
-            </a:pPr>
-            <a:r>
-              <a:rPr lang="en-US" sz="1800" dirty="0">
-                <a:solidFill>
-                  <a:schemeClr val="dk1"/>
-                </a:solidFill>
-                <a:latin typeface="Source Code Pro" panose="020B0509030403020204" pitchFamily="49" charset="77"/>
-                <a:ea typeface="Courier"/>
-                <a:cs typeface="Courier"/>
-                <a:sym typeface="Courier"/>
-              </a:rPr>
-              <a:t>&gt;&gt;&gt; sorted([(2,"hi"),(1,"how"),(5,"goes"),(7,"it")], </a:t>
-            </a:r>
-            <a:endParaRPr lang="en-US" sz="1800" dirty="0">
-              <a:latin typeface="Source Code Pro" panose="020B0509030403020204" pitchFamily="49" charset="77"/>
-            </a:endParaRPr>
-          </a:p>
-          <a:p>
-            <a:pPr marL="0" indent="0">
-              <a:buNone/>
-            </a:pPr>
-            <a:r>
-              <a:rPr lang="en-US" sz="1800" b="1" dirty="0">
-                <a:solidFill>
-                  <a:schemeClr val="dk1"/>
-                </a:solidFill>
-                <a:latin typeface="Source Code Pro" panose="020B0509030403020204" pitchFamily="49" charset="77"/>
-                <a:ea typeface="Courier"/>
-                <a:cs typeface="Courier"/>
-                <a:sym typeface="Courier"/>
-              </a:rPr>
-              <a:t>          key = lambda x: </a:t>
-            </a:r>
-            <a:r>
-              <a:rPr lang="en-US" sz="1800" b="1" dirty="0" err="1">
-                <a:solidFill>
-                  <a:schemeClr val="dk1"/>
-                </a:solidFill>
-                <a:latin typeface="Source Code Pro" panose="020B0509030403020204" pitchFamily="49" charset="77"/>
-                <a:ea typeface="Courier"/>
-                <a:cs typeface="Courier"/>
-                <a:sym typeface="Courier"/>
-              </a:rPr>
-              <a:t>len</a:t>
-            </a:r>
-            <a:r>
-              <a:rPr lang="en-US" sz="1800" b="1" dirty="0">
-                <a:solidFill>
-                  <a:schemeClr val="dk1"/>
-                </a:solidFill>
-                <a:latin typeface="Source Code Pro" panose="020B0509030403020204" pitchFamily="49" charset="77"/>
-                <a:ea typeface="Courier"/>
-                <a:cs typeface="Courier"/>
-                <a:sym typeface="Courier"/>
-              </a:rPr>
-              <a:t>(x[1]</a:t>
-            </a:r>
-            <a:r>
-              <a:rPr lang="en-US" sz="1800" dirty="0">
-                <a:solidFill>
-                  <a:schemeClr val="dk1"/>
-                </a:solidFill>
-                <a:latin typeface="Source Code Pro" panose="020B0509030403020204" pitchFamily="49" charset="77"/>
-                <a:ea typeface="Courier"/>
-                <a:cs typeface="Courier"/>
-                <a:sym typeface="Courier"/>
-              </a:rPr>
-              <a:t>))                       </a:t>
-            </a:r>
-            <a:endParaRPr lang="en-US" sz="1800" dirty="0">
-              <a:latin typeface="Source Code Pro" panose="020B0509030403020204" pitchFamily="49" charset="77"/>
-            </a:endParaRPr>
-          </a:p>
-          <a:p>
-            <a:pPr marL="0" indent="0">
-              <a:buNone/>
-            </a:pPr>
-            <a:r>
-              <a:rPr lang="en-US" sz="1800" dirty="0">
-                <a:solidFill>
-                  <a:schemeClr val="dk1"/>
-                </a:solidFill>
-                <a:latin typeface="Source Code Pro" panose="020B0509030403020204" pitchFamily="49" charset="77"/>
-                <a:ea typeface="Courier"/>
-                <a:cs typeface="Courier"/>
-                <a:sym typeface="Courier"/>
-              </a:rPr>
-              <a:t>    [(7, 'it'), (2, 'hi'), (1, 'how'), (5, 'goes')]                                                       </a:t>
-            </a:r>
-            <a:endParaRPr lang="en-US" sz="1800" dirty="0">
-              <a:latin typeface="Source Code Pro" panose="020B0509030403020204" pitchFamily="49" charset="77"/>
-            </a:endParaRPr>
-          </a:p>
-          <a:p>
-            <a:pPr marL="0" indent="0">
-              <a:buNone/>
-            </a:pPr>
-            <a:endParaRPr lang="en-US" sz="1800" dirty="0"/>
-          </a:p>
-        </p:txBody>
-      </p:sp>
-      <p:sp>
-        <p:nvSpPr>
-          <p:cNvPr id="4" name="Footer Placeholder 3">
-            <a:extLst>
-              <a:ext uri="{FF2B5EF4-FFF2-40B4-BE49-F238E27FC236}">
-                <a16:creationId xmlns:a16="http://schemas.microsoft.com/office/drawing/2014/main" id="{BE4D1F3A-9869-6F6D-8491-4E2710D4F7DC}"/>
-              </a:ext>
-            </a:extLst>
-          </p:cNvPr>
-          <p:cNvSpPr>
-            <a:spLocks noGrp="1"/>
-          </p:cNvSpPr>
-          <p:nvPr>
-            <p:ph type="ftr" sz="quarter" idx="10"/>
-          </p:nvPr>
-        </p:nvSpPr>
-        <p:spPr/>
-        <p:txBody>
-          <a:bodyPr/>
-          <a:lstStyle/>
-          <a:p>
-            <a:r>
-              <a:rPr lang="en-US" dirty="0"/>
-              <a:t>Michael Ball | UC Berkeley | https://c88c.org | © CC BY-NC-SA</a:t>
-            </a:r>
-          </a:p>
-        </p:txBody>
-      </p:sp>
-    </p:spTree>
-    <p:extLst>
-      <p:ext uri="{BB962C8B-B14F-4D97-AF65-F5344CB8AC3E}">
-        <p14:creationId xmlns:p14="http://schemas.microsoft.com/office/powerpoint/2010/main" val="2329258025"/>
-      </p:ext>
-    </p:extLst>
-  </p:cSld>
-  <p:clrMapOvr>
-    <a:masterClrMapping/>
-  </p:clrMapOvr>
-</p:sld>
-</file>
-
-<file path=ppt/slides/slide12.xml><?xml version="1.0" encoding="utf-8"?>
 <p:sld xmlns:a="http://schemas.openxmlformats.org/drawingml/2006/main" xmlns:r="http://schemas.openxmlformats.org/officeDocument/2006/relationships" xmlns:p="http://schemas.openxmlformats.org/presentationml/2006/main">
   <p:cSld>
     <p:spTree>
@@ -10376,7 +9914,7 @@
 </p:sld>
 </file>
 
-<file path=ppt/slides/slide13.xml><?xml version="1.0" encoding="utf-8"?>
+<file path=ppt/slides/slide11.xml><?xml version="1.0" encoding="utf-8"?>
 <p:sld xmlns:a="http://schemas.openxmlformats.org/drawingml/2006/main" xmlns:r="http://schemas.openxmlformats.org/officeDocument/2006/relationships" xmlns:p="http://schemas.openxmlformats.org/presentationml/2006/main">
   <p:cSld>
     <p:spTree>
@@ -10498,7 +10036,7 @@
           <a:p>
             <a:r>
               <a:rPr lang="en-US" dirty="0"/>
-              <a:t>Michael Ball | UC Berkeley | https://c88c.org | © CC BY-NC-SA</a:t>
+              <a:t>Eric Kim | UC Berkeley | https://c88c.org | © CC BY-NC-SA</a:t>
             </a:r>
           </a:p>
         </p:txBody>
@@ -10906,7 +10444,7 @@
 </p:sld>
 </file>
 
-<file path=ppt/slides/slide14.xml><?xml version="1.0" encoding="utf-8"?>
+<file path=ppt/slides/slide12.xml><?xml version="1.0" encoding="utf-8"?>
 <p:sld xmlns:a="http://schemas.openxmlformats.org/drawingml/2006/main" xmlns:r="http://schemas.openxmlformats.org/officeDocument/2006/relationships" xmlns:p="http://schemas.openxmlformats.org/presentationml/2006/main">
   <p:cSld>
     <p:spTree>
@@ -11029,7 +10567,7 @@
           <a:p>
             <a:r>
               <a:rPr lang="en-US" dirty="0"/>
-              <a:t>Michael Ball | UC Berkeley | https://c88c.org | © CC BY-NC-SA</a:t>
+              <a:t>Eric Kim | UC Berkeley | https://c88c.org | © CC BY-NC-SA</a:t>
             </a:r>
           </a:p>
         </p:txBody>
@@ -11510,7 +11048,7 @@
 </p:sld>
 </file>
 
-<file path=ppt/slides/slide15.xml><?xml version="1.0" encoding="utf-8"?>
+<file path=ppt/slides/slide13.xml><?xml version="1.0" encoding="utf-8"?>
 <p:sld xmlns:a="http://schemas.openxmlformats.org/drawingml/2006/main" xmlns:r="http://schemas.openxmlformats.org/officeDocument/2006/relationships" xmlns:p="http://schemas.openxmlformats.org/presentationml/2006/main">
   <p:cSld>
     <p:spTree>
@@ -11698,7 +11236,7 @@
           <a:p>
             <a:r>
               <a:rPr lang="en-US" dirty="0"/>
-              <a:t>Michael Ball | UC Berkeley | https://c88c.org | © CC BY-NC-SA</a:t>
+              <a:t>Eric Kim | UC Berkeley | https://c88c.org | © CC BY-NC-SA</a:t>
             </a:r>
           </a:p>
         </p:txBody>
@@ -11716,7 +11254,7 @@
 </p:sld>
 </file>
 
-<file path=ppt/slides/slide16.xml><?xml version="1.0" encoding="utf-8"?>
+<file path=ppt/slides/slide14.xml><?xml version="1.0" encoding="utf-8"?>
 <p:sld xmlns:a="http://schemas.openxmlformats.org/drawingml/2006/main" xmlns:r="http://schemas.openxmlformats.org/officeDocument/2006/relationships" xmlns:p="http://schemas.openxmlformats.org/presentationml/2006/main">
   <p:cSld>
     <p:spTree>
@@ -11829,7 +11367,7 @@
           <a:p>
             <a:r>
               <a:rPr lang="en-US" dirty="0"/>
-              <a:t>Michael Ball | UC Berkeley | https://c88c.org | © CC BY-NC-SA</a:t>
+              <a:t>Eric Kim | UC Berkeley | https://c88c.org | © CC BY-NC-SA</a:t>
             </a:r>
           </a:p>
         </p:txBody>
@@ -11847,7 +11385,7 @@
 </p:sld>
 </file>
 
-<file path=ppt/slides/slide17.xml><?xml version="1.0" encoding="utf-8"?>
+<file path=ppt/slides/slide15.xml><?xml version="1.0" encoding="utf-8"?>
 <p:sld xmlns:a="http://schemas.openxmlformats.org/drawingml/2006/main" xmlns:r="http://schemas.openxmlformats.org/officeDocument/2006/relationships" xmlns:p="http://schemas.openxmlformats.org/presentationml/2006/main">
   <p:cSld>
     <p:spTree>
@@ -11973,7 +11511,7 @@
 </p:sld>
 </file>
 
-<file path=ppt/slides/slide18.xml><?xml version="1.0" encoding="utf-8"?>
+<file path=ppt/slides/slide16.xml><?xml version="1.0" encoding="utf-8"?>
 <p:sld xmlns:a="http://schemas.openxmlformats.org/drawingml/2006/main" xmlns:r="http://schemas.openxmlformats.org/officeDocument/2006/relationships" xmlns:p="http://schemas.openxmlformats.org/presentationml/2006/main">
   <p:cSld>
     <p:spTree>
@@ -12716,7 +12254,7 @@
           <a:p>
             <a:r>
               <a:rPr lang="en-US" dirty="0"/>
-              <a:t>Michael Ball | UC Berkeley | https://c88c.org | © CC BY-NC-SA</a:t>
+              <a:t>Eric Kim | UC Berkeley | https://c88c.org | © CC BY-NC-SA</a:t>
             </a:r>
           </a:p>
         </p:txBody>
@@ -12761,7 +12299,7 @@
 </p:sld>
 </file>
 
-<file path=ppt/slides/slide19.xml><?xml version="1.0" encoding="utf-8"?>
+<file path=ppt/slides/slide17.xml><?xml version="1.0" encoding="utf-8"?>
 <p:sld xmlns:a="http://schemas.openxmlformats.org/drawingml/2006/main" xmlns:r="http://schemas.openxmlformats.org/officeDocument/2006/relationships" xmlns:p="http://schemas.openxmlformats.org/presentationml/2006/main">
   <p:cSld>
     <p:spTree>
@@ -13234,10 +12772,135 @@
           <a:lstStyle/>
           <a:p>
             <a:r>
-              <a:rPr lang="en-US"/>
-              <a:t>Michael Ball | UC Berkeley | https://c88c.org | © CC BY-NC-SA</a:t>
-            </a:r>
-            <a:endParaRPr lang="en-US" dirty="0"/>
+              <a:rPr lang="en-US" dirty="0"/>
+              <a:t>Eric Kim | UC Berkeley | https://c88c.org | © CC BY-NC-SA</a:t>
+            </a:r>
+          </a:p>
+        </p:txBody>
+      </p:sp>
+      <p:sp>
+        <p:nvSpPr>
+          <p:cNvPr id="5" name="Left Brace 4">
+            <a:extLst>
+              <a:ext uri="{FF2B5EF4-FFF2-40B4-BE49-F238E27FC236}">
+                <a16:creationId xmlns:a16="http://schemas.microsoft.com/office/drawing/2014/main" id="{F08D27D2-7C35-BBA7-CBAB-2178866820D8}"/>
+              </a:ext>
+            </a:extLst>
+          </p:cNvPr>
+          <p:cNvSpPr/>
+          <p:nvPr/>
+        </p:nvSpPr>
+        <p:spPr bwMode="auto">
+          <a:xfrm rot="5400000">
+            <a:off x="3993203" y="4056437"/>
+            <a:ext cx="311285" cy="2324910"/>
+          </a:xfrm>
+          <a:prstGeom prst="leftBrace">
+            <a:avLst/>
+          </a:prstGeom>
+          <a:solidFill>
+            <a:schemeClr val="accent1"/>
+          </a:solidFill>
+          <a:ln w="12700" cap="flat" cmpd="sng" algn="ctr">
+            <a:solidFill>
+              <a:schemeClr val="tx1"/>
+            </a:solidFill>
+            <a:prstDash val="solid"/>
+            <a:round/>
+            <a:headEnd type="none" w="sm" len="sm"/>
+            <a:tailEnd type="none" w="sm" len="sm"/>
+          </a:ln>
+          <a:effectLst/>
+        </p:spPr>
+        <p:txBody>
+          <a:bodyPr vert="horz" wrap="square" lIns="91440" tIns="45720" rIns="91440" bIns="45720" numCol="1" rtlCol="0" anchor="t" anchorCtr="0" compatLnSpc="1">
+            <a:prstTxWarp prst="textNoShape">
+              <a:avLst/>
+            </a:prstTxWarp>
+          </a:bodyPr>
+          <a:lstStyle/>
+          <a:p>
+            <a:pPr marL="0" marR="0" indent="0" algn="l" defTabSz="914400" rtl="0" eaLnBrk="0" fontAlgn="base" latinLnBrk="0" hangingPunct="0">
+              <a:lnSpc>
+                <a:spcPct val="100000"/>
+              </a:lnSpc>
+              <a:spcBef>
+                <a:spcPct val="0"/>
+              </a:spcBef>
+              <a:spcAft>
+                <a:spcPct val="0"/>
+              </a:spcAft>
+              <a:buClrTx/>
+              <a:buSzTx/>
+              <a:buFontTx/>
+              <a:buNone/>
+              <a:tabLst/>
+            </a:pPr>
+            <a:endParaRPr kumimoji="0" lang="en-US" sz="1800" b="0" i="0" u="none" strike="noStrike" cap="none" normalizeH="0" baseline="0">
+              <a:ln>
+                <a:noFill/>
+              </a:ln>
+              <a:solidFill>
+                <a:schemeClr val="tx1"/>
+              </a:solidFill>
+              <a:effectLst/>
+              <a:latin typeface="Arial" charset="0"/>
+            </a:endParaRPr>
+          </a:p>
+        </p:txBody>
+      </p:sp>
+      <p:sp>
+        <p:nvSpPr>
+          <p:cNvPr id="6" name="TextBox 5">
+            <a:extLst>
+              <a:ext uri="{FF2B5EF4-FFF2-40B4-BE49-F238E27FC236}">
+                <a16:creationId xmlns:a16="http://schemas.microsoft.com/office/drawing/2014/main" id="{C3AE1317-A7FD-FB1C-829C-91E7D979F089}"/>
+              </a:ext>
+            </a:extLst>
+          </p:cNvPr>
+          <p:cNvSpPr txBox="1"/>
+          <p:nvPr/>
+        </p:nvSpPr>
+        <p:spPr>
+          <a:xfrm>
+            <a:off x="2128736" y="4632389"/>
+            <a:ext cx="4195864" cy="461665"/>
+          </a:xfrm>
+          <a:prstGeom prst="rect">
+            <a:avLst/>
+          </a:prstGeom>
+          <a:noFill/>
+        </p:spPr>
+        <p:txBody>
+          <a:bodyPr wrap="square" rtlCol="0">
+            <a:spAutoFit/>
+          </a:bodyPr>
+          <a:lstStyle/>
+          <a:p>
+            <a:r>
+              <a:rPr lang="en-US" sz="2400" dirty="0">
+                <a:highlight>
+                  <a:srgbClr val="FFFF00"/>
+                </a:highlight>
+              </a:rPr>
+              <a:t>Important: this is a </a:t>
+            </a:r>
+            <a:r>
+              <a:rPr lang="en-US" sz="2400" b="1" dirty="0">
+                <a:highlight>
+                  <a:srgbClr val="FFFF00"/>
+                </a:highlight>
+              </a:rPr>
+              <a:t>function</a:t>
+            </a:r>
+            <a:r>
+              <a:rPr lang="en-US" sz="2400" dirty="0">
+                <a:highlight>
+                  <a:srgbClr val="FFFF00"/>
+                </a:highlight>
+              </a:rPr>
+              <a:t>!</a:t>
+            </a:r>
           </a:p>
         </p:txBody>
       </p:sp>
@@ -13254,218 +12917,7 @@
 </p:sld>
 </file>
 
-<file path=ppt/slides/slide2.xml><?xml version="1.0" encoding="utf-8"?>
-<p:sld xmlns:a="http://schemas.openxmlformats.org/drawingml/2006/main" xmlns:r="http://schemas.openxmlformats.org/officeDocument/2006/relationships" xmlns:p="http://schemas.openxmlformats.org/presentationml/2006/main">
-  <p:cSld>
-    <p:spTree>
-      <p:nvGrpSpPr>
-        <p:cNvPr id="1" name=""/>
-        <p:cNvGrpSpPr/>
-        <p:nvPr/>
-      </p:nvGrpSpPr>
-      <p:grpSpPr>
-        <a:xfrm>
-          <a:off x="0" y="0"/>
-          <a:ext cx="0" cy="0"/>
-          <a:chOff x="0" y="0"/>
-          <a:chExt cx="0" cy="0"/>
-        </a:xfrm>
-      </p:grpSpPr>
-      <p:sp>
-        <p:nvSpPr>
-          <p:cNvPr id="2" name="Title 1">
-            <a:extLst>
-              <a:ext uri="{FF2B5EF4-FFF2-40B4-BE49-F238E27FC236}">
-                <a16:creationId xmlns:a16="http://schemas.microsoft.com/office/drawing/2014/main" id="{61074047-88C6-1636-87FA-21749C0FE84E}"/>
-              </a:ext>
-            </a:extLst>
-          </p:cNvPr>
-          <p:cNvSpPr>
-            <a:spLocks noGrp="1"/>
-          </p:cNvSpPr>
-          <p:nvPr>
-            <p:ph type="title"/>
-          </p:nvPr>
-        </p:nvSpPr>
-        <p:spPr/>
-        <p:txBody>
-          <a:bodyPr/>
-          <a:lstStyle/>
-          <a:p>
-            <a:r>
-              <a:rPr lang="en-US" dirty="0"/>
-              <a:t>Announcements</a:t>
-            </a:r>
-          </a:p>
-        </p:txBody>
-      </p:sp>
-      <p:sp>
-        <p:nvSpPr>
-          <p:cNvPr id="3" name="Content Placeholder 2">
-            <a:extLst>
-              <a:ext uri="{FF2B5EF4-FFF2-40B4-BE49-F238E27FC236}">
-                <a16:creationId xmlns:a16="http://schemas.microsoft.com/office/drawing/2014/main" id="{BE94E4AD-C501-36D8-B1B8-0CA308B2BF26}"/>
-              </a:ext>
-            </a:extLst>
-          </p:cNvPr>
-          <p:cNvSpPr>
-            <a:spLocks noGrp="1"/>
-          </p:cNvSpPr>
-          <p:nvPr>
-            <p:ph idx="1"/>
-          </p:nvPr>
-        </p:nvSpPr>
-        <p:spPr/>
-        <p:txBody>
-          <a:bodyPr/>
-          <a:lstStyle/>
-          <a:p>
-            <a:r>
-              <a:rPr lang="en-US" b="1" dirty="0"/>
-              <a:t>Please don't email directly for extensions. </a:t>
-            </a:r>
-            <a:r>
-              <a:rPr lang="en-US" b="1" dirty="0">
-                <a:sym typeface="Wingdings" pitchFamily="2" charset="2"/>
-              </a:rPr>
-              <a:t> </a:t>
-            </a:r>
-          </a:p>
-          <a:p>
-            <a:pPr lvl="1"/>
-            <a:r>
-              <a:rPr lang="en-US" dirty="0">
-                <a:sym typeface="Wingdings" pitchFamily="2" charset="2"/>
-                <a:hlinkClick r:id="rId2"/>
-              </a:rPr>
-              <a:t>https://go.c88c.org/extensions</a:t>
-            </a:r>
-            <a:endParaRPr lang="en-US" dirty="0">
-              <a:sym typeface="Wingdings" pitchFamily="2" charset="2"/>
-            </a:endParaRPr>
-          </a:p>
-          <a:p>
-            <a:r>
-              <a:rPr lang="en-US" dirty="0">
-                <a:sym typeface="Wingdings" pitchFamily="2" charset="2"/>
-              </a:rPr>
-              <a:t>If you're on the waitlist, you should be enrolled</a:t>
-            </a:r>
-          </a:p>
-          <a:p>
-            <a:pPr lvl="1"/>
-            <a:r>
-              <a:rPr lang="en-US" dirty="0">
-                <a:sym typeface="Wingdings" pitchFamily="2" charset="2"/>
-              </a:rPr>
-              <a:t> 61A Students: Request extensions as necessary.</a:t>
-            </a:r>
-          </a:p>
-          <a:p>
-            <a:pPr lvl="2"/>
-            <a:r>
-              <a:rPr lang="en-US" dirty="0">
-                <a:sym typeface="Wingdings" pitchFamily="2" charset="2"/>
-              </a:rPr>
-              <a:t> You will need to resubmit assignments. (Sorry! But it won't be too hard.)</a:t>
-            </a:r>
-          </a:p>
-          <a:p>
-            <a:r>
-              <a:rPr lang="en-US" dirty="0">
-                <a:sym typeface="Wingdings" pitchFamily="2" charset="2"/>
-              </a:rPr>
-              <a:t>Questions During Lecture:</a:t>
-            </a:r>
-          </a:p>
-          <a:p>
-            <a:pPr lvl="1"/>
-            <a:r>
-              <a:rPr lang="en-US" dirty="0">
-                <a:sym typeface="Wingdings" pitchFamily="2" charset="2"/>
-                <a:hlinkClick r:id="rId3"/>
-              </a:rPr>
-              <a:t> https://go.c88c.org/qa6</a:t>
-            </a:r>
-            <a:r>
-              <a:rPr lang="en-US" dirty="0">
-                <a:sym typeface="Wingdings" pitchFamily="2" charset="2"/>
-              </a:rPr>
-              <a:t> </a:t>
-            </a:r>
-          </a:p>
-          <a:p>
-            <a:pPr lvl="1"/>
-            <a:r>
-              <a:rPr lang="en-US" dirty="0">
-                <a:sym typeface="Wingdings" pitchFamily="2" charset="2"/>
-              </a:rPr>
-              <a:t> Self-Check: </a:t>
-            </a:r>
-            <a:r>
-              <a:rPr lang="en-US" dirty="0">
-                <a:sym typeface="Wingdings" pitchFamily="2" charset="2"/>
-                <a:hlinkClick r:id="rId4"/>
-              </a:rPr>
-              <a:t>https://go.c88c.org/6</a:t>
-            </a:r>
-            <a:r>
-              <a:rPr lang="en-US" dirty="0">
-                <a:sym typeface="Wingdings" pitchFamily="2" charset="2"/>
-              </a:rPr>
-              <a:t> </a:t>
-            </a:r>
-          </a:p>
-          <a:p>
-            <a:pPr marL="0" indent="0">
-              <a:buNone/>
-            </a:pPr>
-            <a:endParaRPr lang="en-US" dirty="0"/>
-          </a:p>
-        </p:txBody>
-      </p:sp>
-      <p:sp>
-        <p:nvSpPr>
-          <p:cNvPr id="4" name="Footer Placeholder 3">
-            <a:extLst>
-              <a:ext uri="{FF2B5EF4-FFF2-40B4-BE49-F238E27FC236}">
-                <a16:creationId xmlns:a16="http://schemas.microsoft.com/office/drawing/2014/main" id="{0CCD38B7-B0B6-E974-ACEA-9415788AECE2}"/>
-              </a:ext>
-            </a:extLst>
-          </p:cNvPr>
-          <p:cNvSpPr>
-            <a:spLocks noGrp="1"/>
-          </p:cNvSpPr>
-          <p:nvPr>
-            <p:ph type="ftr" sz="quarter" idx="10"/>
-          </p:nvPr>
-        </p:nvSpPr>
-        <p:spPr/>
-        <p:txBody>
-          <a:bodyPr/>
-          <a:lstStyle/>
-          <a:p>
-            <a:r>
-              <a:rPr lang="en-US" dirty="0"/>
-              <a:t>Michael Ball | UC Berkeley | https://c88c.org | © CC BY-NC-SA</a:t>
-            </a:r>
-          </a:p>
-        </p:txBody>
-      </p:sp>
-    </p:spTree>
-    <p:extLst>
-      <p:ext uri="{BB962C8B-B14F-4D97-AF65-F5344CB8AC3E}">
-        <p14:creationId xmlns:p14="http://schemas.microsoft.com/office/powerpoint/2010/main" val="1483275534"/>
-      </p:ext>
-    </p:extLst>
-  </p:cSld>
-  <p:clrMapOvr>
-    <a:masterClrMapping/>
-  </p:clrMapOvr>
-</p:sld>
-</file>
-
-<file path=ppt/slides/slide20.xml><?xml version="1.0" encoding="utf-8"?>
+<file path=ppt/slides/slide18.xml><?xml version="1.0" encoding="utf-8"?>
 <p:sld xmlns:a="http://schemas.openxmlformats.org/drawingml/2006/main" xmlns:r="http://schemas.openxmlformats.org/officeDocument/2006/relationships" xmlns:p="http://schemas.openxmlformats.org/presentationml/2006/main">
   <p:cSld>
     <p:spTree>
@@ -13589,7 +13041,7 @@
 </p:sld>
 </file>
 
-<file path=ppt/slides/slide21.xml><?xml version="1.0" encoding="utf-8"?>
+<file path=ppt/slides/slide19.xml><?xml version="1.0" encoding="utf-8"?>
 <p:sld xmlns:a="http://schemas.openxmlformats.org/drawingml/2006/main" xmlns:r="http://schemas.openxmlformats.org/officeDocument/2006/relationships" xmlns:p="http://schemas.openxmlformats.org/presentationml/2006/main">
   <p:cSld>
     <p:spTree>
@@ -13737,7 +13189,7 @@
           <a:p>
             <a:r>
               <a:rPr lang="en-US" dirty="0"/>
-              <a:t>Michael Ball | UC Berkeley | https://c88c.org | © CC BY-NC-SA</a:t>
+              <a:t>Eric Kim | UC Berkeley | https://c88c.org | © CC BY-NC-SA</a:t>
             </a:r>
           </a:p>
         </p:txBody>
@@ -14367,7 +13819,218 @@
 </p:sld>
 </file>
 
-<file path=ppt/slides/slide22.xml><?xml version="1.0" encoding="utf-8"?>
+<file path=ppt/slides/slide2.xml><?xml version="1.0" encoding="utf-8"?>
+<p:sld xmlns:a="http://schemas.openxmlformats.org/drawingml/2006/main" xmlns:r="http://schemas.openxmlformats.org/officeDocument/2006/relationships" xmlns:p="http://schemas.openxmlformats.org/presentationml/2006/main">
+  <p:cSld>
+    <p:spTree>
+      <p:nvGrpSpPr>
+        <p:cNvPr id="1" name=""/>
+        <p:cNvGrpSpPr/>
+        <p:nvPr/>
+      </p:nvGrpSpPr>
+      <p:grpSpPr>
+        <a:xfrm>
+          <a:off x="0" y="0"/>
+          <a:ext cx="0" cy="0"/>
+          <a:chOff x="0" y="0"/>
+          <a:chExt cx="0" cy="0"/>
+        </a:xfrm>
+      </p:grpSpPr>
+      <p:sp>
+        <p:nvSpPr>
+          <p:cNvPr id="2" name="Title 1">
+            <a:extLst>
+              <a:ext uri="{FF2B5EF4-FFF2-40B4-BE49-F238E27FC236}">
+                <a16:creationId xmlns:a16="http://schemas.microsoft.com/office/drawing/2014/main" id="{87A4F312-ABCD-8B4B-A190-C7A5FABE2FD2}"/>
+              </a:ext>
+            </a:extLst>
+          </p:cNvPr>
+          <p:cNvSpPr>
+            <a:spLocks noGrp="1"/>
+          </p:cNvSpPr>
+          <p:nvPr>
+            <p:ph type="title"/>
+          </p:nvPr>
+        </p:nvSpPr>
+        <p:spPr/>
+        <p:txBody>
+          <a:bodyPr/>
+          <a:lstStyle/>
+          <a:p>
+            <a:r>
+              <a:rPr lang="en-US" dirty="0"/>
+              <a:t>Announcements</a:t>
+            </a:r>
+          </a:p>
+        </p:txBody>
+      </p:sp>
+      <p:sp>
+        <p:nvSpPr>
+          <p:cNvPr id="3" name="Content Placeholder 2">
+            <a:extLst>
+              <a:ext uri="{FF2B5EF4-FFF2-40B4-BE49-F238E27FC236}">
+                <a16:creationId xmlns:a16="http://schemas.microsoft.com/office/drawing/2014/main" id="{69C4A6B4-5D93-444D-98DD-446A9595B8EB}"/>
+              </a:ext>
+            </a:extLst>
+          </p:cNvPr>
+          <p:cNvSpPr>
+            <a:spLocks noGrp="1"/>
+          </p:cNvSpPr>
+          <p:nvPr>
+            <p:ph idx="1"/>
+          </p:nvPr>
+        </p:nvSpPr>
+        <p:spPr/>
+        <p:txBody>
+          <a:bodyPr/>
+          <a:lstStyle/>
+          <a:p>
+            <a:pPr marL="0" indent="0">
+              <a:spcBef>
+                <a:spcPts val="200"/>
+              </a:spcBef>
+              <a:buNone/>
+            </a:pPr>
+            <a:r>
+              <a:rPr lang="en-US" b="1" dirty="0"/>
+              <a:t>Exam dates</a:t>
+            </a:r>
+          </a:p>
+          <a:p>
+            <a:pPr marL="0" indent="0">
+              <a:spcBef>
+                <a:spcPts val="200"/>
+              </a:spcBef>
+              <a:buNone/>
+            </a:pPr>
+            <a:endParaRPr lang="en-US" b="1" dirty="0"/>
+          </a:p>
+          <a:p>
+            <a:pPr marL="0" indent="0">
+              <a:spcBef>
+                <a:spcPts val="200"/>
+              </a:spcBef>
+              <a:buNone/>
+            </a:pPr>
+            <a:r>
+              <a:rPr lang="en-US" b="1" dirty="0"/>
+              <a:t>Midterm: Wednesday July 17th, 3PM – 5PM PST</a:t>
+            </a:r>
+          </a:p>
+          <a:p>
+            <a:pPr marL="0" indent="0">
+              <a:spcBef>
+                <a:spcPts val="200"/>
+              </a:spcBef>
+              <a:buNone/>
+            </a:pPr>
+            <a:r>
+              <a:rPr lang="en-US" b="1" dirty="0"/>
+              <a:t>Final: Wednesday August 7th, 3PM – 5PM PST</a:t>
+            </a:r>
+          </a:p>
+          <a:p>
+            <a:pPr marL="0" indent="0">
+              <a:spcBef>
+                <a:spcPts val="200"/>
+              </a:spcBef>
+              <a:buNone/>
+            </a:pPr>
+            <a:endParaRPr lang="en-US" b="1" dirty="0"/>
+          </a:p>
+          <a:p>
+            <a:pPr marL="0" indent="0">
+              <a:spcBef>
+                <a:spcPts val="200"/>
+              </a:spcBef>
+              <a:buNone/>
+            </a:pPr>
+            <a:r>
+              <a:rPr lang="en-US" dirty="0"/>
+              <a:t>Exams will be </a:t>
+            </a:r>
+            <a:r>
+              <a:rPr lang="en-US" b="1" dirty="0"/>
+              <a:t>administered online</a:t>
+            </a:r>
+            <a:r>
+              <a:rPr lang="en-US" dirty="0"/>
+              <a:t>, and </a:t>
+            </a:r>
+            <a:r>
+              <a:rPr lang="en-US" b="1" dirty="0"/>
+              <a:t>proctored via Zoom</a:t>
+            </a:r>
+            <a:r>
+              <a:rPr lang="en-US" dirty="0"/>
+              <a:t>. You may need to present your ID (</a:t>
+            </a:r>
+            <a:r>
+              <a:rPr lang="en-US" dirty="0" err="1"/>
+              <a:t>eg</a:t>
+            </a:r>
+            <a:r>
+              <a:rPr lang="en-US" dirty="0"/>
+              <a:t> student </a:t>
+            </a:r>
+            <a:r>
+              <a:rPr lang="en-US" dirty="0" err="1"/>
+              <a:t>CalID</a:t>
+            </a:r>
+            <a:r>
+              <a:rPr lang="en-US" dirty="0"/>
+              <a:t> card, or any ID with your name + photo) during the Zoom call to proctors.</a:t>
+            </a:r>
+          </a:p>
+          <a:p>
+            <a:pPr marL="0" indent="0">
+              <a:spcBef>
+                <a:spcPts val="200"/>
+              </a:spcBef>
+              <a:buNone/>
+            </a:pPr>
+            <a:endParaRPr lang="en-US" dirty="0"/>
+          </a:p>
+          <a:p>
+            <a:pPr marL="0" indent="0">
+              <a:spcBef>
+                <a:spcPts val="200"/>
+              </a:spcBef>
+              <a:buNone/>
+            </a:pPr>
+            <a:r>
+              <a:rPr lang="en-US" b="1" dirty="0"/>
+              <a:t>Important</a:t>
+            </a:r>
+            <a:r>
+              <a:rPr lang="en-US" dirty="0"/>
+              <a:t>: for those that can’t make the above exam times, we will have </a:t>
+            </a:r>
+            <a:r>
+              <a:rPr lang="en-US" b="1" dirty="0"/>
+              <a:t>alternate exam times</a:t>
+            </a:r>
+            <a:r>
+              <a:rPr lang="en-US" dirty="0"/>
+              <a:t>. Stay tuned for details here!</a:t>
+            </a:r>
+          </a:p>
+        </p:txBody>
+      </p:sp>
+    </p:spTree>
+    <p:extLst>
+      <p:ext uri="{BB962C8B-B14F-4D97-AF65-F5344CB8AC3E}">
+        <p14:creationId xmlns:p14="http://schemas.microsoft.com/office/powerpoint/2010/main" val="3548120575"/>
+      </p:ext>
+    </p:extLst>
+  </p:cSld>
+  <p:clrMapOvr>
+    <a:masterClrMapping/>
+  </p:clrMapOvr>
+</p:sld>
+</file>
+
+<file path=ppt/slides/slide20.xml><?xml version="1.0" encoding="utf-8"?>
 <p:sld xmlns:a="http://schemas.openxmlformats.org/drawingml/2006/main" xmlns:r="http://schemas.openxmlformats.org/officeDocument/2006/relationships" xmlns:p="http://schemas.openxmlformats.org/presentationml/2006/main">
   <p:cSld>
     <p:spTree>
@@ -15105,7 +14768,7 @@
           <a:p>
             <a:r>
               <a:rPr lang="en-US" dirty="0"/>
-              <a:t>Michael Ball | UC Berkeley | https://c88c.org | © CC BY-NC-SA</a:t>
+              <a:t>Eric Kim | UC Berkeley | https://c88c.org | © CC BY-NC-SA</a:t>
             </a:r>
           </a:p>
         </p:txBody>
@@ -15150,7 +14813,7 @@
 </p:sld>
 </file>
 
-<file path=ppt/slides/slide23.xml><?xml version="1.0" encoding="utf-8"?>
+<file path=ppt/slides/slide21.xml><?xml version="1.0" encoding="utf-8"?>
 <p:sld xmlns:a="http://schemas.openxmlformats.org/drawingml/2006/main" xmlns:r="http://schemas.openxmlformats.org/officeDocument/2006/relationships" xmlns:p="http://schemas.openxmlformats.org/presentationml/2006/main">
   <p:cSld>
     <p:spTree>
@@ -15977,7 +15640,7 @@
 </p:sld>
 </file>
 
-<file path=ppt/slides/slide24.xml><?xml version="1.0" encoding="utf-8"?>
+<file path=ppt/slides/slide22.xml><?xml version="1.0" encoding="utf-8"?>
 <p:sld xmlns:a="http://schemas.openxmlformats.org/drawingml/2006/main" xmlns:r="http://schemas.openxmlformats.org/officeDocument/2006/relationships" xmlns:p="http://schemas.openxmlformats.org/presentationml/2006/main">
   <p:cSld>
     <p:spTree>
@@ -16691,6 +16354,119 @@
                 </a:solidFill>
               </a:uFill>
               <a:latin typeface="Arial"/>
+            </a:endParaRPr>
+          </a:p>
+          <a:p>
+            <a:pPr>
+              <a:lnSpc>
+                <a:spcPct val="100000"/>
+              </a:lnSpc>
+            </a:pPr>
+            <a:endParaRPr lang="en-US" spc="-1" dirty="0">
+              <a:solidFill>
+                <a:srgbClr val="000000"/>
+              </a:solidFill>
+              <a:uFill>
+                <a:solidFill>
+                  <a:srgbClr val="FFFFFF"/>
+                </a:solidFill>
+              </a:uFill>
+              <a:latin typeface="Courier New"/>
+              <a:ea typeface="Courier New"/>
+            </a:endParaRPr>
+          </a:p>
+          <a:p>
+            <a:pPr>
+              <a:lnSpc>
+                <a:spcPct val="100000"/>
+              </a:lnSpc>
+            </a:pPr>
+            <a:r>
+              <a:rPr lang="en-US" spc="-1" dirty="0">
+                <a:solidFill>
+                  <a:srgbClr val="000000"/>
+                </a:solidFill>
+                <a:uFill>
+                  <a:solidFill>
+                    <a:srgbClr val="FFFFFF"/>
+                  </a:solidFill>
+                </a:uFill>
+                <a:latin typeface="Courier New"/>
+                <a:ea typeface="Courier New"/>
+              </a:rPr>
+              <a:t>&gt;&gt;&gt; filter(</a:t>
+            </a:r>
+            <a:r>
+              <a:rPr lang="en-US" spc="-1" dirty="0" err="1">
+                <a:solidFill>
+                  <a:srgbClr val="000000"/>
+                </a:solidFill>
+                <a:uFill>
+                  <a:solidFill>
+                    <a:srgbClr val="FFFFFF"/>
+                  </a:solidFill>
+                </a:uFill>
+                <a:latin typeface="Courier New"/>
+                <a:ea typeface="Courier New"/>
+              </a:rPr>
+              <a:t>leq_maker</a:t>
+            </a:r>
+            <a:r>
+              <a:rPr lang="en-US" spc="-1" dirty="0">
+                <a:solidFill>
+                  <a:srgbClr val="000000"/>
+                </a:solidFill>
+                <a:uFill>
+                  <a:solidFill>
+                    <a:srgbClr val="FFFFFF"/>
+                  </a:solidFill>
+                </a:uFill>
+                <a:latin typeface="Courier New"/>
+                <a:ea typeface="Courier New"/>
+              </a:rPr>
+              <a:t>(5), [0,1,2,3,4,5,6,7])</a:t>
+            </a:r>
+            <a:endParaRPr lang="en-US" spc="-1" dirty="0">
+              <a:solidFill>
+                <a:srgbClr val="000000"/>
+              </a:solidFill>
+              <a:uFill>
+                <a:solidFill>
+                  <a:srgbClr val="FFFFFF"/>
+                </a:solidFill>
+              </a:uFill>
+            </a:endParaRPr>
+          </a:p>
+          <a:p>
+            <a:pPr>
+              <a:lnSpc>
+                <a:spcPct val="100000"/>
+              </a:lnSpc>
+            </a:pPr>
+            <a:r>
+              <a:rPr lang="en-US" spc="-1" dirty="0">
+                <a:solidFill>
+                  <a:srgbClr val="000000"/>
+                </a:solidFill>
+                <a:uFill>
+                  <a:solidFill>
+                    <a:srgbClr val="FFFFFF"/>
+                  </a:solidFill>
+                </a:uFill>
+                <a:latin typeface="Courier New"/>
+                <a:ea typeface="Courier New"/>
+              </a:rPr>
+              <a:t>[0, 1, 2, 3, 4, 5]</a:t>
+            </a:r>
+            <a:endParaRPr lang="en-US" spc="-1" dirty="0">
+              <a:solidFill>
+                <a:srgbClr val="000000"/>
+              </a:solidFill>
+              <a:uFill>
+                <a:solidFill>
+                  <a:srgbClr val="FFFFFF"/>
+                </a:solidFill>
+              </a:uFill>
             </a:endParaRPr>
           </a:p>
           <a:p>
@@ -16934,7 +16710,7 @@
 </p:sld>
 </file>
 
-<file path=ppt/slides/slide25.xml><?xml version="1.0" encoding="utf-8"?>
+<file path=ppt/slides/slide23.xml><?xml version="1.0" encoding="utf-8"?>
 <p:sld xmlns:a="http://schemas.openxmlformats.org/drawingml/2006/main" xmlns:r="http://schemas.openxmlformats.org/officeDocument/2006/relationships" xmlns:p="http://schemas.openxmlformats.org/presentationml/2006/main">
   <p:cSld>
     <p:spTree>
@@ -17026,7 +16802,7 @@
 </p:sld>
 </file>
 
-<file path=ppt/slides/slide26.xml><?xml version="1.0" encoding="utf-8"?>
+<file path=ppt/slides/slide24.xml><?xml version="1.0" encoding="utf-8"?>
 <p:sld xmlns:a="http://schemas.openxmlformats.org/drawingml/2006/main" xmlns:r="http://schemas.openxmlformats.org/officeDocument/2006/relationships" xmlns:p="http://schemas.openxmlformats.org/presentationml/2006/main">
   <p:cSld>
     <p:spTree>
@@ -17161,7 +16937,7 @@
           <a:p>
             <a:r>
               <a:rPr lang="en-US" dirty="0"/>
-              <a:t>Michael Ball | UC Berkeley | https://c88c.org | © CC BY-NC-SA</a:t>
+              <a:t>Eric Kim | UC Berkeley | https://c88c.org | © CC BY-NC-SA</a:t>
             </a:r>
           </a:p>
         </p:txBody>
@@ -17657,7 +17433,7 @@
 </p:sld>
 </file>
 
-<file path=ppt/slides/slide27.xml><?xml version="1.0" encoding="utf-8"?>
+<file path=ppt/slides/slide25.xml><?xml version="1.0" encoding="utf-8"?>
 <p:sld xmlns:a="http://schemas.openxmlformats.org/drawingml/2006/main" xmlns:r="http://schemas.openxmlformats.org/officeDocument/2006/relationships" xmlns:p="http://schemas.openxmlformats.org/presentationml/2006/main">
   <p:cSld>
     <p:spTree>
@@ -18506,7 +18282,7 @@
           <a:p>
             <a:r>
               <a:rPr lang="en-US" dirty="0"/>
-              <a:t>Michael Ball | UC Berkeley | https://c88c.org | © CC BY-NC-SA</a:t>
+              <a:t>Eric Kim | UC Berkeley | https://c88c.org | © CC BY-NC-SA</a:t>
             </a:r>
           </a:p>
         </p:txBody>
@@ -18515,6 +18291,251 @@
     <p:extLst>
       <p:ext uri="{BB962C8B-B14F-4D97-AF65-F5344CB8AC3E}">
         <p14:creationId xmlns:p14="http://schemas.microsoft.com/office/powerpoint/2010/main" val="171068300"/>
+      </p:ext>
+    </p:extLst>
+  </p:cSld>
+  <p:clrMapOvr>
+    <a:masterClrMapping/>
+  </p:clrMapOvr>
+  <p:timing>
+    <p:tnLst>
+      <p:par>
+        <p:cTn id="1" dur="indefinite" restart="never" nodeType="tmRoot">
+          <p:childTnLst>
+            <p:seq>
+              <p:cTn id="2" nodeType="mainSeq"/>
+              <p:prevCondLst>
+                <p:cond evt="onPrev" delay="0">
+                  <p:tgtEl>
+                    <p:sldTgt/>
+                  </p:tgtEl>
+                </p:cond>
+              </p:prevCondLst>
+              <p:nextCondLst>
+                <p:cond evt="onNext" delay="0">
+                  <p:tgtEl>
+                    <p:sldTgt/>
+                  </p:tgtEl>
+                </p:cond>
+              </p:nextCondLst>
+            </p:seq>
+          </p:childTnLst>
+        </p:cTn>
+      </p:par>
+    </p:tnLst>
+  </p:timing>
+</p:sld>
+</file>
+
+<file path=ppt/slides/slide26.xml><?xml version="1.0" encoding="utf-8"?>
+<p:sld xmlns:a="http://schemas.openxmlformats.org/drawingml/2006/main" xmlns:r="http://schemas.openxmlformats.org/officeDocument/2006/relationships" xmlns:p="http://schemas.openxmlformats.org/presentationml/2006/main">
+  <p:cSld>
+    <p:spTree>
+      <p:nvGrpSpPr>
+        <p:cNvPr id="1" name=""/>
+        <p:cNvGrpSpPr/>
+        <p:nvPr/>
+      </p:nvGrpSpPr>
+      <p:grpSpPr>
+        <a:xfrm>
+          <a:off x="0" y="0"/>
+          <a:ext cx="0" cy="0"/>
+          <a:chOff x="0" y="0"/>
+          <a:chExt cx="0" cy="0"/>
+        </a:xfrm>
+      </p:grpSpPr>
+      <p:sp>
+        <p:nvSpPr>
+          <p:cNvPr id="2" name="Title 1">
+            <a:extLst>
+              <a:ext uri="{FF2B5EF4-FFF2-40B4-BE49-F238E27FC236}">
+                <a16:creationId xmlns:a16="http://schemas.microsoft.com/office/drawing/2014/main" id="{D82B7D57-1EE6-F60D-F018-A74FBC781B4A}"/>
+              </a:ext>
+            </a:extLst>
+          </p:cNvPr>
+          <p:cNvSpPr>
+            <a:spLocks noGrp="1"/>
+          </p:cNvSpPr>
+          <p:nvPr>
+            <p:ph type="title"/>
+          </p:nvPr>
+        </p:nvSpPr>
+        <p:spPr/>
+        <p:txBody>
+          <a:bodyPr/>
+          <a:lstStyle/>
+          <a:p>
+            <a:r>
+              <a:rPr lang="en-US" dirty="0"/>
+              <a:t>Reduce is an aggregation!</a:t>
+            </a:r>
+          </a:p>
+        </p:txBody>
+      </p:sp>
+      <p:sp>
+        <p:nvSpPr>
+          <p:cNvPr id="3" name="Content Placeholder 2">
+            <a:extLst>
+              <a:ext uri="{FF2B5EF4-FFF2-40B4-BE49-F238E27FC236}">
+                <a16:creationId xmlns:a16="http://schemas.microsoft.com/office/drawing/2014/main" id="{53B1AD6C-5108-47F9-EA04-5B0A2102B152}"/>
+              </a:ext>
+            </a:extLst>
+          </p:cNvPr>
+          <p:cNvSpPr>
+            <a:spLocks noGrp="1"/>
+          </p:cNvSpPr>
+          <p:nvPr>
+            <p:ph idx="1"/>
+          </p:nvPr>
+        </p:nvSpPr>
+        <p:spPr/>
+        <p:txBody>
+          <a:bodyPr/>
+          <a:lstStyle/>
+          <a:p>
+            <a:r>
+              <a:rPr lang="en-US" dirty="0"/>
+              <a:t> Reduce aggregates or combines data</a:t>
+            </a:r>
+          </a:p>
+          <a:p>
+            <a:r>
+              <a:rPr lang="en-US" dirty="0"/>
+              <a:t> This is commonly called "group by"</a:t>
+            </a:r>
+          </a:p>
+          <a:p>
+            <a:r>
+              <a:rPr lang="en-US" dirty="0"/>
+              <a:t> In Data 8:</a:t>
+            </a:r>
+          </a:p>
+          <a:p>
+            <a:pPr lvl="1"/>
+            <a:r>
+              <a:rPr lang="en-US" dirty="0"/>
+              <a:t> sum over a range of values</a:t>
+            </a:r>
+          </a:p>
+          <a:p>
+            <a:pPr lvl="1"/>
+            <a:r>
+              <a:rPr lang="en-US" dirty="0"/>
+              <a:t> joining multiple cells into 1 array</a:t>
+            </a:r>
+          </a:p>
+          <a:p>
+            <a:pPr lvl="1"/>
+            <a:r>
+              <a:rPr lang="en-US" dirty="0"/>
+              <a:t> calling max(), min() etc. on a column</a:t>
+            </a:r>
+          </a:p>
+          <a:p>
+            <a:r>
+              <a:rPr lang="en-US" dirty="0"/>
+              <a:t> We'll revisit aggregations in SQL</a:t>
+            </a:r>
+          </a:p>
+        </p:txBody>
+      </p:sp>
+      <p:sp>
+        <p:nvSpPr>
+          <p:cNvPr id="4" name="Footer Placeholder 3">
+            <a:extLst>
+              <a:ext uri="{FF2B5EF4-FFF2-40B4-BE49-F238E27FC236}">
+                <a16:creationId xmlns:a16="http://schemas.microsoft.com/office/drawing/2014/main" id="{2D9D017C-08F5-F084-1F6C-9A3BBF765418}"/>
+              </a:ext>
+            </a:extLst>
+          </p:cNvPr>
+          <p:cNvSpPr>
+            <a:spLocks noGrp="1"/>
+          </p:cNvSpPr>
+          <p:nvPr>
+            <p:ph type="ftr" sz="quarter" idx="10"/>
+          </p:nvPr>
+        </p:nvSpPr>
+        <p:spPr/>
+        <p:txBody>
+          <a:bodyPr/>
+          <a:lstStyle/>
+          <a:p>
+            <a:r>
+              <a:rPr lang="en-US" dirty="0"/>
+              <a:t>Eric Kim | UC Berkeley | https://c88c.org | © CC BY-NC-SA</a:t>
+            </a:r>
+          </a:p>
+        </p:txBody>
+      </p:sp>
+    </p:spTree>
+    <p:extLst>
+      <p:ext uri="{BB962C8B-B14F-4D97-AF65-F5344CB8AC3E}">
+        <p14:creationId xmlns:p14="http://schemas.microsoft.com/office/powerpoint/2010/main" val="4059042762"/>
+      </p:ext>
+    </p:extLst>
+  </p:cSld>
+  <p:clrMapOvr>
+    <a:masterClrMapping/>
+  </p:clrMapOvr>
+</p:sld>
+</file>
+
+<file path=ppt/slides/slide27.xml><?xml version="1.0" encoding="utf-8"?>
+<p:sld xmlns:a="http://schemas.openxmlformats.org/drawingml/2006/main" xmlns:r="http://schemas.openxmlformats.org/officeDocument/2006/relationships" xmlns:p="http://schemas.openxmlformats.org/presentationml/2006/main">
+  <p:cSld>
+    <p:spTree>
+      <p:nvGrpSpPr>
+        <p:cNvPr id="1" name=""/>
+        <p:cNvGrpSpPr/>
+        <p:nvPr/>
+      </p:nvGrpSpPr>
+      <p:grpSpPr>
+        <a:xfrm>
+          <a:off x="0" y="0"/>
+          <a:ext cx="0" cy="0"/>
+          <a:chOff x="0" y="0"/>
+          <a:chExt cx="0" cy="0"/>
+        </a:xfrm>
+      </p:grpSpPr>
+      <p:sp>
+        <p:nvSpPr>
+          <p:cNvPr id="2" name="Title 1">
+            <a:extLst>
+              <a:ext uri="{FF2B5EF4-FFF2-40B4-BE49-F238E27FC236}">
+                <a16:creationId xmlns:a16="http://schemas.microsoft.com/office/drawing/2014/main" id="{D2340843-39A8-4E4A-A923-FEDC64A7AE32}"/>
+              </a:ext>
+            </a:extLst>
+          </p:cNvPr>
+          <p:cNvSpPr>
+            <a:spLocks noGrp="1"/>
+          </p:cNvSpPr>
+          <p:nvPr>
+            <p:ph type="ctrTitle"/>
+          </p:nvPr>
+        </p:nvSpPr>
+        <p:spPr/>
+        <p:txBody>
+          <a:bodyPr/>
+          <a:lstStyle/>
+          <a:p>
+            <a:r>
+              <a:rPr lang="en-US" dirty="0"/>
+              <a:t>Lists &amp; Higher Order Functions</a:t>
+            </a:r>
+            <a:br>
+              <a:rPr lang="en-US" dirty="0"/>
+            </a:br>
+            <a:r>
+              <a:rPr lang="en-US" dirty="0"/>
+              <a:t>Acronym</a:t>
+            </a:r>
+          </a:p>
+        </p:txBody>
+      </p:sp>
+    </p:spTree>
+    <p:extLst>
+      <p:ext uri="{BB962C8B-B14F-4D97-AF65-F5344CB8AC3E}">
+        <p14:creationId xmlns:p14="http://schemas.microsoft.com/office/powerpoint/2010/main" val="583503879"/>
       </p:ext>
     </p:extLst>
   </p:cSld>
@@ -18573,7 +18594,7 @@
           <p:cNvPr id="2" name="Title 1">
             <a:extLst>
               <a:ext uri="{FF2B5EF4-FFF2-40B4-BE49-F238E27FC236}">
-                <a16:creationId xmlns:a16="http://schemas.microsoft.com/office/drawing/2014/main" id="{D82B7D57-1EE6-F60D-F018-A74FBC781B4A}"/>
+                <a16:creationId xmlns:a16="http://schemas.microsoft.com/office/drawing/2014/main" id="{D78DEC67-149D-7747-87F3-D940F8EF2C93}"/>
               </a:ext>
             </a:extLst>
           </p:cNvPr>
@@ -18591,84 +18612,17 @@
           <a:p>
             <a:r>
               <a:rPr lang="en-US" dirty="0"/>
-              <a:t>Reduce is an aggregation!</a:t>
+              <a:t>Today’s Task: Acronym</a:t>
             </a:r>
           </a:p>
         </p:txBody>
       </p:sp>
       <p:sp>
         <p:nvSpPr>
-          <p:cNvPr id="3" name="Content Placeholder 2">
+          <p:cNvPr id="3" name="Footer Placeholder 3">
             <a:extLst>
               <a:ext uri="{FF2B5EF4-FFF2-40B4-BE49-F238E27FC236}">
-                <a16:creationId xmlns:a16="http://schemas.microsoft.com/office/drawing/2014/main" id="{53B1AD6C-5108-47F9-EA04-5B0A2102B152}"/>
-              </a:ext>
-            </a:extLst>
-          </p:cNvPr>
-          <p:cNvSpPr>
-            <a:spLocks noGrp="1"/>
-          </p:cNvSpPr>
-          <p:nvPr>
-            <p:ph idx="1"/>
-          </p:nvPr>
-        </p:nvSpPr>
-        <p:spPr/>
-        <p:txBody>
-          <a:bodyPr/>
-          <a:lstStyle/>
-          <a:p>
-            <a:r>
-              <a:rPr lang="en-US" dirty="0"/>
-              <a:t> Reduce aggregates or combines data</a:t>
-            </a:r>
-          </a:p>
-          <a:p>
-            <a:r>
-              <a:rPr lang="en-US" dirty="0"/>
-              <a:t> This is commonly called "group by"</a:t>
-            </a:r>
-          </a:p>
-          <a:p>
-            <a:r>
-              <a:rPr lang="en-US" dirty="0"/>
-              <a:t> In Data 8:</a:t>
-            </a:r>
-          </a:p>
-          <a:p>
-            <a:pPr lvl="1"/>
-            <a:r>
-              <a:rPr lang="en-US" dirty="0"/>
-              <a:t> sum over a range of values</a:t>
-            </a:r>
-          </a:p>
-          <a:p>
-            <a:pPr lvl="1"/>
-            <a:r>
-              <a:rPr lang="en-US" dirty="0"/>
-              <a:t> joining multiple cells into 1 array</a:t>
-            </a:r>
-          </a:p>
-          <a:p>
-            <a:pPr lvl="1"/>
-            <a:r>
-              <a:rPr lang="en-US" dirty="0"/>
-              <a:t> calling max(), min() etc. on a column</a:t>
-            </a:r>
-          </a:p>
-          <a:p>
-            <a:r>
-              <a:rPr lang="en-US" dirty="0"/>
-              <a:t> We'll revisit aggregations in SQL</a:t>
-            </a:r>
-          </a:p>
-        </p:txBody>
-      </p:sp>
-      <p:sp>
-        <p:nvSpPr>
-          <p:cNvPr id="4" name="Footer Placeholder 3">
-            <a:extLst>
-              <a:ext uri="{FF2B5EF4-FFF2-40B4-BE49-F238E27FC236}">
-                <a16:creationId xmlns:a16="http://schemas.microsoft.com/office/drawing/2014/main" id="{2D9D017C-08F5-F084-1F6C-9A3BBF765418}"/>
+                <a16:creationId xmlns:a16="http://schemas.microsoft.com/office/drawing/2014/main" id="{B0F7DD36-31E3-8DA2-86B2-1C07D04A003F}"/>
               </a:ext>
             </a:extLst>
           </p:cNvPr>
@@ -18686,15 +18640,281 @@
           <a:p>
             <a:r>
               <a:rPr lang="en-US" dirty="0"/>
-              <a:t>Michael Ball | UC Berkeley | https://c88c.org | © CC BY-NC-SA</a:t>
-            </a:r>
+              <a:t>Eric Kim | UC Berkeley | https://c88c.org | © CC BY-NC-SA</a:t>
+            </a:r>
+          </a:p>
+        </p:txBody>
+      </p:sp>
+      <p:sp>
+        <p:nvSpPr>
+          <p:cNvPr id="5" name="Rectangle 4">
+            <a:extLst>
+              <a:ext uri="{FF2B5EF4-FFF2-40B4-BE49-F238E27FC236}">
+                <a16:creationId xmlns:a16="http://schemas.microsoft.com/office/drawing/2014/main" id="{F4E01054-B4B8-BC41-8667-60CEB7A01846}"/>
+              </a:ext>
+            </a:extLst>
+          </p:cNvPr>
+          <p:cNvSpPr/>
+          <p:nvPr/>
+        </p:nvSpPr>
+        <p:spPr>
+          <a:xfrm>
+            <a:off x="533400" y="1081668"/>
+            <a:ext cx="8610600" cy="2031325"/>
+          </a:xfrm>
+          <a:prstGeom prst="rect">
+            <a:avLst/>
+          </a:prstGeom>
+        </p:spPr>
+        <p:txBody>
+          <a:bodyPr wrap="square">
+            <a:spAutoFit/>
+          </a:bodyPr>
+          <a:lstStyle/>
+          <a:p>
+            <a:pPr>
+              <a:lnSpc>
+                <a:spcPct val="100000"/>
+              </a:lnSpc>
+            </a:pPr>
+            <a:endParaRPr lang="en-US" spc="-1" dirty="0">
+              <a:solidFill>
+                <a:srgbClr val="000000"/>
+              </a:solidFill>
+              <a:uFill>
+                <a:solidFill>
+                  <a:srgbClr val="FFFFFF"/>
+                </a:solidFill>
+              </a:uFill>
+              <a:latin typeface="Source Code Pro" panose="020B0509030403020204" pitchFamily="49" charset="77"/>
+            </a:endParaRPr>
+          </a:p>
+          <a:p>
+            <a:pPr>
+              <a:lnSpc>
+                <a:spcPct val="100000"/>
+              </a:lnSpc>
+            </a:pPr>
+            <a:r>
+              <a:rPr lang="en-US" spc="-1" dirty="0">
+                <a:solidFill>
+                  <a:srgbClr val="000000"/>
+                </a:solidFill>
+                <a:uFill>
+                  <a:solidFill>
+                    <a:srgbClr val="FFFFFF"/>
+                  </a:solidFill>
+                </a:uFill>
+                <a:latin typeface="Source Code Pro" panose="020B0509030403020204" pitchFamily="49" charset="77"/>
+              </a:rPr>
+              <a:t>Input: "The University of California at Berkeley"</a:t>
+            </a:r>
+          </a:p>
+          <a:p>
+            <a:pPr>
+              <a:lnSpc>
+                <a:spcPct val="100000"/>
+              </a:lnSpc>
+            </a:pPr>
+            <a:endParaRPr lang="en-US" spc="-1" dirty="0">
+              <a:solidFill>
+                <a:srgbClr val="000000"/>
+              </a:solidFill>
+              <a:uFill>
+                <a:solidFill>
+                  <a:srgbClr val="FFFFFF"/>
+                </a:solidFill>
+              </a:uFill>
+              <a:latin typeface="Source Code Pro" panose="020B0509030403020204" pitchFamily="49" charset="77"/>
+            </a:endParaRPr>
+          </a:p>
+          <a:p>
+            <a:pPr>
+              <a:lnSpc>
+                <a:spcPct val="100000"/>
+              </a:lnSpc>
+            </a:pPr>
+            <a:r>
+              <a:rPr lang="en-US" spc="-1" dirty="0">
+                <a:solidFill>
+                  <a:srgbClr val="000000"/>
+                </a:solidFill>
+                <a:uFill>
+                  <a:solidFill>
+                    <a:srgbClr val="FFFFFF"/>
+                  </a:solidFill>
+                </a:uFill>
+                <a:latin typeface="Source Code Pro" panose="020B0509030403020204" pitchFamily="49" charset="77"/>
+              </a:rPr>
+              <a:t>Output: "UCB"</a:t>
+            </a:r>
+          </a:p>
+          <a:p>
+            <a:pPr>
+              <a:lnSpc>
+                <a:spcPct val="100000"/>
+              </a:lnSpc>
+            </a:pPr>
+            <a:endParaRPr lang="en-US" spc="-1" dirty="0">
+              <a:solidFill>
+                <a:srgbClr val="000000"/>
+              </a:solidFill>
+              <a:uFill>
+                <a:solidFill>
+                  <a:srgbClr val="FFFFFF"/>
+                </a:solidFill>
+              </a:uFill>
+              <a:latin typeface="Source Code Pro" panose="020B0509030403020204" pitchFamily="49" charset="77"/>
+            </a:endParaRPr>
+          </a:p>
+          <a:p>
+            <a:pPr>
+              <a:lnSpc>
+                <a:spcPct val="100000"/>
+              </a:lnSpc>
+            </a:pPr>
+            <a:r>
+              <a:rPr lang="en-US" spc="-1" dirty="0">
+                <a:solidFill>
+                  <a:srgbClr val="000000"/>
+                </a:solidFill>
+                <a:uFill>
+                  <a:solidFill>
+                    <a:srgbClr val="FFFFFF"/>
+                  </a:solidFill>
+                </a:uFill>
+                <a:latin typeface="Source Code Pro" panose="020B0509030403020204" pitchFamily="49" charset="77"/>
+              </a:rPr>
+              <a:t>def acronym(sentence):</a:t>
+            </a:r>
+          </a:p>
+          <a:p>
+            <a:pPr>
+              <a:lnSpc>
+                <a:spcPct val="100000"/>
+              </a:lnSpc>
+            </a:pPr>
+            <a:r>
+              <a:rPr lang="en-US" spc="-1" dirty="0">
+                <a:solidFill>
+                  <a:srgbClr val="000000"/>
+                </a:solidFill>
+                <a:uFill>
+                  <a:solidFill>
+                    <a:srgbClr val="FFFFFF"/>
+                  </a:solidFill>
+                </a:uFill>
+                <a:latin typeface="Source Code Pro" panose="020B0509030403020204" pitchFamily="49" charset="77"/>
+              </a:rPr>
+              <a:t>	"""YOUR CODE HERE"""</a:t>
+            </a:r>
+          </a:p>
+        </p:txBody>
+      </p:sp>
+      <p:sp>
+        <p:nvSpPr>
+          <p:cNvPr id="7" name="TextShape 11">
+            <a:extLst>
+              <a:ext uri="{FF2B5EF4-FFF2-40B4-BE49-F238E27FC236}">
+                <a16:creationId xmlns:a16="http://schemas.microsoft.com/office/drawing/2014/main" id="{55609106-671F-E84E-8744-3B2453668F27}"/>
+              </a:ext>
+            </a:extLst>
+          </p:cNvPr>
+          <p:cNvSpPr txBox="1"/>
+          <p:nvPr/>
+        </p:nvSpPr>
+        <p:spPr>
+          <a:xfrm>
+            <a:off x="2281080" y="5012456"/>
+            <a:ext cx="7171560" cy="602280"/>
+          </a:xfrm>
+          <a:prstGeom prst="rect">
+            <a:avLst/>
+          </a:prstGeom>
+          <a:noFill/>
+          <a:ln>
+            <a:noFill/>
+          </a:ln>
+        </p:spPr>
+        <p:txBody>
+          <a:bodyPr lIns="90000" tIns="45000" rIns="90000" bIns="45000"/>
+          <a:lstStyle/>
+          <a:p>
+            <a:r>
+              <a:rPr lang="en-US" spc="-1" dirty="0">
+                <a:solidFill>
+                  <a:srgbClr val="000000"/>
+                </a:solidFill>
+                <a:uFill>
+                  <a:solidFill>
+                    <a:srgbClr val="FFFFFF"/>
+                  </a:solidFill>
+                </a:uFill>
+                <a:latin typeface="Arial"/>
+              </a:rPr>
+              <a:t>P.S. Pedantry alert: This is really an </a:t>
+            </a:r>
+            <a:r>
+              <a:rPr lang="en-US" i="1" spc="-1" dirty="0">
+                <a:solidFill>
+                  <a:srgbClr val="000000"/>
+                </a:solidFill>
+                <a:uFill>
+                  <a:solidFill>
+                    <a:srgbClr val="FFFFFF"/>
+                  </a:solidFill>
+                </a:uFill>
+                <a:latin typeface="Arial"/>
+              </a:rPr>
+              <a:t>initialism</a:t>
+            </a:r>
+            <a:r>
+              <a:rPr lang="en-US" spc="-1" dirty="0">
+                <a:solidFill>
+                  <a:srgbClr val="000000"/>
+                </a:solidFill>
+                <a:uFill>
+                  <a:solidFill>
+                    <a:srgbClr val="FFFFFF"/>
+                  </a:solidFill>
+                </a:uFill>
+                <a:latin typeface="Arial"/>
+              </a:rPr>
+              <a:t> but that's rather annoying to say and type. </a:t>
+            </a:r>
+            <a:r>
+              <a:rPr lang="en-US" spc="-1" dirty="0">
+                <a:solidFill>
+                  <a:srgbClr val="000000"/>
+                </a:solidFill>
+                <a:uFill>
+                  <a:solidFill>
+                    <a:srgbClr val="FFFFFF"/>
+                  </a:solidFill>
+                </a:uFill>
+                <a:latin typeface="Arial"/>
+                <a:sym typeface="Wingdings" pitchFamily="2" charset="2"/>
+              </a:rPr>
+              <a:t> (However, the code we write is the same, the difference is in how you pronounce the result.) The more you know!</a:t>
+            </a:r>
+            <a:endParaRPr lang="en-US" spc="-1" dirty="0">
+              <a:solidFill>
+                <a:srgbClr val="000000"/>
+              </a:solidFill>
+              <a:uFill>
+                <a:solidFill>
+                  <a:srgbClr val="FFFFFF"/>
+                </a:solidFill>
+              </a:uFill>
+              <a:latin typeface="Arial"/>
+            </a:endParaRPr>
           </a:p>
         </p:txBody>
       </p:sp>
     </p:spTree>
     <p:extLst>
       <p:ext uri="{BB962C8B-B14F-4D97-AF65-F5344CB8AC3E}">
-        <p14:creationId xmlns:p14="http://schemas.microsoft.com/office/powerpoint/2010/main" val="4059042762"/>
+        <p14:creationId xmlns:p14="http://schemas.microsoft.com/office/powerpoint/2010/main" val="758197119"/>
       </p:ext>
     </p:extLst>
   </p:cSld>
@@ -18726,7 +18946,7 @@
           <p:cNvPr id="2" name="Title 1">
             <a:extLst>
               <a:ext uri="{FF2B5EF4-FFF2-40B4-BE49-F238E27FC236}">
-                <a16:creationId xmlns:a16="http://schemas.microsoft.com/office/drawing/2014/main" id="{D2340843-39A8-4E4A-A923-FEDC64A7AE32}"/>
+                <a16:creationId xmlns:a16="http://schemas.microsoft.com/office/drawing/2014/main" id="{D78DEC67-149D-7747-87F3-D940F8EF2C93}"/>
               </a:ext>
             </a:extLst>
           </p:cNvPr>
@@ -18734,7 +18954,7 @@
             <a:spLocks noGrp="1"/>
           </p:cNvSpPr>
           <p:nvPr>
-            <p:ph type="ctrTitle"/>
+            <p:ph type="title"/>
           </p:nvPr>
         </p:nvSpPr>
         <p:spPr/>
@@ -18744,55 +18964,490 @@
           <a:p>
             <a:r>
               <a:rPr lang="en-US" dirty="0"/>
-              <a:t>Lists &amp; Higher Order Functions</a:t>
-            </a:r>
-            <a:br>
+              <a:t>Today’s Task: Acronym</a:t>
+            </a:r>
+          </a:p>
+        </p:txBody>
+      </p:sp>
+      <p:sp>
+        <p:nvSpPr>
+          <p:cNvPr id="3" name="Footer Placeholder 3">
+            <a:extLst>
+              <a:ext uri="{FF2B5EF4-FFF2-40B4-BE49-F238E27FC236}">
+                <a16:creationId xmlns:a16="http://schemas.microsoft.com/office/drawing/2014/main" id="{F51931BB-CF75-5337-745A-3366CA8CF1C4}"/>
+              </a:ext>
+            </a:extLst>
+          </p:cNvPr>
+          <p:cNvSpPr>
+            <a:spLocks noGrp="1"/>
+          </p:cNvSpPr>
+          <p:nvPr>
+            <p:ph type="ftr" sz="quarter" idx="10"/>
+          </p:nvPr>
+        </p:nvSpPr>
+        <p:spPr/>
+        <p:txBody>
+          <a:bodyPr/>
+          <a:lstStyle/>
+          <a:p>
+            <a:r>
               <a:rPr lang="en-US" dirty="0"/>
-            </a:br>
-            <a:r>
-              <a:rPr lang="en-US" dirty="0"/>
-              <a:t>Acronym</a:t>
-            </a:r>
+              <a:t>Eric Kim | UC Berkeley | https://c88c.org | © CC BY-NC-SA</a:t>
+            </a:r>
+          </a:p>
+        </p:txBody>
+      </p:sp>
+      <p:sp>
+        <p:nvSpPr>
+          <p:cNvPr id="5" name="Rectangle 4">
+            <a:extLst>
+              <a:ext uri="{FF2B5EF4-FFF2-40B4-BE49-F238E27FC236}">
+                <a16:creationId xmlns:a16="http://schemas.microsoft.com/office/drawing/2014/main" id="{F4E01054-B4B8-BC41-8667-60CEB7A01846}"/>
+              </a:ext>
+            </a:extLst>
+          </p:cNvPr>
+          <p:cNvSpPr/>
+          <p:nvPr/>
+        </p:nvSpPr>
+        <p:spPr>
+          <a:xfrm>
+            <a:off x="533400" y="1081668"/>
+            <a:ext cx="11168974" cy="3170099"/>
+          </a:xfrm>
+          <a:prstGeom prst="rect">
+            <a:avLst/>
+          </a:prstGeom>
+        </p:spPr>
+        <p:txBody>
+          <a:bodyPr wrap="square">
+            <a:spAutoFit/>
+          </a:bodyPr>
+          <a:lstStyle/>
+          <a:p>
+            <a:pPr>
+              <a:lnSpc>
+                <a:spcPct val="100000"/>
+              </a:lnSpc>
+            </a:pPr>
+            <a:endParaRPr lang="en-US" sz="2000" spc="-1" dirty="0">
+              <a:solidFill>
+                <a:srgbClr val="000000"/>
+              </a:solidFill>
+              <a:uFill>
+                <a:solidFill>
+                  <a:srgbClr val="FFFFFF"/>
+                </a:solidFill>
+              </a:uFill>
+              <a:latin typeface="Source Code Pro" panose="020B0509030403020204" pitchFamily="49" charset="77"/>
+            </a:endParaRPr>
+          </a:p>
+          <a:p>
+            <a:pPr>
+              <a:lnSpc>
+                <a:spcPct val="100000"/>
+              </a:lnSpc>
+            </a:pPr>
+            <a:r>
+              <a:rPr lang="en-US" sz="2000" spc="-1" dirty="0">
+                <a:solidFill>
+                  <a:srgbClr val="000000"/>
+                </a:solidFill>
+                <a:uFill>
+                  <a:solidFill>
+                    <a:srgbClr val="FFFFFF"/>
+                  </a:solidFill>
+                </a:uFill>
+                <a:latin typeface="Source Code Pro" panose="020B0509030403020204" pitchFamily="49" charset="77"/>
+              </a:rPr>
+              <a:t>Input: "The University of California at Berkeley"</a:t>
+            </a:r>
+          </a:p>
+          <a:p>
+            <a:pPr>
+              <a:lnSpc>
+                <a:spcPct val="100000"/>
+              </a:lnSpc>
+            </a:pPr>
+            <a:endParaRPr lang="en-US" sz="2000" spc="-1" dirty="0">
+              <a:solidFill>
+                <a:srgbClr val="000000"/>
+              </a:solidFill>
+              <a:uFill>
+                <a:solidFill>
+                  <a:srgbClr val="FFFFFF"/>
+                </a:solidFill>
+              </a:uFill>
+              <a:latin typeface="Source Code Pro" panose="020B0509030403020204" pitchFamily="49" charset="77"/>
+            </a:endParaRPr>
+          </a:p>
+          <a:p>
+            <a:pPr>
+              <a:lnSpc>
+                <a:spcPct val="100000"/>
+              </a:lnSpc>
+            </a:pPr>
+            <a:r>
+              <a:rPr lang="en-US" sz="2000" spc="-1" dirty="0">
+                <a:solidFill>
+                  <a:srgbClr val="000000"/>
+                </a:solidFill>
+                <a:uFill>
+                  <a:solidFill>
+                    <a:srgbClr val="FFFFFF"/>
+                  </a:solidFill>
+                </a:uFill>
+                <a:latin typeface="Source Code Pro" panose="020B0509030403020204" pitchFamily="49" charset="77"/>
+              </a:rPr>
+              <a:t>Output: "UCB"</a:t>
+            </a:r>
+          </a:p>
+          <a:p>
+            <a:pPr>
+              <a:lnSpc>
+                <a:spcPct val="100000"/>
+              </a:lnSpc>
+            </a:pPr>
+            <a:r>
+              <a:rPr lang="en-US" sz="2000" spc="-1" dirty="0">
+                <a:solidFill>
+                  <a:srgbClr val="000000"/>
+                </a:solidFill>
+                <a:uFill>
+                  <a:solidFill>
+                    <a:srgbClr val="FFFFFF"/>
+                  </a:solidFill>
+                </a:uFill>
+                <a:latin typeface="Source Code Pro" panose="020B0509030403020204" pitchFamily="49" charset="77"/>
+              </a:rPr>
+              <a:t>def acronym(sentence):</a:t>
+            </a:r>
+          </a:p>
+          <a:p>
+            <a:pPr>
+              <a:lnSpc>
+                <a:spcPct val="100000"/>
+              </a:lnSpc>
+            </a:pPr>
+            <a:r>
+              <a:rPr lang="en-US" sz="2000" spc="-1" dirty="0">
+                <a:solidFill>
+                  <a:srgbClr val="000000"/>
+                </a:solidFill>
+                <a:uFill>
+                  <a:solidFill>
+                    <a:srgbClr val="FFFFFF"/>
+                  </a:solidFill>
+                </a:uFill>
+                <a:latin typeface="Source Code Pro" panose="020B0509030403020204" pitchFamily="49" charset="77"/>
+              </a:rPr>
+              <a:t>    """ (Some </a:t>
+            </a:r>
+            <a:r>
+              <a:rPr lang="en-US" sz="2000" spc="-1" dirty="0" err="1">
+                <a:solidFill>
+                  <a:srgbClr val="000000"/>
+                </a:solidFill>
+                <a:uFill>
+                  <a:solidFill>
+                    <a:srgbClr val="FFFFFF"/>
+                  </a:solidFill>
+                </a:uFill>
+                <a:latin typeface="Source Code Pro" panose="020B0509030403020204" pitchFamily="49" charset="77"/>
+              </a:rPr>
+              <a:t>doctests</a:t>
+            </a:r>
+            <a:r>
+              <a:rPr lang="en-US" sz="2000" spc="-1" dirty="0">
+                <a:solidFill>
+                  <a:srgbClr val="000000"/>
+                </a:solidFill>
+                <a:uFill>
+                  <a:solidFill>
+                    <a:srgbClr val="FFFFFF"/>
+                  </a:solidFill>
+                </a:uFill>
+                <a:latin typeface="Source Code Pro" panose="020B0509030403020204" pitchFamily="49" charset="77"/>
+              </a:rPr>
+              <a:t>)</a:t>
+            </a:r>
+          </a:p>
+          <a:p>
+            <a:pPr>
+              <a:lnSpc>
+                <a:spcPct val="100000"/>
+              </a:lnSpc>
+            </a:pPr>
+            <a:r>
+              <a:rPr lang="en-US" sz="2000" spc="-1" dirty="0">
+                <a:solidFill>
+                  <a:srgbClr val="000000"/>
+                </a:solidFill>
+                <a:uFill>
+                  <a:solidFill>
+                    <a:srgbClr val="FFFFFF"/>
+                  </a:solidFill>
+                </a:uFill>
+                <a:latin typeface="Source Code Pro" panose="020B0509030403020204" pitchFamily="49" charset="77"/>
+              </a:rPr>
+              <a:t>    """</a:t>
+            </a:r>
+          </a:p>
+          <a:p>
+            <a:pPr>
+              <a:lnSpc>
+                <a:spcPct val="100000"/>
+              </a:lnSpc>
+            </a:pPr>
+            <a:r>
+              <a:rPr lang="en-US" sz="2000" spc="-1" dirty="0">
+                <a:solidFill>
+                  <a:srgbClr val="000000"/>
+                </a:solidFill>
+                <a:uFill>
+                  <a:solidFill>
+                    <a:srgbClr val="FFFFFF"/>
+                  </a:solidFill>
+                </a:uFill>
+                <a:latin typeface="Source Code Pro" panose="020B0509030403020204" pitchFamily="49" charset="77"/>
+              </a:rPr>
+              <a:t>    words = </a:t>
+            </a:r>
+            <a:r>
+              <a:rPr lang="en-US" sz="2000" spc="-1" dirty="0" err="1">
+                <a:solidFill>
+                  <a:srgbClr val="000000"/>
+                </a:solidFill>
+                <a:uFill>
+                  <a:solidFill>
+                    <a:srgbClr val="FFFFFF"/>
+                  </a:solidFill>
+                </a:uFill>
+                <a:latin typeface="Source Code Pro" panose="020B0509030403020204" pitchFamily="49" charset="77"/>
+              </a:rPr>
+              <a:t>sentence.split</a:t>
+            </a:r>
+            <a:r>
+              <a:rPr lang="en-US" sz="2000" spc="-1" dirty="0">
+                <a:solidFill>
+                  <a:srgbClr val="000000"/>
+                </a:solidFill>
+                <a:uFill>
+                  <a:solidFill>
+                    <a:srgbClr val="FFFFFF"/>
+                  </a:solidFill>
+                </a:uFill>
+                <a:latin typeface="Source Code Pro" panose="020B0509030403020204" pitchFamily="49" charset="77"/>
+              </a:rPr>
+              <a:t>()</a:t>
+            </a:r>
+          </a:p>
+          <a:p>
+            <a:pPr>
+              <a:lnSpc>
+                <a:spcPct val="100000"/>
+              </a:lnSpc>
+            </a:pPr>
+            <a:r>
+              <a:rPr lang="en-US" sz="2000" spc="-1" dirty="0">
+                <a:solidFill>
+                  <a:srgbClr val="000000"/>
+                </a:solidFill>
+                <a:uFill>
+                  <a:solidFill>
+                    <a:srgbClr val="FFFFFF"/>
+                  </a:solidFill>
+                </a:uFill>
+                <a:latin typeface="Source Code Pro" panose="020B0509030403020204" pitchFamily="49" charset="77"/>
+              </a:rPr>
+              <a:t>    return reduce(add, map(</a:t>
+            </a:r>
+            <a:r>
+              <a:rPr lang="en-US" sz="2000" spc="-1" dirty="0" err="1">
+                <a:solidFill>
+                  <a:srgbClr val="000000"/>
+                </a:solidFill>
+                <a:uFill>
+                  <a:solidFill>
+                    <a:srgbClr val="FFFFFF"/>
+                  </a:solidFill>
+                </a:uFill>
+                <a:latin typeface="Source Code Pro" panose="020B0509030403020204" pitchFamily="49" charset="77"/>
+              </a:rPr>
+              <a:t>first_letter</a:t>
+            </a:r>
+            <a:r>
+              <a:rPr lang="en-US" sz="2000" spc="-1" dirty="0">
+                <a:solidFill>
+                  <a:srgbClr val="000000"/>
+                </a:solidFill>
+                <a:uFill>
+                  <a:solidFill>
+                    <a:srgbClr val="FFFFFF"/>
+                  </a:solidFill>
+                </a:uFill>
+                <a:latin typeface="Source Code Pro" panose="020B0509030403020204" pitchFamily="49" charset="77"/>
+              </a:rPr>
+              <a:t>, filter(</a:t>
+            </a:r>
+            <a:r>
+              <a:rPr lang="en-US" sz="2000" spc="-1" dirty="0" err="1">
+                <a:solidFill>
+                  <a:srgbClr val="000000"/>
+                </a:solidFill>
+                <a:uFill>
+                  <a:solidFill>
+                    <a:srgbClr val="FFFFFF"/>
+                  </a:solidFill>
+                </a:uFill>
+                <a:latin typeface="Source Code Pro" panose="020B0509030403020204" pitchFamily="49" charset="77"/>
+              </a:rPr>
+              <a:t>is_long_word</a:t>
+            </a:r>
+            <a:r>
+              <a:rPr lang="en-US" sz="2000" spc="-1" dirty="0">
+                <a:solidFill>
+                  <a:srgbClr val="000000"/>
+                </a:solidFill>
+                <a:uFill>
+                  <a:solidFill>
+                    <a:srgbClr val="FFFFFF"/>
+                  </a:solidFill>
+                </a:uFill>
+                <a:latin typeface="Source Code Pro" panose="020B0509030403020204" pitchFamily="49" charset="77"/>
+              </a:rPr>
+              <a:t>, words)))</a:t>
+            </a:r>
+          </a:p>
+          <a:p>
+            <a:pPr>
+              <a:lnSpc>
+                <a:spcPct val="100000"/>
+              </a:lnSpc>
+            </a:pPr>
+            <a:endParaRPr lang="en-US" sz="2000" spc="-1" dirty="0">
+              <a:solidFill>
+                <a:srgbClr val="000000"/>
+              </a:solidFill>
+              <a:uFill>
+                <a:solidFill>
+                  <a:srgbClr val="FFFFFF"/>
+                </a:solidFill>
+              </a:uFill>
+              <a:latin typeface="Source Code Pro" panose="020B0509030403020204" pitchFamily="49" charset="77"/>
+            </a:endParaRPr>
+          </a:p>
+        </p:txBody>
+      </p:sp>
+      <p:sp>
+        <p:nvSpPr>
+          <p:cNvPr id="7" name="TextShape 11">
+            <a:extLst>
+              <a:ext uri="{FF2B5EF4-FFF2-40B4-BE49-F238E27FC236}">
+                <a16:creationId xmlns:a16="http://schemas.microsoft.com/office/drawing/2014/main" id="{55609106-671F-E84E-8744-3B2453668F27}"/>
+              </a:ext>
+            </a:extLst>
+          </p:cNvPr>
+          <p:cNvSpPr txBox="1"/>
+          <p:nvPr/>
+        </p:nvSpPr>
+        <p:spPr>
+          <a:xfrm>
+            <a:off x="2281080" y="5012456"/>
+            <a:ext cx="7171560" cy="602280"/>
+          </a:xfrm>
+          <a:prstGeom prst="rect">
+            <a:avLst/>
+          </a:prstGeom>
+          <a:noFill/>
+          <a:ln>
+            <a:noFill/>
+          </a:ln>
+        </p:spPr>
+        <p:txBody>
+          <a:bodyPr lIns="90000" tIns="45000" rIns="90000" bIns="45000"/>
+          <a:lstStyle/>
+          <a:p>
+            <a:r>
+              <a:rPr lang="en-US" spc="-1" dirty="0">
+                <a:solidFill>
+                  <a:srgbClr val="000000"/>
+                </a:solidFill>
+                <a:uFill>
+                  <a:solidFill>
+                    <a:srgbClr val="FFFFFF"/>
+                  </a:solidFill>
+                </a:uFill>
+                <a:latin typeface="Arial"/>
+              </a:rPr>
+              <a:t>P.S. Pedantry alert: This is really an </a:t>
+            </a:r>
+            <a:r>
+              <a:rPr lang="en-US" i="1" spc="-1" dirty="0">
+                <a:solidFill>
+                  <a:srgbClr val="000000"/>
+                </a:solidFill>
+                <a:uFill>
+                  <a:solidFill>
+                    <a:srgbClr val="FFFFFF"/>
+                  </a:solidFill>
+                </a:uFill>
+                <a:latin typeface="Arial"/>
+              </a:rPr>
+              <a:t>initialism</a:t>
+            </a:r>
+            <a:r>
+              <a:rPr lang="en-US" spc="-1" dirty="0">
+                <a:solidFill>
+                  <a:srgbClr val="000000"/>
+                </a:solidFill>
+                <a:uFill>
+                  <a:solidFill>
+                    <a:srgbClr val="FFFFFF"/>
+                  </a:solidFill>
+                </a:uFill>
+                <a:latin typeface="Arial"/>
+              </a:rPr>
+              <a:t> but that's rather annoying to say and type. </a:t>
+            </a:r>
+            <a:r>
+              <a:rPr lang="en-US" spc="-1" dirty="0">
+                <a:solidFill>
+                  <a:srgbClr val="000000"/>
+                </a:solidFill>
+                <a:uFill>
+                  <a:solidFill>
+                    <a:srgbClr val="FFFFFF"/>
+                  </a:solidFill>
+                </a:uFill>
+                <a:latin typeface="Arial"/>
+                <a:sym typeface="Wingdings" pitchFamily="2" charset="2"/>
+              </a:rPr>
+              <a:t> (However, the code we write is the same, the difference is in how you pronounce the result.) The more you know!</a:t>
+            </a:r>
+            <a:endParaRPr lang="en-US" spc="-1" dirty="0">
+              <a:solidFill>
+                <a:srgbClr val="000000"/>
+              </a:solidFill>
+              <a:uFill>
+                <a:solidFill>
+                  <a:srgbClr val="FFFFFF"/>
+                </a:solidFill>
+              </a:uFill>
+              <a:latin typeface="Arial"/>
+            </a:endParaRPr>
           </a:p>
         </p:txBody>
       </p:sp>
     </p:spTree>
     <p:extLst>
       <p:ext uri="{BB962C8B-B14F-4D97-AF65-F5344CB8AC3E}">
-        <p14:creationId xmlns:p14="http://schemas.microsoft.com/office/powerpoint/2010/main" val="583503879"/>
+        <p14:creationId xmlns:p14="http://schemas.microsoft.com/office/powerpoint/2010/main" val="3338411237"/>
       </p:ext>
     </p:extLst>
   </p:cSld>
   <p:clrMapOvr>
     <a:masterClrMapping/>
   </p:clrMapOvr>
-  <p:timing>
-    <p:tnLst>
-      <p:par>
-        <p:cTn id="1" dur="indefinite" restart="never" nodeType="tmRoot">
-          <p:childTnLst>
-            <p:seq>
-              <p:cTn id="2" nodeType="mainSeq"/>
-              <p:prevCondLst>
-                <p:cond evt="onPrev" delay="0">
-                  <p:tgtEl>
-                    <p:sldTgt/>
-                  </p:tgtEl>
-                </p:cond>
-              </p:prevCondLst>
-              <p:nextCondLst>
-                <p:cond evt="onNext" delay="0">
-                  <p:tgtEl>
-                    <p:sldTgt/>
-                  </p:tgtEl>
-                </p:cond>
-              </p:nextCondLst>
-            </p:seq>
-          </p:childTnLst>
-        </p:cTn>
-      </p:par>
-    </p:tnLst>
-  </p:timing>
 </p:sld>
 </file>
 
@@ -18818,7 +19473,7 @@
           <p:cNvPr id="2" name="Title 1">
             <a:extLst>
               <a:ext uri="{FF2B5EF4-FFF2-40B4-BE49-F238E27FC236}">
-                <a16:creationId xmlns:a16="http://schemas.microsoft.com/office/drawing/2014/main" id="{D2340843-39A8-4E4A-A923-FEDC64A7AE32}"/>
+                <a16:creationId xmlns:a16="http://schemas.microsoft.com/office/drawing/2014/main" id="{61074047-88C6-1636-87FA-21749C0FE84E}"/>
               </a:ext>
             </a:extLst>
           </p:cNvPr>
@@ -18826,22 +19481,100 @@
             <a:spLocks noGrp="1"/>
           </p:cNvSpPr>
           <p:nvPr>
-            <p:ph type="ctrTitle"/>
+            <p:ph type="title"/>
           </p:nvPr>
         </p:nvSpPr>
-        <p:spPr>
-          <a:xfrm>
-            <a:off x="1866900" y="2821803"/>
-            <a:ext cx="8458200" cy="1470025"/>
-          </a:xfrm>
-        </p:spPr>
+        <p:spPr/>
         <p:txBody>
           <a:bodyPr/>
           <a:lstStyle/>
           <a:p>
             <a:r>
               <a:rPr lang="en-US" dirty="0"/>
-              <a:t>Lambda Expressions</a:t>
+              <a:t>Today’s overview</a:t>
+            </a:r>
+          </a:p>
+        </p:txBody>
+      </p:sp>
+      <p:sp>
+        <p:nvSpPr>
+          <p:cNvPr id="3" name="Content Placeholder 2">
+            <a:extLst>
+              <a:ext uri="{FF2B5EF4-FFF2-40B4-BE49-F238E27FC236}">
+                <a16:creationId xmlns:a16="http://schemas.microsoft.com/office/drawing/2014/main" id="{BE94E4AD-C501-36D8-B1B8-0CA308B2BF26}"/>
+              </a:ext>
+            </a:extLst>
+          </p:cNvPr>
+          <p:cNvSpPr>
+            <a:spLocks noGrp="1"/>
+          </p:cNvSpPr>
+          <p:nvPr>
+            <p:ph idx="1"/>
+          </p:nvPr>
+        </p:nvSpPr>
+        <p:spPr/>
+        <p:txBody>
+          <a:bodyPr/>
+          <a:lstStyle/>
+          <a:p>
+            <a:r>
+              <a:rPr lang="en-US" dirty="0">
+                <a:sym typeface="Wingdings" pitchFamily="2" charset="2"/>
+              </a:rPr>
+              <a:t> Lambda expressions</a:t>
+            </a:r>
+          </a:p>
+          <a:p>
+            <a:r>
+              <a:rPr lang="en-US" dirty="0">
+                <a:sym typeface="Wingdings" pitchFamily="2" charset="2"/>
+              </a:rPr>
+              <a:t> Higher-order functions + sequences</a:t>
+            </a:r>
+          </a:p>
+          <a:p>
+            <a:pPr lvl="1"/>
+            <a:r>
+              <a:rPr lang="en-US" dirty="0">
+                <a:sym typeface="Wingdings" pitchFamily="2" charset="2"/>
+              </a:rPr>
+              <a:t> map, filter, reduce</a:t>
+            </a:r>
+          </a:p>
+          <a:p>
+            <a:endParaRPr lang="en-US" dirty="0">
+              <a:sym typeface="Wingdings" pitchFamily="2" charset="2"/>
+            </a:endParaRPr>
+          </a:p>
+          <a:p>
+            <a:endParaRPr lang="en-US" dirty="0"/>
+          </a:p>
+        </p:txBody>
+      </p:sp>
+      <p:sp>
+        <p:nvSpPr>
+          <p:cNvPr id="4" name="Footer Placeholder 3">
+            <a:extLst>
+              <a:ext uri="{FF2B5EF4-FFF2-40B4-BE49-F238E27FC236}">
+                <a16:creationId xmlns:a16="http://schemas.microsoft.com/office/drawing/2014/main" id="{0CCD38B7-B0B6-E974-ACEA-9415788AECE2}"/>
+              </a:ext>
+            </a:extLst>
+          </p:cNvPr>
+          <p:cNvSpPr>
+            <a:spLocks noGrp="1"/>
+          </p:cNvSpPr>
+          <p:nvPr>
+            <p:ph type="ftr" sz="quarter" idx="10"/>
+          </p:nvPr>
+        </p:nvSpPr>
+        <p:spPr/>
+        <p:txBody>
+          <a:bodyPr/>
+          <a:lstStyle/>
+          <a:p>
+            <a:r>
+              <a:rPr lang="en-US" dirty="0"/>
+              <a:t>Eric Kim | UC Berkeley | https://c88c.org | © CC BY-NC-SA</a:t>
             </a:r>
           </a:p>
         </p:txBody>
@@ -18849,40 +19582,13 @@
     </p:spTree>
     <p:extLst>
       <p:ext uri="{BB962C8B-B14F-4D97-AF65-F5344CB8AC3E}">
-        <p14:creationId xmlns:p14="http://schemas.microsoft.com/office/powerpoint/2010/main" val="1876029920"/>
+        <p14:creationId xmlns:p14="http://schemas.microsoft.com/office/powerpoint/2010/main" val="148087913"/>
       </p:ext>
     </p:extLst>
   </p:cSld>
   <p:clrMapOvr>
     <a:masterClrMapping/>
   </p:clrMapOvr>
-  <p:timing>
-    <p:tnLst>
-      <p:par>
-        <p:cTn id="1" dur="indefinite" restart="never" nodeType="tmRoot">
-          <p:childTnLst>
-            <p:seq>
-              <p:cTn id="2" nodeType="mainSeq"/>
-              <p:prevCondLst>
-                <p:cond evt="onPrev" delay="0">
-                  <p:tgtEl>
-                    <p:sldTgt/>
-                  </p:tgtEl>
-                </p:cond>
-              </p:prevCondLst>
-              <p:nextCondLst>
-                <p:cond evt="onNext" delay="0">
-                  <p:tgtEl>
-                    <p:sldTgt/>
-                  </p:tgtEl>
-                </p:cond>
-              </p:nextCondLst>
-            </p:seq>
-          </p:childTnLst>
-        </p:cTn>
-      </p:par>
-    </p:tnLst>
-  </p:timing>
 </p:sld>
 </file>
 
@@ -18936,7 +19642,7 @@
           <p:cNvPr id="3" name="Footer Placeholder 3">
             <a:extLst>
               <a:ext uri="{FF2B5EF4-FFF2-40B4-BE49-F238E27FC236}">
-                <a16:creationId xmlns:a16="http://schemas.microsoft.com/office/drawing/2014/main" id="{B0F7DD36-31E3-8DA2-86B2-1C07D04A003F}"/>
+                <a16:creationId xmlns:a16="http://schemas.microsoft.com/office/drawing/2014/main" id="{F51931BB-CF75-5337-745A-3366CA8CF1C4}"/>
               </a:ext>
             </a:extLst>
           </p:cNvPr>
@@ -18954,7 +19660,7 @@
           <a:p>
             <a:r>
               <a:rPr lang="en-US" dirty="0"/>
-              <a:t>Michael Ball | UC Berkeley | https://c88c.org | © CC BY-NC-SA</a:t>
+              <a:t>Eric Kim | UC Berkeley | https://c88c.org | © CC BY-NC-SA</a:t>
             </a:r>
           </a:p>
         </p:txBody>
@@ -18974,7 +19680,7 @@
         <p:spPr>
           <a:xfrm>
             <a:off x="533400" y="1081668"/>
-            <a:ext cx="8610600" cy="2031325"/>
+            <a:ext cx="11178702" cy="2862322"/>
           </a:xfrm>
           <a:prstGeom prst="rect">
             <a:avLst/>
@@ -18991,17 +19697,20 @@
                 <a:spcPct val="100000"/>
               </a:lnSpc>
             </a:pPr>
-            <a:endParaRPr lang="en-US" spc="-1" dirty="0">
-              <a:solidFill>
-                <a:srgbClr val="000000"/>
-              </a:solidFill>
-              <a:uFill>
-                <a:solidFill>
-                  <a:srgbClr val="FFFFFF"/>
-                </a:solidFill>
-              </a:uFill>
-              <a:latin typeface="Source Code Pro" panose="020B0509030403020204" pitchFamily="49" charset="77"/>
-            </a:endParaRPr>
+            <a:r>
+              <a:rPr lang="en-US" sz="2000" spc="-1" dirty="0">
+                <a:solidFill>
+                  <a:srgbClr val="000000"/>
+                </a:solidFill>
+                <a:uFill>
+                  <a:solidFill>
+                    <a:srgbClr val="FFFFFF"/>
+                  </a:solidFill>
+                </a:uFill>
+                <a:latin typeface="Source Code Pro" panose="020B0509030403020204" pitchFamily="49" charset="77"/>
+              </a:rPr>
+              <a:t>Input: "The University of California at Berkeley"</a:t>
+            </a:r>
           </a:p>
           <a:p>
             <a:pPr>
@@ -19009,20 +19718,17 @@
                 <a:spcPct val="100000"/>
               </a:lnSpc>
             </a:pPr>
-            <a:r>
-              <a:rPr lang="en-US" spc="-1" dirty="0">
-                <a:solidFill>
-                  <a:srgbClr val="000000"/>
-                </a:solidFill>
-                <a:uFill>
-                  <a:solidFill>
-                    <a:srgbClr val="FFFFFF"/>
-                  </a:solidFill>
-                </a:uFill>
-                <a:latin typeface="Source Code Pro" panose="020B0509030403020204" pitchFamily="49" charset="77"/>
-              </a:rPr>
-              <a:t>Input: "The University of California at Berkeley"</a:t>
-            </a:r>
+            <a:endParaRPr lang="en-US" sz="2000" spc="-1" dirty="0">
+              <a:solidFill>
+                <a:srgbClr val="000000"/>
+              </a:solidFill>
+              <a:uFill>
+                <a:solidFill>
+                  <a:srgbClr val="FFFFFF"/>
+                </a:solidFill>
+              </a:uFill>
+              <a:latin typeface="Source Code Pro" panose="020B0509030403020204" pitchFamily="49" charset="77"/>
+            </a:endParaRPr>
           </a:p>
           <a:p>
             <a:pPr>
@@ -19030,17 +19736,20 @@
                 <a:spcPct val="100000"/>
               </a:lnSpc>
             </a:pPr>
-            <a:endParaRPr lang="en-US" spc="-1" dirty="0">
-              <a:solidFill>
-                <a:srgbClr val="000000"/>
-              </a:solidFill>
-              <a:uFill>
-                <a:solidFill>
-                  <a:srgbClr val="FFFFFF"/>
-                </a:solidFill>
-              </a:uFill>
-              <a:latin typeface="Source Code Pro" panose="020B0509030403020204" pitchFamily="49" charset="77"/>
-            </a:endParaRPr>
+            <a:r>
+              <a:rPr lang="en-US" sz="2000" spc="-1" dirty="0">
+                <a:solidFill>
+                  <a:srgbClr val="000000"/>
+                </a:solidFill>
+                <a:uFill>
+                  <a:solidFill>
+                    <a:srgbClr val="FFFFFF"/>
+                  </a:solidFill>
+                </a:uFill>
+                <a:latin typeface="Source Code Pro" panose="020B0509030403020204" pitchFamily="49" charset="77"/>
+              </a:rPr>
+              <a:t>Output: "UCB"</a:t>
+            </a:r>
           </a:p>
           <a:p>
             <a:pPr>
@@ -19049,7 +19758,7 @@
               </a:lnSpc>
             </a:pPr>
             <a:r>
-              <a:rPr lang="en-US" spc="-1" dirty="0">
+              <a:rPr lang="en-US" sz="2000" spc="-1" dirty="0">
                 <a:solidFill>
                   <a:srgbClr val="000000"/>
                 </a:solidFill>
@@ -19060,7 +19769,7 @@
                 </a:uFill>
                 <a:latin typeface="Source Code Pro" panose="020B0509030403020204" pitchFamily="49" charset="77"/>
               </a:rPr>
-              <a:t>Output: "UCB"</a:t>
+              <a:t>def acronym(sentence):</a:t>
             </a:r>
           </a:p>
           <a:p>
@@ -19069,17 +19778,48 @@
                 <a:spcPct val="100000"/>
               </a:lnSpc>
             </a:pPr>
-            <a:endParaRPr lang="en-US" spc="-1" dirty="0">
-              <a:solidFill>
-                <a:srgbClr val="000000"/>
-              </a:solidFill>
-              <a:uFill>
-                <a:solidFill>
-                  <a:srgbClr val="FFFFFF"/>
-                </a:solidFill>
-              </a:uFill>
-              <a:latin typeface="Source Code Pro" panose="020B0509030403020204" pitchFamily="49" charset="77"/>
-            </a:endParaRPr>
+            <a:r>
+              <a:rPr lang="en-US" sz="2000" spc="-1" dirty="0">
+                <a:solidFill>
+                  <a:srgbClr val="000000"/>
+                </a:solidFill>
+                <a:uFill>
+                  <a:solidFill>
+                    <a:srgbClr val="FFFFFF"/>
+                  </a:solidFill>
+                </a:uFill>
+                <a:latin typeface="Source Code Pro" panose="020B0509030403020204" pitchFamily="49" charset="77"/>
+              </a:rPr>
+              <a:t>    """ (Some </a:t>
+            </a:r>
+            <a:r>
+              <a:rPr lang="en-US" sz="2000" spc="-1" dirty="0" err="1">
+                <a:solidFill>
+                  <a:srgbClr val="000000"/>
+                </a:solidFill>
+                <a:uFill>
+                  <a:solidFill>
+                    <a:srgbClr val="FFFFFF"/>
+                  </a:solidFill>
+                </a:uFill>
+                <a:latin typeface="Source Code Pro" panose="020B0509030403020204" pitchFamily="49" charset="77"/>
+              </a:rPr>
+              <a:t>doctests</a:t>
+            </a:r>
+            <a:r>
+              <a:rPr lang="en-US" sz="2000" spc="-1" dirty="0">
+                <a:solidFill>
+                  <a:srgbClr val="000000"/>
+                </a:solidFill>
+                <a:uFill>
+                  <a:solidFill>
+                    <a:srgbClr val="FFFFFF"/>
+                  </a:solidFill>
+                </a:uFill>
+                <a:latin typeface="Source Code Pro" panose="020B0509030403020204" pitchFamily="49" charset="77"/>
+              </a:rPr>
+              <a:t>)</a:t>
+            </a:r>
           </a:p>
           <a:p>
             <a:pPr>
@@ -19088,7 +19828,7 @@
               </a:lnSpc>
             </a:pPr>
             <a:r>
-              <a:rPr lang="en-US" spc="-1" dirty="0">
+              <a:rPr lang="en-US" sz="2000" spc="-1" dirty="0">
                 <a:solidFill>
                   <a:srgbClr val="000000"/>
                 </a:solidFill>
@@ -19099,7 +19839,7 @@
                 </a:uFill>
                 <a:latin typeface="Source Code Pro" panose="020B0509030403020204" pitchFamily="49" charset="77"/>
               </a:rPr>
-              <a:t>def acronym(sentence):</a:t>
+              <a:t>    """</a:t>
             </a:r>
           </a:p>
           <a:p>
@@ -19109,7 +19849,7 @@
               </a:lnSpc>
             </a:pPr>
             <a:r>
-              <a:rPr lang="en-US" spc="-1" dirty="0">
+              <a:rPr lang="en-US" sz="2000" spc="-1" dirty="0">
                 <a:solidFill>
                   <a:srgbClr val="000000"/>
                 </a:solidFill>
@@ -19120,8 +19860,145 @@
                 </a:uFill>
                 <a:latin typeface="Source Code Pro" panose="020B0509030403020204" pitchFamily="49" charset="77"/>
               </a:rPr>
-              <a:t>	"""YOUR CODE HERE"""</a:t>
-            </a:r>
+              <a:t>    words = </a:t>
+            </a:r>
+            <a:r>
+              <a:rPr lang="en-US" sz="2000" spc="-1" dirty="0" err="1">
+                <a:solidFill>
+                  <a:srgbClr val="000000"/>
+                </a:solidFill>
+                <a:uFill>
+                  <a:solidFill>
+                    <a:srgbClr val="FFFFFF"/>
+                  </a:solidFill>
+                </a:uFill>
+                <a:latin typeface="Source Code Pro" panose="020B0509030403020204" pitchFamily="49" charset="77"/>
+              </a:rPr>
+              <a:t>sentence.split</a:t>
+            </a:r>
+            <a:r>
+              <a:rPr lang="en-US" sz="2000" spc="-1" dirty="0">
+                <a:solidFill>
+                  <a:srgbClr val="000000"/>
+                </a:solidFill>
+                <a:uFill>
+                  <a:solidFill>
+                    <a:srgbClr val="FFFFFF"/>
+                  </a:solidFill>
+                </a:uFill>
+                <a:latin typeface="Source Code Pro" panose="020B0509030403020204" pitchFamily="49" charset="77"/>
+              </a:rPr>
+              <a:t>()</a:t>
+            </a:r>
+          </a:p>
+          <a:p>
+            <a:pPr>
+              <a:lnSpc>
+                <a:spcPct val="100000"/>
+              </a:lnSpc>
+            </a:pPr>
+            <a:r>
+              <a:rPr lang="en-US" sz="2000" spc="-1" dirty="0">
+                <a:solidFill>
+                  <a:srgbClr val="000000"/>
+                </a:solidFill>
+                <a:uFill>
+                  <a:solidFill>
+                    <a:srgbClr val="FFFFFF"/>
+                  </a:solidFill>
+                </a:uFill>
+                <a:latin typeface="Source Code Pro" panose="020B0509030403020204" pitchFamily="49" charset="77"/>
+              </a:rPr>
+              <a:t>    </a:t>
+            </a:r>
+            <a:r>
+              <a:rPr lang="en-US" sz="2000" b="1" spc="-1" dirty="0">
+                <a:solidFill>
+                  <a:srgbClr val="000000"/>
+                </a:solidFill>
+                <a:uFill>
+                  <a:solidFill>
+                    <a:srgbClr val="FFFFFF"/>
+                  </a:solidFill>
+                </a:uFill>
+                <a:latin typeface="Source Code Pro" panose="020B0509030403020204" pitchFamily="49" charset="77"/>
+              </a:rPr>
+              <a:t>return reduce(add, map(</a:t>
+            </a:r>
+            <a:r>
+              <a:rPr lang="en-US" sz="2000" b="1" spc="-1" dirty="0" err="1">
+                <a:solidFill>
+                  <a:srgbClr val="000000"/>
+                </a:solidFill>
+                <a:uFill>
+                  <a:solidFill>
+                    <a:srgbClr val="FFFFFF"/>
+                  </a:solidFill>
+                </a:uFill>
+                <a:latin typeface="Source Code Pro" panose="020B0509030403020204" pitchFamily="49" charset="77"/>
+              </a:rPr>
+              <a:t>first_letter</a:t>
+            </a:r>
+            <a:r>
+              <a:rPr lang="en-US" sz="2000" b="1" spc="-1" dirty="0">
+                <a:solidFill>
+                  <a:srgbClr val="000000"/>
+                </a:solidFill>
+                <a:uFill>
+                  <a:solidFill>
+                    <a:srgbClr val="FFFFFF"/>
+                  </a:solidFill>
+                </a:uFill>
+                <a:latin typeface="Source Code Pro" panose="020B0509030403020204" pitchFamily="49" charset="77"/>
+              </a:rPr>
+              <a:t>, filter(</a:t>
+            </a:r>
+            <a:r>
+              <a:rPr lang="en-US" sz="2000" b="1" spc="-1" dirty="0" err="1">
+                <a:solidFill>
+                  <a:srgbClr val="000000"/>
+                </a:solidFill>
+                <a:uFill>
+                  <a:solidFill>
+                    <a:srgbClr val="FFFFFF"/>
+                  </a:solidFill>
+                </a:uFill>
+                <a:latin typeface="Source Code Pro" panose="020B0509030403020204" pitchFamily="49" charset="77"/>
+              </a:rPr>
+              <a:t>is_long_word</a:t>
+            </a:r>
+            <a:r>
+              <a:rPr lang="en-US" sz="2000" b="1" spc="-1" dirty="0">
+                <a:solidFill>
+                  <a:srgbClr val="000000"/>
+                </a:solidFill>
+                <a:uFill>
+                  <a:solidFill>
+                    <a:srgbClr val="FFFFFF"/>
+                  </a:solidFill>
+                </a:uFill>
+                <a:latin typeface="Source Code Pro" panose="020B0509030403020204" pitchFamily="49" charset="77"/>
+              </a:rPr>
+              <a:t>, words)))</a:t>
+            </a:r>
+          </a:p>
+          <a:p>
+            <a:pPr>
+              <a:lnSpc>
+                <a:spcPct val="100000"/>
+              </a:lnSpc>
+            </a:pPr>
+            <a:endParaRPr lang="en-US" sz="2000" spc="-1" dirty="0">
+              <a:solidFill>
+                <a:srgbClr val="000000"/>
+              </a:solidFill>
+              <a:uFill>
+                <a:solidFill>
+                  <a:srgbClr val="FFFFFF"/>
+                </a:solidFill>
+              </a:uFill>
+              <a:latin typeface="Source Code Pro" panose="020B0509030403020204" pitchFamily="49" charset="77"/>
+            </a:endParaRPr>
           </a:p>
         </p:txBody>
       </p:sp>
@@ -19139,8 +20016,8 @@
         </p:nvSpPr>
         <p:spPr>
           <a:xfrm>
-            <a:off x="2281080" y="5012456"/>
-            <a:ext cx="7171560" cy="602280"/>
+            <a:off x="735249" y="3717048"/>
+            <a:ext cx="11178702" cy="1740169"/>
           </a:xfrm>
           <a:prstGeom prst="rect">
             <a:avLst/>
@@ -19155,7 +20032,7 @@
           <a:lstStyle/>
           <a:p>
             <a:r>
-              <a:rPr lang="en-US" spc="-1" dirty="0">
+              <a:rPr lang="en-US" sz="2400" b="1" spc="-1" dirty="0">
                 <a:solidFill>
                   <a:srgbClr val="000000"/>
                 </a:solidFill>
@@ -19166,10 +20043,10 @@
                 </a:uFill>
                 <a:latin typeface="Arial"/>
               </a:rPr>
-              <a:t>P.S. Pedantry alert: This is really an </a:t>
-            </a:r>
-            <a:r>
-              <a:rPr lang="en-US" i="1" spc="-1" dirty="0">
+              <a:t>Interpretation</a:t>
+            </a:r>
+            <a:r>
+              <a:rPr lang="en-US" sz="2400" spc="-1" dirty="0">
                 <a:solidFill>
                   <a:srgbClr val="000000"/>
                 </a:solidFill>
@@ -19180,10 +20057,12 @@
                 </a:uFill>
                 <a:latin typeface="Arial"/>
               </a:rPr>
-              <a:t>initialism</a:t>
-            </a:r>
-            <a:r>
-              <a:rPr lang="en-US" spc="-1" dirty="0">
+              <a:t>:</a:t>
+            </a:r>
+          </a:p>
+          <a:p>
+            <a:r>
+              <a:rPr lang="en-US" sz="2400" spc="-1" dirty="0">
                 <a:solidFill>
                   <a:srgbClr val="000000"/>
                 </a:solidFill>
@@ -19194,10 +20073,25 @@
                 </a:uFill>
                 <a:latin typeface="Arial"/>
               </a:rPr>
-              <a:t> but that's rather annoying to say and type. </a:t>
-            </a:r>
-            <a:r>
-              <a:rPr lang="en-US" spc="-1" dirty="0">
+              <a:t>First, keep only the long words from `words` (aka “</a:t>
+            </a:r>
+            <a:r>
+              <a:rPr lang="en-US" sz="2800" b="1" spc="-1" dirty="0">
+                <a:solidFill>
+                  <a:srgbClr val="000000"/>
+                </a:solidFill>
+                <a:uFill>
+                  <a:solidFill>
+                    <a:srgbClr val="FFFFFF"/>
+                  </a:solidFill>
+                </a:uFill>
+                <a:latin typeface="Source Code Pro" panose="020B0509030403020204" pitchFamily="49" charset="0"/>
+                <a:ea typeface="Source Code Pro" panose="020B0509030403020204" pitchFamily="49" charset="0"/>
+              </a:rPr>
+              <a:t>filter()</a:t>
+            </a:r>
+            <a:r>
+              <a:rPr lang="en-US" sz="2400" spc="-1" dirty="0">
                 <a:solidFill>
                   <a:srgbClr val="000000"/>
                 </a:solidFill>
@@ -19207,28 +20101,157 @@
                   </a:solidFill>
                 </a:uFill>
                 <a:latin typeface="Arial"/>
-                <a:sym typeface="Wingdings" pitchFamily="2" charset="2"/>
-              </a:rPr>
-              <a:t> (However, the code we write is the same, the difference is in how you pronounce the result.) The more you know!</a:t>
-            </a:r>
-            <a:endParaRPr lang="en-US" spc="-1" dirty="0">
-              <a:solidFill>
-                <a:srgbClr val="000000"/>
-              </a:solidFill>
-              <a:uFill>
-                <a:solidFill>
-                  <a:srgbClr val="FFFFFF"/>
-                </a:solidFill>
-              </a:uFill>
-              <a:latin typeface="Arial"/>
-            </a:endParaRPr>
+              </a:rPr>
+              <a:t>”)</a:t>
+            </a:r>
+          </a:p>
+          <a:p>
+            <a:r>
+              <a:rPr lang="en-US" sz="2400" spc="-1" dirty="0">
+                <a:solidFill>
+                  <a:srgbClr val="000000"/>
+                </a:solidFill>
+                <a:uFill>
+                  <a:solidFill>
+                    <a:srgbClr val="FFFFFF"/>
+                  </a:solidFill>
+                </a:uFill>
+                <a:latin typeface="Source Code Pro" panose="020B0509030403020204" pitchFamily="49" charset="0"/>
+                <a:ea typeface="Source Code Pro" panose="020B0509030403020204" pitchFamily="49" charset="0"/>
+              </a:rPr>
+              <a:t>=&gt; [“University”, “California”, “Berkeley”]</a:t>
+            </a:r>
+          </a:p>
+          <a:p>
+            <a:r>
+              <a:rPr lang="en-US" sz="2400" spc="-1" dirty="0">
+                <a:solidFill>
+                  <a:srgbClr val="000000"/>
+                </a:solidFill>
+                <a:uFill>
+                  <a:solidFill>
+                    <a:srgbClr val="FFFFFF"/>
+                  </a:solidFill>
+                </a:uFill>
+                <a:latin typeface="Arial"/>
+              </a:rPr>
+              <a:t>Then, for each surviving word, take just the first letter (aka “</a:t>
+            </a:r>
+            <a:r>
+              <a:rPr lang="en-US" sz="2800" b="1" spc="-1" dirty="0">
+                <a:solidFill>
+                  <a:srgbClr val="000000"/>
+                </a:solidFill>
+                <a:uFill>
+                  <a:solidFill>
+                    <a:srgbClr val="FFFFFF"/>
+                  </a:solidFill>
+                </a:uFill>
+                <a:latin typeface="Source Code Pro" panose="020B0509030403020204" pitchFamily="49" charset="0"/>
+                <a:ea typeface="Source Code Pro" panose="020B0509030403020204" pitchFamily="49" charset="0"/>
+              </a:rPr>
+              <a:t>map()</a:t>
+            </a:r>
+            <a:r>
+              <a:rPr lang="en-US" sz="2400" spc="-1" dirty="0">
+                <a:solidFill>
+                  <a:srgbClr val="000000"/>
+                </a:solidFill>
+                <a:uFill>
+                  <a:solidFill>
+                    <a:srgbClr val="FFFFFF"/>
+                  </a:solidFill>
+                </a:uFill>
+                <a:latin typeface="Arial"/>
+              </a:rPr>
+              <a:t>”)</a:t>
+            </a:r>
+          </a:p>
+          <a:p>
+            <a:r>
+              <a:rPr lang="en-US" sz="2400" spc="-1" dirty="0">
+                <a:solidFill>
+                  <a:srgbClr val="000000"/>
+                </a:solidFill>
+                <a:uFill>
+                  <a:solidFill>
+                    <a:srgbClr val="FFFFFF"/>
+                  </a:solidFill>
+                </a:uFill>
+                <a:latin typeface="Source Code Pro" panose="020B0509030403020204" pitchFamily="49" charset="0"/>
+                <a:ea typeface="Source Code Pro" panose="020B0509030403020204" pitchFamily="49" charset="0"/>
+              </a:rPr>
+              <a:t>=&gt; [“U”, “C”, “B”]</a:t>
+            </a:r>
+          </a:p>
+          <a:p>
+            <a:r>
+              <a:rPr lang="en-US" sz="2400" spc="-1" dirty="0">
+                <a:solidFill>
+                  <a:srgbClr val="000000"/>
+                </a:solidFill>
+                <a:uFill>
+                  <a:solidFill>
+                    <a:srgbClr val="FFFFFF"/>
+                  </a:solidFill>
+                </a:uFill>
+                <a:latin typeface="Arial"/>
+              </a:rPr>
+              <a:t>Finally, concatenate the first letters together (aka “</a:t>
+            </a:r>
+            <a:r>
+              <a:rPr lang="en-US" sz="2800" b="1" spc="-1" dirty="0">
+                <a:solidFill>
+                  <a:srgbClr val="000000"/>
+                </a:solidFill>
+                <a:uFill>
+                  <a:solidFill>
+                    <a:srgbClr val="FFFFFF"/>
+                  </a:solidFill>
+                </a:uFill>
+                <a:latin typeface="Source Code Pro" panose="020B0509030403020204" pitchFamily="49" charset="0"/>
+                <a:ea typeface="Source Code Pro" panose="020B0509030403020204" pitchFamily="49" charset="0"/>
+              </a:rPr>
+              <a:t>reduce()</a:t>
+            </a:r>
+            <a:r>
+              <a:rPr lang="en-US" sz="2400" spc="-1" dirty="0">
+                <a:solidFill>
+                  <a:srgbClr val="000000"/>
+                </a:solidFill>
+                <a:uFill>
+                  <a:solidFill>
+                    <a:srgbClr val="FFFFFF"/>
+                  </a:solidFill>
+                </a:uFill>
+                <a:latin typeface="Arial"/>
+              </a:rPr>
+              <a:t>”)</a:t>
+            </a:r>
+          </a:p>
+          <a:p>
+            <a:r>
+              <a:rPr lang="en-US" sz="2400" spc="-1" dirty="0">
+                <a:solidFill>
+                  <a:srgbClr val="000000"/>
+                </a:solidFill>
+                <a:uFill>
+                  <a:solidFill>
+                    <a:srgbClr val="FFFFFF"/>
+                  </a:solidFill>
+                </a:uFill>
+                <a:latin typeface="Source Code Pro" panose="020B0509030403020204" pitchFamily="49" charset="0"/>
+                <a:ea typeface="Source Code Pro" panose="020B0509030403020204" pitchFamily="49" charset="0"/>
+              </a:rPr>
+              <a:t>=&gt; “UCB”</a:t>
+            </a:r>
           </a:p>
         </p:txBody>
       </p:sp>
     </p:spTree>
     <p:extLst>
       <p:ext uri="{BB962C8B-B14F-4D97-AF65-F5344CB8AC3E}">
-        <p14:creationId xmlns:p14="http://schemas.microsoft.com/office/powerpoint/2010/main" val="758197119"/>
+        <p14:creationId xmlns:p14="http://schemas.microsoft.com/office/powerpoint/2010/main" val="2994047916"/>
       </p:ext>
     </p:extLst>
   </p:cSld>
@@ -19306,7 +20329,7 @@
           <a:p>
             <a:r>
               <a:rPr lang="en-US" dirty="0"/>
-              <a:t>Michael Ball | UC Berkeley | https://c88c.org | © CC BY-NC-SA</a:t>
+              <a:t>Eric Kim | UC Berkeley | https://c88c.org | © CC BY-NC-SA</a:t>
             </a:r>
           </a:p>
         </p:txBody>
@@ -19326,7 +20349,7 @@
         <p:spPr>
           <a:xfrm>
             <a:off x="533400" y="1081668"/>
-            <a:ext cx="8610600" cy="3139321"/>
+            <a:ext cx="11178702" cy="2862322"/>
           </a:xfrm>
           <a:prstGeom prst="rect">
             <a:avLst/>
@@ -19343,17 +20366,20 @@
                 <a:spcPct val="100000"/>
               </a:lnSpc>
             </a:pPr>
-            <a:endParaRPr lang="en-US" spc="-1" dirty="0">
-              <a:solidFill>
-                <a:srgbClr val="000000"/>
-              </a:solidFill>
-              <a:uFill>
-                <a:solidFill>
-                  <a:srgbClr val="FFFFFF"/>
-                </a:solidFill>
-              </a:uFill>
-              <a:latin typeface="Source Code Pro" panose="020B0509030403020204" pitchFamily="49" charset="77"/>
-            </a:endParaRPr>
+            <a:r>
+              <a:rPr lang="en-US" sz="2000" spc="-1" dirty="0">
+                <a:solidFill>
+                  <a:srgbClr val="000000"/>
+                </a:solidFill>
+                <a:uFill>
+                  <a:solidFill>
+                    <a:srgbClr val="FFFFFF"/>
+                  </a:solidFill>
+                </a:uFill>
+                <a:latin typeface="Source Code Pro" panose="020B0509030403020204" pitchFamily="49" charset="77"/>
+              </a:rPr>
+              <a:t>Input: "The University of California at Berkeley"</a:t>
+            </a:r>
           </a:p>
           <a:p>
             <a:pPr>
@@ -19361,20 +20387,17 @@
                 <a:spcPct val="100000"/>
               </a:lnSpc>
             </a:pPr>
-            <a:r>
-              <a:rPr lang="en-US" spc="-1" dirty="0">
-                <a:solidFill>
-                  <a:srgbClr val="000000"/>
-                </a:solidFill>
-                <a:uFill>
-                  <a:solidFill>
-                    <a:srgbClr val="FFFFFF"/>
-                  </a:solidFill>
-                </a:uFill>
-                <a:latin typeface="Source Code Pro" panose="020B0509030403020204" pitchFamily="49" charset="77"/>
-              </a:rPr>
-              <a:t>Input: "The University of California at Berkeley"</a:t>
-            </a:r>
+            <a:endParaRPr lang="en-US" sz="2000" spc="-1" dirty="0">
+              <a:solidFill>
+                <a:srgbClr val="000000"/>
+              </a:solidFill>
+              <a:uFill>
+                <a:solidFill>
+                  <a:srgbClr val="FFFFFF"/>
+                </a:solidFill>
+              </a:uFill>
+              <a:latin typeface="Source Code Pro" panose="020B0509030403020204" pitchFamily="49" charset="77"/>
+            </a:endParaRPr>
           </a:p>
           <a:p>
             <a:pPr>
@@ -19382,17 +20405,20 @@
                 <a:spcPct val="100000"/>
               </a:lnSpc>
             </a:pPr>
-            <a:endParaRPr lang="en-US" spc="-1" dirty="0">
-              <a:solidFill>
-                <a:srgbClr val="000000"/>
-              </a:solidFill>
-              <a:uFill>
-                <a:solidFill>
-                  <a:srgbClr val="FFFFFF"/>
-                </a:solidFill>
-              </a:uFill>
-              <a:latin typeface="Source Code Pro" panose="020B0509030403020204" pitchFamily="49" charset="77"/>
-            </a:endParaRPr>
+            <a:r>
+              <a:rPr lang="en-US" sz="2000" spc="-1" dirty="0">
+                <a:solidFill>
+                  <a:srgbClr val="000000"/>
+                </a:solidFill>
+                <a:uFill>
+                  <a:solidFill>
+                    <a:srgbClr val="FFFFFF"/>
+                  </a:solidFill>
+                </a:uFill>
+                <a:latin typeface="Source Code Pro" panose="020B0509030403020204" pitchFamily="49" charset="77"/>
+              </a:rPr>
+              <a:t>Output: "UCB"</a:t>
+            </a:r>
           </a:p>
           <a:p>
             <a:pPr>
@@ -19401,7 +20427,7 @@
               </a:lnSpc>
             </a:pPr>
             <a:r>
-              <a:rPr lang="en-US" spc="-1" dirty="0">
+              <a:rPr lang="en-US" sz="2000" spc="-1" dirty="0">
                 <a:solidFill>
                   <a:srgbClr val="000000"/>
                 </a:solidFill>
@@ -19412,7 +20438,7 @@
                 </a:uFill>
                 <a:latin typeface="Source Code Pro" panose="020B0509030403020204" pitchFamily="49" charset="77"/>
               </a:rPr>
-              <a:t>Output: "UCB"</a:t>
+              <a:t>def acronym(sentence):</a:t>
             </a:r>
           </a:p>
           <a:p>
@@ -19422,7 +20448,7 @@
               </a:lnSpc>
             </a:pPr>
             <a:r>
-              <a:rPr lang="en-US" spc="-1" dirty="0">
+              <a:rPr lang="en-US" sz="2000" spc="-1" dirty="0">
                 <a:solidFill>
                   <a:srgbClr val="000000"/>
                 </a:solidFill>
@@ -19433,7 +20459,35 @@
                 </a:uFill>
                 <a:latin typeface="Source Code Pro" panose="020B0509030403020204" pitchFamily="49" charset="77"/>
               </a:rPr>
-              <a:t>def acronym(sentence):</a:t>
+              <a:t>    """ (Some </a:t>
+            </a:r>
+            <a:r>
+              <a:rPr lang="en-US" sz="2000" spc="-1" dirty="0" err="1">
+                <a:solidFill>
+                  <a:srgbClr val="000000"/>
+                </a:solidFill>
+                <a:uFill>
+                  <a:solidFill>
+                    <a:srgbClr val="FFFFFF"/>
+                  </a:solidFill>
+                </a:uFill>
+                <a:latin typeface="Source Code Pro" panose="020B0509030403020204" pitchFamily="49" charset="77"/>
+              </a:rPr>
+              <a:t>doctests</a:t>
+            </a:r>
+            <a:r>
+              <a:rPr lang="en-US" sz="2000" spc="-1" dirty="0">
+                <a:solidFill>
+                  <a:srgbClr val="000000"/>
+                </a:solidFill>
+                <a:uFill>
+                  <a:solidFill>
+                    <a:srgbClr val="FFFFFF"/>
+                  </a:solidFill>
+                </a:uFill>
+                <a:latin typeface="Source Code Pro" panose="020B0509030403020204" pitchFamily="49" charset="77"/>
+              </a:rPr>
+              <a:t>)</a:t>
             </a:r>
           </a:p>
           <a:p>
@@ -19443,7 +20497,7 @@
               </a:lnSpc>
             </a:pPr>
             <a:r>
-              <a:rPr lang="en-US" spc="-1" dirty="0">
+              <a:rPr lang="en-US" sz="2000" spc="-1" dirty="0">
                 <a:solidFill>
                   <a:srgbClr val="000000"/>
                 </a:solidFill>
@@ -19454,35 +20508,7 @@
                 </a:uFill>
                 <a:latin typeface="Source Code Pro" panose="020B0509030403020204" pitchFamily="49" charset="77"/>
               </a:rPr>
-              <a:t>    """ (Some </a:t>
-            </a:r>
-            <a:r>
-              <a:rPr lang="en-US" spc="-1" dirty="0" err="1">
-                <a:solidFill>
-                  <a:srgbClr val="000000"/>
-                </a:solidFill>
-                <a:uFill>
-                  <a:solidFill>
-                    <a:srgbClr val="FFFFFF"/>
-                  </a:solidFill>
-                </a:uFill>
-                <a:latin typeface="Source Code Pro" panose="020B0509030403020204" pitchFamily="49" charset="77"/>
-              </a:rPr>
-              <a:t>doctests</a:t>
-            </a:r>
-            <a:r>
-              <a:rPr lang="en-US" spc="-1" dirty="0">
-                <a:solidFill>
-                  <a:srgbClr val="000000"/>
-                </a:solidFill>
-                <a:uFill>
-                  <a:solidFill>
-                    <a:srgbClr val="FFFFFF"/>
-                  </a:solidFill>
-                </a:uFill>
-                <a:latin typeface="Source Code Pro" panose="020B0509030403020204" pitchFamily="49" charset="77"/>
-              </a:rPr>
-              <a:t>)</a:t>
+              <a:t>    """</a:t>
             </a:r>
           </a:p>
           <a:p>
@@ -19492,7 +20518,7 @@
               </a:lnSpc>
             </a:pPr>
             <a:r>
-              <a:rPr lang="en-US" spc="-1" dirty="0">
+              <a:rPr lang="en-US" sz="2000" spc="-1" dirty="0">
                 <a:solidFill>
                   <a:srgbClr val="000000"/>
                 </a:solidFill>
@@ -19503,7 +20529,35 @@
                 </a:uFill>
                 <a:latin typeface="Source Code Pro" panose="020B0509030403020204" pitchFamily="49" charset="77"/>
               </a:rPr>
-              <a:t>    """</a:t>
+              <a:t>    words = </a:t>
+            </a:r>
+            <a:r>
+              <a:rPr lang="en-US" sz="2000" spc="-1" dirty="0" err="1">
+                <a:solidFill>
+                  <a:srgbClr val="000000"/>
+                </a:solidFill>
+                <a:uFill>
+                  <a:solidFill>
+                    <a:srgbClr val="FFFFFF"/>
+                  </a:solidFill>
+                </a:uFill>
+                <a:latin typeface="Source Code Pro" panose="020B0509030403020204" pitchFamily="49" charset="77"/>
+              </a:rPr>
+              <a:t>sentence.split</a:t>
+            </a:r>
+            <a:r>
+              <a:rPr lang="en-US" sz="2000" spc="-1" dirty="0">
+                <a:solidFill>
+                  <a:srgbClr val="000000"/>
+                </a:solidFill>
+                <a:uFill>
+                  <a:solidFill>
+                    <a:srgbClr val="FFFFFF"/>
+                  </a:solidFill>
+                </a:uFill>
+                <a:latin typeface="Source Code Pro" panose="020B0509030403020204" pitchFamily="49" charset="77"/>
+              </a:rPr>
+              <a:t>()</a:t>
             </a:r>
           </a:p>
           <a:p>
@@ -19513,7 +20567,7 @@
               </a:lnSpc>
             </a:pPr>
             <a:r>
-              <a:rPr lang="en-US" spc="-1" dirty="0">
+              <a:rPr lang="en-US" sz="2000" spc="-1" dirty="0">
                 <a:solidFill>
                   <a:srgbClr val="000000"/>
                 </a:solidFill>
@@ -19524,10 +20578,10 @@
                 </a:uFill>
                 <a:latin typeface="Source Code Pro" panose="020B0509030403020204" pitchFamily="49" charset="77"/>
               </a:rPr>
-              <a:t>    words = </a:t>
-            </a:r>
-            <a:r>
-              <a:rPr lang="en-US" spc="-1" dirty="0" err="1">
+              <a:t>    </a:t>
+            </a:r>
+            <a:r>
+              <a:rPr lang="en-US" sz="2000" b="1" spc="-1" dirty="0">
                 <a:solidFill>
                   <a:srgbClr val="000000"/>
                 </a:solidFill>
@@ -19538,10 +20592,10 @@
                 </a:uFill>
                 <a:latin typeface="Source Code Pro" panose="020B0509030403020204" pitchFamily="49" charset="77"/>
               </a:rPr>
-              <a:t>sentence.split</a:t>
-            </a:r>
-            <a:r>
-              <a:rPr lang="en-US" spc="-1" dirty="0">
+              <a:t>return reduce(add, map(</a:t>
+            </a:r>
+            <a:r>
+              <a:rPr lang="en-US" sz="2000" b="1" spc="-1" dirty="0" err="1">
                 <a:solidFill>
                   <a:srgbClr val="000000"/>
                 </a:solidFill>
@@ -19552,7 +20606,49 @@
                 </a:uFill>
                 <a:latin typeface="Source Code Pro" panose="020B0509030403020204" pitchFamily="49" charset="77"/>
               </a:rPr>
-              <a:t>()</a:t>
+              <a:t>first_letter</a:t>
+            </a:r>
+            <a:r>
+              <a:rPr lang="en-US" sz="2000" b="1" spc="-1" dirty="0">
+                <a:solidFill>
+                  <a:srgbClr val="000000"/>
+                </a:solidFill>
+                <a:uFill>
+                  <a:solidFill>
+                    <a:srgbClr val="FFFFFF"/>
+                  </a:solidFill>
+                </a:uFill>
+                <a:latin typeface="Source Code Pro" panose="020B0509030403020204" pitchFamily="49" charset="77"/>
+              </a:rPr>
+              <a:t>, filter(</a:t>
+            </a:r>
+            <a:r>
+              <a:rPr lang="en-US" sz="2000" b="1" spc="-1" dirty="0" err="1">
+                <a:solidFill>
+                  <a:srgbClr val="000000"/>
+                </a:solidFill>
+                <a:uFill>
+                  <a:solidFill>
+                    <a:srgbClr val="FFFFFF"/>
+                  </a:solidFill>
+                </a:uFill>
+                <a:latin typeface="Source Code Pro" panose="020B0509030403020204" pitchFamily="49" charset="77"/>
+              </a:rPr>
+              <a:t>is_long_word</a:t>
+            </a:r>
+            <a:r>
+              <a:rPr lang="en-US" sz="2000" b="1" spc="-1" dirty="0">
+                <a:solidFill>
+                  <a:srgbClr val="000000"/>
+                </a:solidFill>
+                <a:uFill>
+                  <a:solidFill>
+                    <a:srgbClr val="FFFFFF"/>
+                  </a:solidFill>
+                </a:uFill>
+                <a:latin typeface="Source Code Pro" panose="020B0509030403020204" pitchFamily="49" charset="77"/>
+              </a:rPr>
+              <a:t>, words)))</a:t>
             </a:r>
           </a:p>
           <a:p>
@@ -19561,84 +20657,7 @@
                 <a:spcPct val="100000"/>
               </a:lnSpc>
             </a:pPr>
-            <a:r>
-              <a:rPr lang="en-US" spc="-1" dirty="0">
-                <a:solidFill>
-                  <a:srgbClr val="000000"/>
-                </a:solidFill>
-                <a:uFill>
-                  <a:solidFill>
-                    <a:srgbClr val="FFFFFF"/>
-                  </a:solidFill>
-                </a:uFill>
-                <a:latin typeface="Source Code Pro" panose="020B0509030403020204" pitchFamily="49" charset="77"/>
-              </a:rPr>
-              <a:t>    return reduce(add, map(</a:t>
-            </a:r>
-            <a:r>
-              <a:rPr lang="en-US" spc="-1" dirty="0" err="1">
-                <a:solidFill>
-                  <a:srgbClr val="000000"/>
-                </a:solidFill>
-                <a:uFill>
-                  <a:solidFill>
-                    <a:srgbClr val="FFFFFF"/>
-                  </a:solidFill>
-                </a:uFill>
-                <a:latin typeface="Source Code Pro" panose="020B0509030403020204" pitchFamily="49" charset="77"/>
-              </a:rPr>
-              <a:t>first_letter</a:t>
-            </a:r>
-            <a:r>
-              <a:rPr lang="en-US" spc="-1" dirty="0">
-                <a:solidFill>
-                  <a:srgbClr val="000000"/>
-                </a:solidFill>
-                <a:uFill>
-                  <a:solidFill>
-                    <a:srgbClr val="FFFFFF"/>
-                  </a:solidFill>
-                </a:uFill>
-                <a:latin typeface="Source Code Pro" panose="020B0509030403020204" pitchFamily="49" charset="77"/>
-              </a:rPr>
-              <a:t>, filter(</a:t>
-            </a:r>
-            <a:r>
-              <a:rPr lang="en-US" spc="-1" dirty="0" err="1">
-                <a:solidFill>
-                  <a:srgbClr val="000000"/>
-                </a:solidFill>
-                <a:uFill>
-                  <a:solidFill>
-                    <a:srgbClr val="FFFFFF"/>
-                  </a:solidFill>
-                </a:uFill>
-                <a:latin typeface="Source Code Pro" panose="020B0509030403020204" pitchFamily="49" charset="77"/>
-              </a:rPr>
-              <a:t>long_word</a:t>
-            </a:r>
-            <a:r>
-              <a:rPr lang="en-US" spc="-1" dirty="0">
-                <a:solidFill>
-                  <a:srgbClr val="000000"/>
-                </a:solidFill>
-                <a:uFill>
-                  <a:solidFill>
-                    <a:srgbClr val="FFFFFF"/>
-                  </a:solidFill>
-                </a:uFill>
-                <a:latin typeface="Source Code Pro" panose="020B0509030403020204" pitchFamily="49" charset="77"/>
-              </a:rPr>
-              <a:t>, words)))</a:t>
-            </a:r>
-          </a:p>
-          <a:p>
-            <a:pPr>
-              <a:lnSpc>
-                <a:spcPct val="100000"/>
-              </a:lnSpc>
-            </a:pPr>
-            <a:endParaRPr lang="en-US" spc="-1" dirty="0">
+            <a:endParaRPr lang="en-US" sz="2000" spc="-1" dirty="0">
               <a:solidFill>
                 <a:srgbClr val="000000"/>
               </a:solidFill>
@@ -19666,8 +20685,8 @@
         </p:nvSpPr>
         <p:spPr>
           <a:xfrm>
-            <a:off x="2281080" y="5012456"/>
-            <a:ext cx="7171560" cy="602280"/>
+            <a:off x="171044" y="4319510"/>
+            <a:ext cx="3681108" cy="1740169"/>
           </a:xfrm>
           <a:prstGeom prst="rect">
             <a:avLst/>
@@ -19682,10 +20701,13 @@
           <a:lstStyle/>
           <a:p>
             <a:r>
-              <a:rPr lang="en-US" spc="-1" dirty="0">
-                <a:solidFill>
-                  <a:srgbClr val="000000"/>
-                </a:solidFill>
+              <a:rPr lang="en-US" sz="2400" b="1" spc="-1" dirty="0">
+                <a:solidFill>
+                  <a:srgbClr val="000000"/>
+                </a:solidFill>
+                <a:highlight>
+                  <a:srgbClr val="FFFF00"/>
+                </a:highlight>
                 <a:uFill>
                   <a:solidFill>
                     <a:srgbClr val="FFFFFF"/>
@@ -19693,10 +20715,10 @@
                 </a:uFill>
                 <a:latin typeface="Arial"/>
               </a:rPr>
-              <a:t>P.S. Pedantry alert: This is really an </a:t>
-            </a:r>
-            <a:r>
-              <a:rPr lang="en-US" i="1" spc="-1" dirty="0">
+              <a:t>Question</a:t>
+            </a:r>
+            <a:r>
+              <a:rPr lang="en-US" sz="2400" spc="-1" dirty="0">
                 <a:solidFill>
                   <a:srgbClr val="000000"/>
                 </a:solidFill>
@@ -19707,10 +20729,40 @@
                 </a:uFill>
                 <a:latin typeface="Arial"/>
               </a:rPr>
-              <a:t>initialism</a:t>
-            </a:r>
-            <a:r>
-              <a:rPr lang="en-US" spc="-1" dirty="0">
+              <a:t>: what would be reasonable implementations of </a:t>
+            </a:r>
+            <a:r>
+              <a:rPr lang="en-US" sz="2400" spc="-1" dirty="0" err="1">
+                <a:solidFill>
+                  <a:srgbClr val="000000"/>
+                </a:solidFill>
+                <a:uFill>
+                  <a:solidFill>
+                    <a:srgbClr val="FFFFFF"/>
+                  </a:solidFill>
+                </a:uFill>
+                <a:latin typeface="Source Code Pro" panose="020B0509030403020204" pitchFamily="49" charset="0"/>
+                <a:ea typeface="Source Code Pro" panose="020B0509030403020204" pitchFamily="49" charset="0"/>
+              </a:rPr>
+              <a:t>first_letter</a:t>
+            </a:r>
+            <a:r>
+              <a:rPr lang="en-US" sz="2400" spc="-1" dirty="0">
+                <a:solidFill>
+                  <a:srgbClr val="000000"/>
+                </a:solidFill>
+                <a:uFill>
+                  <a:solidFill>
+                    <a:srgbClr val="FFFFFF"/>
+                  </a:solidFill>
+                </a:uFill>
+                <a:latin typeface="Source Code Pro" panose="020B0509030403020204" pitchFamily="49" charset="0"/>
+                <a:ea typeface="Source Code Pro" panose="020B0509030403020204" pitchFamily="49" charset="0"/>
+              </a:rPr>
+              <a:t>()</a:t>
+            </a:r>
+            <a:r>
+              <a:rPr lang="en-US" sz="2400" spc="-1" dirty="0">
                 <a:solidFill>
                   <a:srgbClr val="000000"/>
                 </a:solidFill>
@@ -19721,10 +20773,40 @@
                 </a:uFill>
                 <a:latin typeface="Arial"/>
               </a:rPr>
-              <a:t> but that's rather annoying to say and type. </a:t>
-            </a:r>
-            <a:r>
-              <a:rPr lang="en-US" spc="-1" dirty="0">
+              <a:t> and </a:t>
+            </a:r>
+            <a:r>
+              <a:rPr lang="en-US" sz="2400" spc="-1" dirty="0" err="1">
+                <a:solidFill>
+                  <a:srgbClr val="000000"/>
+                </a:solidFill>
+                <a:uFill>
+                  <a:solidFill>
+                    <a:srgbClr val="FFFFFF"/>
+                  </a:solidFill>
+                </a:uFill>
+                <a:latin typeface="Source Code Pro" panose="020B0509030403020204" pitchFamily="49" charset="0"/>
+                <a:ea typeface="Source Code Pro" panose="020B0509030403020204" pitchFamily="49" charset="0"/>
+              </a:rPr>
+              <a:t>is_long_word</a:t>
+            </a:r>
+            <a:r>
+              <a:rPr lang="en-US" sz="2400" spc="-1" dirty="0">
+                <a:solidFill>
+                  <a:srgbClr val="000000"/>
+                </a:solidFill>
+                <a:uFill>
+                  <a:solidFill>
+                    <a:srgbClr val="FFFFFF"/>
+                  </a:solidFill>
+                </a:uFill>
+                <a:latin typeface="Source Code Pro" panose="020B0509030403020204" pitchFamily="49" charset="0"/>
+                <a:ea typeface="Source Code Pro" panose="020B0509030403020204" pitchFamily="49" charset="0"/>
+              </a:rPr>
+              <a:t>()</a:t>
+            </a:r>
+            <a:r>
+              <a:rPr lang="en-US" sz="2400" spc="-1" dirty="0">
                 <a:solidFill>
                   <a:srgbClr val="000000"/>
                 </a:solidFill>
@@ -19734,11 +20816,10 @@
                   </a:solidFill>
                 </a:uFill>
                 <a:latin typeface="Arial"/>
-                <a:sym typeface="Wingdings" pitchFamily="2" charset="2"/>
-              </a:rPr>
-              <a:t> (However, the code we write is the same, the difference is in how you pronounce the result.) The more you know!</a:t>
-            </a:r>
-            <a:endParaRPr lang="en-US" spc="-1" dirty="0">
+              </a:rPr>
+              <a:t>?</a:t>
+            </a:r>
+            <a:endParaRPr lang="en-US" sz="2400" spc="-1" dirty="0">
               <a:solidFill>
                 <a:srgbClr val="000000"/>
               </a:solidFill>
@@ -19747,7 +20828,274 @@
                   <a:srgbClr val="FFFFFF"/>
                 </a:solidFill>
               </a:uFill>
-              <a:latin typeface="Arial"/>
+              <a:latin typeface="Source Code Pro" panose="020B0509030403020204" pitchFamily="49" charset="0"/>
+              <a:ea typeface="Source Code Pro" panose="020B0509030403020204" pitchFamily="49" charset="0"/>
+            </a:endParaRPr>
+          </a:p>
+        </p:txBody>
+      </p:sp>
+      <p:sp>
+        <p:nvSpPr>
+          <p:cNvPr id="4" name="TextBox 3">
+            <a:extLst>
+              <a:ext uri="{FF2B5EF4-FFF2-40B4-BE49-F238E27FC236}">
+                <a16:creationId xmlns:a16="http://schemas.microsoft.com/office/drawing/2014/main" id="{7A75777D-1F7C-19EE-F86A-EF89E588F3DA}"/>
+              </a:ext>
+            </a:extLst>
+          </p:cNvPr>
+          <p:cNvSpPr txBox="1"/>
+          <p:nvPr/>
+        </p:nvSpPr>
+        <p:spPr>
+          <a:xfrm>
+            <a:off x="4032114" y="4220329"/>
+            <a:ext cx="3681108" cy="646331"/>
+          </a:xfrm>
+          <a:prstGeom prst="rect">
+            <a:avLst/>
+          </a:prstGeom>
+          <a:noFill/>
+        </p:spPr>
+        <p:txBody>
+          <a:bodyPr wrap="square" rtlCol="0">
+            <a:spAutoFit/>
+          </a:bodyPr>
+          <a:lstStyle/>
+          <a:p>
+            <a:r>
+              <a:rPr lang="en-US" b="0" dirty="0">
+                <a:solidFill>
+                  <a:srgbClr val="0000FF"/>
+                </a:solidFill>
+                <a:effectLst/>
+                <a:highlight>
+                  <a:srgbClr val="FFFFFF"/>
+                </a:highlight>
+                <a:latin typeface="Consolas" panose="020B0609020204030204" pitchFamily="49" charset="0"/>
+              </a:rPr>
+              <a:t>def</a:t>
+            </a:r>
+            <a:r>
+              <a:rPr lang="en-US" b="0" dirty="0">
+                <a:solidFill>
+                  <a:srgbClr val="3B3B3B"/>
+                </a:solidFill>
+                <a:effectLst/>
+                <a:highlight>
+                  <a:srgbClr val="FFFFFF"/>
+                </a:highlight>
+                <a:latin typeface="Consolas" panose="020B0609020204030204" pitchFamily="49" charset="0"/>
+              </a:rPr>
+              <a:t> </a:t>
+            </a:r>
+            <a:r>
+              <a:rPr lang="en-US" b="0" dirty="0" err="1">
+                <a:solidFill>
+                  <a:srgbClr val="795E26"/>
+                </a:solidFill>
+                <a:effectLst/>
+                <a:highlight>
+                  <a:srgbClr val="FFFFFF"/>
+                </a:highlight>
+                <a:latin typeface="Consolas" panose="020B0609020204030204" pitchFamily="49" charset="0"/>
+              </a:rPr>
+              <a:t>first_letter</a:t>
+            </a:r>
+            <a:r>
+              <a:rPr lang="en-US" b="0" dirty="0">
+                <a:solidFill>
+                  <a:srgbClr val="3B3B3B"/>
+                </a:solidFill>
+                <a:effectLst/>
+                <a:highlight>
+                  <a:srgbClr val="FFFFFF"/>
+                </a:highlight>
+                <a:latin typeface="Consolas" panose="020B0609020204030204" pitchFamily="49" charset="0"/>
+              </a:rPr>
+              <a:t>(</a:t>
+            </a:r>
+            <a:r>
+              <a:rPr lang="en-US" b="0" dirty="0">
+                <a:solidFill>
+                  <a:srgbClr val="001080"/>
+                </a:solidFill>
+                <a:effectLst/>
+                <a:highlight>
+                  <a:srgbClr val="FFFFFF"/>
+                </a:highlight>
+                <a:latin typeface="Consolas" panose="020B0609020204030204" pitchFamily="49" charset="0"/>
+              </a:rPr>
+              <a:t>word</a:t>
+            </a:r>
+            <a:r>
+              <a:rPr lang="en-US" b="0" dirty="0">
+                <a:solidFill>
+                  <a:srgbClr val="3B3B3B"/>
+                </a:solidFill>
+                <a:effectLst/>
+                <a:highlight>
+                  <a:srgbClr val="FFFFFF"/>
+                </a:highlight>
+                <a:latin typeface="Consolas" panose="020B0609020204030204" pitchFamily="49" charset="0"/>
+              </a:rPr>
+              <a:t>):</a:t>
+            </a:r>
+          </a:p>
+          <a:p>
+            <a:r>
+              <a:rPr lang="en-US" dirty="0">
+                <a:solidFill>
+                  <a:srgbClr val="3B3B3B"/>
+                </a:solidFill>
+                <a:highlight>
+                  <a:srgbClr val="FFFFFF"/>
+                </a:highlight>
+                <a:latin typeface="Consolas" panose="020B0609020204030204" pitchFamily="49" charset="0"/>
+              </a:rPr>
+              <a:t>    # ...?</a:t>
+            </a:r>
+            <a:endParaRPr lang="en-US" b="0" dirty="0">
+              <a:solidFill>
+                <a:srgbClr val="3B3B3B"/>
+              </a:solidFill>
+              <a:effectLst/>
+              <a:highlight>
+                <a:srgbClr val="FFFFFF"/>
+              </a:highlight>
+              <a:latin typeface="Consolas" panose="020B0609020204030204" pitchFamily="49" charset="0"/>
+            </a:endParaRPr>
+          </a:p>
+        </p:txBody>
+      </p:sp>
+      <p:sp>
+        <p:nvSpPr>
+          <p:cNvPr id="6" name="TextBox 5">
+            <a:extLst>
+              <a:ext uri="{FF2B5EF4-FFF2-40B4-BE49-F238E27FC236}">
+                <a16:creationId xmlns:a16="http://schemas.microsoft.com/office/drawing/2014/main" id="{4265B248-4E75-9EDC-5934-D18DFFD7EBF8}"/>
+              </a:ext>
+            </a:extLst>
+          </p:cNvPr>
+          <p:cNvSpPr txBox="1"/>
+          <p:nvPr/>
+        </p:nvSpPr>
+        <p:spPr>
+          <a:xfrm>
+            <a:off x="8064230" y="4219831"/>
+            <a:ext cx="3852153" cy="646331"/>
+          </a:xfrm>
+          <a:prstGeom prst="rect">
+            <a:avLst/>
+          </a:prstGeom>
+          <a:noFill/>
+        </p:spPr>
+        <p:txBody>
+          <a:bodyPr wrap="square" rtlCol="0">
+            <a:spAutoFit/>
+          </a:bodyPr>
+          <a:lstStyle/>
+          <a:p>
+            <a:r>
+              <a:rPr lang="en-US" b="0" dirty="0">
+                <a:solidFill>
+                  <a:srgbClr val="0000FF"/>
+                </a:solidFill>
+                <a:effectLst/>
+                <a:highlight>
+                  <a:srgbClr val="FFFFFF"/>
+                </a:highlight>
+                <a:latin typeface="Consolas" panose="020B0609020204030204" pitchFamily="49" charset="0"/>
+              </a:rPr>
+              <a:t>def</a:t>
+            </a:r>
+            <a:r>
+              <a:rPr lang="en-US" b="0" dirty="0">
+                <a:solidFill>
+                  <a:srgbClr val="3B3B3B"/>
+                </a:solidFill>
+                <a:effectLst/>
+                <a:highlight>
+                  <a:srgbClr val="FFFFFF"/>
+                </a:highlight>
+                <a:latin typeface="Consolas" panose="020B0609020204030204" pitchFamily="49" charset="0"/>
+              </a:rPr>
+              <a:t> </a:t>
+            </a:r>
+            <a:r>
+              <a:rPr lang="en-US" b="0" dirty="0" err="1">
+                <a:solidFill>
+                  <a:srgbClr val="795E26"/>
+                </a:solidFill>
+                <a:effectLst/>
+                <a:highlight>
+                  <a:srgbClr val="FFFFFF"/>
+                </a:highlight>
+                <a:latin typeface="Consolas" panose="020B0609020204030204" pitchFamily="49" charset="0"/>
+              </a:rPr>
+              <a:t>is_long_word</a:t>
+            </a:r>
+            <a:r>
+              <a:rPr lang="en-US" b="0" dirty="0">
+                <a:solidFill>
+                  <a:srgbClr val="3B3B3B"/>
+                </a:solidFill>
+                <a:effectLst/>
+                <a:highlight>
+                  <a:srgbClr val="FFFFFF"/>
+                </a:highlight>
+                <a:latin typeface="Consolas" panose="020B0609020204030204" pitchFamily="49" charset="0"/>
+              </a:rPr>
+              <a:t>(</a:t>
+            </a:r>
+            <a:r>
+              <a:rPr lang="en-US" b="0" dirty="0">
+                <a:solidFill>
+                  <a:srgbClr val="001080"/>
+                </a:solidFill>
+                <a:effectLst/>
+                <a:highlight>
+                  <a:srgbClr val="FFFFFF"/>
+                </a:highlight>
+                <a:latin typeface="Consolas" panose="020B0609020204030204" pitchFamily="49" charset="0"/>
+              </a:rPr>
+              <a:t>word</a:t>
+            </a:r>
+            <a:r>
+              <a:rPr lang="en-US" b="0" dirty="0">
+                <a:solidFill>
+                  <a:srgbClr val="3B3B3B"/>
+                </a:solidFill>
+                <a:effectLst/>
+                <a:highlight>
+                  <a:srgbClr val="FFFFFF"/>
+                </a:highlight>
+                <a:latin typeface="Consolas" panose="020B0609020204030204" pitchFamily="49" charset="0"/>
+              </a:rPr>
+              <a:t>):</a:t>
+            </a:r>
+          </a:p>
+          <a:p>
+            <a:r>
+              <a:rPr lang="en-US" dirty="0">
+                <a:solidFill>
+                  <a:srgbClr val="3B3B3B"/>
+                </a:solidFill>
+                <a:highlight>
+                  <a:srgbClr val="FFFFFF"/>
+                </a:highlight>
+                <a:latin typeface="Consolas" panose="020B0609020204030204" pitchFamily="49" charset="0"/>
+              </a:rPr>
+              <a:t>    # ...?</a:t>
+            </a:r>
+            <a:endParaRPr lang="en-US" b="0" dirty="0">
+              <a:solidFill>
+                <a:srgbClr val="3B3B3B"/>
+              </a:solidFill>
+              <a:effectLst/>
+              <a:highlight>
+                <a:srgbClr val="FFFFFF"/>
+              </a:highlight>
+              <a:latin typeface="Consolas" panose="020B0609020204030204" pitchFamily="49" charset="0"/>
             </a:endParaRPr>
           </a:p>
         </p:txBody>
@@ -19755,7 +21103,7 @@
     </p:spTree>
     <p:extLst>
       <p:ext uri="{BB962C8B-B14F-4D97-AF65-F5344CB8AC3E}">
-        <p14:creationId xmlns:p14="http://schemas.microsoft.com/office/powerpoint/2010/main" val="3338411237"/>
+        <p14:creationId xmlns:p14="http://schemas.microsoft.com/office/powerpoint/2010/main" val="1990309390"/>
       </p:ext>
     </p:extLst>
   </p:cSld>
@@ -19766,6 +21114,1297 @@
 </file>
 
 <file path=ppt/slides/slide32.xml><?xml version="1.0" encoding="utf-8"?>
+<p:sld xmlns:a="http://schemas.openxmlformats.org/drawingml/2006/main" xmlns:r="http://schemas.openxmlformats.org/officeDocument/2006/relationships" xmlns:p="http://schemas.openxmlformats.org/presentationml/2006/main">
+  <p:cSld>
+    <p:spTree>
+      <p:nvGrpSpPr>
+        <p:cNvPr id="1" name=""/>
+        <p:cNvGrpSpPr/>
+        <p:nvPr/>
+      </p:nvGrpSpPr>
+      <p:grpSpPr>
+        <a:xfrm>
+          <a:off x="0" y="0"/>
+          <a:ext cx="0" cy="0"/>
+          <a:chOff x="0" y="0"/>
+          <a:chExt cx="0" cy="0"/>
+        </a:xfrm>
+      </p:grpSpPr>
+      <p:sp>
+        <p:nvSpPr>
+          <p:cNvPr id="2" name="Title 1">
+            <a:extLst>
+              <a:ext uri="{FF2B5EF4-FFF2-40B4-BE49-F238E27FC236}">
+                <a16:creationId xmlns:a16="http://schemas.microsoft.com/office/drawing/2014/main" id="{D78DEC67-149D-7747-87F3-D940F8EF2C93}"/>
+              </a:ext>
+            </a:extLst>
+          </p:cNvPr>
+          <p:cNvSpPr>
+            <a:spLocks noGrp="1"/>
+          </p:cNvSpPr>
+          <p:nvPr>
+            <p:ph type="title"/>
+          </p:nvPr>
+        </p:nvSpPr>
+        <p:spPr/>
+        <p:txBody>
+          <a:bodyPr/>
+          <a:lstStyle/>
+          <a:p>
+            <a:r>
+              <a:rPr lang="en-US" dirty="0"/>
+              <a:t>Today’s Task: Acronym</a:t>
+            </a:r>
+          </a:p>
+        </p:txBody>
+      </p:sp>
+      <p:sp>
+        <p:nvSpPr>
+          <p:cNvPr id="3" name="Footer Placeholder 3">
+            <a:extLst>
+              <a:ext uri="{FF2B5EF4-FFF2-40B4-BE49-F238E27FC236}">
+                <a16:creationId xmlns:a16="http://schemas.microsoft.com/office/drawing/2014/main" id="{F51931BB-CF75-5337-745A-3366CA8CF1C4}"/>
+              </a:ext>
+            </a:extLst>
+          </p:cNvPr>
+          <p:cNvSpPr>
+            <a:spLocks noGrp="1"/>
+          </p:cNvSpPr>
+          <p:nvPr>
+            <p:ph type="ftr" sz="quarter" idx="10"/>
+          </p:nvPr>
+        </p:nvSpPr>
+        <p:spPr/>
+        <p:txBody>
+          <a:bodyPr/>
+          <a:lstStyle/>
+          <a:p>
+            <a:r>
+              <a:rPr lang="en-US" dirty="0"/>
+              <a:t>Eric Kim | UC Berkeley | https://c88c.org | © CC BY-NC-SA</a:t>
+            </a:r>
+          </a:p>
+        </p:txBody>
+      </p:sp>
+      <p:sp>
+        <p:nvSpPr>
+          <p:cNvPr id="5" name="Rectangle 4">
+            <a:extLst>
+              <a:ext uri="{FF2B5EF4-FFF2-40B4-BE49-F238E27FC236}">
+                <a16:creationId xmlns:a16="http://schemas.microsoft.com/office/drawing/2014/main" id="{F4E01054-B4B8-BC41-8667-60CEB7A01846}"/>
+              </a:ext>
+            </a:extLst>
+          </p:cNvPr>
+          <p:cNvSpPr/>
+          <p:nvPr/>
+        </p:nvSpPr>
+        <p:spPr>
+          <a:xfrm>
+            <a:off x="533400" y="1081668"/>
+            <a:ext cx="11178702" cy="2862322"/>
+          </a:xfrm>
+          <a:prstGeom prst="rect">
+            <a:avLst/>
+          </a:prstGeom>
+        </p:spPr>
+        <p:txBody>
+          <a:bodyPr wrap="square">
+            <a:spAutoFit/>
+          </a:bodyPr>
+          <a:lstStyle/>
+          <a:p>
+            <a:pPr>
+              <a:lnSpc>
+                <a:spcPct val="100000"/>
+              </a:lnSpc>
+            </a:pPr>
+            <a:r>
+              <a:rPr lang="en-US" sz="2000" spc="-1" dirty="0">
+                <a:solidFill>
+                  <a:srgbClr val="000000"/>
+                </a:solidFill>
+                <a:uFill>
+                  <a:solidFill>
+                    <a:srgbClr val="FFFFFF"/>
+                  </a:solidFill>
+                </a:uFill>
+                <a:latin typeface="Source Code Pro" panose="020B0509030403020204" pitchFamily="49" charset="77"/>
+              </a:rPr>
+              <a:t>Input: "The University of California at Berkeley"</a:t>
+            </a:r>
+          </a:p>
+          <a:p>
+            <a:pPr>
+              <a:lnSpc>
+                <a:spcPct val="100000"/>
+              </a:lnSpc>
+            </a:pPr>
+            <a:endParaRPr lang="en-US" sz="2000" spc="-1" dirty="0">
+              <a:solidFill>
+                <a:srgbClr val="000000"/>
+              </a:solidFill>
+              <a:uFill>
+                <a:solidFill>
+                  <a:srgbClr val="FFFFFF"/>
+                </a:solidFill>
+              </a:uFill>
+              <a:latin typeface="Source Code Pro" panose="020B0509030403020204" pitchFamily="49" charset="77"/>
+            </a:endParaRPr>
+          </a:p>
+          <a:p>
+            <a:pPr>
+              <a:lnSpc>
+                <a:spcPct val="100000"/>
+              </a:lnSpc>
+            </a:pPr>
+            <a:r>
+              <a:rPr lang="en-US" sz="2000" spc="-1" dirty="0">
+                <a:solidFill>
+                  <a:srgbClr val="000000"/>
+                </a:solidFill>
+                <a:uFill>
+                  <a:solidFill>
+                    <a:srgbClr val="FFFFFF"/>
+                  </a:solidFill>
+                </a:uFill>
+                <a:latin typeface="Source Code Pro" panose="020B0509030403020204" pitchFamily="49" charset="77"/>
+              </a:rPr>
+              <a:t>Output: "UCB"</a:t>
+            </a:r>
+          </a:p>
+          <a:p>
+            <a:pPr>
+              <a:lnSpc>
+                <a:spcPct val="100000"/>
+              </a:lnSpc>
+            </a:pPr>
+            <a:r>
+              <a:rPr lang="en-US" sz="2000" spc="-1" dirty="0">
+                <a:solidFill>
+                  <a:srgbClr val="000000"/>
+                </a:solidFill>
+                <a:uFill>
+                  <a:solidFill>
+                    <a:srgbClr val="FFFFFF"/>
+                  </a:solidFill>
+                </a:uFill>
+                <a:latin typeface="Source Code Pro" panose="020B0509030403020204" pitchFamily="49" charset="77"/>
+              </a:rPr>
+              <a:t>def acronym(sentence):</a:t>
+            </a:r>
+          </a:p>
+          <a:p>
+            <a:pPr>
+              <a:lnSpc>
+                <a:spcPct val="100000"/>
+              </a:lnSpc>
+            </a:pPr>
+            <a:r>
+              <a:rPr lang="en-US" sz="2000" spc="-1" dirty="0">
+                <a:solidFill>
+                  <a:srgbClr val="000000"/>
+                </a:solidFill>
+                <a:uFill>
+                  <a:solidFill>
+                    <a:srgbClr val="FFFFFF"/>
+                  </a:solidFill>
+                </a:uFill>
+                <a:latin typeface="Source Code Pro" panose="020B0509030403020204" pitchFamily="49" charset="77"/>
+              </a:rPr>
+              <a:t>    """ (Some </a:t>
+            </a:r>
+            <a:r>
+              <a:rPr lang="en-US" sz="2000" spc="-1" dirty="0" err="1">
+                <a:solidFill>
+                  <a:srgbClr val="000000"/>
+                </a:solidFill>
+                <a:uFill>
+                  <a:solidFill>
+                    <a:srgbClr val="FFFFFF"/>
+                  </a:solidFill>
+                </a:uFill>
+                <a:latin typeface="Source Code Pro" panose="020B0509030403020204" pitchFamily="49" charset="77"/>
+              </a:rPr>
+              <a:t>doctests</a:t>
+            </a:r>
+            <a:r>
+              <a:rPr lang="en-US" sz="2000" spc="-1" dirty="0">
+                <a:solidFill>
+                  <a:srgbClr val="000000"/>
+                </a:solidFill>
+                <a:uFill>
+                  <a:solidFill>
+                    <a:srgbClr val="FFFFFF"/>
+                  </a:solidFill>
+                </a:uFill>
+                <a:latin typeface="Source Code Pro" panose="020B0509030403020204" pitchFamily="49" charset="77"/>
+              </a:rPr>
+              <a:t>)</a:t>
+            </a:r>
+          </a:p>
+          <a:p>
+            <a:pPr>
+              <a:lnSpc>
+                <a:spcPct val="100000"/>
+              </a:lnSpc>
+            </a:pPr>
+            <a:r>
+              <a:rPr lang="en-US" sz="2000" spc="-1" dirty="0">
+                <a:solidFill>
+                  <a:srgbClr val="000000"/>
+                </a:solidFill>
+                <a:uFill>
+                  <a:solidFill>
+                    <a:srgbClr val="FFFFFF"/>
+                  </a:solidFill>
+                </a:uFill>
+                <a:latin typeface="Source Code Pro" panose="020B0509030403020204" pitchFamily="49" charset="77"/>
+              </a:rPr>
+              <a:t>    """</a:t>
+            </a:r>
+          </a:p>
+          <a:p>
+            <a:pPr>
+              <a:lnSpc>
+                <a:spcPct val="100000"/>
+              </a:lnSpc>
+            </a:pPr>
+            <a:r>
+              <a:rPr lang="en-US" sz="2000" spc="-1" dirty="0">
+                <a:solidFill>
+                  <a:srgbClr val="000000"/>
+                </a:solidFill>
+                <a:uFill>
+                  <a:solidFill>
+                    <a:srgbClr val="FFFFFF"/>
+                  </a:solidFill>
+                </a:uFill>
+                <a:latin typeface="Source Code Pro" panose="020B0509030403020204" pitchFamily="49" charset="77"/>
+              </a:rPr>
+              <a:t>    words = </a:t>
+            </a:r>
+            <a:r>
+              <a:rPr lang="en-US" sz="2000" spc="-1" dirty="0" err="1">
+                <a:solidFill>
+                  <a:srgbClr val="000000"/>
+                </a:solidFill>
+                <a:uFill>
+                  <a:solidFill>
+                    <a:srgbClr val="FFFFFF"/>
+                  </a:solidFill>
+                </a:uFill>
+                <a:latin typeface="Source Code Pro" panose="020B0509030403020204" pitchFamily="49" charset="77"/>
+              </a:rPr>
+              <a:t>sentence.split</a:t>
+            </a:r>
+            <a:r>
+              <a:rPr lang="en-US" sz="2000" spc="-1" dirty="0">
+                <a:solidFill>
+                  <a:srgbClr val="000000"/>
+                </a:solidFill>
+                <a:uFill>
+                  <a:solidFill>
+                    <a:srgbClr val="FFFFFF"/>
+                  </a:solidFill>
+                </a:uFill>
+                <a:latin typeface="Source Code Pro" panose="020B0509030403020204" pitchFamily="49" charset="77"/>
+              </a:rPr>
+              <a:t>()</a:t>
+            </a:r>
+          </a:p>
+          <a:p>
+            <a:pPr>
+              <a:lnSpc>
+                <a:spcPct val="100000"/>
+              </a:lnSpc>
+            </a:pPr>
+            <a:r>
+              <a:rPr lang="en-US" sz="2000" spc="-1" dirty="0">
+                <a:solidFill>
+                  <a:srgbClr val="000000"/>
+                </a:solidFill>
+                <a:uFill>
+                  <a:solidFill>
+                    <a:srgbClr val="FFFFFF"/>
+                  </a:solidFill>
+                </a:uFill>
+                <a:latin typeface="Source Code Pro" panose="020B0509030403020204" pitchFamily="49" charset="77"/>
+              </a:rPr>
+              <a:t>    </a:t>
+            </a:r>
+            <a:r>
+              <a:rPr lang="en-US" sz="2000" b="1" spc="-1" dirty="0">
+                <a:solidFill>
+                  <a:srgbClr val="000000"/>
+                </a:solidFill>
+                <a:uFill>
+                  <a:solidFill>
+                    <a:srgbClr val="FFFFFF"/>
+                  </a:solidFill>
+                </a:uFill>
+                <a:latin typeface="Source Code Pro" panose="020B0509030403020204" pitchFamily="49" charset="77"/>
+              </a:rPr>
+              <a:t>return reduce(add, map(</a:t>
+            </a:r>
+            <a:r>
+              <a:rPr lang="en-US" sz="2000" b="1" spc="-1" dirty="0" err="1">
+                <a:solidFill>
+                  <a:srgbClr val="000000"/>
+                </a:solidFill>
+                <a:uFill>
+                  <a:solidFill>
+                    <a:srgbClr val="FFFFFF"/>
+                  </a:solidFill>
+                </a:uFill>
+                <a:latin typeface="Source Code Pro" panose="020B0509030403020204" pitchFamily="49" charset="77"/>
+              </a:rPr>
+              <a:t>first_letter</a:t>
+            </a:r>
+            <a:r>
+              <a:rPr lang="en-US" sz="2000" b="1" spc="-1" dirty="0">
+                <a:solidFill>
+                  <a:srgbClr val="000000"/>
+                </a:solidFill>
+                <a:uFill>
+                  <a:solidFill>
+                    <a:srgbClr val="FFFFFF"/>
+                  </a:solidFill>
+                </a:uFill>
+                <a:latin typeface="Source Code Pro" panose="020B0509030403020204" pitchFamily="49" charset="77"/>
+              </a:rPr>
+              <a:t>, filter(</a:t>
+            </a:r>
+            <a:r>
+              <a:rPr lang="en-US" sz="2000" b="1" spc="-1" dirty="0" err="1">
+                <a:solidFill>
+                  <a:srgbClr val="000000"/>
+                </a:solidFill>
+                <a:uFill>
+                  <a:solidFill>
+                    <a:srgbClr val="FFFFFF"/>
+                  </a:solidFill>
+                </a:uFill>
+                <a:latin typeface="Source Code Pro" panose="020B0509030403020204" pitchFamily="49" charset="77"/>
+              </a:rPr>
+              <a:t>is_long_word</a:t>
+            </a:r>
+            <a:r>
+              <a:rPr lang="en-US" sz="2000" b="1" spc="-1" dirty="0">
+                <a:solidFill>
+                  <a:srgbClr val="000000"/>
+                </a:solidFill>
+                <a:uFill>
+                  <a:solidFill>
+                    <a:srgbClr val="FFFFFF"/>
+                  </a:solidFill>
+                </a:uFill>
+                <a:latin typeface="Source Code Pro" panose="020B0509030403020204" pitchFamily="49" charset="77"/>
+              </a:rPr>
+              <a:t>, words)))</a:t>
+            </a:r>
+          </a:p>
+          <a:p>
+            <a:pPr>
+              <a:lnSpc>
+                <a:spcPct val="100000"/>
+              </a:lnSpc>
+            </a:pPr>
+            <a:endParaRPr lang="en-US" sz="2000" spc="-1" dirty="0">
+              <a:solidFill>
+                <a:srgbClr val="000000"/>
+              </a:solidFill>
+              <a:uFill>
+                <a:solidFill>
+                  <a:srgbClr val="FFFFFF"/>
+                </a:solidFill>
+              </a:uFill>
+              <a:latin typeface="Source Code Pro" panose="020B0509030403020204" pitchFamily="49" charset="77"/>
+            </a:endParaRPr>
+          </a:p>
+        </p:txBody>
+      </p:sp>
+      <p:sp>
+        <p:nvSpPr>
+          <p:cNvPr id="7" name="TextShape 11">
+            <a:extLst>
+              <a:ext uri="{FF2B5EF4-FFF2-40B4-BE49-F238E27FC236}">
+                <a16:creationId xmlns:a16="http://schemas.microsoft.com/office/drawing/2014/main" id="{55609106-671F-E84E-8744-3B2453668F27}"/>
+              </a:ext>
+            </a:extLst>
+          </p:cNvPr>
+          <p:cNvSpPr txBox="1"/>
+          <p:nvPr/>
+        </p:nvSpPr>
+        <p:spPr>
+          <a:xfrm>
+            <a:off x="171043" y="5564581"/>
+            <a:ext cx="4264769" cy="1740169"/>
+          </a:xfrm>
+          <a:prstGeom prst="rect">
+            <a:avLst/>
+          </a:prstGeom>
+          <a:noFill/>
+          <a:ln>
+            <a:noFill/>
+          </a:ln>
+        </p:spPr>
+        <p:txBody>
+          <a:bodyPr lIns="90000" tIns="45000" rIns="90000" bIns="45000"/>
+          <a:lstStyle/>
+          <a:p>
+            <a:r>
+              <a:rPr lang="en-US" b="1" spc="-1" dirty="0">
+                <a:solidFill>
+                  <a:srgbClr val="000000"/>
+                </a:solidFill>
+                <a:uFill>
+                  <a:solidFill>
+                    <a:srgbClr val="FFFFFF"/>
+                  </a:solidFill>
+                </a:uFill>
+                <a:latin typeface="Arial"/>
+              </a:rPr>
+              <a:t>Question</a:t>
+            </a:r>
+            <a:r>
+              <a:rPr lang="en-US" spc="-1" dirty="0">
+                <a:solidFill>
+                  <a:srgbClr val="000000"/>
+                </a:solidFill>
+                <a:uFill>
+                  <a:solidFill>
+                    <a:srgbClr val="FFFFFF"/>
+                  </a:solidFill>
+                </a:uFill>
+                <a:latin typeface="Arial"/>
+              </a:rPr>
+              <a:t>: what would be reasonable implementations of </a:t>
+            </a:r>
+            <a:r>
+              <a:rPr lang="en-US" spc="-1" dirty="0" err="1">
+                <a:solidFill>
+                  <a:srgbClr val="000000"/>
+                </a:solidFill>
+                <a:uFill>
+                  <a:solidFill>
+                    <a:srgbClr val="FFFFFF"/>
+                  </a:solidFill>
+                </a:uFill>
+                <a:latin typeface="Source Code Pro" panose="020B0509030403020204" pitchFamily="49" charset="0"/>
+                <a:ea typeface="Source Code Pro" panose="020B0509030403020204" pitchFamily="49" charset="0"/>
+              </a:rPr>
+              <a:t>first_letter</a:t>
+            </a:r>
+            <a:r>
+              <a:rPr lang="en-US" spc="-1" dirty="0">
+                <a:solidFill>
+                  <a:srgbClr val="000000"/>
+                </a:solidFill>
+                <a:uFill>
+                  <a:solidFill>
+                    <a:srgbClr val="FFFFFF"/>
+                  </a:solidFill>
+                </a:uFill>
+                <a:latin typeface="Source Code Pro" panose="020B0509030403020204" pitchFamily="49" charset="0"/>
+                <a:ea typeface="Source Code Pro" panose="020B0509030403020204" pitchFamily="49" charset="0"/>
+              </a:rPr>
+              <a:t>()</a:t>
+            </a:r>
+            <a:r>
+              <a:rPr lang="en-US" spc="-1" dirty="0">
+                <a:solidFill>
+                  <a:srgbClr val="000000"/>
+                </a:solidFill>
+                <a:uFill>
+                  <a:solidFill>
+                    <a:srgbClr val="FFFFFF"/>
+                  </a:solidFill>
+                </a:uFill>
+                <a:latin typeface="Arial"/>
+              </a:rPr>
+              <a:t> and </a:t>
+            </a:r>
+            <a:r>
+              <a:rPr lang="en-US" spc="-1" dirty="0" err="1">
+                <a:solidFill>
+                  <a:srgbClr val="000000"/>
+                </a:solidFill>
+                <a:uFill>
+                  <a:solidFill>
+                    <a:srgbClr val="FFFFFF"/>
+                  </a:solidFill>
+                </a:uFill>
+                <a:latin typeface="Source Code Pro" panose="020B0509030403020204" pitchFamily="49" charset="0"/>
+                <a:ea typeface="Source Code Pro" panose="020B0509030403020204" pitchFamily="49" charset="0"/>
+              </a:rPr>
+              <a:t>is_long_word</a:t>
+            </a:r>
+            <a:r>
+              <a:rPr lang="en-US" spc="-1" dirty="0">
+                <a:solidFill>
+                  <a:srgbClr val="000000"/>
+                </a:solidFill>
+                <a:uFill>
+                  <a:solidFill>
+                    <a:srgbClr val="FFFFFF"/>
+                  </a:solidFill>
+                </a:uFill>
+                <a:latin typeface="Source Code Pro" panose="020B0509030403020204" pitchFamily="49" charset="0"/>
+                <a:ea typeface="Source Code Pro" panose="020B0509030403020204" pitchFamily="49" charset="0"/>
+              </a:rPr>
+              <a:t>()</a:t>
+            </a:r>
+            <a:r>
+              <a:rPr lang="en-US" spc="-1" dirty="0">
+                <a:solidFill>
+                  <a:srgbClr val="000000"/>
+                </a:solidFill>
+                <a:uFill>
+                  <a:solidFill>
+                    <a:srgbClr val="FFFFFF"/>
+                  </a:solidFill>
+                </a:uFill>
+                <a:latin typeface="Arial"/>
+              </a:rPr>
+              <a:t>? (ANSWER ABOVE)</a:t>
+            </a:r>
+            <a:endParaRPr lang="en-US" spc="-1" dirty="0">
+              <a:solidFill>
+                <a:srgbClr val="000000"/>
+              </a:solidFill>
+              <a:uFill>
+                <a:solidFill>
+                  <a:srgbClr val="FFFFFF"/>
+                </a:solidFill>
+              </a:uFill>
+              <a:latin typeface="Source Code Pro" panose="020B0509030403020204" pitchFamily="49" charset="0"/>
+              <a:ea typeface="Source Code Pro" panose="020B0509030403020204" pitchFamily="49" charset="0"/>
+            </a:endParaRPr>
+          </a:p>
+        </p:txBody>
+      </p:sp>
+      <p:sp>
+        <p:nvSpPr>
+          <p:cNvPr id="4" name="TextBox 3">
+            <a:extLst>
+              <a:ext uri="{FF2B5EF4-FFF2-40B4-BE49-F238E27FC236}">
+                <a16:creationId xmlns:a16="http://schemas.microsoft.com/office/drawing/2014/main" id="{7A75777D-1F7C-19EE-F86A-EF89E588F3DA}"/>
+              </a:ext>
+            </a:extLst>
+          </p:cNvPr>
+          <p:cNvSpPr txBox="1"/>
+          <p:nvPr/>
+        </p:nvSpPr>
+        <p:spPr>
+          <a:xfrm>
+            <a:off x="483140" y="4154121"/>
+            <a:ext cx="5612860" cy="1200329"/>
+          </a:xfrm>
+          <a:prstGeom prst="rect">
+            <a:avLst/>
+          </a:prstGeom>
+          <a:noFill/>
+        </p:spPr>
+        <p:txBody>
+          <a:bodyPr wrap="square" rtlCol="0">
+            <a:spAutoFit/>
+          </a:bodyPr>
+          <a:lstStyle/>
+          <a:p>
+            <a:r>
+              <a:rPr lang="en-US" b="0" dirty="0">
+                <a:solidFill>
+                  <a:srgbClr val="0000FF"/>
+                </a:solidFill>
+                <a:effectLst/>
+                <a:highlight>
+                  <a:srgbClr val="FFFFFF"/>
+                </a:highlight>
+                <a:latin typeface="Consolas" panose="020B0609020204030204" pitchFamily="49" charset="0"/>
+              </a:rPr>
+              <a:t>def</a:t>
+            </a:r>
+            <a:r>
+              <a:rPr lang="en-US" b="0" dirty="0">
+                <a:solidFill>
+                  <a:srgbClr val="3B3B3B"/>
+                </a:solidFill>
+                <a:effectLst/>
+                <a:highlight>
+                  <a:srgbClr val="FFFFFF"/>
+                </a:highlight>
+                <a:latin typeface="Consolas" panose="020B0609020204030204" pitchFamily="49" charset="0"/>
+              </a:rPr>
+              <a:t> </a:t>
+            </a:r>
+            <a:r>
+              <a:rPr lang="en-US" b="0" dirty="0" err="1">
+                <a:solidFill>
+                  <a:srgbClr val="795E26"/>
+                </a:solidFill>
+                <a:effectLst/>
+                <a:highlight>
+                  <a:srgbClr val="FFFFFF"/>
+                </a:highlight>
+                <a:latin typeface="Consolas" panose="020B0609020204030204" pitchFamily="49" charset="0"/>
+              </a:rPr>
+              <a:t>first_letter</a:t>
+            </a:r>
+            <a:r>
+              <a:rPr lang="en-US" b="0" dirty="0">
+                <a:solidFill>
+                  <a:srgbClr val="3B3B3B"/>
+                </a:solidFill>
+                <a:effectLst/>
+                <a:highlight>
+                  <a:srgbClr val="FFFFFF"/>
+                </a:highlight>
+                <a:latin typeface="Consolas" panose="020B0609020204030204" pitchFamily="49" charset="0"/>
+              </a:rPr>
+              <a:t>(</a:t>
+            </a:r>
+            <a:r>
+              <a:rPr lang="en-US" b="0" dirty="0">
+                <a:solidFill>
+                  <a:srgbClr val="001080"/>
+                </a:solidFill>
+                <a:effectLst/>
+                <a:highlight>
+                  <a:srgbClr val="FFFFFF"/>
+                </a:highlight>
+                <a:latin typeface="Consolas" panose="020B0609020204030204" pitchFamily="49" charset="0"/>
+              </a:rPr>
+              <a:t>word</a:t>
+            </a:r>
+            <a:r>
+              <a:rPr lang="en-US" b="0" dirty="0">
+                <a:solidFill>
+                  <a:srgbClr val="3B3B3B"/>
+                </a:solidFill>
+                <a:effectLst/>
+                <a:highlight>
+                  <a:srgbClr val="FFFFFF"/>
+                </a:highlight>
+                <a:latin typeface="Consolas" panose="020B0609020204030204" pitchFamily="49" charset="0"/>
+              </a:rPr>
+              <a:t>):</a:t>
+            </a:r>
+          </a:p>
+          <a:p>
+            <a:r>
+              <a:rPr lang="en-US" b="0" dirty="0">
+                <a:solidFill>
+                  <a:srgbClr val="3B3B3B"/>
+                </a:solidFill>
+                <a:effectLst/>
+                <a:highlight>
+                  <a:srgbClr val="FFFFFF"/>
+                </a:highlight>
+                <a:latin typeface="Consolas" panose="020B0609020204030204" pitchFamily="49" charset="0"/>
+              </a:rPr>
+              <a:t>    </a:t>
+            </a:r>
+            <a:r>
+              <a:rPr lang="en-US" b="0" dirty="0">
+                <a:solidFill>
+                  <a:srgbClr val="008000"/>
+                </a:solidFill>
+                <a:effectLst/>
+                <a:highlight>
+                  <a:srgbClr val="FFFFFF"/>
+                </a:highlight>
+                <a:latin typeface="Consolas" panose="020B0609020204030204" pitchFamily="49" charset="0"/>
+              </a:rPr>
+              <a:t># edge case: empty string -&gt; return empty</a:t>
+            </a:r>
+            <a:endParaRPr lang="en-US" b="0" dirty="0">
+              <a:solidFill>
+                <a:srgbClr val="3B3B3B"/>
+              </a:solidFill>
+              <a:effectLst/>
+              <a:highlight>
+                <a:srgbClr val="FFFFFF"/>
+              </a:highlight>
+              <a:latin typeface="Consolas" panose="020B0609020204030204" pitchFamily="49" charset="0"/>
+            </a:endParaRPr>
+          </a:p>
+          <a:p>
+            <a:r>
+              <a:rPr lang="en-US" b="0" dirty="0">
+                <a:solidFill>
+                  <a:srgbClr val="3B3B3B"/>
+                </a:solidFill>
+                <a:effectLst/>
+                <a:highlight>
+                  <a:srgbClr val="FFFFFF"/>
+                </a:highlight>
+                <a:latin typeface="Consolas" panose="020B0609020204030204" pitchFamily="49" charset="0"/>
+              </a:rPr>
+              <a:t>    </a:t>
+            </a:r>
+            <a:r>
+              <a:rPr lang="en-US" b="0" dirty="0">
+                <a:solidFill>
+                  <a:srgbClr val="AF00DB"/>
+                </a:solidFill>
+                <a:effectLst/>
+                <a:highlight>
+                  <a:srgbClr val="FFFFFF"/>
+                </a:highlight>
+                <a:latin typeface="Consolas" panose="020B0609020204030204" pitchFamily="49" charset="0"/>
+              </a:rPr>
+              <a:t>return</a:t>
+            </a:r>
+            <a:r>
+              <a:rPr lang="en-US" b="0" dirty="0">
+                <a:solidFill>
+                  <a:srgbClr val="3B3B3B"/>
+                </a:solidFill>
+                <a:effectLst/>
+                <a:highlight>
+                  <a:srgbClr val="FFFFFF"/>
+                </a:highlight>
+                <a:latin typeface="Consolas" panose="020B0609020204030204" pitchFamily="49" charset="0"/>
+              </a:rPr>
+              <a:t> </a:t>
+            </a:r>
+            <a:r>
+              <a:rPr lang="en-US" b="0" dirty="0">
+                <a:solidFill>
+                  <a:srgbClr val="001080"/>
+                </a:solidFill>
+                <a:effectLst/>
+                <a:highlight>
+                  <a:srgbClr val="FFFFFF"/>
+                </a:highlight>
+                <a:latin typeface="Consolas" panose="020B0609020204030204" pitchFamily="49" charset="0"/>
+              </a:rPr>
+              <a:t>word</a:t>
+            </a:r>
+            <a:r>
+              <a:rPr lang="en-US" b="0" dirty="0">
+                <a:solidFill>
+                  <a:srgbClr val="3B3B3B"/>
+                </a:solidFill>
+                <a:effectLst/>
+                <a:highlight>
+                  <a:srgbClr val="FFFFFF"/>
+                </a:highlight>
+                <a:latin typeface="Consolas" panose="020B0609020204030204" pitchFamily="49" charset="0"/>
+              </a:rPr>
+              <a:t>[</a:t>
+            </a:r>
+            <a:r>
+              <a:rPr lang="en-US" b="0" dirty="0">
+                <a:solidFill>
+                  <a:srgbClr val="098658"/>
+                </a:solidFill>
+                <a:effectLst/>
+                <a:highlight>
+                  <a:srgbClr val="FFFFFF"/>
+                </a:highlight>
+                <a:latin typeface="Consolas" panose="020B0609020204030204" pitchFamily="49" charset="0"/>
+              </a:rPr>
+              <a:t>0</a:t>
+            </a:r>
+            <a:r>
+              <a:rPr lang="en-US" b="0" dirty="0">
+                <a:solidFill>
+                  <a:srgbClr val="3B3B3B"/>
+                </a:solidFill>
+                <a:effectLst/>
+                <a:highlight>
+                  <a:srgbClr val="FFFFFF"/>
+                </a:highlight>
+                <a:latin typeface="Consolas" panose="020B0609020204030204" pitchFamily="49" charset="0"/>
+              </a:rPr>
+              <a:t>] </a:t>
+            </a:r>
+            <a:r>
+              <a:rPr lang="en-US" b="0" dirty="0">
+                <a:solidFill>
+                  <a:srgbClr val="AF00DB"/>
+                </a:solidFill>
+                <a:effectLst/>
+                <a:highlight>
+                  <a:srgbClr val="FFFFFF"/>
+                </a:highlight>
+                <a:latin typeface="Consolas" panose="020B0609020204030204" pitchFamily="49" charset="0"/>
+              </a:rPr>
+              <a:t>if</a:t>
+            </a:r>
+            <a:r>
+              <a:rPr lang="en-US" b="0" dirty="0">
+                <a:solidFill>
+                  <a:srgbClr val="3B3B3B"/>
+                </a:solidFill>
+                <a:effectLst/>
+                <a:highlight>
+                  <a:srgbClr val="FFFFFF"/>
+                </a:highlight>
+                <a:latin typeface="Consolas" panose="020B0609020204030204" pitchFamily="49" charset="0"/>
+              </a:rPr>
+              <a:t> </a:t>
+            </a:r>
+            <a:r>
+              <a:rPr lang="en-US" b="0" dirty="0" err="1">
+                <a:solidFill>
+                  <a:srgbClr val="795E26"/>
+                </a:solidFill>
+                <a:effectLst/>
+                <a:highlight>
+                  <a:srgbClr val="FFFFFF"/>
+                </a:highlight>
+                <a:latin typeface="Consolas" panose="020B0609020204030204" pitchFamily="49" charset="0"/>
+              </a:rPr>
+              <a:t>len</a:t>
+            </a:r>
+            <a:r>
+              <a:rPr lang="en-US" b="0" dirty="0">
+                <a:solidFill>
+                  <a:srgbClr val="3B3B3B"/>
+                </a:solidFill>
+                <a:effectLst/>
+                <a:highlight>
+                  <a:srgbClr val="FFFFFF"/>
+                </a:highlight>
+                <a:latin typeface="Consolas" panose="020B0609020204030204" pitchFamily="49" charset="0"/>
+              </a:rPr>
+              <a:t>(</a:t>
+            </a:r>
+            <a:r>
+              <a:rPr lang="en-US" b="0" dirty="0">
+                <a:solidFill>
+                  <a:srgbClr val="001080"/>
+                </a:solidFill>
+                <a:effectLst/>
+                <a:highlight>
+                  <a:srgbClr val="FFFFFF"/>
+                </a:highlight>
+                <a:latin typeface="Consolas" panose="020B0609020204030204" pitchFamily="49" charset="0"/>
+              </a:rPr>
+              <a:t>word</a:t>
+            </a:r>
+            <a:r>
+              <a:rPr lang="en-US" b="0" dirty="0">
+                <a:solidFill>
+                  <a:srgbClr val="3B3B3B"/>
+                </a:solidFill>
+                <a:effectLst/>
+                <a:highlight>
+                  <a:srgbClr val="FFFFFF"/>
+                </a:highlight>
+                <a:latin typeface="Consolas" panose="020B0609020204030204" pitchFamily="49" charset="0"/>
+              </a:rPr>
+              <a:t>) </a:t>
+            </a:r>
+            <a:r>
+              <a:rPr lang="en-US" b="0" dirty="0">
+                <a:solidFill>
+                  <a:srgbClr val="000000"/>
+                </a:solidFill>
+                <a:effectLst/>
+                <a:highlight>
+                  <a:srgbClr val="FFFFFF"/>
+                </a:highlight>
+                <a:latin typeface="Consolas" panose="020B0609020204030204" pitchFamily="49" charset="0"/>
+              </a:rPr>
+              <a:t>&gt;</a:t>
+            </a:r>
+            <a:r>
+              <a:rPr lang="en-US" b="0" dirty="0">
+                <a:solidFill>
+                  <a:srgbClr val="3B3B3B"/>
+                </a:solidFill>
+                <a:effectLst/>
+                <a:highlight>
+                  <a:srgbClr val="FFFFFF"/>
+                </a:highlight>
+                <a:latin typeface="Consolas" panose="020B0609020204030204" pitchFamily="49" charset="0"/>
+              </a:rPr>
+              <a:t> </a:t>
+            </a:r>
+            <a:r>
+              <a:rPr lang="en-US" b="0" dirty="0">
+                <a:solidFill>
+                  <a:srgbClr val="098658"/>
+                </a:solidFill>
+                <a:effectLst/>
+                <a:highlight>
+                  <a:srgbClr val="FFFFFF"/>
+                </a:highlight>
+                <a:latin typeface="Consolas" panose="020B0609020204030204" pitchFamily="49" charset="0"/>
+              </a:rPr>
+              <a:t>0</a:t>
+            </a:r>
+            <a:r>
+              <a:rPr lang="en-US" b="0" dirty="0">
+                <a:solidFill>
+                  <a:srgbClr val="3B3B3B"/>
+                </a:solidFill>
+                <a:effectLst/>
+                <a:highlight>
+                  <a:srgbClr val="FFFFFF"/>
+                </a:highlight>
+                <a:latin typeface="Consolas" panose="020B0609020204030204" pitchFamily="49" charset="0"/>
+              </a:rPr>
+              <a:t> </a:t>
+            </a:r>
+            <a:r>
+              <a:rPr lang="en-US" b="0" dirty="0">
+                <a:solidFill>
+                  <a:srgbClr val="AF00DB"/>
+                </a:solidFill>
+                <a:effectLst/>
+                <a:highlight>
+                  <a:srgbClr val="FFFFFF"/>
+                </a:highlight>
+                <a:latin typeface="Consolas" panose="020B0609020204030204" pitchFamily="49" charset="0"/>
+              </a:rPr>
+              <a:t>else</a:t>
+            </a:r>
+            <a:r>
+              <a:rPr lang="en-US" b="0" dirty="0">
+                <a:solidFill>
+                  <a:srgbClr val="3B3B3B"/>
+                </a:solidFill>
+                <a:effectLst/>
+                <a:highlight>
+                  <a:srgbClr val="FFFFFF"/>
+                </a:highlight>
+                <a:latin typeface="Consolas" panose="020B0609020204030204" pitchFamily="49" charset="0"/>
+              </a:rPr>
+              <a:t> </a:t>
+            </a:r>
+            <a:r>
+              <a:rPr lang="en-US" b="0" dirty="0">
+                <a:solidFill>
+                  <a:srgbClr val="A31515"/>
+                </a:solidFill>
+                <a:effectLst/>
+                <a:highlight>
+                  <a:srgbClr val="FFFFFF"/>
+                </a:highlight>
+                <a:latin typeface="Consolas" panose="020B0609020204030204" pitchFamily="49" charset="0"/>
+              </a:rPr>
+              <a:t>""</a:t>
+            </a:r>
+            <a:endParaRPr lang="en-US" b="0" dirty="0">
+              <a:solidFill>
+                <a:srgbClr val="3B3B3B"/>
+              </a:solidFill>
+              <a:effectLst/>
+              <a:highlight>
+                <a:srgbClr val="FFFFFF"/>
+              </a:highlight>
+              <a:latin typeface="Consolas" panose="020B0609020204030204" pitchFamily="49" charset="0"/>
+            </a:endParaRPr>
+          </a:p>
+        </p:txBody>
+      </p:sp>
+      <p:sp>
+        <p:nvSpPr>
+          <p:cNvPr id="6" name="TextBox 5">
+            <a:extLst>
+              <a:ext uri="{FF2B5EF4-FFF2-40B4-BE49-F238E27FC236}">
+                <a16:creationId xmlns:a16="http://schemas.microsoft.com/office/drawing/2014/main" id="{4265B248-4E75-9EDC-5934-D18DFFD7EBF8}"/>
+              </a:ext>
+            </a:extLst>
+          </p:cNvPr>
+          <p:cNvSpPr txBox="1"/>
+          <p:nvPr/>
+        </p:nvSpPr>
+        <p:spPr>
+          <a:xfrm>
+            <a:off x="6459165" y="4154121"/>
+            <a:ext cx="5612860" cy="1200329"/>
+          </a:xfrm>
+          <a:prstGeom prst="rect">
+            <a:avLst/>
+          </a:prstGeom>
+          <a:noFill/>
+        </p:spPr>
+        <p:txBody>
+          <a:bodyPr wrap="square" rtlCol="0">
+            <a:spAutoFit/>
+          </a:bodyPr>
+          <a:lstStyle/>
+          <a:p>
+            <a:r>
+              <a:rPr lang="en-US" b="0" dirty="0">
+                <a:solidFill>
+                  <a:srgbClr val="0000FF"/>
+                </a:solidFill>
+                <a:effectLst/>
+                <a:highlight>
+                  <a:srgbClr val="FFFFFF"/>
+                </a:highlight>
+                <a:latin typeface="Consolas" panose="020B0609020204030204" pitchFamily="49" charset="0"/>
+              </a:rPr>
+              <a:t>def</a:t>
+            </a:r>
+            <a:r>
+              <a:rPr lang="en-US" b="0" dirty="0">
+                <a:solidFill>
+                  <a:srgbClr val="3B3B3B"/>
+                </a:solidFill>
+                <a:effectLst/>
+                <a:highlight>
+                  <a:srgbClr val="FFFFFF"/>
+                </a:highlight>
+                <a:latin typeface="Consolas" panose="020B0609020204030204" pitchFamily="49" charset="0"/>
+              </a:rPr>
+              <a:t> </a:t>
+            </a:r>
+            <a:r>
+              <a:rPr lang="en-US" b="0" dirty="0" err="1">
+                <a:solidFill>
+                  <a:srgbClr val="795E26"/>
+                </a:solidFill>
+                <a:effectLst/>
+                <a:highlight>
+                  <a:srgbClr val="FFFFFF"/>
+                </a:highlight>
+                <a:latin typeface="Consolas" panose="020B0609020204030204" pitchFamily="49" charset="0"/>
+              </a:rPr>
+              <a:t>is_long_word</a:t>
+            </a:r>
+            <a:r>
+              <a:rPr lang="en-US" b="0" dirty="0">
+                <a:solidFill>
+                  <a:srgbClr val="3B3B3B"/>
+                </a:solidFill>
+                <a:effectLst/>
+                <a:highlight>
+                  <a:srgbClr val="FFFFFF"/>
+                </a:highlight>
+                <a:latin typeface="Consolas" panose="020B0609020204030204" pitchFamily="49" charset="0"/>
+              </a:rPr>
+              <a:t>(</a:t>
+            </a:r>
+            <a:r>
+              <a:rPr lang="en-US" b="0" dirty="0">
+                <a:solidFill>
+                  <a:srgbClr val="001080"/>
+                </a:solidFill>
+                <a:effectLst/>
+                <a:highlight>
+                  <a:srgbClr val="FFFFFF"/>
+                </a:highlight>
+                <a:latin typeface="Consolas" panose="020B0609020204030204" pitchFamily="49" charset="0"/>
+              </a:rPr>
+              <a:t>word</a:t>
+            </a:r>
+            <a:r>
+              <a:rPr lang="en-US" b="0" dirty="0">
+                <a:solidFill>
+                  <a:srgbClr val="3B3B3B"/>
+                </a:solidFill>
+                <a:effectLst/>
+                <a:highlight>
+                  <a:srgbClr val="FFFFFF"/>
+                </a:highlight>
+                <a:latin typeface="Consolas" panose="020B0609020204030204" pitchFamily="49" charset="0"/>
+              </a:rPr>
+              <a:t>):</a:t>
+            </a:r>
+          </a:p>
+          <a:p>
+            <a:r>
+              <a:rPr lang="en-US" b="0" dirty="0">
+                <a:solidFill>
+                  <a:srgbClr val="3B3B3B"/>
+                </a:solidFill>
+                <a:effectLst/>
+                <a:highlight>
+                  <a:srgbClr val="FFFFFF"/>
+                </a:highlight>
+                <a:latin typeface="Consolas" panose="020B0609020204030204" pitchFamily="49" charset="0"/>
+              </a:rPr>
+              <a:t>    </a:t>
+            </a:r>
+            <a:r>
+              <a:rPr lang="en-US" b="0" dirty="0">
+                <a:solidFill>
+                  <a:srgbClr val="008000"/>
+                </a:solidFill>
+                <a:effectLst/>
+                <a:highlight>
+                  <a:srgbClr val="FFFFFF"/>
+                </a:highlight>
+                <a:latin typeface="Consolas" panose="020B0609020204030204" pitchFamily="49" charset="0"/>
+              </a:rPr>
+              <a:t># heuristic: a long word has more than 3 letters</a:t>
+            </a:r>
+            <a:endParaRPr lang="en-US" b="0" dirty="0">
+              <a:solidFill>
+                <a:srgbClr val="3B3B3B"/>
+              </a:solidFill>
+              <a:effectLst/>
+              <a:highlight>
+                <a:srgbClr val="FFFFFF"/>
+              </a:highlight>
+              <a:latin typeface="Consolas" panose="020B0609020204030204" pitchFamily="49" charset="0"/>
+            </a:endParaRPr>
+          </a:p>
+          <a:p>
+            <a:r>
+              <a:rPr lang="en-US" b="0" dirty="0">
+                <a:solidFill>
+                  <a:srgbClr val="3B3B3B"/>
+                </a:solidFill>
+                <a:effectLst/>
+                <a:highlight>
+                  <a:srgbClr val="FFFFFF"/>
+                </a:highlight>
+                <a:latin typeface="Consolas" panose="020B0609020204030204" pitchFamily="49" charset="0"/>
+              </a:rPr>
+              <a:t>    </a:t>
+            </a:r>
+            <a:r>
+              <a:rPr lang="en-US" b="0" dirty="0">
+                <a:solidFill>
+                  <a:srgbClr val="AF00DB"/>
+                </a:solidFill>
+                <a:effectLst/>
+                <a:highlight>
+                  <a:srgbClr val="FFFFFF"/>
+                </a:highlight>
+                <a:latin typeface="Consolas" panose="020B0609020204030204" pitchFamily="49" charset="0"/>
+              </a:rPr>
+              <a:t>return</a:t>
+            </a:r>
+            <a:r>
+              <a:rPr lang="en-US" b="0" dirty="0">
+                <a:solidFill>
+                  <a:srgbClr val="3B3B3B"/>
+                </a:solidFill>
+                <a:effectLst/>
+                <a:highlight>
+                  <a:srgbClr val="FFFFFF"/>
+                </a:highlight>
+                <a:latin typeface="Consolas" panose="020B0609020204030204" pitchFamily="49" charset="0"/>
+              </a:rPr>
+              <a:t> </a:t>
+            </a:r>
+            <a:r>
+              <a:rPr lang="en-US" b="0" dirty="0" err="1">
+                <a:solidFill>
+                  <a:srgbClr val="795E26"/>
+                </a:solidFill>
+                <a:effectLst/>
+                <a:highlight>
+                  <a:srgbClr val="FFFFFF"/>
+                </a:highlight>
+                <a:latin typeface="Consolas" panose="020B0609020204030204" pitchFamily="49" charset="0"/>
+              </a:rPr>
+              <a:t>len</a:t>
+            </a:r>
+            <a:r>
+              <a:rPr lang="en-US" b="0" dirty="0">
+                <a:solidFill>
+                  <a:srgbClr val="3B3B3B"/>
+                </a:solidFill>
+                <a:effectLst/>
+                <a:highlight>
+                  <a:srgbClr val="FFFFFF"/>
+                </a:highlight>
+                <a:latin typeface="Consolas" panose="020B0609020204030204" pitchFamily="49" charset="0"/>
+              </a:rPr>
+              <a:t>(</a:t>
+            </a:r>
+            <a:r>
+              <a:rPr lang="en-US" b="0" dirty="0">
+                <a:solidFill>
+                  <a:srgbClr val="001080"/>
+                </a:solidFill>
+                <a:effectLst/>
+                <a:highlight>
+                  <a:srgbClr val="FFFFFF"/>
+                </a:highlight>
+                <a:latin typeface="Consolas" panose="020B0609020204030204" pitchFamily="49" charset="0"/>
+              </a:rPr>
+              <a:t>word</a:t>
+            </a:r>
+            <a:r>
+              <a:rPr lang="en-US" b="0" dirty="0">
+                <a:solidFill>
+                  <a:srgbClr val="3B3B3B"/>
+                </a:solidFill>
+                <a:effectLst/>
+                <a:highlight>
+                  <a:srgbClr val="FFFFFF"/>
+                </a:highlight>
+                <a:latin typeface="Consolas" panose="020B0609020204030204" pitchFamily="49" charset="0"/>
+              </a:rPr>
+              <a:t>) </a:t>
+            </a:r>
+            <a:r>
+              <a:rPr lang="en-US" b="0" dirty="0">
+                <a:solidFill>
+                  <a:srgbClr val="000000"/>
+                </a:solidFill>
+                <a:effectLst/>
+                <a:highlight>
+                  <a:srgbClr val="FFFFFF"/>
+                </a:highlight>
+                <a:latin typeface="Consolas" panose="020B0609020204030204" pitchFamily="49" charset="0"/>
+              </a:rPr>
+              <a:t>&gt;</a:t>
+            </a:r>
+            <a:r>
+              <a:rPr lang="en-US" b="0" dirty="0">
+                <a:solidFill>
+                  <a:srgbClr val="3B3B3B"/>
+                </a:solidFill>
+                <a:effectLst/>
+                <a:highlight>
+                  <a:srgbClr val="FFFFFF"/>
+                </a:highlight>
+                <a:latin typeface="Consolas" panose="020B0609020204030204" pitchFamily="49" charset="0"/>
+              </a:rPr>
+              <a:t> </a:t>
+            </a:r>
+            <a:r>
+              <a:rPr lang="en-US" b="0" dirty="0">
+                <a:solidFill>
+                  <a:srgbClr val="098658"/>
+                </a:solidFill>
+                <a:effectLst/>
+                <a:highlight>
+                  <a:srgbClr val="FFFFFF"/>
+                </a:highlight>
+                <a:latin typeface="Consolas" panose="020B0609020204030204" pitchFamily="49" charset="0"/>
+              </a:rPr>
+              <a:t>3</a:t>
+            </a:r>
+            <a:endParaRPr lang="en-US" b="0" dirty="0">
+              <a:solidFill>
+                <a:srgbClr val="3B3B3B"/>
+              </a:solidFill>
+              <a:effectLst/>
+              <a:highlight>
+                <a:srgbClr val="FFFFFF"/>
+              </a:highlight>
+              <a:latin typeface="Consolas" panose="020B0609020204030204" pitchFamily="49" charset="0"/>
+            </a:endParaRPr>
+          </a:p>
+        </p:txBody>
+      </p:sp>
+    </p:spTree>
+    <p:extLst>
+      <p:ext uri="{BB962C8B-B14F-4D97-AF65-F5344CB8AC3E}">
+        <p14:creationId xmlns:p14="http://schemas.microsoft.com/office/powerpoint/2010/main" val="2321757199"/>
+      </p:ext>
+    </p:extLst>
+  </p:cSld>
+  <p:clrMapOvr>
+    <a:masterClrMapping/>
+  </p:clrMapOvr>
+</p:sld>
+</file>
+
+<file path=ppt/slides/slide33.xml><?xml version="1.0" encoding="utf-8"?>
 <p:sld xmlns:a="http://schemas.openxmlformats.org/drawingml/2006/main" xmlns:r="http://schemas.openxmlformats.org/officeDocument/2006/relationships" xmlns:p="http://schemas.openxmlformats.org/presentationml/2006/main">
   <p:cSld>
     <p:spTree>
@@ -19836,7 +22475,15 @@
             </a:pPr>
             <a:r>
               <a:rPr lang="en-US" dirty="0"/>
-              <a:t>What is we want to control the filtering method?</a:t>
+              <a:t>What if we want to control the filtering method, </a:t>
+            </a:r>
+            <a:r>
+              <a:rPr lang="en-US" dirty="0" err="1"/>
+              <a:t>is_long_word</a:t>
+            </a:r>
+            <a:r>
+              <a:rPr lang="en-US" dirty="0"/>
+              <a:t>()?</a:t>
             </a:r>
           </a:p>
           <a:p>
@@ -20034,7 +22681,7 @@
           <a:p>
             <a:r>
               <a:rPr lang="en-US" dirty="0"/>
-              <a:t>Michael Ball | UC Berkeley | https://c88c.org | © CC BY-NC-SA</a:t>
+              <a:t>Eric Kim | UC Berkeley | https://c88c.org | © CC BY-NC-SA</a:t>
             </a:r>
           </a:p>
         </p:txBody>
@@ -20052,7 +22699,7 @@
 </p:sld>
 </file>
 
-<file path=ppt/slides/slide33.xml><?xml version="1.0" encoding="utf-8"?>
+<file path=ppt/slides/slide34.xml><?xml version="1.0" encoding="utf-8"?>
 <p:sld xmlns:a="http://schemas.openxmlformats.org/drawingml/2006/main" xmlns:r="http://schemas.openxmlformats.org/officeDocument/2006/relationships" xmlns:p="http://schemas.openxmlformats.org/presentationml/2006/main">
   <p:cSld>
     <p:spTree>
@@ -20693,7 +23340,7 @@
           <a:p>
             <a:r>
               <a:rPr lang="en-US" dirty="0"/>
-              <a:t>Three super important HOFS</a:t>
+              <a:t>HOF Summary</a:t>
             </a:r>
           </a:p>
         </p:txBody>
@@ -20721,7 +23368,7 @@
           <a:p>
             <a:r>
               <a:rPr lang="en-US" dirty="0"/>
-              <a:t>Michael Ball | UC Berkeley | https://c88c.org | © CC BY-NC-SA</a:t>
+              <a:t>Eric Kim | UC Berkeley | https://c88c.org | © CC BY-NC-SA</a:t>
             </a:r>
           </a:p>
         </p:txBody>
@@ -20761,7 +23408,7 @@
 </p:sld>
 </file>
 
-<file path=ppt/slides/slide34.xml><?xml version="1.0" encoding="utf-8"?>
+<file path=ppt/slides/slide35.xml><?xml version="1.0" encoding="utf-8"?>
 <p:sld xmlns:a="http://schemas.openxmlformats.org/drawingml/2006/main" xmlns:r="http://schemas.openxmlformats.org/officeDocument/2006/relationships" xmlns:p="http://schemas.openxmlformats.org/presentationml/2006/main">
   <p:cSld>
     <p:spTree>
@@ -20801,7 +23448,7 @@
           <a:p>
             <a:r>
               <a:rPr lang="en-US" dirty="0"/>
-              <a:t>Functional Sequence Operations</a:t>
+              <a:t>(Rehash) Functional Sequence Operations</a:t>
             </a:r>
           </a:p>
         </p:txBody>
@@ -20884,7 +23531,7 @@
           <a:p>
             <a:r>
               <a:rPr lang="en-US" dirty="0"/>
-              <a:t>Michael Ball | UC Berkeley | https://c88c.org | © CC BY-NC-SA</a:t>
+              <a:t>Eric Kim | UC Berkeley | https://c88c.org | © CC BY-NC-SA</a:t>
             </a:r>
           </a:p>
         </p:txBody>
@@ -21365,7 +24012,7 @@
 </p:sld>
 </file>
 
-<file path=ppt/slides/slide35.xml><?xml version="1.0" encoding="utf-8"?>
+<file path=ppt/slides/slide36.xml><?xml version="1.0" encoding="utf-8"?>
 <p:sld xmlns:a="http://schemas.openxmlformats.org/drawingml/2006/main" xmlns:r="http://schemas.openxmlformats.org/officeDocument/2006/relationships" xmlns:p="http://schemas.openxmlformats.org/presentationml/2006/main">
   <p:cSld>
     <p:spTree>
@@ -21450,7 +24097,7 @@
 </p:sld>
 </file>
 
-<file path=ppt/slides/slide36.xml><?xml version="1.0" encoding="utf-8"?>
+<file path=ppt/slides/slide37.xml><?xml version="1.0" encoding="utf-8"?>
 <p:sld xmlns:a="http://schemas.openxmlformats.org/drawingml/2006/main" xmlns:r="http://schemas.openxmlformats.org/officeDocument/2006/relationships" xmlns:p="http://schemas.openxmlformats.org/presentationml/2006/main">
   <p:cSld>
     <p:spTree>
@@ -21564,7 +24211,7 @@
           <a:p>
             <a:r>
               <a:rPr lang="en-US" dirty="0"/>
-              <a:t>Michael Ball | UC Berkeley | https://c88c.org | © CC BY-NC-SA</a:t>
+              <a:t>Eric Kim | UC Berkeley | https://c88c.org | © CC BY-NC-SA</a:t>
             </a:r>
           </a:p>
         </p:txBody>
@@ -21582,7 +24229,7 @@
 </p:sld>
 </file>
 
-<file path=ppt/slides/slide37.xml><?xml version="1.0" encoding="utf-8"?>
+<file path=ppt/slides/slide38.xml><?xml version="1.0" encoding="utf-8"?>
 <p:sld xmlns:a="http://schemas.openxmlformats.org/drawingml/2006/main" xmlns:r="http://schemas.openxmlformats.org/officeDocument/2006/relationships" xmlns:p="http://schemas.openxmlformats.org/presentationml/2006/main">
   <p:cSld>
     <p:spTree>
@@ -21700,7 +24347,7 @@
           <a:p>
             <a:r>
               <a:rPr lang="en-US" dirty="0"/>
-              <a:t>Michael Ball | UC Berkeley | https://c88c.org | © CC BY-NC-SA</a:t>
+              <a:t>Eric Kim | UC Berkeley | https://c88c.org | © CC BY-NC-SA</a:t>
             </a:r>
           </a:p>
         </p:txBody>
@@ -21718,7 +24365,7 @@
 </p:sld>
 </file>
 
-<file path=ppt/slides/slide38.xml><?xml version="1.0" encoding="utf-8"?>
+<file path=ppt/slides/slide39.xml><?xml version="1.0" encoding="utf-8"?>
 <p:sld xmlns:a="http://schemas.openxmlformats.org/drawingml/2006/main" xmlns:r="http://schemas.openxmlformats.org/officeDocument/2006/relationships" xmlns:p="http://schemas.openxmlformats.org/presentationml/2006/main">
   <p:cSld>
     <p:spTree>
@@ -22497,7 +25144,7 @@
           <a:p>
             <a:r>
               <a:rPr lang="en-US" dirty="0"/>
-              <a:t>Michael Ball | UC Berkeley | https://c88c.org | © CC BY-NC-SA</a:t>
+              <a:t>Eric Kim | UC Berkeley | https://c88c.org | © CC BY-NC-SA</a:t>
             </a:r>
           </a:p>
         </p:txBody>
@@ -22707,7 +25354,97 @@
 </p:sld>
 </file>
 
-<file path=ppt/slides/slide39.xml><?xml version="1.0" encoding="utf-8"?>
+<file path=ppt/slides/slide4.xml><?xml version="1.0" encoding="utf-8"?>
+<p:sld xmlns:a="http://schemas.openxmlformats.org/drawingml/2006/main" xmlns:r="http://schemas.openxmlformats.org/officeDocument/2006/relationships" xmlns:p="http://schemas.openxmlformats.org/presentationml/2006/main">
+  <p:cSld>
+    <p:spTree>
+      <p:nvGrpSpPr>
+        <p:cNvPr id="1" name=""/>
+        <p:cNvGrpSpPr/>
+        <p:nvPr/>
+      </p:nvGrpSpPr>
+      <p:grpSpPr>
+        <a:xfrm>
+          <a:off x="0" y="0"/>
+          <a:ext cx="0" cy="0"/>
+          <a:chOff x="0" y="0"/>
+          <a:chExt cx="0" cy="0"/>
+        </a:xfrm>
+      </p:grpSpPr>
+      <p:sp>
+        <p:nvSpPr>
+          <p:cNvPr id="2" name="Title 1">
+            <a:extLst>
+              <a:ext uri="{FF2B5EF4-FFF2-40B4-BE49-F238E27FC236}">
+                <a16:creationId xmlns:a16="http://schemas.microsoft.com/office/drawing/2014/main" id="{D2340843-39A8-4E4A-A923-FEDC64A7AE32}"/>
+              </a:ext>
+            </a:extLst>
+          </p:cNvPr>
+          <p:cNvSpPr>
+            <a:spLocks noGrp="1"/>
+          </p:cNvSpPr>
+          <p:nvPr>
+            <p:ph type="ctrTitle"/>
+          </p:nvPr>
+        </p:nvSpPr>
+        <p:spPr>
+          <a:xfrm>
+            <a:off x="1866900" y="2821803"/>
+            <a:ext cx="8458200" cy="1470025"/>
+          </a:xfrm>
+        </p:spPr>
+        <p:txBody>
+          <a:bodyPr/>
+          <a:lstStyle/>
+          <a:p>
+            <a:r>
+              <a:rPr lang="en-US" dirty="0"/>
+              <a:t>Lambda Expressions</a:t>
+            </a:r>
+          </a:p>
+        </p:txBody>
+      </p:sp>
+    </p:spTree>
+    <p:extLst>
+      <p:ext uri="{BB962C8B-B14F-4D97-AF65-F5344CB8AC3E}">
+        <p14:creationId xmlns:p14="http://schemas.microsoft.com/office/powerpoint/2010/main" val="1876029920"/>
+      </p:ext>
+    </p:extLst>
+  </p:cSld>
+  <p:clrMapOvr>
+    <a:masterClrMapping/>
+  </p:clrMapOvr>
+  <p:timing>
+    <p:tnLst>
+      <p:par>
+        <p:cTn id="1" dur="indefinite" restart="never" nodeType="tmRoot">
+          <p:childTnLst>
+            <p:seq>
+              <p:cTn id="2" nodeType="mainSeq"/>
+              <p:prevCondLst>
+                <p:cond evt="onPrev" delay="0">
+                  <p:tgtEl>
+                    <p:sldTgt/>
+                  </p:tgtEl>
+                </p:cond>
+              </p:prevCondLst>
+              <p:nextCondLst>
+                <p:cond evt="onNext" delay="0">
+                  <p:tgtEl>
+                    <p:sldTgt/>
+                  </p:tgtEl>
+                </p:cond>
+              </p:nextCondLst>
+            </p:seq>
+          </p:childTnLst>
+        </p:cTn>
+      </p:par>
+    </p:tnLst>
+  </p:timing>
+</p:sld>
+</file>
+
+<file path=ppt/slides/slide40.xml><?xml version="1.0" encoding="utf-8"?>
 <p:sld xmlns:a="http://schemas.openxmlformats.org/drawingml/2006/main" xmlns:r="http://schemas.openxmlformats.org/officeDocument/2006/relationships" xmlns:p="http://schemas.openxmlformats.org/presentationml/2006/main">
   <p:cSld>
     <p:spTree>
@@ -22811,7 +25548,7 @@
           <a:p>
             <a:r>
               <a:rPr lang="en-US" dirty="0"/>
-              <a:t>Michael Ball | UC Berkeley | https://c88c.org | © CC BY-NC-SA</a:t>
+              <a:t>Eric Kim | UC Berkeley | https://c88c.org | © CC BY-NC-SA</a:t>
             </a:r>
           </a:p>
         </p:txBody>
@@ -22829,646 +25566,7 @@
 </p:sld>
 </file>
 
-<file path=ppt/slides/slide4.xml><?xml version="1.0" encoding="utf-8"?>
-<p:sld xmlns:a="http://schemas.openxmlformats.org/drawingml/2006/main" xmlns:r="http://schemas.openxmlformats.org/officeDocument/2006/relationships" xmlns:p="http://schemas.openxmlformats.org/presentationml/2006/main">
-  <p:cSld>
-    <p:spTree>
-      <p:nvGrpSpPr>
-        <p:cNvPr id="1" name=""/>
-        <p:cNvGrpSpPr/>
-        <p:nvPr/>
-      </p:nvGrpSpPr>
-      <p:grpSpPr>
-        <a:xfrm>
-          <a:off x="0" y="0"/>
-          <a:ext cx="0" cy="0"/>
-          <a:chOff x="0" y="0"/>
-          <a:chExt cx="0" cy="0"/>
-        </a:xfrm>
-      </p:grpSpPr>
-      <p:sp>
-        <p:nvSpPr>
-          <p:cNvPr id="2" name="Title 1">
-            <a:extLst>
-              <a:ext uri="{FF2B5EF4-FFF2-40B4-BE49-F238E27FC236}">
-                <a16:creationId xmlns:a16="http://schemas.microsoft.com/office/drawing/2014/main" id="{C7162243-B7BE-0F46-83D8-54C33AA9C375}"/>
-              </a:ext>
-            </a:extLst>
-          </p:cNvPr>
-          <p:cNvSpPr>
-            <a:spLocks noGrp="1"/>
-          </p:cNvSpPr>
-          <p:nvPr>
-            <p:ph type="title"/>
-          </p:nvPr>
-        </p:nvSpPr>
-        <p:spPr/>
-        <p:txBody>
-          <a:bodyPr/>
-          <a:lstStyle/>
-          <a:p>
-            <a:r>
-              <a:rPr lang="en-US" dirty="0"/>
-              <a:t>Learning Objectives</a:t>
-            </a:r>
-          </a:p>
-        </p:txBody>
-      </p:sp>
-      <p:sp>
-        <p:nvSpPr>
-          <p:cNvPr id="3" name="Content Placeholder 2">
-            <a:extLst>
-              <a:ext uri="{FF2B5EF4-FFF2-40B4-BE49-F238E27FC236}">
-                <a16:creationId xmlns:a16="http://schemas.microsoft.com/office/drawing/2014/main" id="{0B25816F-54D8-8E4B-B483-3DADB5D96C8E}"/>
-              </a:ext>
-            </a:extLst>
-          </p:cNvPr>
-          <p:cNvSpPr>
-            <a:spLocks noGrp="1"/>
-          </p:cNvSpPr>
-          <p:nvPr>
-            <p:ph idx="1"/>
-          </p:nvPr>
-        </p:nvSpPr>
-        <p:spPr/>
-        <p:txBody>
-          <a:bodyPr/>
-          <a:lstStyle/>
-          <a:p>
-            <a:r>
-              <a:rPr lang="en-US" dirty="0"/>
-              <a:t>Lambda are anonymous functions, which are expressions</a:t>
-            </a:r>
-          </a:p>
-          <a:p>
-            <a:pPr lvl="1"/>
-            <a:r>
-              <a:rPr lang="en-US" dirty="0"/>
-              <a:t>Don’t use </a:t>
-            </a:r>
-            <a:r>
-              <a:rPr lang="en-US" dirty="0">
-                <a:latin typeface="Source Code Pro" panose="020B0509030403020204" pitchFamily="49" charset="77"/>
-              </a:rPr>
-              <a:t>return</a:t>
-            </a:r>
-            <a:r>
-              <a:rPr lang="en-US" dirty="0"/>
-              <a:t>, lambdas always return the value of the expression.</a:t>
-            </a:r>
-          </a:p>
-          <a:p>
-            <a:pPr lvl="1"/>
-            <a:r>
-              <a:rPr lang="en-US" dirty="0"/>
-              <a:t>They are typically short and concise</a:t>
-            </a:r>
-          </a:p>
-          <a:p>
-            <a:pPr lvl="1"/>
-            <a:r>
-              <a:rPr lang="en-US" dirty="0"/>
-              <a:t>They don’t have an “intrinsic” name when using an environment diagram.</a:t>
-            </a:r>
-          </a:p>
-          <a:p>
-            <a:pPr lvl="2"/>
-            <a:r>
-              <a:rPr lang="en-US" dirty="0"/>
-              <a:t> Their name is the character 𝜆</a:t>
-            </a:r>
-          </a:p>
-          <a:p>
-            <a:pPr marL="0" indent="0">
-              <a:buNone/>
-            </a:pPr>
-            <a:endParaRPr lang="en-US" dirty="0"/>
-          </a:p>
-        </p:txBody>
-      </p:sp>
-      <p:sp>
-        <p:nvSpPr>
-          <p:cNvPr id="4" name="Footer Placeholder 3">
-            <a:extLst>
-              <a:ext uri="{FF2B5EF4-FFF2-40B4-BE49-F238E27FC236}">
-                <a16:creationId xmlns:a16="http://schemas.microsoft.com/office/drawing/2014/main" id="{D8C4EC5F-BD14-2F74-DAD3-D0FF62CC87BA}"/>
-              </a:ext>
-            </a:extLst>
-          </p:cNvPr>
-          <p:cNvSpPr txBox="1">
-            <a:spLocks/>
-          </p:cNvSpPr>
-          <p:nvPr/>
-        </p:nvSpPr>
-        <p:spPr>
-          <a:xfrm>
-            <a:off x="4191000" y="6372575"/>
-            <a:ext cx="4572000" cy="303743"/>
-          </a:xfrm>
-          <a:prstGeom prst="rect">
-            <a:avLst/>
-          </a:prstGeom>
-        </p:spPr>
-        <p:txBody>
-          <a:bodyPr vert="horz" lIns="91440" tIns="45720" rIns="91440" bIns="45720" rtlCol="0" anchor="ctr"/>
-          <a:lstStyle>
-            <a:defPPr>
-              <a:defRPr lang="en-US"/>
-            </a:defPPr>
-            <a:lvl1pPr marL="0" algn="ctr" defTabSz="914400" rtl="0" eaLnBrk="1" latinLnBrk="0" hangingPunct="1">
-              <a:defRPr sz="1200" b="0" i="0" kern="1200">
-                <a:solidFill>
-                  <a:schemeClr val="accent3"/>
-                </a:solidFill>
-                <a:latin typeface="FreightMicro Pro Medium" panose="02000603020000020004" pitchFamily="2" charset="0"/>
-                <a:ea typeface="FreightMicro Pro Book" panose="02000603020000020004" pitchFamily="2" charset="0"/>
-                <a:cs typeface="FreightMicro Pro Book" panose="02000603020000020004" pitchFamily="2" charset="0"/>
-              </a:defRPr>
-            </a:lvl1pPr>
-            <a:lvl2pPr marL="457200" algn="l" defTabSz="914400" rtl="0" eaLnBrk="1" latinLnBrk="0" hangingPunct="1">
-              <a:defRPr sz="1800" kern="1200">
-                <a:solidFill>
-                  <a:schemeClr val="tx1"/>
-                </a:solidFill>
-                <a:latin typeface="+mn-lt"/>
-                <a:ea typeface="+mn-ea"/>
-                <a:cs typeface="+mn-cs"/>
-              </a:defRPr>
-            </a:lvl2pPr>
-            <a:lvl3pPr marL="914400" algn="l" defTabSz="914400" rtl="0" eaLnBrk="1" latinLnBrk="0" hangingPunct="1">
-              <a:defRPr sz="1800" kern="1200">
-                <a:solidFill>
-                  <a:schemeClr val="tx1"/>
-                </a:solidFill>
-                <a:latin typeface="+mn-lt"/>
-                <a:ea typeface="+mn-ea"/>
-                <a:cs typeface="+mn-cs"/>
-              </a:defRPr>
-            </a:lvl3pPr>
-            <a:lvl4pPr marL="1371600" algn="l" defTabSz="914400" rtl="0" eaLnBrk="1" latinLnBrk="0" hangingPunct="1">
-              <a:defRPr sz="1800" kern="1200">
-                <a:solidFill>
-                  <a:schemeClr val="tx1"/>
-                </a:solidFill>
-                <a:latin typeface="+mn-lt"/>
-                <a:ea typeface="+mn-ea"/>
-                <a:cs typeface="+mn-cs"/>
-              </a:defRPr>
-            </a:lvl4pPr>
-            <a:lvl5pPr marL="1828800" algn="l" defTabSz="914400" rtl="0" eaLnBrk="1" latinLnBrk="0" hangingPunct="1">
-              <a:defRPr sz="1800" kern="1200">
-                <a:solidFill>
-                  <a:schemeClr val="tx1"/>
-                </a:solidFill>
-                <a:latin typeface="+mn-lt"/>
-                <a:ea typeface="+mn-ea"/>
-                <a:cs typeface="+mn-cs"/>
-              </a:defRPr>
-            </a:lvl5pPr>
-            <a:lvl6pPr marL="2286000" algn="l" defTabSz="914400" rtl="0" eaLnBrk="1" latinLnBrk="0" hangingPunct="1">
-              <a:defRPr sz="1800" kern="1200">
-                <a:solidFill>
-                  <a:schemeClr val="tx1"/>
-                </a:solidFill>
-                <a:latin typeface="+mn-lt"/>
-                <a:ea typeface="+mn-ea"/>
-                <a:cs typeface="+mn-cs"/>
-              </a:defRPr>
-            </a:lvl6pPr>
-            <a:lvl7pPr marL="2743200" algn="l" defTabSz="914400" rtl="0" eaLnBrk="1" latinLnBrk="0" hangingPunct="1">
-              <a:defRPr sz="1800" kern="1200">
-                <a:solidFill>
-                  <a:schemeClr val="tx1"/>
-                </a:solidFill>
-                <a:latin typeface="+mn-lt"/>
-                <a:ea typeface="+mn-ea"/>
-                <a:cs typeface="+mn-cs"/>
-              </a:defRPr>
-            </a:lvl7pPr>
-            <a:lvl8pPr marL="3200400" algn="l" defTabSz="914400" rtl="0" eaLnBrk="1" latinLnBrk="0" hangingPunct="1">
-              <a:defRPr sz="1800" kern="1200">
-                <a:solidFill>
-                  <a:schemeClr val="tx1"/>
-                </a:solidFill>
-                <a:latin typeface="+mn-lt"/>
-                <a:ea typeface="+mn-ea"/>
-                <a:cs typeface="+mn-cs"/>
-              </a:defRPr>
-            </a:lvl8pPr>
-            <a:lvl9pPr marL="3657600" algn="l" defTabSz="914400" rtl="0" eaLnBrk="1" latinLnBrk="0" hangingPunct="1">
-              <a:defRPr sz="1800" kern="1200">
-                <a:solidFill>
-                  <a:schemeClr val="tx1"/>
-                </a:solidFill>
-                <a:latin typeface="+mn-lt"/>
-                <a:ea typeface="+mn-ea"/>
-                <a:cs typeface="+mn-cs"/>
-              </a:defRPr>
-            </a:lvl9pPr>
-          </a:lstStyle>
-          <a:p>
-            <a:r>
-              <a:rPr lang="en-US"/>
-              <a:t>Michael Ball | UC Berkeley | https://c88c.org | © CC BY-NC-SA</a:t>
-            </a:r>
-            <a:endParaRPr lang="en-US" dirty="0"/>
-          </a:p>
-        </p:txBody>
-      </p:sp>
-    </p:spTree>
-    <p:extLst>
-      <p:ext uri="{BB962C8B-B14F-4D97-AF65-F5344CB8AC3E}">
-        <p14:creationId xmlns:p14="http://schemas.microsoft.com/office/powerpoint/2010/main" val="1797958657"/>
-      </p:ext>
-    </p:extLst>
-  </p:cSld>
-  <p:clrMapOvr>
-    <a:masterClrMapping/>
-  </p:clrMapOvr>
-  <p:timing>
-    <p:tnLst>
-      <p:par>
-        <p:cTn id="1" dur="indefinite" restart="never" nodeType="tmRoot">
-          <p:childTnLst>
-            <p:seq concurrent="1" nextAc="seek">
-              <p:cTn id="2" dur="indefinite" nodeType="mainSeq">
-                <p:childTnLst>
-                  <p:par>
-                    <p:cTn id="3" fill="hold">
-                      <p:stCondLst>
-                        <p:cond delay="indefinite"/>
-                      </p:stCondLst>
-                      <p:childTnLst>
-                        <p:par>
-                          <p:cTn id="4" fill="hold">
-                            <p:stCondLst>
-                              <p:cond delay="0"/>
-                            </p:stCondLst>
-                            <p:childTnLst>
-                              <p:par>
-                                <p:cTn id="5" presetID="1" presetClass="entr" presetSubtype="0" fill="hold" grpId="0" nodeType="clickEffect">
-                                  <p:stCondLst>
-                                    <p:cond delay="0"/>
-                                  </p:stCondLst>
-                                  <p:childTnLst>
-                                    <p:set>
-                                      <p:cBhvr>
-                                        <p:cTn id="6" dur="1" fill="hold">
-                                          <p:stCondLst>
-                                            <p:cond delay="0"/>
-                                          </p:stCondLst>
-                                        </p:cTn>
-                                        <p:tgtEl>
-                                          <p:spTgt spid="3">
-                                            <p:txEl>
-                                              <p:pRg st="0" end="0"/>
-                                            </p:txEl>
-                                          </p:spTgt>
-                                        </p:tgtEl>
-                                        <p:attrNameLst>
-                                          <p:attrName>style.visibility</p:attrName>
-                                        </p:attrNameLst>
-                                      </p:cBhvr>
-                                      <p:to>
-                                        <p:strVal val="visible"/>
-                                      </p:to>
-                                    </p:set>
-                                  </p:childTnLst>
-                                </p:cTn>
-                              </p:par>
-                              <p:par>
-                                <p:cTn id="7" presetID="1" presetClass="entr" presetSubtype="0" fill="hold" grpId="0" nodeType="withEffect">
-                                  <p:stCondLst>
-                                    <p:cond delay="0"/>
-                                  </p:stCondLst>
-                                  <p:childTnLst>
-                                    <p:set>
-                                      <p:cBhvr>
-                                        <p:cTn id="8" dur="1" fill="hold">
-                                          <p:stCondLst>
-                                            <p:cond delay="0"/>
-                                          </p:stCondLst>
-                                        </p:cTn>
-                                        <p:tgtEl>
-                                          <p:spTgt spid="3">
-                                            <p:txEl>
-                                              <p:pRg st="1" end="1"/>
-                                            </p:txEl>
-                                          </p:spTgt>
-                                        </p:tgtEl>
-                                        <p:attrNameLst>
-                                          <p:attrName>style.visibility</p:attrName>
-                                        </p:attrNameLst>
-                                      </p:cBhvr>
-                                      <p:to>
-                                        <p:strVal val="visible"/>
-                                      </p:to>
-                                    </p:set>
-                                  </p:childTnLst>
-                                </p:cTn>
-                              </p:par>
-                              <p:par>
-                                <p:cTn id="9" presetID="1" presetClass="entr" presetSubtype="0" fill="hold" grpId="0" nodeType="withEffect">
-                                  <p:stCondLst>
-                                    <p:cond delay="0"/>
-                                  </p:stCondLst>
-                                  <p:childTnLst>
-                                    <p:set>
-                                      <p:cBhvr>
-                                        <p:cTn id="10" dur="1" fill="hold">
-                                          <p:stCondLst>
-                                            <p:cond delay="0"/>
-                                          </p:stCondLst>
-                                        </p:cTn>
-                                        <p:tgtEl>
-                                          <p:spTgt spid="3">
-                                            <p:txEl>
-                                              <p:pRg st="2" end="2"/>
-                                            </p:txEl>
-                                          </p:spTgt>
-                                        </p:tgtEl>
-                                        <p:attrNameLst>
-                                          <p:attrName>style.visibility</p:attrName>
-                                        </p:attrNameLst>
-                                      </p:cBhvr>
-                                      <p:to>
-                                        <p:strVal val="visible"/>
-                                      </p:to>
-                                    </p:set>
-                                  </p:childTnLst>
-                                </p:cTn>
-                              </p:par>
-                              <p:par>
-                                <p:cTn id="11" presetID="1" presetClass="entr" presetSubtype="0" fill="hold" grpId="0" nodeType="withEffect">
-                                  <p:stCondLst>
-                                    <p:cond delay="0"/>
-                                  </p:stCondLst>
-                                  <p:childTnLst>
-                                    <p:set>
-                                      <p:cBhvr>
-                                        <p:cTn id="12" dur="1" fill="hold">
-                                          <p:stCondLst>
-                                            <p:cond delay="0"/>
-                                          </p:stCondLst>
-                                        </p:cTn>
-                                        <p:tgtEl>
-                                          <p:spTgt spid="3">
-                                            <p:txEl>
-                                              <p:pRg st="3" end="3"/>
-                                            </p:txEl>
-                                          </p:spTgt>
-                                        </p:tgtEl>
-                                        <p:attrNameLst>
-                                          <p:attrName>style.visibility</p:attrName>
-                                        </p:attrNameLst>
-                                      </p:cBhvr>
-                                      <p:to>
-                                        <p:strVal val="visible"/>
-                                      </p:to>
-                                    </p:set>
-                                  </p:childTnLst>
-                                </p:cTn>
-                              </p:par>
-                              <p:par>
-                                <p:cTn id="13" presetID="1" presetClass="entr" presetSubtype="0" fill="hold" grpId="0" nodeType="withEffect">
-                                  <p:stCondLst>
-                                    <p:cond delay="0"/>
-                                  </p:stCondLst>
-                                  <p:childTnLst>
-                                    <p:set>
-                                      <p:cBhvr>
-                                        <p:cTn id="14" dur="1" fill="hold">
-                                          <p:stCondLst>
-                                            <p:cond delay="0"/>
-                                          </p:stCondLst>
-                                        </p:cTn>
-                                        <p:tgtEl>
-                                          <p:spTgt spid="3">
-                                            <p:txEl>
-                                              <p:pRg st="4" end="4"/>
-                                            </p:txEl>
-                                          </p:spTgt>
-                                        </p:tgtEl>
-                                        <p:attrNameLst>
-                                          <p:attrName>style.visibility</p:attrName>
-                                        </p:attrNameLst>
-                                      </p:cBhvr>
-                                      <p:to>
-                                        <p:strVal val="visible"/>
-                                      </p:to>
-                                    </p:set>
-                                  </p:childTnLst>
-                                </p:cTn>
-                              </p:par>
-                            </p:childTnLst>
-                          </p:cTn>
-                        </p:par>
-                      </p:childTnLst>
-                    </p:cTn>
-                  </p:par>
-                  <p:par>
-                    <p:cTn id="15" fill="hold">
-                      <p:stCondLst>
-                        <p:cond delay="indefinite"/>
-                      </p:stCondLst>
-                      <p:childTnLst>
-                        <p:par>
-                          <p:cTn id="16" fill="hold">
-                            <p:stCondLst>
-                              <p:cond delay="0"/>
-                            </p:stCondLst>
-                            <p:childTnLst>
-                              <p:par>
-                                <p:cTn id="17" presetID="1" presetClass="entr" presetSubtype="0" fill="hold" grpId="1" nodeType="clickEffect">
-                                  <p:stCondLst>
-                                    <p:cond delay="0"/>
-                                  </p:stCondLst>
-                                  <p:childTnLst>
-                                    <p:set>
-                                      <p:cBhvr>
-                                        <p:cTn id="18" dur="1" fill="hold">
-                                          <p:stCondLst>
-                                            <p:cond delay="0"/>
-                                          </p:stCondLst>
-                                        </p:cTn>
-                                        <p:tgtEl>
-                                          <p:spTgt spid="3">
-                                            <p:txEl>
-                                              <p:pRg st="0" end="0"/>
-                                            </p:txEl>
-                                          </p:spTgt>
-                                        </p:tgtEl>
-                                        <p:attrNameLst>
-                                          <p:attrName>style.visibility</p:attrName>
-                                        </p:attrNameLst>
-                                      </p:cBhvr>
-                                      <p:to>
-                                        <p:strVal val="visible"/>
-                                      </p:to>
-                                    </p:set>
-                                  </p:childTnLst>
-                                </p:cTn>
-                              </p:par>
-                              <p:par>
-                                <p:cTn id="19" presetID="1" presetClass="entr" presetSubtype="0" fill="hold" grpId="1" nodeType="withEffect">
-                                  <p:stCondLst>
-                                    <p:cond delay="0"/>
-                                  </p:stCondLst>
-                                  <p:childTnLst>
-                                    <p:set>
-                                      <p:cBhvr>
-                                        <p:cTn id="20" dur="1" fill="hold">
-                                          <p:stCondLst>
-                                            <p:cond delay="0"/>
-                                          </p:stCondLst>
-                                        </p:cTn>
-                                        <p:tgtEl>
-                                          <p:spTgt spid="3">
-                                            <p:txEl>
-                                              <p:pRg st="1" end="1"/>
-                                            </p:txEl>
-                                          </p:spTgt>
-                                        </p:tgtEl>
-                                        <p:attrNameLst>
-                                          <p:attrName>style.visibility</p:attrName>
-                                        </p:attrNameLst>
-                                      </p:cBhvr>
-                                      <p:to>
-                                        <p:strVal val="visible"/>
-                                      </p:to>
-                                    </p:set>
-                                  </p:childTnLst>
-                                </p:cTn>
-                              </p:par>
-                              <p:par>
-                                <p:cTn id="21" presetID="1" presetClass="entr" presetSubtype="0" fill="hold" grpId="1" nodeType="withEffect">
-                                  <p:stCondLst>
-                                    <p:cond delay="0"/>
-                                  </p:stCondLst>
-                                  <p:childTnLst>
-                                    <p:set>
-                                      <p:cBhvr>
-                                        <p:cTn id="22" dur="1" fill="hold">
-                                          <p:stCondLst>
-                                            <p:cond delay="0"/>
-                                          </p:stCondLst>
-                                        </p:cTn>
-                                        <p:tgtEl>
-                                          <p:spTgt spid="3">
-                                            <p:txEl>
-                                              <p:pRg st="2" end="2"/>
-                                            </p:txEl>
-                                          </p:spTgt>
-                                        </p:tgtEl>
-                                        <p:attrNameLst>
-                                          <p:attrName>style.visibility</p:attrName>
-                                        </p:attrNameLst>
-                                      </p:cBhvr>
-                                      <p:to>
-                                        <p:strVal val="visible"/>
-                                      </p:to>
-                                    </p:set>
-                                  </p:childTnLst>
-                                </p:cTn>
-                              </p:par>
-                              <p:par>
-                                <p:cTn id="23" presetID="1" presetClass="entr" presetSubtype="0" fill="hold" grpId="1" nodeType="withEffect">
-                                  <p:stCondLst>
-                                    <p:cond delay="0"/>
-                                  </p:stCondLst>
-                                  <p:childTnLst>
-                                    <p:set>
-                                      <p:cBhvr>
-                                        <p:cTn id="24" dur="1" fill="hold">
-                                          <p:stCondLst>
-                                            <p:cond delay="0"/>
-                                          </p:stCondLst>
-                                        </p:cTn>
-                                        <p:tgtEl>
-                                          <p:spTgt spid="3">
-                                            <p:txEl>
-                                              <p:pRg st="3" end="3"/>
-                                            </p:txEl>
-                                          </p:spTgt>
-                                        </p:tgtEl>
-                                        <p:attrNameLst>
-                                          <p:attrName>style.visibility</p:attrName>
-                                        </p:attrNameLst>
-                                      </p:cBhvr>
-                                      <p:to>
-                                        <p:strVal val="visible"/>
-                                      </p:to>
-                                    </p:set>
-                                  </p:childTnLst>
-                                </p:cTn>
-                              </p:par>
-                              <p:par>
-                                <p:cTn id="25" presetID="1" presetClass="entr" presetSubtype="0" fill="hold" grpId="1" nodeType="withEffect">
-                                  <p:stCondLst>
-                                    <p:cond delay="0"/>
-                                  </p:stCondLst>
-                                  <p:childTnLst>
-                                    <p:set>
-                                      <p:cBhvr>
-                                        <p:cTn id="26" dur="1" fill="hold">
-                                          <p:stCondLst>
-                                            <p:cond delay="0"/>
-                                          </p:stCondLst>
-                                        </p:cTn>
-                                        <p:tgtEl>
-                                          <p:spTgt spid="3">
-                                            <p:txEl>
-                                              <p:pRg st="4" end="4"/>
-                                            </p:txEl>
-                                          </p:spTgt>
-                                        </p:tgtEl>
-                                        <p:attrNameLst>
-                                          <p:attrName>style.visibility</p:attrName>
-                                        </p:attrNameLst>
-                                      </p:cBhvr>
-                                      <p:to>
-                                        <p:strVal val="visible"/>
-                                      </p:to>
-                                    </p:set>
-                                  </p:childTnLst>
-                                </p:cTn>
-                              </p:par>
-                            </p:childTnLst>
-                          </p:cTn>
-                        </p:par>
-                      </p:childTnLst>
-                    </p:cTn>
-                  </p:par>
-                </p:childTnLst>
-              </p:cTn>
-              <p:prevCondLst>
-                <p:cond evt="onPrev" delay="0">
-                  <p:tgtEl>
-                    <p:sldTgt/>
-                  </p:tgtEl>
-                </p:cond>
-              </p:prevCondLst>
-              <p:nextCondLst>
-                <p:cond evt="onNext" delay="0">
-                  <p:tgtEl>
-                    <p:sldTgt/>
-                  </p:tgtEl>
-                </p:cond>
-              </p:nextCondLst>
-            </p:seq>
-          </p:childTnLst>
-        </p:cTn>
-      </p:par>
-    </p:tnLst>
-    <p:bldLst>
-      <p:bldP spid="3" grpId="0" build="p"/>
-      <p:bldP spid="3" grpId="1" build="p"/>
-    </p:bldLst>
-  </p:timing>
-</p:sld>
-</file>
-
-<file path=ppt/slides/slide40.xml><?xml version="1.0" encoding="utf-8"?>
+<file path=ppt/slides/slide41.xml><?xml version="1.0" encoding="utf-8"?>
 <p:sld xmlns:a="http://schemas.openxmlformats.org/drawingml/2006/main" xmlns:r="http://schemas.openxmlformats.org/officeDocument/2006/relationships" xmlns:p="http://schemas.openxmlformats.org/presentationml/2006/main">
   <p:cSld>
     <p:spTree>
@@ -23823,10 +25921,9 @@
           <a:lstStyle/>
           <a:p>
             <a:r>
-              <a:rPr lang="en-US"/>
-              <a:t>Michael Ball | UC Berkeley | https://c88c.org | © CC BY-NC-SA</a:t>
-            </a:r>
-            <a:endParaRPr lang="en-US" dirty="0"/>
+              <a:rPr lang="en-US" dirty="0"/>
+              <a:t>Eric Kim | UC Berkeley | https://c88c.org | © CC BY-NC-SA</a:t>
+            </a:r>
           </a:p>
         </p:txBody>
       </p:sp>
@@ -23843,7 +25940,7 @@
 </p:sld>
 </file>
 
-<file path=ppt/slides/slide41.xml><?xml version="1.0" encoding="utf-8"?>
+<file path=ppt/slides/slide42.xml><?xml version="1.0" encoding="utf-8"?>
 <p:sld xmlns:a="http://schemas.openxmlformats.org/drawingml/2006/main" xmlns:r="http://schemas.openxmlformats.org/officeDocument/2006/relationships" xmlns:p="http://schemas.openxmlformats.org/presentationml/2006/main" show="0">
   <p:cSld>
     <p:spTree>
@@ -23953,7 +26050,7 @@
               <a:pPr>
                 <a:defRPr/>
               </a:pPr>
-              <a:t>41</a:t>
+              <a:t>42</a:t>
             </a:fld>
             <a:endParaRPr lang="en-US" b="0"/>
           </a:p>
@@ -23969,811 +26066,6 @@
   <p:clrMapOvr>
     <a:masterClrMapping/>
   </p:clrMapOvr>
-</p:sld>
-</file>
-
-<file path=ppt/slides/slide42.xml><?xml version="1.0" encoding="utf-8"?>
-<p:sld xmlns:a="http://schemas.openxmlformats.org/drawingml/2006/main" xmlns:r="http://schemas.openxmlformats.org/officeDocument/2006/relationships" xmlns:p="http://schemas.openxmlformats.org/presentationml/2006/main" show="0">
-  <p:cSld>
-    <p:spTree>
-      <p:nvGrpSpPr>
-        <p:cNvPr id="1" name=""/>
-        <p:cNvGrpSpPr/>
-        <p:nvPr/>
-      </p:nvGrpSpPr>
-      <p:grpSpPr>
-        <a:xfrm>
-          <a:off x="0" y="0"/>
-          <a:ext cx="0" cy="0"/>
-          <a:chOff x="0" y="0"/>
-          <a:chExt cx="0" cy="0"/>
-        </a:xfrm>
-      </p:grpSpPr>
-      <p:sp>
-        <p:nvSpPr>
-          <p:cNvPr id="171" name="TextShape 1"/>
-          <p:cNvSpPr txBox="1"/>
-          <p:nvPr/>
-        </p:nvSpPr>
-        <p:spPr>
-          <a:xfrm>
-            <a:off x="2281080" y="272353"/>
-            <a:ext cx="8474400" cy="736200"/>
-          </a:xfrm>
-          <a:prstGeom prst="rect">
-            <a:avLst/>
-          </a:prstGeom>
-          <a:noFill/>
-          <a:ln>
-            <a:noFill/>
-          </a:ln>
-        </p:spPr>
-        <p:txBody>
-          <a:bodyPr lIns="92160" tIns="46080" rIns="92160" bIns="46080" anchor="ctr"/>
-          <a:lstStyle/>
-          <a:p>
-            <a:pPr>
-              <a:lnSpc>
-                <a:spcPct val="90000"/>
-              </a:lnSpc>
-            </a:pPr>
-            <a:r>
-              <a:rPr lang="en-US" sz="3200" b="1" spc="-1" dirty="0">
-                <a:solidFill>
-                  <a:srgbClr val="0332B7"/>
-                </a:solidFill>
-                <a:uFill>
-                  <a:solidFill>
-                    <a:srgbClr val="FFFFFF"/>
-                  </a:solidFill>
-                </a:uFill>
-                <a:latin typeface="Arial"/>
-                <a:ea typeface="Arial"/>
-              </a:rPr>
-              <a:t>What does this do?</a:t>
-            </a:r>
-            <a:endParaRPr lang="en-US" sz="1400" spc="-1" dirty="0">
-              <a:solidFill>
-                <a:srgbClr val="000000"/>
-              </a:solidFill>
-              <a:uFill>
-                <a:solidFill>
-                  <a:srgbClr val="FFFFFF"/>
-                </a:solidFill>
-              </a:uFill>
-              <a:latin typeface="Arial"/>
-            </a:endParaRPr>
-          </a:p>
-        </p:txBody>
-      </p:sp>
-      <p:sp>
-        <p:nvSpPr>
-          <p:cNvPr id="172" name="CustomShape 2"/>
-          <p:cNvSpPr/>
-          <p:nvPr/>
-        </p:nvSpPr>
-        <p:spPr>
-          <a:xfrm>
-            <a:off x="2281080" y="999528"/>
-            <a:ext cx="8372520" cy="522720"/>
-          </a:xfrm>
-          <a:prstGeom prst="rect">
-            <a:avLst/>
-          </a:prstGeom>
-          <a:noFill/>
-          <a:ln>
-            <a:noFill/>
-          </a:ln>
-        </p:spPr>
-        <p:style>
-          <a:lnRef idx="0">
-            <a:scrgbClr r="0" g="0" b="0"/>
-          </a:lnRef>
-          <a:fillRef idx="0">
-            <a:scrgbClr r="0" g="0" b="0"/>
-          </a:fillRef>
-          <a:effectRef idx="0">
-            <a:scrgbClr r="0" g="0" b="0"/>
-          </a:effectRef>
-          <a:fontRef idx="minor"/>
-        </p:style>
-        <p:txBody>
-          <a:bodyPr/>
-          <a:lstStyle/>
-          <a:p>
-            <a:pPr>
-              <a:lnSpc>
-                <a:spcPct val="100000"/>
-              </a:lnSpc>
-            </a:pPr>
-            <a:r>
-              <a:rPr lang="en-US" sz="2400" spc="-1" dirty="0">
-                <a:solidFill>
-                  <a:srgbClr val="000000"/>
-                </a:solidFill>
-                <a:uFill>
-                  <a:solidFill>
-                    <a:srgbClr val="FFFFFF"/>
-                  </a:solidFill>
-                </a:uFill>
-                <a:latin typeface="Source Code Pro" panose="020B0509030403020204" pitchFamily="49" charset="77"/>
-                <a:ea typeface="Courier New"/>
-              </a:rPr>
-              <a:t>list(map(capitalize, </a:t>
-            </a:r>
-            <a:br>
-              <a:rPr lang="en-US" sz="2400" spc="-1" dirty="0">
-                <a:solidFill>
-                  <a:srgbClr val="000000"/>
-                </a:solidFill>
-                <a:uFill>
-                  <a:solidFill>
-                    <a:srgbClr val="FFFFFF"/>
-                  </a:solidFill>
-                </a:uFill>
-                <a:latin typeface="Source Code Pro" panose="020B0509030403020204" pitchFamily="49" charset="77"/>
-                <a:ea typeface="Courier New"/>
-              </a:rPr>
-            </a:br>
-            <a:r>
-              <a:rPr lang="en-US" sz="2400" spc="-1" dirty="0">
-                <a:solidFill>
-                  <a:srgbClr val="000000"/>
-                </a:solidFill>
-                <a:uFill>
-                  <a:solidFill>
-                    <a:srgbClr val="FFFFFF"/>
-                  </a:solidFill>
-                </a:uFill>
-                <a:latin typeface="Source Code Pro" panose="020B0509030403020204" pitchFamily="49" charset="77"/>
-                <a:ea typeface="Courier New"/>
-              </a:rPr>
-              <a:t>    ['</a:t>
-            </a:r>
-            <a:r>
-              <a:rPr lang="en-US" sz="2400" spc="-1" dirty="0" err="1">
-                <a:solidFill>
-                  <a:srgbClr val="000000"/>
-                </a:solidFill>
-                <a:uFill>
-                  <a:solidFill>
-                    <a:srgbClr val="FFFFFF"/>
-                  </a:solidFill>
-                </a:uFill>
-                <a:latin typeface="Source Code Pro" panose="020B0509030403020204" pitchFamily="49" charset="77"/>
-                <a:ea typeface="Courier New"/>
-              </a:rPr>
-              <a:t>michael</a:t>
-            </a:r>
-            <a:r>
-              <a:rPr lang="en-US" sz="2400" spc="-1" dirty="0">
-                <a:solidFill>
-                  <a:srgbClr val="000000"/>
-                </a:solidFill>
-                <a:uFill>
-                  <a:solidFill>
-                    <a:srgbClr val="FFFFFF"/>
-                  </a:solidFill>
-                </a:uFill>
-                <a:latin typeface="Source Code Pro" panose="020B0509030403020204" pitchFamily="49" charset="77"/>
-                <a:ea typeface="Courier New"/>
-              </a:rPr>
-              <a:t>', 'Alex', 'Srinath', '</a:t>
-            </a:r>
-            <a:r>
-              <a:rPr lang="en-US" sz="2400" spc="-1" dirty="0" err="1">
-                <a:solidFill>
-                  <a:srgbClr val="000000"/>
-                </a:solidFill>
-                <a:uFill>
-                  <a:solidFill>
-                    <a:srgbClr val="FFFFFF"/>
-                  </a:solidFill>
-                </a:uFill>
-                <a:latin typeface="Source Code Pro" panose="020B0509030403020204" pitchFamily="49" charset="77"/>
-                <a:ea typeface="Courier New"/>
-              </a:rPr>
-              <a:t>julia</a:t>
-            </a:r>
-            <a:r>
-              <a:rPr lang="en-US" sz="2400" spc="-1" dirty="0">
-                <a:solidFill>
-                  <a:srgbClr val="000000"/>
-                </a:solidFill>
-                <a:uFill>
-                  <a:solidFill>
-                    <a:srgbClr val="FFFFFF"/>
-                  </a:solidFill>
-                </a:uFill>
-                <a:latin typeface="Source Code Pro" panose="020B0509030403020204" pitchFamily="49" charset="77"/>
-                <a:ea typeface="Courier New"/>
-              </a:rPr>
-              <a:t>'] </a:t>
-            </a:r>
-          </a:p>
-          <a:p>
-            <a:pPr>
-              <a:lnSpc>
-                <a:spcPct val="100000"/>
-              </a:lnSpc>
-            </a:pPr>
-            <a:r>
-              <a:rPr lang="en-US" sz="2400" spc="-1" dirty="0">
-                <a:solidFill>
-                  <a:srgbClr val="000000"/>
-                </a:solidFill>
-                <a:uFill>
-                  <a:solidFill>
-                    <a:srgbClr val="FFFFFF"/>
-                  </a:solidFill>
-                </a:uFill>
-                <a:latin typeface="Source Code Pro" panose="020B0509030403020204" pitchFamily="49" charset="77"/>
-                <a:ea typeface="Courier New"/>
-              </a:rPr>
-              <a:t>))</a:t>
-            </a:r>
-            <a:br>
-              <a:rPr lang="en-US" sz="2400" spc="-1" dirty="0">
-                <a:solidFill>
-                  <a:srgbClr val="000000"/>
-                </a:solidFill>
-                <a:uFill>
-                  <a:solidFill>
-                    <a:srgbClr val="FFFFFF"/>
-                  </a:solidFill>
-                </a:uFill>
-                <a:latin typeface="Source Code Pro" panose="020B0509030403020204" pitchFamily="49" charset="77"/>
-                <a:ea typeface="Courier New"/>
-              </a:rPr>
-            </a:br>
-            <a:br>
-              <a:rPr lang="en-US" sz="2400" spc="-1" dirty="0">
-                <a:solidFill>
-                  <a:srgbClr val="000000"/>
-                </a:solidFill>
-                <a:uFill>
-                  <a:solidFill>
-                    <a:srgbClr val="FFFFFF"/>
-                  </a:solidFill>
-                </a:uFill>
-                <a:latin typeface="Source Code Pro" panose="020B0509030403020204" pitchFamily="49" charset="77"/>
-                <a:ea typeface="Courier New"/>
-              </a:rPr>
-            </a:br>
-            <a:r>
-              <a:rPr lang="en-US" sz="2400" spc="-1" dirty="0">
-                <a:solidFill>
-                  <a:srgbClr val="000000"/>
-                </a:solidFill>
-                <a:uFill>
-                  <a:solidFill>
-                    <a:srgbClr val="FFFFFF"/>
-                  </a:solidFill>
-                </a:uFill>
-                <a:latin typeface="Source Code Pro" panose="020B0509030403020204" pitchFamily="49" charset="77"/>
-                <a:ea typeface="Courier New"/>
-              </a:rPr>
-              <a:t>Assume capitalize('</a:t>
-            </a:r>
-            <a:r>
-              <a:rPr lang="en-US" sz="2400" spc="-1" dirty="0" err="1">
-                <a:solidFill>
-                  <a:srgbClr val="000000"/>
-                </a:solidFill>
-                <a:uFill>
-                  <a:solidFill>
-                    <a:srgbClr val="FFFFFF"/>
-                  </a:solidFill>
-                </a:uFill>
-                <a:latin typeface="Source Code Pro" panose="020B0509030403020204" pitchFamily="49" charset="77"/>
-                <a:ea typeface="Courier New"/>
-              </a:rPr>
-              <a:t>michael</a:t>
-            </a:r>
-            <a:r>
-              <a:rPr lang="en-US" sz="2400" spc="-1" dirty="0">
-                <a:solidFill>
-                  <a:srgbClr val="000000"/>
-                </a:solidFill>
-                <a:uFill>
-                  <a:solidFill>
-                    <a:srgbClr val="FFFFFF"/>
-                  </a:solidFill>
-                </a:uFill>
-                <a:latin typeface="Source Code Pro" panose="020B0509030403020204" pitchFamily="49" charset="77"/>
-                <a:ea typeface="Courier New"/>
-              </a:rPr>
-              <a:t>') == 'Michael'</a:t>
-            </a:r>
-            <a:endParaRPr lang="en-US" sz="2400" spc="-1" dirty="0">
-              <a:solidFill>
-                <a:srgbClr val="000000"/>
-              </a:solidFill>
-              <a:uFill>
-                <a:solidFill>
-                  <a:srgbClr val="FFFFFF"/>
-                </a:solidFill>
-              </a:uFill>
-              <a:latin typeface="Source Code Pro" panose="020B0509030403020204" pitchFamily="49" charset="77"/>
-            </a:endParaRPr>
-          </a:p>
-        </p:txBody>
-      </p:sp>
-      <p:sp>
-        <p:nvSpPr>
-          <p:cNvPr id="174" name="CustomShape 4"/>
-          <p:cNvSpPr/>
-          <p:nvPr/>
-        </p:nvSpPr>
-        <p:spPr>
-          <a:xfrm>
-            <a:off x="1782792" y="3333775"/>
-            <a:ext cx="8807570" cy="3177370"/>
-          </a:xfrm>
-          <a:prstGeom prst="rect">
-            <a:avLst/>
-          </a:prstGeom>
-          <a:noFill/>
-          <a:ln>
-            <a:noFill/>
-          </a:ln>
-        </p:spPr>
-        <p:style>
-          <a:lnRef idx="0">
-            <a:scrgbClr r="0" g="0" b="0"/>
-          </a:lnRef>
-          <a:fillRef idx="0">
-            <a:scrgbClr r="0" g="0" b="0"/>
-          </a:fillRef>
-          <a:effectRef idx="0">
-            <a:scrgbClr r="0" g="0" b="0"/>
-          </a:effectRef>
-          <a:fontRef idx="minor"/>
-        </p:style>
-        <p:txBody>
-          <a:bodyPr/>
-          <a:lstStyle/>
-          <a:p>
-            <a:pPr>
-              <a:lnSpc>
-                <a:spcPct val="100000"/>
-              </a:lnSpc>
-            </a:pPr>
-            <a:r>
-              <a:rPr lang="en-US" sz="2600" spc="-1" dirty="0">
-                <a:solidFill>
-                  <a:srgbClr val="000000"/>
-                </a:solidFill>
-                <a:uFill>
-                  <a:solidFill>
-                    <a:srgbClr val="FFFFFF"/>
-                  </a:solidFill>
-                </a:uFill>
-                <a:latin typeface="Arial"/>
-                <a:ea typeface="Arial"/>
-              </a:rPr>
-              <a:t>A) </a:t>
-            </a:r>
-            <a:r>
-              <a:rPr lang="en-US" sz="2600" spc="-1" dirty="0">
-                <a:solidFill>
-                  <a:srgbClr val="000000"/>
-                </a:solidFill>
-                <a:uFill>
-                  <a:solidFill>
-                    <a:srgbClr val="FFFFFF"/>
-                  </a:solidFill>
-                </a:uFill>
-                <a:latin typeface="Source Code Pro" panose="020B0509030403020204" pitchFamily="49" charset="77"/>
-                <a:ea typeface="Courier New"/>
-              </a:rPr>
-              <a:t>['</a:t>
-            </a:r>
-            <a:r>
-              <a:rPr lang="en-US" sz="2600" spc="-1" dirty="0" err="1">
-                <a:solidFill>
-                  <a:srgbClr val="000000"/>
-                </a:solidFill>
-                <a:uFill>
-                  <a:solidFill>
-                    <a:srgbClr val="FFFFFF"/>
-                  </a:solidFill>
-                </a:uFill>
-                <a:latin typeface="Source Code Pro" panose="020B0509030403020204" pitchFamily="49" charset="77"/>
-                <a:ea typeface="Courier New"/>
-              </a:rPr>
-              <a:t>michael</a:t>
-            </a:r>
-            <a:r>
-              <a:rPr lang="en-US" sz="2600" spc="-1" dirty="0">
-                <a:solidFill>
-                  <a:srgbClr val="000000"/>
-                </a:solidFill>
-                <a:uFill>
-                  <a:solidFill>
-                    <a:srgbClr val="FFFFFF"/>
-                  </a:solidFill>
-                </a:uFill>
-                <a:latin typeface="Source Code Pro" panose="020B0509030403020204" pitchFamily="49" charset="77"/>
-                <a:ea typeface="Courier New"/>
-              </a:rPr>
-              <a:t>', 'Alex', 'Srinath', '</a:t>
-            </a:r>
-            <a:r>
-              <a:rPr lang="en-US" sz="2600" spc="-1" dirty="0" err="1">
-                <a:solidFill>
-                  <a:srgbClr val="000000"/>
-                </a:solidFill>
-                <a:uFill>
-                  <a:solidFill>
-                    <a:srgbClr val="FFFFFF"/>
-                  </a:solidFill>
-                </a:uFill>
-                <a:latin typeface="Source Code Pro" panose="020B0509030403020204" pitchFamily="49" charset="77"/>
-                <a:ea typeface="Courier New"/>
-              </a:rPr>
-              <a:t>julia</a:t>
-            </a:r>
-            <a:r>
-              <a:rPr lang="en-US" sz="2600" spc="-1" dirty="0">
-                <a:solidFill>
-                  <a:srgbClr val="000000"/>
-                </a:solidFill>
-                <a:uFill>
-                  <a:solidFill>
-                    <a:srgbClr val="FFFFFF"/>
-                  </a:solidFill>
-                </a:uFill>
-                <a:latin typeface="Source Code Pro" panose="020B0509030403020204" pitchFamily="49" charset="77"/>
-                <a:ea typeface="Courier New"/>
-              </a:rPr>
-              <a:t>']</a:t>
-            </a:r>
-            <a:endParaRPr lang="en-US" sz="2600" spc="-1" dirty="0">
-              <a:solidFill>
-                <a:srgbClr val="000000"/>
-              </a:solidFill>
-              <a:uFill>
-                <a:solidFill>
-                  <a:srgbClr val="FFFFFF"/>
-                </a:solidFill>
-              </a:uFill>
-              <a:latin typeface="Arial"/>
-              <a:ea typeface="Arial"/>
-            </a:endParaRPr>
-          </a:p>
-          <a:p>
-            <a:pPr>
-              <a:lnSpc>
-                <a:spcPct val="100000"/>
-              </a:lnSpc>
-            </a:pPr>
-            <a:r>
-              <a:rPr lang="en-US" sz="2600" spc="-1" dirty="0">
-                <a:solidFill>
-                  <a:srgbClr val="000000"/>
-                </a:solidFill>
-                <a:uFill>
-                  <a:solidFill>
-                    <a:srgbClr val="FFFFFF"/>
-                  </a:solidFill>
-                </a:uFill>
-                <a:latin typeface="Arial"/>
-              </a:rPr>
-              <a:t>B) </a:t>
-            </a:r>
-            <a:r>
-              <a:rPr lang="en-US" sz="2600" spc="-1" dirty="0">
-                <a:solidFill>
-                  <a:srgbClr val="000000"/>
-                </a:solidFill>
-                <a:uFill>
-                  <a:solidFill>
-                    <a:srgbClr val="FFFFFF"/>
-                  </a:solidFill>
-                </a:uFill>
-                <a:latin typeface="Source Code Pro" panose="020B0509030403020204" pitchFamily="49" charset="77"/>
-                <a:ea typeface="Courier New"/>
-              </a:rPr>
-              <a:t>['Michael', 'Alex', 'Srinath', 'Julia']</a:t>
-            </a:r>
-            <a:endParaRPr lang="en-US" sz="2600" spc="-1" dirty="0">
-              <a:solidFill>
-                <a:srgbClr val="000000"/>
-              </a:solidFill>
-              <a:uFill>
-                <a:solidFill>
-                  <a:srgbClr val="FFFFFF"/>
-                </a:solidFill>
-              </a:uFill>
-              <a:latin typeface="Arial"/>
-            </a:endParaRPr>
-          </a:p>
-          <a:p>
-            <a:pPr>
-              <a:lnSpc>
-                <a:spcPct val="100000"/>
-              </a:lnSpc>
-            </a:pPr>
-            <a:r>
-              <a:rPr lang="en-US" sz="2600" spc="-1" dirty="0">
-                <a:solidFill>
-                  <a:srgbClr val="000000"/>
-                </a:solidFill>
-                <a:uFill>
-                  <a:solidFill>
-                    <a:srgbClr val="FFFFFF"/>
-                  </a:solidFill>
-                </a:uFill>
-                <a:latin typeface="Arial"/>
-              </a:rPr>
-              <a:t>C) []</a:t>
-            </a:r>
-          </a:p>
-          <a:p>
-            <a:pPr>
-              <a:lnSpc>
-                <a:spcPct val="100000"/>
-              </a:lnSpc>
-            </a:pPr>
-            <a:r>
-              <a:rPr lang="en-US" sz="2600" spc="-1" dirty="0">
-                <a:solidFill>
-                  <a:srgbClr val="000000"/>
-                </a:solidFill>
-                <a:uFill>
-                  <a:solidFill>
-                    <a:srgbClr val="FFFFFF"/>
-                  </a:solidFill>
-                </a:uFill>
-                <a:latin typeface="Arial"/>
-              </a:rPr>
-              <a:t>D) Error</a:t>
-            </a:r>
-          </a:p>
-          <a:p>
-            <a:pPr>
-              <a:lnSpc>
-                <a:spcPct val="100000"/>
-              </a:lnSpc>
-            </a:pPr>
-            <a:r>
-              <a:rPr lang="en-US" sz="2600" spc="-1" dirty="0">
-                <a:solidFill>
-                  <a:srgbClr val="000000"/>
-                </a:solidFill>
-                <a:uFill>
-                  <a:solidFill>
-                    <a:srgbClr val="FFFFFF"/>
-                  </a:solidFill>
-                </a:uFill>
-                <a:latin typeface="Arial"/>
-              </a:rPr>
-              <a:t>E) I'm lost.</a:t>
-            </a:r>
-          </a:p>
-        </p:txBody>
-      </p:sp>
-      <p:sp>
-        <p:nvSpPr>
-          <p:cNvPr id="178" name="TextShape 8"/>
-          <p:cNvSpPr txBox="1"/>
-          <p:nvPr/>
-        </p:nvSpPr>
-        <p:spPr>
-          <a:xfrm>
-            <a:off x="10134480" y="6553080"/>
-            <a:ext cx="533160" cy="304560"/>
-          </a:xfrm>
-          <a:prstGeom prst="rect">
-            <a:avLst/>
-          </a:prstGeom>
-          <a:noFill/>
-          <a:ln>
-            <a:noFill/>
-          </a:ln>
-        </p:spPr>
-        <p:txBody>
-          <a:bodyPr lIns="92160" tIns="46080" rIns="92160" bIns="46080" anchor="ctr"/>
-          <a:lstStyle/>
-          <a:p>
-            <a:pPr algn="r">
-              <a:lnSpc>
-                <a:spcPct val="100000"/>
-              </a:lnSpc>
-            </a:pPr>
-            <a:fld id="{713BEC69-ACC0-4745-91F6-6864BC87B08D}" type="slidenum">
-              <a:rPr lang="en-US" sz="1400" b="1" spc="-1">
-                <a:solidFill>
-                  <a:srgbClr val="FF9900"/>
-                </a:solidFill>
-                <a:uFill>
-                  <a:solidFill>
-                    <a:srgbClr val="FFFFFF"/>
-                  </a:solidFill>
-                </a:uFill>
-                <a:latin typeface="Times New Roman"/>
-                <a:ea typeface="Times New Roman"/>
-              </a:rPr>
-              <a:t>42</a:t>
-            </a:fld>
-            <a:endParaRPr lang="en-US" sz="1400" spc="-1">
-              <a:solidFill>
-                <a:srgbClr val="000000"/>
-              </a:solidFill>
-              <a:uFill>
-                <a:solidFill>
-                  <a:srgbClr val="FFFFFF"/>
-                </a:solidFill>
-              </a:uFill>
-              <a:latin typeface="Times New Roman"/>
-            </a:endParaRPr>
-          </a:p>
-        </p:txBody>
-      </p:sp>
-      <p:sp>
-        <p:nvSpPr>
-          <p:cNvPr id="179" name="CustomShape 9"/>
-          <p:cNvSpPr/>
-          <p:nvPr/>
-        </p:nvSpPr>
-        <p:spPr>
-          <a:xfrm>
-            <a:off x="1524000" y="6553080"/>
-            <a:ext cx="1523520" cy="304560"/>
-          </a:xfrm>
-          <a:prstGeom prst="rect">
-            <a:avLst/>
-          </a:prstGeom>
-          <a:noFill/>
-          <a:ln w="9360">
-            <a:noFill/>
-          </a:ln>
-        </p:spPr>
-        <p:style>
-          <a:lnRef idx="0">
-            <a:scrgbClr r="0" g="0" b="0"/>
-          </a:lnRef>
-          <a:fillRef idx="0">
-            <a:scrgbClr r="0" g="0" b="0"/>
-          </a:fillRef>
-          <a:effectRef idx="0">
-            <a:scrgbClr r="0" g="0" b="0"/>
-          </a:effectRef>
-          <a:fontRef idx="minor"/>
-        </p:style>
-        <p:txBody>
-          <a:bodyPr wrap="none" lIns="92160" tIns="46080" rIns="92160" bIns="46080" anchor="ctr"/>
-          <a:lstStyle/>
-          <a:p>
-            <a:pPr>
-              <a:lnSpc>
-                <a:spcPct val="100000"/>
-              </a:lnSpc>
-            </a:pPr>
-            <a:r>
-              <a:rPr lang="en-US" sz="1200" b="1" spc="-1" dirty="0">
-                <a:solidFill>
-                  <a:srgbClr val="FF9900"/>
-                </a:solidFill>
-                <a:uFill>
-                  <a:solidFill>
-                    <a:srgbClr val="FFFFFF"/>
-                  </a:solidFill>
-                </a:uFill>
-                <a:latin typeface="Times New Roman"/>
-                <a:ea typeface="ＭＳ Ｐゴシック"/>
-              </a:rPr>
-              <a:t>02/10/2020</a:t>
-            </a:r>
-            <a:endParaRPr lang="en-US" spc="-1" dirty="0">
-              <a:solidFill>
-                <a:srgbClr val="000000"/>
-              </a:solidFill>
-              <a:uFill>
-                <a:solidFill>
-                  <a:srgbClr val="FFFFFF"/>
-                </a:solidFill>
-              </a:uFill>
-              <a:latin typeface="Arial"/>
-            </a:endParaRPr>
-          </a:p>
-        </p:txBody>
-      </p:sp>
-      <p:sp>
-        <p:nvSpPr>
-          <p:cNvPr id="180" name="TextShape 10"/>
-          <p:cNvSpPr txBox="1"/>
-          <p:nvPr/>
-        </p:nvSpPr>
-        <p:spPr>
-          <a:xfrm>
-            <a:off x="4572120" y="6553080"/>
-            <a:ext cx="2895120" cy="304560"/>
-          </a:xfrm>
-          <a:prstGeom prst="rect">
-            <a:avLst/>
-          </a:prstGeom>
-          <a:noFill/>
-          <a:ln>
-            <a:noFill/>
-          </a:ln>
-        </p:spPr>
-        <p:txBody>
-          <a:bodyPr lIns="92160" tIns="46080" rIns="92160" bIns="46080" anchor="ctr"/>
-          <a:lstStyle/>
-          <a:p>
-            <a:pPr algn="ctr">
-              <a:lnSpc>
-                <a:spcPct val="100000"/>
-              </a:lnSpc>
-            </a:pPr>
-            <a:r>
-              <a:rPr lang="en-US" sz="1200" b="1" spc="-1" dirty="0">
-                <a:solidFill>
-                  <a:srgbClr val="114FFB"/>
-                </a:solidFill>
-                <a:uFill>
-                  <a:solidFill>
-                    <a:srgbClr val="FFFFFF"/>
-                  </a:solidFill>
-                </a:uFill>
-                <a:latin typeface="Helvetica Neue"/>
-                <a:ea typeface="Helvetica Neue"/>
-              </a:rPr>
-              <a:t>UCB CS88 Fa20 L6</a:t>
-            </a:r>
-            <a:endParaRPr lang="en-US" sz="1200" spc="-1" dirty="0">
-              <a:solidFill>
-                <a:srgbClr val="000000"/>
-              </a:solidFill>
-              <a:uFill>
-                <a:solidFill>
-                  <a:srgbClr val="FFFFFF"/>
-                </a:solidFill>
-              </a:uFill>
-              <a:latin typeface="Times New Roman"/>
-            </a:endParaRPr>
-          </a:p>
-        </p:txBody>
-      </p:sp>
-    </p:spTree>
-    <p:extLst>
-      <p:ext uri="{BB962C8B-B14F-4D97-AF65-F5344CB8AC3E}">
-        <p14:creationId xmlns:p14="http://schemas.microsoft.com/office/powerpoint/2010/main" val="169501304"/>
-      </p:ext>
-    </p:extLst>
-  </p:cSld>
-  <p:clrMapOvr>
-    <a:masterClrMapping/>
-  </p:clrMapOvr>
-  <p:timing>
-    <p:tnLst>
-      <p:par>
-        <p:cTn id="1" dur="indefinite" restart="never" nodeType="tmRoot">
-          <p:childTnLst>
-            <p:seq>
-              <p:cTn id="2" nodeType="mainSeq"/>
-              <p:prevCondLst>
-                <p:cond evt="onPrev" delay="0">
-                  <p:tgtEl>
-                    <p:sldTgt/>
-                  </p:tgtEl>
-                </p:cond>
-              </p:prevCondLst>
-              <p:nextCondLst>
-                <p:cond evt="onNext" delay="0">
-                  <p:tgtEl>
-                    <p:sldTgt/>
-                  </p:tgtEl>
-                </p:cond>
-              </p:nextCondLst>
-            </p:seq>
-          </p:childTnLst>
-        </p:cTn>
-      </p:par>
-    </p:tnLst>
-  </p:timing>
 </p:sld>
 </file>
 
@@ -24904,10 +26196,10 @@
                 <a:latin typeface="Source Code Pro" panose="020B0509030403020204" pitchFamily="49" charset="77"/>
                 <a:ea typeface="Courier New"/>
               </a:rPr>
-              <a:t>list(filter(</a:t>
-            </a:r>
-            <a:r>
-              <a:rPr lang="en-US" sz="2400" spc="-1" dirty="0" err="1">
+              <a:t>list(map(capitalize, </a:t>
+            </a:r>
+            <a:br>
+              <a:rPr lang="en-US" sz="2400" spc="-1" dirty="0">
                 <a:solidFill>
                   <a:srgbClr val="000000"/>
                 </a:solidFill>
@@ -24919,8 +26211,7 @@
                 <a:latin typeface="Source Code Pro" panose="020B0509030403020204" pitchFamily="49" charset="77"/>
                 <a:ea typeface="Courier New"/>
               </a:rPr>
-              <a:t>return_false</a:t>
-            </a:r>
+            </a:br>
             <a:r>
               <a:rPr lang="en-US" sz="2400" spc="-1" dirty="0">
                 <a:solidFill>
@@ -24934,10 +26225,10 @@
                 <a:latin typeface="Source Code Pro" panose="020B0509030403020204" pitchFamily="49" charset="77"/>
                 <a:ea typeface="Courier New"/>
               </a:rPr>
-              <a:t>, </a:t>
-            </a:r>
-            <a:br>
-              <a:rPr lang="en-US" sz="2400" spc="-1" dirty="0">
+              <a:t>    ['</a:t>
+            </a:r>
+            <a:r>
+              <a:rPr lang="en-US" sz="2400" spc="-1" dirty="0" err="1">
                 <a:solidFill>
                   <a:srgbClr val="000000"/>
                 </a:solidFill>
@@ -24949,7 +26240,8 @@
                 <a:latin typeface="Source Code Pro" panose="020B0509030403020204" pitchFamily="49" charset="77"/>
                 <a:ea typeface="Courier New"/>
               </a:rPr>
-            </a:br>
+              <a:t>michael</a:t>
+            </a:r>
             <a:r>
               <a:rPr lang="en-US" sz="2400" spc="-1" dirty="0">
                 <a:solidFill>
@@ -24963,7 +26255,37 @@
                 <a:latin typeface="Source Code Pro" panose="020B0509030403020204" pitchFamily="49" charset="77"/>
                 <a:ea typeface="Courier New"/>
               </a:rPr>
-              <a:t>    range(100) </a:t>
+              <a:t>', 'Alex', 'Srinath', '</a:t>
+            </a:r>
+            <a:r>
+              <a:rPr lang="en-US" sz="2400" spc="-1" dirty="0" err="1">
+                <a:solidFill>
+                  <a:srgbClr val="000000"/>
+                </a:solidFill>
+                <a:uFill>
+                  <a:solidFill>
+                    <a:srgbClr val="FFFFFF"/>
+                  </a:solidFill>
+                </a:uFill>
+                <a:latin typeface="Source Code Pro" panose="020B0509030403020204" pitchFamily="49" charset="77"/>
+                <a:ea typeface="Courier New"/>
+              </a:rPr>
+              <a:t>julia</a:t>
+            </a:r>
+            <a:r>
+              <a:rPr lang="en-US" sz="2400" spc="-1" dirty="0">
+                <a:solidFill>
+                  <a:srgbClr val="000000"/>
+                </a:solidFill>
+                <a:uFill>
+                  <a:solidFill>
+                    <a:srgbClr val="FFFFFF"/>
+                  </a:solidFill>
+                </a:uFill>
+                <a:latin typeface="Source Code Pro" panose="020B0509030403020204" pitchFamily="49" charset="77"/>
+                <a:ea typeface="Courier New"/>
+              </a:rPr>
+              <a:t>'] </a:t>
             </a:r>
           </a:p>
           <a:p>
@@ -25028,7 +26350,7 @@
                 <a:latin typeface="Source Code Pro" panose="020B0509030403020204" pitchFamily="49" charset="77"/>
                 <a:ea typeface="Courier New"/>
               </a:rPr>
-              <a:t>Assume </a:t>
+              <a:t>Assume capitalize('</a:t>
             </a:r>
             <a:r>
               <a:rPr lang="en-US" sz="2400" spc="-1" dirty="0" err="1">
@@ -25043,7 +26365,7 @@
                 <a:latin typeface="Source Code Pro" panose="020B0509030403020204" pitchFamily="49" charset="77"/>
                 <a:ea typeface="Courier New"/>
               </a:rPr>
-              <a:t>return_false</a:t>
+              <a:t>michael</a:t>
             </a:r>
             <a:r>
               <a:rPr lang="en-US" sz="2400" spc="-1" dirty="0">
@@ -25058,7 +26380,7 @@
                 <a:latin typeface="Source Code Pro" panose="020B0509030403020204" pitchFamily="49" charset="77"/>
                 <a:ea typeface="Courier New"/>
               </a:rPr>
-              <a:t>(42) == False</a:t>
+              <a:t>') == 'Michael'</a:t>
             </a:r>
             <a:endParaRPr lang="en-US" sz="2400" spc="-1" dirty="0">
               <a:solidFill>
@@ -25142,7 +26464,67 @@
                 <a:latin typeface="Source Code Pro" panose="020B0509030403020204" pitchFamily="49" charset="77"/>
                 <a:ea typeface="Courier New"/>
               </a:rPr>
-              <a:t>range(0, 100) # A standard range object</a:t>
+              <a:t>['</a:t>
+            </a:r>
+            <a:r>
+              <a:rPr lang="en-US" sz="2600" spc="-1" dirty="0" err="1">
+                <a:solidFill>
+                  <a:srgbClr val="000000"/>
+                </a:solidFill>
+                <a:uFill>
+                  <a:solidFill>
+                    <a:srgbClr val="FFFFFF"/>
+                  </a:solidFill>
+                </a:uFill>
+                <a:latin typeface="Source Code Pro" panose="020B0509030403020204" pitchFamily="49" charset="77"/>
+                <a:ea typeface="Courier New"/>
+              </a:rPr>
+              <a:t>michael</a:t>
+            </a:r>
+            <a:r>
+              <a:rPr lang="en-US" sz="2600" spc="-1" dirty="0">
+                <a:solidFill>
+                  <a:srgbClr val="000000"/>
+                </a:solidFill>
+                <a:uFill>
+                  <a:solidFill>
+                    <a:srgbClr val="FFFFFF"/>
+                  </a:solidFill>
+                </a:uFill>
+                <a:latin typeface="Source Code Pro" panose="020B0509030403020204" pitchFamily="49" charset="77"/>
+                <a:ea typeface="Courier New"/>
+              </a:rPr>
+              <a:t>', 'Alex', 'Srinath', '</a:t>
+            </a:r>
+            <a:r>
+              <a:rPr lang="en-US" sz="2600" spc="-1" dirty="0" err="1">
+                <a:solidFill>
+                  <a:srgbClr val="000000"/>
+                </a:solidFill>
+                <a:uFill>
+                  <a:solidFill>
+                    <a:srgbClr val="FFFFFF"/>
+                  </a:solidFill>
+                </a:uFill>
+                <a:latin typeface="Source Code Pro" panose="020B0509030403020204" pitchFamily="49" charset="77"/>
+                <a:ea typeface="Courier New"/>
+              </a:rPr>
+              <a:t>julia</a:t>
+            </a:r>
+            <a:r>
+              <a:rPr lang="en-US" sz="2600" spc="-1" dirty="0">
+                <a:solidFill>
+                  <a:srgbClr val="000000"/>
+                </a:solidFill>
+                <a:uFill>
+                  <a:solidFill>
+                    <a:srgbClr val="FFFFFF"/>
+                  </a:solidFill>
+                </a:uFill>
+                <a:latin typeface="Source Code Pro" panose="020B0509030403020204" pitchFamily="49" charset="77"/>
+                <a:ea typeface="Courier New"/>
+              </a:rPr>
+              <a:t>']</a:t>
             </a:r>
             <a:endParaRPr lang="en-US" sz="2600" spc="-1" dirty="0">
               <a:solidFill>
@@ -25190,7 +26572,7 @@
                 <a:latin typeface="Source Code Pro" panose="020B0509030403020204" pitchFamily="49" charset="77"/>
                 <a:ea typeface="Courier New"/>
               </a:rPr>
-              <a:t>[0, 1, 2, … 96, 97, 98, 99]</a:t>
+              <a:t>['Michael', 'Alex', 'Srinath', 'Julia']</a:t>
             </a:r>
             <a:endParaRPr lang="en-US" sz="2600" spc="-1" dirty="0">
               <a:solidFill>
@@ -25222,7 +26604,7 @@
                 </a:uFill>
                 <a:latin typeface="Arial"/>
               </a:rPr>
-              <a:t>C) [ ]</a:t>
+              <a:t>C) []</a:t>
             </a:r>
           </a:p>
           <a:p>
@@ -25455,7 +26837,7 @@
     </p:spTree>
     <p:extLst>
       <p:ext uri="{BB962C8B-B14F-4D97-AF65-F5344CB8AC3E}">
-        <p14:creationId xmlns:p14="http://schemas.microsoft.com/office/powerpoint/2010/main" val="1031151941"/>
+        <p14:creationId xmlns:p14="http://schemas.microsoft.com/office/powerpoint/2010/main" val="169501304"/>
       </p:ext>
     </p:extLst>
   </p:cSld>
@@ -25511,6 +26893,721 @@
       </p:grpSpPr>
       <p:sp>
         <p:nvSpPr>
+          <p:cNvPr id="171" name="TextShape 1"/>
+          <p:cNvSpPr txBox="1"/>
+          <p:nvPr/>
+        </p:nvSpPr>
+        <p:spPr>
+          <a:xfrm>
+            <a:off x="2281080" y="272353"/>
+            <a:ext cx="8474400" cy="736200"/>
+          </a:xfrm>
+          <a:prstGeom prst="rect">
+            <a:avLst/>
+          </a:prstGeom>
+          <a:noFill/>
+          <a:ln>
+            <a:noFill/>
+          </a:ln>
+        </p:spPr>
+        <p:txBody>
+          <a:bodyPr lIns="92160" tIns="46080" rIns="92160" bIns="46080" anchor="ctr"/>
+          <a:lstStyle/>
+          <a:p>
+            <a:pPr>
+              <a:lnSpc>
+                <a:spcPct val="90000"/>
+              </a:lnSpc>
+            </a:pPr>
+            <a:r>
+              <a:rPr lang="en-US" sz="3200" b="1" spc="-1" dirty="0">
+                <a:solidFill>
+                  <a:srgbClr val="0332B7"/>
+                </a:solidFill>
+                <a:uFill>
+                  <a:solidFill>
+                    <a:srgbClr val="FFFFFF"/>
+                  </a:solidFill>
+                </a:uFill>
+                <a:latin typeface="Arial"/>
+                <a:ea typeface="Arial"/>
+              </a:rPr>
+              <a:t>What does this do?</a:t>
+            </a:r>
+            <a:endParaRPr lang="en-US" sz="1400" spc="-1" dirty="0">
+              <a:solidFill>
+                <a:srgbClr val="000000"/>
+              </a:solidFill>
+              <a:uFill>
+                <a:solidFill>
+                  <a:srgbClr val="FFFFFF"/>
+                </a:solidFill>
+              </a:uFill>
+              <a:latin typeface="Arial"/>
+            </a:endParaRPr>
+          </a:p>
+        </p:txBody>
+      </p:sp>
+      <p:sp>
+        <p:nvSpPr>
+          <p:cNvPr id="172" name="CustomShape 2"/>
+          <p:cNvSpPr/>
+          <p:nvPr/>
+        </p:nvSpPr>
+        <p:spPr>
+          <a:xfrm>
+            <a:off x="2281080" y="999528"/>
+            <a:ext cx="8372520" cy="522720"/>
+          </a:xfrm>
+          <a:prstGeom prst="rect">
+            <a:avLst/>
+          </a:prstGeom>
+          <a:noFill/>
+          <a:ln>
+            <a:noFill/>
+          </a:ln>
+        </p:spPr>
+        <p:style>
+          <a:lnRef idx="0">
+            <a:scrgbClr r="0" g="0" b="0"/>
+          </a:lnRef>
+          <a:fillRef idx="0">
+            <a:scrgbClr r="0" g="0" b="0"/>
+          </a:fillRef>
+          <a:effectRef idx="0">
+            <a:scrgbClr r="0" g="0" b="0"/>
+          </a:effectRef>
+          <a:fontRef idx="minor"/>
+        </p:style>
+        <p:txBody>
+          <a:bodyPr/>
+          <a:lstStyle/>
+          <a:p>
+            <a:pPr>
+              <a:lnSpc>
+                <a:spcPct val="100000"/>
+              </a:lnSpc>
+            </a:pPr>
+            <a:r>
+              <a:rPr lang="en-US" sz="2400" spc="-1" dirty="0">
+                <a:solidFill>
+                  <a:srgbClr val="000000"/>
+                </a:solidFill>
+                <a:uFill>
+                  <a:solidFill>
+                    <a:srgbClr val="FFFFFF"/>
+                  </a:solidFill>
+                </a:uFill>
+                <a:latin typeface="Source Code Pro" panose="020B0509030403020204" pitchFamily="49" charset="77"/>
+                <a:ea typeface="Courier New"/>
+              </a:rPr>
+              <a:t>list(filter(</a:t>
+            </a:r>
+            <a:r>
+              <a:rPr lang="en-US" sz="2400" spc="-1" dirty="0" err="1">
+                <a:solidFill>
+                  <a:srgbClr val="000000"/>
+                </a:solidFill>
+                <a:uFill>
+                  <a:solidFill>
+                    <a:srgbClr val="FFFFFF"/>
+                  </a:solidFill>
+                </a:uFill>
+                <a:latin typeface="Source Code Pro" panose="020B0509030403020204" pitchFamily="49" charset="77"/>
+                <a:ea typeface="Courier New"/>
+              </a:rPr>
+              <a:t>return_false</a:t>
+            </a:r>
+            <a:r>
+              <a:rPr lang="en-US" sz="2400" spc="-1" dirty="0">
+                <a:solidFill>
+                  <a:srgbClr val="000000"/>
+                </a:solidFill>
+                <a:uFill>
+                  <a:solidFill>
+                    <a:srgbClr val="FFFFFF"/>
+                  </a:solidFill>
+                </a:uFill>
+                <a:latin typeface="Source Code Pro" panose="020B0509030403020204" pitchFamily="49" charset="77"/>
+                <a:ea typeface="Courier New"/>
+              </a:rPr>
+              <a:t>, </a:t>
+            </a:r>
+            <a:br>
+              <a:rPr lang="en-US" sz="2400" spc="-1" dirty="0">
+                <a:solidFill>
+                  <a:srgbClr val="000000"/>
+                </a:solidFill>
+                <a:uFill>
+                  <a:solidFill>
+                    <a:srgbClr val="FFFFFF"/>
+                  </a:solidFill>
+                </a:uFill>
+                <a:latin typeface="Source Code Pro" panose="020B0509030403020204" pitchFamily="49" charset="77"/>
+                <a:ea typeface="Courier New"/>
+              </a:rPr>
+            </a:br>
+            <a:r>
+              <a:rPr lang="en-US" sz="2400" spc="-1" dirty="0">
+                <a:solidFill>
+                  <a:srgbClr val="000000"/>
+                </a:solidFill>
+                <a:uFill>
+                  <a:solidFill>
+                    <a:srgbClr val="FFFFFF"/>
+                  </a:solidFill>
+                </a:uFill>
+                <a:latin typeface="Source Code Pro" panose="020B0509030403020204" pitchFamily="49" charset="77"/>
+                <a:ea typeface="Courier New"/>
+              </a:rPr>
+              <a:t>    range(100) </a:t>
+            </a:r>
+          </a:p>
+          <a:p>
+            <a:pPr>
+              <a:lnSpc>
+                <a:spcPct val="100000"/>
+              </a:lnSpc>
+            </a:pPr>
+            <a:r>
+              <a:rPr lang="en-US" sz="2400" spc="-1" dirty="0">
+                <a:solidFill>
+                  <a:srgbClr val="000000"/>
+                </a:solidFill>
+                <a:uFill>
+                  <a:solidFill>
+                    <a:srgbClr val="FFFFFF"/>
+                  </a:solidFill>
+                </a:uFill>
+                <a:latin typeface="Source Code Pro" panose="020B0509030403020204" pitchFamily="49" charset="77"/>
+                <a:ea typeface="Courier New"/>
+              </a:rPr>
+              <a:t>))</a:t>
+            </a:r>
+            <a:br>
+              <a:rPr lang="en-US" sz="2400" spc="-1" dirty="0">
+                <a:solidFill>
+                  <a:srgbClr val="000000"/>
+                </a:solidFill>
+                <a:uFill>
+                  <a:solidFill>
+                    <a:srgbClr val="FFFFFF"/>
+                  </a:solidFill>
+                </a:uFill>
+                <a:latin typeface="Source Code Pro" panose="020B0509030403020204" pitchFamily="49" charset="77"/>
+                <a:ea typeface="Courier New"/>
+              </a:rPr>
+            </a:br>
+            <a:br>
+              <a:rPr lang="en-US" sz="2400" spc="-1" dirty="0">
+                <a:solidFill>
+                  <a:srgbClr val="000000"/>
+                </a:solidFill>
+                <a:uFill>
+                  <a:solidFill>
+                    <a:srgbClr val="FFFFFF"/>
+                  </a:solidFill>
+                </a:uFill>
+                <a:latin typeface="Source Code Pro" panose="020B0509030403020204" pitchFamily="49" charset="77"/>
+                <a:ea typeface="Courier New"/>
+              </a:rPr>
+            </a:br>
+            <a:r>
+              <a:rPr lang="en-US" sz="2400" spc="-1" dirty="0">
+                <a:solidFill>
+                  <a:srgbClr val="000000"/>
+                </a:solidFill>
+                <a:uFill>
+                  <a:solidFill>
+                    <a:srgbClr val="FFFFFF"/>
+                  </a:solidFill>
+                </a:uFill>
+                <a:latin typeface="Source Code Pro" panose="020B0509030403020204" pitchFamily="49" charset="77"/>
+                <a:ea typeface="Courier New"/>
+              </a:rPr>
+              <a:t>Assume </a:t>
+            </a:r>
+            <a:r>
+              <a:rPr lang="en-US" sz="2400" spc="-1" dirty="0" err="1">
+                <a:solidFill>
+                  <a:srgbClr val="000000"/>
+                </a:solidFill>
+                <a:uFill>
+                  <a:solidFill>
+                    <a:srgbClr val="FFFFFF"/>
+                  </a:solidFill>
+                </a:uFill>
+                <a:latin typeface="Source Code Pro" panose="020B0509030403020204" pitchFamily="49" charset="77"/>
+                <a:ea typeface="Courier New"/>
+              </a:rPr>
+              <a:t>return_false</a:t>
+            </a:r>
+            <a:r>
+              <a:rPr lang="en-US" sz="2400" spc="-1" dirty="0">
+                <a:solidFill>
+                  <a:srgbClr val="000000"/>
+                </a:solidFill>
+                <a:uFill>
+                  <a:solidFill>
+                    <a:srgbClr val="FFFFFF"/>
+                  </a:solidFill>
+                </a:uFill>
+                <a:latin typeface="Source Code Pro" panose="020B0509030403020204" pitchFamily="49" charset="77"/>
+                <a:ea typeface="Courier New"/>
+              </a:rPr>
+              <a:t>(42) == False</a:t>
+            </a:r>
+            <a:endParaRPr lang="en-US" sz="2400" spc="-1" dirty="0">
+              <a:solidFill>
+                <a:srgbClr val="000000"/>
+              </a:solidFill>
+              <a:uFill>
+                <a:solidFill>
+                  <a:srgbClr val="FFFFFF"/>
+                </a:solidFill>
+              </a:uFill>
+              <a:latin typeface="Source Code Pro" panose="020B0509030403020204" pitchFamily="49" charset="77"/>
+            </a:endParaRPr>
+          </a:p>
+        </p:txBody>
+      </p:sp>
+      <p:sp>
+        <p:nvSpPr>
+          <p:cNvPr id="174" name="CustomShape 4"/>
+          <p:cNvSpPr/>
+          <p:nvPr/>
+        </p:nvSpPr>
+        <p:spPr>
+          <a:xfrm>
+            <a:off x="1782792" y="3333775"/>
+            <a:ext cx="8807570" cy="3177370"/>
+          </a:xfrm>
+          <a:prstGeom prst="rect">
+            <a:avLst/>
+          </a:prstGeom>
+          <a:noFill/>
+          <a:ln>
+            <a:noFill/>
+          </a:ln>
+        </p:spPr>
+        <p:style>
+          <a:lnRef idx="0">
+            <a:scrgbClr r="0" g="0" b="0"/>
+          </a:lnRef>
+          <a:fillRef idx="0">
+            <a:scrgbClr r="0" g="0" b="0"/>
+          </a:fillRef>
+          <a:effectRef idx="0">
+            <a:scrgbClr r="0" g="0" b="0"/>
+          </a:effectRef>
+          <a:fontRef idx="minor"/>
+        </p:style>
+        <p:txBody>
+          <a:bodyPr/>
+          <a:lstStyle/>
+          <a:p>
+            <a:pPr>
+              <a:lnSpc>
+                <a:spcPct val="100000"/>
+              </a:lnSpc>
+            </a:pPr>
+            <a:r>
+              <a:rPr lang="en-US" sz="2600" spc="-1" dirty="0">
+                <a:solidFill>
+                  <a:srgbClr val="000000"/>
+                </a:solidFill>
+                <a:uFill>
+                  <a:solidFill>
+                    <a:srgbClr val="FFFFFF"/>
+                  </a:solidFill>
+                </a:uFill>
+                <a:latin typeface="Arial"/>
+                <a:ea typeface="Arial"/>
+              </a:rPr>
+              <a:t>A) </a:t>
+            </a:r>
+            <a:r>
+              <a:rPr lang="en-US" sz="2600" spc="-1" dirty="0">
+                <a:solidFill>
+                  <a:srgbClr val="000000"/>
+                </a:solidFill>
+                <a:uFill>
+                  <a:solidFill>
+                    <a:srgbClr val="FFFFFF"/>
+                  </a:solidFill>
+                </a:uFill>
+                <a:latin typeface="Source Code Pro" panose="020B0509030403020204" pitchFamily="49" charset="77"/>
+                <a:ea typeface="Courier New"/>
+              </a:rPr>
+              <a:t>range(0, 100) # A standard range object</a:t>
+            </a:r>
+            <a:endParaRPr lang="en-US" sz="2600" spc="-1" dirty="0">
+              <a:solidFill>
+                <a:srgbClr val="000000"/>
+              </a:solidFill>
+              <a:uFill>
+                <a:solidFill>
+                  <a:srgbClr val="FFFFFF"/>
+                </a:solidFill>
+              </a:uFill>
+              <a:latin typeface="Arial"/>
+              <a:ea typeface="Arial"/>
+            </a:endParaRPr>
+          </a:p>
+          <a:p>
+            <a:pPr>
+              <a:lnSpc>
+                <a:spcPct val="100000"/>
+              </a:lnSpc>
+            </a:pPr>
+            <a:r>
+              <a:rPr lang="en-US" sz="2600" spc="-1" dirty="0">
+                <a:solidFill>
+                  <a:srgbClr val="000000"/>
+                </a:solidFill>
+                <a:uFill>
+                  <a:solidFill>
+                    <a:srgbClr val="FFFFFF"/>
+                  </a:solidFill>
+                </a:uFill>
+                <a:latin typeface="Arial"/>
+              </a:rPr>
+              <a:t>B) </a:t>
+            </a:r>
+            <a:r>
+              <a:rPr lang="en-US" sz="2600" spc="-1" dirty="0">
+                <a:solidFill>
+                  <a:srgbClr val="000000"/>
+                </a:solidFill>
+                <a:uFill>
+                  <a:solidFill>
+                    <a:srgbClr val="FFFFFF"/>
+                  </a:solidFill>
+                </a:uFill>
+                <a:latin typeface="Source Code Pro" panose="020B0509030403020204" pitchFamily="49" charset="77"/>
+                <a:ea typeface="Courier New"/>
+              </a:rPr>
+              <a:t>[0, 1, 2, … 96, 97, 98, 99]</a:t>
+            </a:r>
+            <a:endParaRPr lang="en-US" sz="2600" spc="-1" dirty="0">
+              <a:solidFill>
+                <a:srgbClr val="000000"/>
+              </a:solidFill>
+              <a:uFill>
+                <a:solidFill>
+                  <a:srgbClr val="FFFFFF"/>
+                </a:solidFill>
+              </a:uFill>
+              <a:latin typeface="Arial"/>
+            </a:endParaRPr>
+          </a:p>
+          <a:p>
+            <a:pPr>
+              <a:lnSpc>
+                <a:spcPct val="100000"/>
+              </a:lnSpc>
+            </a:pPr>
+            <a:r>
+              <a:rPr lang="en-US" sz="2600" spc="-1" dirty="0">
+                <a:solidFill>
+                  <a:srgbClr val="000000"/>
+                </a:solidFill>
+                <a:uFill>
+                  <a:solidFill>
+                    <a:srgbClr val="FFFFFF"/>
+                  </a:solidFill>
+                </a:uFill>
+                <a:latin typeface="Arial"/>
+              </a:rPr>
+              <a:t>C) [ ]</a:t>
+            </a:r>
+          </a:p>
+          <a:p>
+            <a:pPr>
+              <a:lnSpc>
+                <a:spcPct val="100000"/>
+              </a:lnSpc>
+            </a:pPr>
+            <a:r>
+              <a:rPr lang="en-US" sz="2600" spc="-1" dirty="0">
+                <a:solidFill>
+                  <a:srgbClr val="000000"/>
+                </a:solidFill>
+                <a:uFill>
+                  <a:solidFill>
+                    <a:srgbClr val="FFFFFF"/>
+                  </a:solidFill>
+                </a:uFill>
+                <a:latin typeface="Arial"/>
+              </a:rPr>
+              <a:t>D) Error</a:t>
+            </a:r>
+          </a:p>
+          <a:p>
+            <a:pPr>
+              <a:lnSpc>
+                <a:spcPct val="100000"/>
+              </a:lnSpc>
+            </a:pPr>
+            <a:r>
+              <a:rPr lang="en-US" sz="2600" spc="-1" dirty="0">
+                <a:solidFill>
+                  <a:srgbClr val="000000"/>
+                </a:solidFill>
+                <a:uFill>
+                  <a:solidFill>
+                    <a:srgbClr val="FFFFFF"/>
+                  </a:solidFill>
+                </a:uFill>
+                <a:latin typeface="Arial"/>
+              </a:rPr>
+              <a:t>E) I'm lost.</a:t>
+            </a:r>
+          </a:p>
+        </p:txBody>
+      </p:sp>
+      <p:sp>
+        <p:nvSpPr>
+          <p:cNvPr id="178" name="TextShape 8"/>
+          <p:cNvSpPr txBox="1"/>
+          <p:nvPr/>
+        </p:nvSpPr>
+        <p:spPr>
+          <a:xfrm>
+            <a:off x="10134480" y="6553080"/>
+            <a:ext cx="533160" cy="304560"/>
+          </a:xfrm>
+          <a:prstGeom prst="rect">
+            <a:avLst/>
+          </a:prstGeom>
+          <a:noFill/>
+          <a:ln>
+            <a:noFill/>
+          </a:ln>
+        </p:spPr>
+        <p:txBody>
+          <a:bodyPr lIns="92160" tIns="46080" rIns="92160" bIns="46080" anchor="ctr"/>
+          <a:lstStyle/>
+          <a:p>
+            <a:pPr algn="r">
+              <a:lnSpc>
+                <a:spcPct val="100000"/>
+              </a:lnSpc>
+            </a:pPr>
+            <a:fld id="{713BEC69-ACC0-4745-91F6-6864BC87B08D}" type="slidenum">
+              <a:rPr lang="en-US" sz="1400" b="1" spc="-1">
+                <a:solidFill>
+                  <a:srgbClr val="FF9900"/>
+                </a:solidFill>
+                <a:uFill>
+                  <a:solidFill>
+                    <a:srgbClr val="FFFFFF"/>
+                  </a:solidFill>
+                </a:uFill>
+                <a:latin typeface="Times New Roman"/>
+                <a:ea typeface="Times New Roman"/>
+              </a:rPr>
+              <a:t>44</a:t>
+            </a:fld>
+            <a:endParaRPr lang="en-US" sz="1400" spc="-1">
+              <a:solidFill>
+                <a:srgbClr val="000000"/>
+              </a:solidFill>
+              <a:uFill>
+                <a:solidFill>
+                  <a:srgbClr val="FFFFFF"/>
+                </a:solidFill>
+              </a:uFill>
+              <a:latin typeface="Times New Roman"/>
+            </a:endParaRPr>
+          </a:p>
+        </p:txBody>
+      </p:sp>
+      <p:sp>
+        <p:nvSpPr>
+          <p:cNvPr id="179" name="CustomShape 9"/>
+          <p:cNvSpPr/>
+          <p:nvPr/>
+        </p:nvSpPr>
+        <p:spPr>
+          <a:xfrm>
+            <a:off x="1524000" y="6553080"/>
+            <a:ext cx="1523520" cy="304560"/>
+          </a:xfrm>
+          <a:prstGeom prst="rect">
+            <a:avLst/>
+          </a:prstGeom>
+          <a:noFill/>
+          <a:ln w="9360">
+            <a:noFill/>
+          </a:ln>
+        </p:spPr>
+        <p:style>
+          <a:lnRef idx="0">
+            <a:scrgbClr r="0" g="0" b="0"/>
+          </a:lnRef>
+          <a:fillRef idx="0">
+            <a:scrgbClr r="0" g="0" b="0"/>
+          </a:fillRef>
+          <a:effectRef idx="0">
+            <a:scrgbClr r="0" g="0" b="0"/>
+          </a:effectRef>
+          <a:fontRef idx="minor"/>
+        </p:style>
+        <p:txBody>
+          <a:bodyPr wrap="none" lIns="92160" tIns="46080" rIns="92160" bIns="46080" anchor="ctr"/>
+          <a:lstStyle/>
+          <a:p>
+            <a:pPr>
+              <a:lnSpc>
+                <a:spcPct val="100000"/>
+              </a:lnSpc>
+            </a:pPr>
+            <a:r>
+              <a:rPr lang="en-US" sz="1200" b="1" spc="-1" dirty="0">
+                <a:solidFill>
+                  <a:srgbClr val="FF9900"/>
+                </a:solidFill>
+                <a:uFill>
+                  <a:solidFill>
+                    <a:srgbClr val="FFFFFF"/>
+                  </a:solidFill>
+                </a:uFill>
+                <a:latin typeface="Times New Roman"/>
+                <a:ea typeface="ＭＳ Ｐゴシック"/>
+              </a:rPr>
+              <a:t>02/10/2020</a:t>
+            </a:r>
+            <a:endParaRPr lang="en-US" spc="-1" dirty="0">
+              <a:solidFill>
+                <a:srgbClr val="000000"/>
+              </a:solidFill>
+              <a:uFill>
+                <a:solidFill>
+                  <a:srgbClr val="FFFFFF"/>
+                </a:solidFill>
+              </a:uFill>
+              <a:latin typeface="Arial"/>
+            </a:endParaRPr>
+          </a:p>
+        </p:txBody>
+      </p:sp>
+      <p:sp>
+        <p:nvSpPr>
+          <p:cNvPr id="180" name="TextShape 10"/>
+          <p:cNvSpPr txBox="1"/>
+          <p:nvPr/>
+        </p:nvSpPr>
+        <p:spPr>
+          <a:xfrm>
+            <a:off x="4572120" y="6553080"/>
+            <a:ext cx="2895120" cy="304560"/>
+          </a:xfrm>
+          <a:prstGeom prst="rect">
+            <a:avLst/>
+          </a:prstGeom>
+          <a:noFill/>
+          <a:ln>
+            <a:noFill/>
+          </a:ln>
+        </p:spPr>
+        <p:txBody>
+          <a:bodyPr lIns="92160" tIns="46080" rIns="92160" bIns="46080" anchor="ctr"/>
+          <a:lstStyle/>
+          <a:p>
+            <a:pPr algn="ctr">
+              <a:lnSpc>
+                <a:spcPct val="100000"/>
+              </a:lnSpc>
+            </a:pPr>
+            <a:r>
+              <a:rPr lang="en-US" sz="1200" b="1" spc="-1" dirty="0">
+                <a:solidFill>
+                  <a:srgbClr val="114FFB"/>
+                </a:solidFill>
+                <a:uFill>
+                  <a:solidFill>
+                    <a:srgbClr val="FFFFFF"/>
+                  </a:solidFill>
+                </a:uFill>
+                <a:latin typeface="Helvetica Neue"/>
+                <a:ea typeface="Helvetica Neue"/>
+              </a:rPr>
+              <a:t>UCB CS88 Fa20 L6</a:t>
+            </a:r>
+            <a:endParaRPr lang="en-US" sz="1200" spc="-1" dirty="0">
+              <a:solidFill>
+                <a:srgbClr val="000000"/>
+              </a:solidFill>
+              <a:uFill>
+                <a:solidFill>
+                  <a:srgbClr val="FFFFFF"/>
+                </a:solidFill>
+              </a:uFill>
+              <a:latin typeface="Times New Roman"/>
+            </a:endParaRPr>
+          </a:p>
+        </p:txBody>
+      </p:sp>
+    </p:spTree>
+    <p:extLst>
+      <p:ext uri="{BB962C8B-B14F-4D97-AF65-F5344CB8AC3E}">
+        <p14:creationId xmlns:p14="http://schemas.microsoft.com/office/powerpoint/2010/main" val="1031151941"/>
+      </p:ext>
+    </p:extLst>
+  </p:cSld>
+  <p:clrMapOvr>
+    <a:masterClrMapping/>
+  </p:clrMapOvr>
+  <p:timing>
+    <p:tnLst>
+      <p:par>
+        <p:cTn id="1" dur="indefinite" restart="never" nodeType="tmRoot">
+          <p:childTnLst>
+            <p:seq>
+              <p:cTn id="2" nodeType="mainSeq"/>
+              <p:prevCondLst>
+                <p:cond evt="onPrev" delay="0">
+                  <p:tgtEl>
+                    <p:sldTgt/>
+                  </p:tgtEl>
+                </p:cond>
+              </p:prevCondLst>
+              <p:nextCondLst>
+                <p:cond evt="onNext" delay="0">
+                  <p:tgtEl>
+                    <p:sldTgt/>
+                  </p:tgtEl>
+                </p:cond>
+              </p:nextCondLst>
+            </p:seq>
+          </p:childTnLst>
+        </p:cTn>
+      </p:par>
+    </p:tnLst>
+  </p:timing>
+</p:sld>
+</file>
+
+<file path=ppt/slides/slide45.xml><?xml version="1.0" encoding="utf-8"?>
+<p:sld xmlns:a="http://schemas.openxmlformats.org/drawingml/2006/main" xmlns:r="http://schemas.openxmlformats.org/officeDocument/2006/relationships" xmlns:p="http://schemas.openxmlformats.org/presentationml/2006/main" show="0">
+  <p:cSld>
+    <p:spTree>
+      <p:nvGrpSpPr>
+        <p:cNvPr id="1" name=""/>
+        <p:cNvGrpSpPr/>
+        <p:nvPr/>
+      </p:nvGrpSpPr>
+      <p:grpSpPr>
+        <a:xfrm>
+          <a:off x="0" y="0"/>
+          <a:ext cx="0" cy="0"/>
+          <a:chOff x="0" y="0"/>
+          <a:chExt cx="0" cy="0"/>
+        </a:xfrm>
+      </p:grpSpPr>
+      <p:sp>
+        <p:nvSpPr>
           <p:cNvPr id="154" name="TextShape 1"/>
           <p:cNvSpPr txBox="1"/>
           <p:nvPr/>
@@ -26425,7 +28522,7 @@
                 <a:latin typeface="Times New Roman"/>
                 <a:ea typeface="Times New Roman"/>
               </a:rPr>
-              <a:t>44</a:t>
+              <a:t>45</a:t>
             </a:fld>
             <a:endParaRPr lang="en-US" sz="1400" spc="-1">
               <a:solidFill>
@@ -26887,7 +28984,7 @@
 </p:sld>
 </file>
 
-<file path=ppt/slides/slide45.xml><?xml version="1.0" encoding="utf-8"?>
+<file path=ppt/slides/slide46.xml><?xml version="1.0" encoding="utf-8"?>
 <p:sld xmlns:a="http://schemas.openxmlformats.org/drawingml/2006/main" xmlns:r="http://schemas.openxmlformats.org/officeDocument/2006/relationships" xmlns:p="http://schemas.openxmlformats.org/presentationml/2006/main" show="0">
   <p:cSld>
     <p:spTree>
@@ -27592,7 +29689,7 @@
                 <a:latin typeface="Times New Roman"/>
                 <a:ea typeface="Times New Roman"/>
               </a:rPr>
-              <a:t>45</a:t>
+              <a:t>46</a:t>
             </a:fld>
             <a:endParaRPr lang="en-US" sz="1400" spc="-1">
               <a:solidFill>
@@ -27929,6 +30026,264 @@
           <p:cNvPr id="2" name="Title 1">
             <a:extLst>
               <a:ext uri="{FF2B5EF4-FFF2-40B4-BE49-F238E27FC236}">
+                <a16:creationId xmlns:a16="http://schemas.microsoft.com/office/drawing/2014/main" id="{C7162243-B7BE-0F46-83D8-54C33AA9C375}"/>
+              </a:ext>
+            </a:extLst>
+          </p:cNvPr>
+          <p:cNvSpPr>
+            <a:spLocks noGrp="1"/>
+          </p:cNvSpPr>
+          <p:nvPr>
+            <p:ph type="title"/>
+          </p:nvPr>
+        </p:nvSpPr>
+        <p:spPr/>
+        <p:txBody>
+          <a:bodyPr/>
+          <a:lstStyle/>
+          <a:p>
+            <a:r>
+              <a:rPr lang="en-US" dirty="0"/>
+              <a:t>Learning Objectives</a:t>
+            </a:r>
+          </a:p>
+        </p:txBody>
+      </p:sp>
+      <p:sp>
+        <p:nvSpPr>
+          <p:cNvPr id="3" name="Content Placeholder 2">
+            <a:extLst>
+              <a:ext uri="{FF2B5EF4-FFF2-40B4-BE49-F238E27FC236}">
+                <a16:creationId xmlns:a16="http://schemas.microsoft.com/office/drawing/2014/main" id="{0B25816F-54D8-8E4B-B483-3DADB5D96C8E}"/>
+              </a:ext>
+            </a:extLst>
+          </p:cNvPr>
+          <p:cNvSpPr>
+            <a:spLocks noGrp="1"/>
+          </p:cNvSpPr>
+          <p:nvPr>
+            <p:ph idx="1"/>
+          </p:nvPr>
+        </p:nvSpPr>
+        <p:spPr/>
+        <p:txBody>
+          <a:bodyPr/>
+          <a:lstStyle/>
+          <a:p>
+            <a:r>
+              <a:rPr lang="en-US" dirty="0"/>
+              <a:t>Lambda are anonymous functions, which are expressions</a:t>
+            </a:r>
+          </a:p>
+          <a:p>
+            <a:pPr lvl="1"/>
+            <a:r>
+              <a:rPr lang="en-US" dirty="0"/>
+              <a:t>Don’t use </a:t>
+            </a:r>
+            <a:r>
+              <a:rPr lang="en-US" dirty="0">
+                <a:latin typeface="Source Code Pro" panose="020B0509030403020204" pitchFamily="49" charset="77"/>
+              </a:rPr>
+              <a:t>return</a:t>
+            </a:r>
+            <a:r>
+              <a:rPr lang="en-US" dirty="0"/>
+              <a:t>, lambdas always return the value of the expression.</a:t>
+            </a:r>
+          </a:p>
+          <a:p>
+            <a:pPr lvl="1"/>
+            <a:r>
+              <a:rPr lang="en-US" dirty="0"/>
+              <a:t>They are typically short and concise</a:t>
+            </a:r>
+          </a:p>
+          <a:p>
+            <a:pPr lvl="1"/>
+            <a:r>
+              <a:rPr lang="en-US" dirty="0"/>
+              <a:t>They don’t have an “intrinsic” name when using an environment diagram.</a:t>
+            </a:r>
+          </a:p>
+          <a:p>
+            <a:pPr lvl="2"/>
+            <a:r>
+              <a:rPr lang="en-US" dirty="0"/>
+              <a:t> Their name is the character 𝜆</a:t>
+            </a:r>
+          </a:p>
+          <a:p>
+            <a:pPr marL="0" indent="0">
+              <a:buNone/>
+            </a:pPr>
+            <a:endParaRPr lang="en-US" dirty="0"/>
+          </a:p>
+        </p:txBody>
+      </p:sp>
+      <p:sp>
+        <p:nvSpPr>
+          <p:cNvPr id="4" name="Footer Placeholder 3">
+            <a:extLst>
+              <a:ext uri="{FF2B5EF4-FFF2-40B4-BE49-F238E27FC236}">
+                <a16:creationId xmlns:a16="http://schemas.microsoft.com/office/drawing/2014/main" id="{D8C4EC5F-BD14-2F74-DAD3-D0FF62CC87BA}"/>
+              </a:ext>
+            </a:extLst>
+          </p:cNvPr>
+          <p:cNvSpPr txBox="1">
+            <a:spLocks/>
+          </p:cNvSpPr>
+          <p:nvPr/>
+        </p:nvSpPr>
+        <p:spPr>
+          <a:xfrm>
+            <a:off x="4191000" y="6372575"/>
+            <a:ext cx="4572000" cy="303743"/>
+          </a:xfrm>
+          <a:prstGeom prst="rect">
+            <a:avLst/>
+          </a:prstGeom>
+        </p:spPr>
+        <p:txBody>
+          <a:bodyPr vert="horz" lIns="91440" tIns="45720" rIns="91440" bIns="45720" rtlCol="0" anchor="ctr"/>
+          <a:lstStyle>
+            <a:defPPr>
+              <a:defRPr lang="en-US"/>
+            </a:defPPr>
+            <a:lvl1pPr marL="0" algn="ctr" defTabSz="914400" rtl="0" eaLnBrk="1" latinLnBrk="0" hangingPunct="1">
+              <a:defRPr sz="1200" b="0" i="0" kern="1200">
+                <a:solidFill>
+                  <a:schemeClr val="accent3"/>
+                </a:solidFill>
+                <a:latin typeface="FreightMicro Pro Medium" panose="02000603020000020004" pitchFamily="2" charset="0"/>
+                <a:ea typeface="FreightMicro Pro Book" panose="02000603020000020004" pitchFamily="2" charset="0"/>
+                <a:cs typeface="FreightMicro Pro Book" panose="02000603020000020004" pitchFamily="2" charset="0"/>
+              </a:defRPr>
+            </a:lvl1pPr>
+            <a:lvl2pPr marL="457200" algn="l" defTabSz="914400" rtl="0" eaLnBrk="1" latinLnBrk="0" hangingPunct="1">
+              <a:defRPr sz="1800" kern="1200">
+                <a:solidFill>
+                  <a:schemeClr val="tx1"/>
+                </a:solidFill>
+                <a:latin typeface="+mn-lt"/>
+                <a:ea typeface="+mn-ea"/>
+                <a:cs typeface="+mn-cs"/>
+              </a:defRPr>
+            </a:lvl2pPr>
+            <a:lvl3pPr marL="914400" algn="l" defTabSz="914400" rtl="0" eaLnBrk="1" latinLnBrk="0" hangingPunct="1">
+              <a:defRPr sz="1800" kern="1200">
+                <a:solidFill>
+                  <a:schemeClr val="tx1"/>
+                </a:solidFill>
+                <a:latin typeface="+mn-lt"/>
+                <a:ea typeface="+mn-ea"/>
+                <a:cs typeface="+mn-cs"/>
+              </a:defRPr>
+            </a:lvl3pPr>
+            <a:lvl4pPr marL="1371600" algn="l" defTabSz="914400" rtl="0" eaLnBrk="1" latinLnBrk="0" hangingPunct="1">
+              <a:defRPr sz="1800" kern="1200">
+                <a:solidFill>
+                  <a:schemeClr val="tx1"/>
+                </a:solidFill>
+                <a:latin typeface="+mn-lt"/>
+                <a:ea typeface="+mn-ea"/>
+                <a:cs typeface="+mn-cs"/>
+              </a:defRPr>
+            </a:lvl4pPr>
+            <a:lvl5pPr marL="1828800" algn="l" defTabSz="914400" rtl="0" eaLnBrk="1" latinLnBrk="0" hangingPunct="1">
+              <a:defRPr sz="1800" kern="1200">
+                <a:solidFill>
+                  <a:schemeClr val="tx1"/>
+                </a:solidFill>
+                <a:latin typeface="+mn-lt"/>
+                <a:ea typeface="+mn-ea"/>
+                <a:cs typeface="+mn-cs"/>
+              </a:defRPr>
+            </a:lvl5pPr>
+            <a:lvl6pPr marL="2286000" algn="l" defTabSz="914400" rtl="0" eaLnBrk="1" latinLnBrk="0" hangingPunct="1">
+              <a:defRPr sz="1800" kern="1200">
+                <a:solidFill>
+                  <a:schemeClr val="tx1"/>
+                </a:solidFill>
+                <a:latin typeface="+mn-lt"/>
+                <a:ea typeface="+mn-ea"/>
+                <a:cs typeface="+mn-cs"/>
+              </a:defRPr>
+            </a:lvl6pPr>
+            <a:lvl7pPr marL="2743200" algn="l" defTabSz="914400" rtl="0" eaLnBrk="1" latinLnBrk="0" hangingPunct="1">
+              <a:defRPr sz="1800" kern="1200">
+                <a:solidFill>
+                  <a:schemeClr val="tx1"/>
+                </a:solidFill>
+                <a:latin typeface="+mn-lt"/>
+                <a:ea typeface="+mn-ea"/>
+                <a:cs typeface="+mn-cs"/>
+              </a:defRPr>
+            </a:lvl7pPr>
+            <a:lvl8pPr marL="3200400" algn="l" defTabSz="914400" rtl="0" eaLnBrk="1" latinLnBrk="0" hangingPunct="1">
+              <a:defRPr sz="1800" kern="1200">
+                <a:solidFill>
+                  <a:schemeClr val="tx1"/>
+                </a:solidFill>
+                <a:latin typeface="+mn-lt"/>
+                <a:ea typeface="+mn-ea"/>
+                <a:cs typeface="+mn-cs"/>
+              </a:defRPr>
+            </a:lvl8pPr>
+            <a:lvl9pPr marL="3657600" algn="l" defTabSz="914400" rtl="0" eaLnBrk="1" latinLnBrk="0" hangingPunct="1">
+              <a:defRPr sz="1800" kern="1200">
+                <a:solidFill>
+                  <a:schemeClr val="tx1"/>
+                </a:solidFill>
+                <a:latin typeface="+mn-lt"/>
+                <a:ea typeface="+mn-ea"/>
+                <a:cs typeface="+mn-cs"/>
+              </a:defRPr>
+            </a:lvl9pPr>
+          </a:lstStyle>
+          <a:p>
+            <a:r>
+              <a:rPr lang="en-US" dirty="0"/>
+              <a:t>Eric Kim | UC Berkeley | https://c88c.org | © CC BY-NC-SA</a:t>
+            </a:r>
+          </a:p>
+        </p:txBody>
+      </p:sp>
+    </p:spTree>
+    <p:extLst>
+      <p:ext uri="{BB962C8B-B14F-4D97-AF65-F5344CB8AC3E}">
+        <p14:creationId xmlns:p14="http://schemas.microsoft.com/office/powerpoint/2010/main" val="1797958657"/>
+      </p:ext>
+    </p:extLst>
+  </p:cSld>
+  <p:clrMapOvr>
+    <a:masterClrMapping/>
+  </p:clrMapOvr>
+</p:sld>
+</file>
+
+<file path=ppt/slides/slide6.xml><?xml version="1.0" encoding="utf-8"?>
+<p:sld xmlns:a="http://schemas.openxmlformats.org/drawingml/2006/main" xmlns:r="http://schemas.openxmlformats.org/officeDocument/2006/relationships" xmlns:p="http://schemas.openxmlformats.org/presentationml/2006/main">
+  <p:cSld>
+    <p:spTree>
+      <p:nvGrpSpPr>
+        <p:cNvPr id="1" name=""/>
+        <p:cNvGrpSpPr/>
+        <p:nvPr/>
+      </p:nvGrpSpPr>
+      <p:grpSpPr>
+        <a:xfrm>
+          <a:off x="0" y="0"/>
+          <a:ext cx="0" cy="0"/>
+          <a:chOff x="0" y="0"/>
+          <a:chExt cx="0" cy="0"/>
+        </a:xfrm>
+      </p:grpSpPr>
+      <p:sp>
+        <p:nvSpPr>
+          <p:cNvPr id="2" name="Title 1">
+            <a:extLst>
+              <a:ext uri="{FF2B5EF4-FFF2-40B4-BE49-F238E27FC236}">
                 <a16:creationId xmlns:a16="http://schemas.microsoft.com/office/drawing/2014/main" id="{8447638B-397C-8EC7-F39F-75BD2F6A2376}"/>
               </a:ext>
             </a:extLst>
@@ -28139,10 +30494,9 @@
           </a:lstStyle>
           <a:p>
             <a:r>
-              <a:rPr lang="en-US"/>
-              <a:t>Michael Ball | UC Berkeley | https://c88c.org | © CC BY-NC-SA</a:t>
-            </a:r>
-            <a:endParaRPr lang="en-US" dirty="0"/>
+              <a:rPr lang="en-US" dirty="0"/>
+              <a:t>Eric Kim | UC Berkeley | https://c88c.org | © CC BY-NC-SA</a:t>
+            </a:r>
           </a:p>
         </p:txBody>
       </p:sp>
@@ -28159,7 +30513,7 @@
 </p:sld>
 </file>
 
-<file path=ppt/slides/slide6.xml><?xml version="1.0" encoding="utf-8"?>
+<file path=ppt/slides/slide7.xml><?xml version="1.0" encoding="utf-8"?>
 <p:sld xmlns:a="http://schemas.openxmlformats.org/drawingml/2006/main" xmlns:r="http://schemas.openxmlformats.org/officeDocument/2006/relationships" xmlns:p="http://schemas.openxmlformats.org/presentationml/2006/main">
   <p:cSld>
     <p:spTree>
@@ -28306,10 +30660,9 @@
           <a:lstStyle/>
           <a:p>
             <a:r>
-              <a:rPr lang="en-US"/>
-              <a:t>Michael Ball | UC Berkeley | https://c88c.org | © CC BY-NC-SA</a:t>
-            </a:r>
-            <a:endParaRPr lang="en-US" dirty="0"/>
+              <a:rPr lang="en-US" dirty="0"/>
+              <a:t>Eric Kim | UC Berkeley | https://c88c.org | © CC BY-NC-SA</a:t>
+            </a:r>
           </a:p>
         </p:txBody>
       </p:sp>
@@ -28604,7 +30957,7 @@
 </p:sld>
 </file>
 
-<file path=ppt/slides/slide7.xml><?xml version="1.0" encoding="utf-8"?>
+<file path=ppt/slides/slide8.xml><?xml version="1.0" encoding="utf-8"?>
 <p:sld xmlns:a="http://schemas.openxmlformats.org/drawingml/2006/main" xmlns:r="http://schemas.openxmlformats.org/officeDocument/2006/relationships" xmlns:p="http://schemas.openxmlformats.org/presentationml/2006/main">
   <p:cSld>
     <p:spTree>
@@ -29071,10 +31424,9 @@
           <a:lstStyle/>
           <a:p>
             <a:r>
-              <a:rPr lang="en-US"/>
-              <a:t>Michael Ball | UC Berkeley | https://c88c.org | © CC BY-NC-SA</a:t>
-            </a:r>
-            <a:endParaRPr lang="en-US" dirty="0"/>
+              <a:rPr lang="en-US" dirty="0"/>
+              <a:t>Eric Kim | UC Berkeley | https://c88c.org | © CC BY-NC-SA</a:t>
+            </a:r>
           </a:p>
         </p:txBody>
       </p:sp>
@@ -29091,7 +31443,7 @@
 </p:sld>
 </file>
 
-<file path=ppt/slides/slide8.xml><?xml version="1.0" encoding="utf-8"?>
+<file path=ppt/slides/slide9.xml><?xml version="1.0" encoding="utf-8"?>
 <p:sld xmlns:a="http://schemas.openxmlformats.org/drawingml/2006/main" xmlns:r="http://schemas.openxmlformats.org/officeDocument/2006/relationships" xmlns:p="http://schemas.openxmlformats.org/presentationml/2006/main">
   <p:cSld>
     <p:spTree>
@@ -29315,10 +31667,9 @@
           <a:lstStyle/>
           <a:p>
             <a:r>
-              <a:rPr lang="en-US"/>
-              <a:t>Michael Ball | UC Berkeley | https://c88c.org | © CC BY-NC-SA</a:t>
-            </a:r>
-            <a:endParaRPr lang="en-US" dirty="0"/>
+              <a:rPr lang="en-US" dirty="0"/>
+              <a:t>Eric Kim | UC Berkeley | https://c88c.org | © CC BY-NC-SA</a:t>
+            </a:r>
           </a:p>
         </p:txBody>
       </p:sp>
@@ -29326,259 +31677,6 @@
     <p:extLst>
       <p:ext uri="{BB962C8B-B14F-4D97-AF65-F5344CB8AC3E}">
         <p14:creationId xmlns:p14="http://schemas.microsoft.com/office/powerpoint/2010/main" val="1334182020"/>
-      </p:ext>
-    </p:extLst>
-  </p:cSld>
-  <p:clrMapOvr>
-    <a:masterClrMapping/>
-  </p:clrMapOvr>
-</p:sld>
-</file>
-
-<file path=ppt/slides/slide9.xml><?xml version="1.0" encoding="utf-8"?>
-<p:sld xmlns:a="http://schemas.openxmlformats.org/drawingml/2006/main" xmlns:r="http://schemas.openxmlformats.org/officeDocument/2006/relationships" xmlns:p="http://schemas.openxmlformats.org/presentationml/2006/main" show="0">
-  <p:cSld>
-    <p:spTree>
-      <p:nvGrpSpPr>
-        <p:cNvPr id="1" name="">
-          <a:extLst>
-            <a:ext uri="{FF2B5EF4-FFF2-40B4-BE49-F238E27FC236}">
-              <a16:creationId xmlns:a16="http://schemas.microsoft.com/office/drawing/2014/main" id="{B04580E2-FA17-865B-D3FA-D5EE43D9D3BF}"/>
-            </a:ext>
-          </a:extLst>
-        </p:cNvPr>
-        <p:cNvGrpSpPr/>
-        <p:nvPr/>
-      </p:nvGrpSpPr>
-      <p:grpSpPr>
-        <a:xfrm>
-          <a:off x="0" y="0"/>
-          <a:ext cx="0" cy="0"/>
-          <a:chOff x="0" y="0"/>
-          <a:chExt cx="0" cy="0"/>
-        </a:xfrm>
-      </p:grpSpPr>
-      <p:sp>
-        <p:nvSpPr>
-          <p:cNvPr id="2" name="Title 1">
-            <a:extLst>
-              <a:ext uri="{FF2B5EF4-FFF2-40B4-BE49-F238E27FC236}">
-                <a16:creationId xmlns:a16="http://schemas.microsoft.com/office/drawing/2014/main" id="{3BD938BA-E9AC-2EC2-1DED-52E86BE6F1C7}"/>
-              </a:ext>
-            </a:extLst>
-          </p:cNvPr>
-          <p:cNvSpPr>
-            <a:spLocks noGrp="1"/>
-          </p:cNvSpPr>
-          <p:nvPr>
-            <p:ph type="title"/>
-          </p:nvPr>
-        </p:nvSpPr>
-        <p:spPr/>
-        <p:txBody>
-          <a:bodyPr/>
-          <a:lstStyle/>
-          <a:p>
-            <a:r>
-              <a:rPr lang="en-US" dirty="0"/>
-              <a:t>More Python HOFs</a:t>
-            </a:r>
-          </a:p>
-        </p:txBody>
-      </p:sp>
-      <p:sp>
-        <p:nvSpPr>
-          <p:cNvPr id="3" name="Content Placeholder 2">
-            <a:extLst>
-              <a:ext uri="{FF2B5EF4-FFF2-40B4-BE49-F238E27FC236}">
-                <a16:creationId xmlns:a16="http://schemas.microsoft.com/office/drawing/2014/main" id="{D803E12D-C7B4-DB9F-CE07-A76715B9A4BB}"/>
-              </a:ext>
-            </a:extLst>
-          </p:cNvPr>
-          <p:cNvSpPr>
-            <a:spLocks noGrp="1"/>
-          </p:cNvSpPr>
-          <p:nvPr>
-            <p:ph idx="1"/>
-          </p:nvPr>
-        </p:nvSpPr>
-        <p:spPr/>
-        <p:txBody>
-          <a:bodyPr/>
-          <a:lstStyle/>
-          <a:p>
-            <a:r>
-              <a:rPr lang="en-US" sz="2400" dirty="0"/>
-              <a:t> sorted – sorts a list of data</a:t>
-            </a:r>
-          </a:p>
-          <a:p>
-            <a:r>
-              <a:rPr lang="en-US" sz="2400" dirty="0"/>
-              <a:t> min</a:t>
-            </a:r>
-          </a:p>
-          <a:p>
-            <a:r>
-              <a:rPr lang="en-US" sz="2400" dirty="0"/>
-              <a:t> max</a:t>
-            </a:r>
-          </a:p>
-          <a:p>
-            <a:pPr marL="0" indent="0">
-              <a:buNone/>
-            </a:pPr>
-            <a:r>
-              <a:rPr lang="en-US" sz="2400" dirty="0"/>
-              <a:t>All three take in an optional argument called </a:t>
-            </a:r>
-            <a:r>
-              <a:rPr lang="en-US" sz="2400" dirty="0">
-                <a:latin typeface="Source Code Pro" panose="020B0309030403020204" pitchFamily="34" charset="0"/>
-                <a:ea typeface="Source Code Pro" panose="020B0309030403020204" pitchFamily="34" charset="0"/>
-              </a:rPr>
-              <a:t>key</a:t>
-            </a:r>
-            <a:r>
-              <a:rPr lang="en-US" sz="2400" dirty="0"/>
-              <a:t> which allows us to control how the function performs its action. They are more similar to filter than map.</a:t>
-            </a:r>
-          </a:p>
-          <a:p>
-            <a:pPr marL="0" indent="0">
-              <a:buNone/>
-            </a:pPr>
-            <a:endParaRPr lang="en-US" sz="2400" dirty="0"/>
-          </a:p>
-          <a:p>
-            <a:pPr marL="0" indent="0">
-              <a:buNone/>
-            </a:pPr>
-            <a:r>
-              <a:rPr lang="en-US" sz="2000" dirty="0">
-                <a:solidFill>
-                  <a:schemeClr val="dk1"/>
-                </a:solidFill>
-                <a:latin typeface="Source Code Pro" panose="020B0509030403020204" pitchFamily="49" charset="77"/>
-                <a:ea typeface="Courier"/>
-                <a:cs typeface="Courier"/>
-                <a:sym typeface="Courier"/>
-              </a:rPr>
-              <a:t>max([1,2,3,4,5], key = </a:t>
-            </a:r>
-            <a:r>
-              <a:rPr lang="en-US" sz="2000" b="1" dirty="0">
-                <a:solidFill>
-                  <a:schemeClr val="dk1"/>
-                </a:solidFill>
-                <a:latin typeface="Source Code Pro" panose="020B0509030403020204" pitchFamily="49" charset="77"/>
-                <a:ea typeface="Courier"/>
-                <a:cs typeface="Courier"/>
-                <a:sym typeface="Courier"/>
-              </a:rPr>
-              <a:t>lambda x: -x</a:t>
-            </a:r>
-            <a:r>
-              <a:rPr lang="en-US" sz="2000" dirty="0">
-                <a:solidFill>
-                  <a:schemeClr val="dk1"/>
-                </a:solidFill>
-                <a:latin typeface="Source Code Pro" panose="020B0509030403020204" pitchFamily="49" charset="77"/>
-                <a:ea typeface="Courier"/>
-                <a:cs typeface="Courier"/>
-                <a:sym typeface="Courier"/>
-              </a:rPr>
-              <a:t>)</a:t>
-            </a:r>
-          </a:p>
-          <a:p>
-            <a:pPr marL="0" indent="0">
-              <a:buNone/>
-            </a:pPr>
-            <a:r>
-              <a:rPr lang="en-US" sz="2400" dirty="0"/>
-              <a:t>key is the name of the argument and a lambda is its value.</a:t>
-            </a:r>
-          </a:p>
-          <a:p>
-            <a:pPr marL="0" indent="0">
-              <a:buNone/>
-            </a:pPr>
-            <a:endParaRPr lang="en-US" sz="2400" dirty="0"/>
-          </a:p>
-          <a:p>
-            <a:pPr marL="0" indent="0">
-              <a:buNone/>
-            </a:pPr>
-            <a:r>
-              <a:rPr lang="en-US" sz="2400" dirty="0">
-                <a:latin typeface="Source Code Pro" panose="020B0309030403020204" pitchFamily="34" charset="0"/>
-                <a:ea typeface="Source Code Pro" panose="020B0309030403020204" pitchFamily="34" charset="0"/>
-              </a:rPr>
-              <a:t>fruits = ["pear", "grape", "KIWI", "APPLE", "melon", "ORANGE", "BANANA"]</a:t>
-            </a:r>
-          </a:p>
-          <a:p>
-            <a:pPr marL="0" indent="0">
-              <a:buNone/>
-            </a:pPr>
-            <a:r>
-              <a:rPr lang="en-US" sz="2400" dirty="0">
-                <a:latin typeface="Source Code Pro" panose="020B0309030403020204" pitchFamily="34" charset="0"/>
-                <a:ea typeface="Source Code Pro" panose="020B0309030403020204" pitchFamily="34" charset="0"/>
-              </a:rPr>
-              <a:t>sorted(key=lambda x: </a:t>
-            </a:r>
-            <a:r>
-              <a:rPr lang="en-US" sz="2400" dirty="0" err="1">
-                <a:latin typeface="Source Code Pro" panose="020B0309030403020204" pitchFamily="34" charset="0"/>
-                <a:ea typeface="Source Code Pro" panose="020B0309030403020204" pitchFamily="34" charset="0"/>
-              </a:rPr>
-              <a:t>x.lower</a:t>
-            </a:r>
-            <a:r>
-              <a:rPr lang="en-US" sz="2400" dirty="0">
-                <a:latin typeface="Source Code Pro" panose="020B0309030403020204" pitchFamily="34" charset="0"/>
-                <a:ea typeface="Source Code Pro" panose="020B0309030403020204" pitchFamily="34" charset="0"/>
-              </a:rPr>
-              <a:t>())</a:t>
-            </a:r>
-          </a:p>
-        </p:txBody>
-      </p:sp>
-      <p:sp>
-        <p:nvSpPr>
-          <p:cNvPr id="4" name="Footer Placeholder 3">
-            <a:extLst>
-              <a:ext uri="{FF2B5EF4-FFF2-40B4-BE49-F238E27FC236}">
-                <a16:creationId xmlns:a16="http://schemas.microsoft.com/office/drawing/2014/main" id="{A9C9B3A2-DD44-18BE-2F9D-ABB59914C958}"/>
-              </a:ext>
-            </a:extLst>
-          </p:cNvPr>
-          <p:cNvSpPr>
-            <a:spLocks noGrp="1"/>
-          </p:cNvSpPr>
-          <p:nvPr>
-            <p:ph type="ftr" sz="quarter" idx="10"/>
-          </p:nvPr>
-        </p:nvSpPr>
-        <p:spPr/>
-        <p:txBody>
-          <a:bodyPr/>
-          <a:lstStyle/>
-          <a:p>
-            <a:r>
-              <a:rPr lang="en-US"/>
-              <a:t>Michael Ball | UC Berkeley | https://c88c.org | © CC BY-NC-SA</a:t>
-            </a:r>
-            <a:endParaRPr lang="en-US" dirty="0"/>
-          </a:p>
-        </p:txBody>
-      </p:sp>
-    </p:spTree>
-    <p:extLst>
-      <p:ext uri="{BB962C8B-B14F-4D97-AF65-F5344CB8AC3E}">
-        <p14:creationId xmlns:p14="http://schemas.microsoft.com/office/powerpoint/2010/main" val="3458215332"/>
       </p:ext>
     </p:extLst>
   </p:cSld>
